--- a/FinalPresentation_Parallel Connected Components.pptx
+++ b/FinalPresentation_Parallel Connected Components.pptx
@@ -7967,9 +7967,16 @@
             <p:ph idx="1"/>
           </p:nvPr>
         </p:nvSpPr>
-        <p:spPr/>
-        <p:txBody>
-          <a:bodyPr/>
+        <p:spPr>
+          <a:xfrm>
+            <a:off x="680321" y="2336872"/>
+            <a:ext cx="10415769" cy="4207765"/>
+          </a:xfrm>
+        </p:spPr>
+        <p:txBody>
+          <a:bodyPr>
+            <a:normAutofit fontScale="62500" lnSpcReduction="20000"/>
+          </a:bodyPr>
           <a:lstStyle/>
           <a:p>
             <a:r>
@@ -7978,6 +7985,74 @@
             </a:r>
           </a:p>
           <a:p>
+            <a:pPr lvl="1"/>
+            <a:r>
+              <a:rPr lang="de-CH" dirty="0" err="1" smtClean="0"/>
+              <a:t>Iterate</a:t>
+            </a:r>
+            <a:r>
+              <a:rPr lang="de-CH" dirty="0" smtClean="0"/>
+              <a:t> </a:t>
+            </a:r>
+            <a:r>
+              <a:rPr lang="de-CH" dirty="0" err="1" smtClean="0"/>
+              <a:t>over</a:t>
+            </a:r>
+            <a:r>
+              <a:rPr lang="de-CH" dirty="0" smtClean="0"/>
+              <a:t> all </a:t>
+            </a:r>
+            <a:r>
+              <a:rPr lang="de-CH" dirty="0" err="1" smtClean="0"/>
+              <a:t>nodes</a:t>
+            </a:r>
+            <a:endParaRPr lang="de-CH" dirty="0" smtClean="0"/>
+          </a:p>
+          <a:p>
+            <a:pPr lvl="1"/>
+            <a:r>
+              <a:rPr lang="de-CH" dirty="0" err="1" smtClean="0"/>
+              <a:t>if</a:t>
+            </a:r>
+            <a:r>
+              <a:rPr lang="de-CH" dirty="0" smtClean="0"/>
+              <a:t> not </a:t>
+            </a:r>
+            <a:r>
+              <a:rPr lang="de-CH" dirty="0" err="1" smtClean="0"/>
+              <a:t>visited</a:t>
+            </a:r>
+            <a:r>
+              <a:rPr lang="de-CH" dirty="0" smtClean="0"/>
+              <a:t> </a:t>
+            </a:r>
+            <a:r>
+              <a:rPr lang="de-CH" dirty="0" err="1" smtClean="0"/>
+              <a:t>yet</a:t>
+            </a:r>
+            <a:r>
+              <a:rPr lang="de-CH" dirty="0"/>
+              <a:t> </a:t>
+            </a:r>
+            <a:r>
+              <a:rPr lang="de-CH" dirty="0" err="1" smtClean="0"/>
+              <a:t>start</a:t>
+            </a:r>
+            <a:r>
+              <a:rPr lang="de-CH" dirty="0" smtClean="0"/>
+              <a:t> </a:t>
+            </a:r>
+            <a:r>
+              <a:rPr lang="de-CH" dirty="0" err="1" smtClean="0"/>
+              <a:t>bfs</a:t>
+            </a:r>
+            <a:r>
+              <a:rPr lang="de-CH" dirty="0"/>
+              <a:t> </a:t>
+            </a:r>
+            <a:endParaRPr lang="de-CH" dirty="0" smtClean="0"/>
+          </a:p>
+          <a:p>
             <a:r>
               <a:rPr lang="de-CH" dirty="0" err="1" smtClean="0"/>
               <a:t>pBFS</a:t>
@@ -7985,6 +8060,300 @@
             <a:endParaRPr lang="de-CH" dirty="0" smtClean="0"/>
           </a:p>
           <a:p>
+            <a:pPr lvl="1"/>
+            <a:r>
+              <a:rPr lang="de-CH" dirty="0" err="1" smtClean="0"/>
+              <a:t>Each</a:t>
+            </a:r>
+            <a:r>
+              <a:rPr lang="de-CH" dirty="0" smtClean="0"/>
+              <a:t> </a:t>
+            </a:r>
+            <a:r>
+              <a:rPr lang="de-CH" dirty="0" err="1" smtClean="0"/>
+              <a:t>thread</a:t>
+            </a:r>
+            <a:r>
+              <a:rPr lang="de-CH" dirty="0" smtClean="0"/>
+              <a:t> </a:t>
+            </a:r>
+            <a:r>
+              <a:rPr lang="de-CH" dirty="0" err="1" smtClean="0"/>
+              <a:t>starts</a:t>
+            </a:r>
+            <a:r>
+              <a:rPr lang="de-CH" dirty="0" smtClean="0"/>
+              <a:t> at a different </a:t>
+            </a:r>
+            <a:r>
+              <a:rPr lang="de-CH" dirty="0" err="1" smtClean="0"/>
+              <a:t>node</a:t>
+            </a:r>
+            <a:endParaRPr lang="de-CH" dirty="0"/>
+          </a:p>
+          <a:p>
+            <a:pPr lvl="1"/>
+            <a:r>
+              <a:rPr lang="de-CH" dirty="0" err="1" smtClean="0"/>
+              <a:t>If</a:t>
+            </a:r>
+            <a:r>
+              <a:rPr lang="de-CH" dirty="0" smtClean="0"/>
+              <a:t> not </a:t>
+            </a:r>
+            <a:r>
+              <a:rPr lang="de-CH" dirty="0" err="1" smtClean="0"/>
+              <a:t>visited</a:t>
+            </a:r>
+            <a:r>
+              <a:rPr lang="de-CH" dirty="0" smtClean="0"/>
+              <a:t> </a:t>
+            </a:r>
+            <a:r>
+              <a:rPr lang="de-CH" dirty="0" err="1" smtClean="0"/>
+              <a:t>yet</a:t>
+            </a:r>
+            <a:r>
+              <a:rPr lang="de-CH" dirty="0" smtClean="0"/>
+              <a:t> </a:t>
+            </a:r>
+            <a:r>
+              <a:rPr lang="de-CH" dirty="0" err="1" smtClean="0"/>
+              <a:t>start</a:t>
+            </a:r>
+            <a:r>
+              <a:rPr lang="de-CH" dirty="0" smtClean="0"/>
+              <a:t> </a:t>
+            </a:r>
+            <a:r>
+              <a:rPr lang="de-CH" dirty="0" err="1" smtClean="0"/>
+              <a:t>bfs</a:t>
+            </a:r>
+            <a:endParaRPr lang="de-CH" dirty="0" smtClean="0"/>
+          </a:p>
+          <a:p>
+            <a:pPr lvl="1"/>
+            <a:r>
+              <a:rPr lang="de-CH" dirty="0"/>
+              <a:t>Mark </a:t>
+            </a:r>
+            <a:r>
+              <a:rPr lang="de-CH" dirty="0" err="1"/>
+              <a:t>nodes</a:t>
+            </a:r>
+            <a:r>
+              <a:rPr lang="de-CH" dirty="0"/>
+              <a:t> </a:t>
+            </a:r>
+            <a:r>
+              <a:rPr lang="de-CH" dirty="0" err="1"/>
+              <a:t>traversed</a:t>
+            </a:r>
+            <a:r>
+              <a:rPr lang="de-CH" dirty="0"/>
+              <a:t> </a:t>
+            </a:r>
+            <a:r>
+              <a:rPr lang="de-CH" dirty="0" err="1"/>
+              <a:t>by</a:t>
+            </a:r>
+            <a:r>
+              <a:rPr lang="de-CH" dirty="0"/>
+              <a:t> </a:t>
+            </a:r>
+            <a:r>
+              <a:rPr lang="de-CH" dirty="0" err="1"/>
+              <a:t>bfs</a:t>
+            </a:r>
+            <a:r>
+              <a:rPr lang="de-CH" dirty="0"/>
+              <a:t> </a:t>
+            </a:r>
+            <a:r>
+              <a:rPr lang="de-CH" dirty="0" err="1"/>
+              <a:t>with</a:t>
+            </a:r>
+            <a:r>
+              <a:rPr lang="de-CH" dirty="0"/>
+              <a:t> </a:t>
+            </a:r>
+            <a:r>
+              <a:rPr lang="de-CH" dirty="0" err="1"/>
+              <a:t>the</a:t>
+            </a:r>
+            <a:r>
+              <a:rPr lang="de-CH" dirty="0"/>
+              <a:t> same </a:t>
+            </a:r>
+            <a:r>
+              <a:rPr lang="de-CH" dirty="0" err="1"/>
+              <a:t>component</a:t>
+            </a:r>
+            <a:r>
+              <a:rPr lang="de-CH" dirty="0"/>
+              <a:t> </a:t>
+            </a:r>
+            <a:r>
+              <a:rPr lang="de-CH" dirty="0" err="1"/>
+              <a:t>number</a:t>
+            </a:r>
+            <a:r>
+              <a:rPr lang="de-CH" dirty="0"/>
+              <a:t>.</a:t>
+            </a:r>
+          </a:p>
+          <a:p>
+            <a:pPr lvl="1"/>
+            <a:r>
+              <a:rPr lang="de-CH" dirty="0" err="1" smtClean="0"/>
+              <a:t>If</a:t>
+            </a:r>
+            <a:r>
+              <a:rPr lang="de-CH" dirty="0" smtClean="0"/>
+              <a:t> </a:t>
+            </a:r>
+            <a:r>
+              <a:rPr lang="de-CH" dirty="0" err="1" smtClean="0"/>
+              <a:t>encounter</a:t>
+            </a:r>
+            <a:r>
+              <a:rPr lang="de-CH" dirty="0" smtClean="0"/>
+              <a:t> </a:t>
+            </a:r>
+            <a:r>
+              <a:rPr lang="de-CH" dirty="0" err="1" smtClean="0"/>
+              <a:t>another</a:t>
+            </a:r>
+            <a:r>
+              <a:rPr lang="de-CH" dirty="0" smtClean="0"/>
+              <a:t> </a:t>
+            </a:r>
+            <a:r>
+              <a:rPr lang="de-CH" dirty="0" err="1" smtClean="0"/>
+              <a:t>number</a:t>
+            </a:r>
+            <a:r>
+              <a:rPr lang="de-CH" dirty="0" smtClean="0"/>
+              <a:t>/</a:t>
+            </a:r>
+            <a:r>
+              <a:rPr lang="de-CH" dirty="0" err="1" smtClean="0"/>
+              <a:t>thread</a:t>
+            </a:r>
+            <a:r>
+              <a:rPr lang="de-CH" dirty="0" smtClean="0"/>
+              <a:t> </a:t>
+            </a:r>
+            <a:r>
+              <a:rPr lang="de-CH" dirty="0" err="1" smtClean="0"/>
+              <a:t>put</a:t>
+            </a:r>
+            <a:r>
+              <a:rPr lang="de-CH" dirty="0" smtClean="0"/>
+              <a:t> </a:t>
+            </a:r>
+            <a:r>
+              <a:rPr lang="de-CH" dirty="0" err="1" smtClean="0"/>
+              <a:t>both</a:t>
+            </a:r>
+            <a:r>
+              <a:rPr lang="de-CH" dirty="0" smtClean="0"/>
+              <a:t> </a:t>
+            </a:r>
+            <a:r>
+              <a:rPr lang="de-CH" dirty="0" err="1" smtClean="0"/>
+              <a:t>number</a:t>
+            </a:r>
+            <a:r>
+              <a:rPr lang="de-CH" dirty="0" smtClean="0"/>
+              <a:t> </a:t>
+            </a:r>
+            <a:r>
+              <a:rPr lang="de-CH" dirty="0" err="1" smtClean="0"/>
+              <a:t>into</a:t>
+            </a:r>
+            <a:r>
+              <a:rPr lang="de-CH" dirty="0" smtClean="0"/>
+              <a:t> </a:t>
+            </a:r>
+            <a:r>
+              <a:rPr lang="de-CH" dirty="0" err="1" smtClean="0"/>
+              <a:t>merge</a:t>
+            </a:r>
+            <a:r>
+              <a:rPr lang="de-CH" dirty="0" smtClean="0"/>
+              <a:t> </a:t>
+            </a:r>
+            <a:r>
+              <a:rPr lang="de-CH" dirty="0" err="1" smtClean="0"/>
+              <a:t>list</a:t>
+            </a:r>
+            <a:r>
+              <a:rPr lang="de-CH" dirty="0" smtClean="0"/>
+              <a:t>. </a:t>
+            </a:r>
+            <a:r>
+              <a:rPr lang="de-CH" dirty="0" err="1" smtClean="0"/>
+              <a:t>Don’t</a:t>
+            </a:r>
+            <a:r>
+              <a:rPr lang="de-CH" dirty="0" smtClean="0"/>
+              <a:t> follow </a:t>
+            </a:r>
+            <a:r>
+              <a:rPr lang="de-CH" dirty="0" err="1" smtClean="0"/>
+              <a:t>nodes</a:t>
+            </a:r>
+            <a:r>
+              <a:rPr lang="de-CH" dirty="0" smtClean="0"/>
+              <a:t> </a:t>
+            </a:r>
+            <a:r>
+              <a:rPr lang="de-CH" dirty="0" err="1" smtClean="0"/>
+              <a:t>which</a:t>
+            </a:r>
+            <a:r>
+              <a:rPr lang="de-CH" dirty="0" smtClean="0"/>
+              <a:t> </a:t>
+            </a:r>
+            <a:r>
+              <a:rPr lang="de-CH" dirty="0" err="1" smtClean="0"/>
+              <a:t>are</a:t>
+            </a:r>
+            <a:r>
+              <a:rPr lang="de-CH" dirty="0" smtClean="0"/>
+              <a:t> </a:t>
+            </a:r>
+            <a:r>
+              <a:rPr lang="de-CH" dirty="0" err="1" smtClean="0"/>
+              <a:t>already</a:t>
+            </a:r>
+            <a:r>
+              <a:rPr lang="de-CH" dirty="0" smtClean="0"/>
+              <a:t> </a:t>
+            </a:r>
+            <a:r>
+              <a:rPr lang="de-CH" dirty="0" err="1" smtClean="0"/>
+              <a:t>marked</a:t>
+            </a:r>
+            <a:r>
+              <a:rPr lang="de-CH" dirty="0" smtClean="0"/>
+              <a:t>.</a:t>
+            </a:r>
+          </a:p>
+          <a:p>
+            <a:pPr lvl="1"/>
+            <a:r>
+              <a:rPr lang="en-US" dirty="0" smtClean="0"/>
+              <a:t>At the end do merging of </a:t>
+            </a:r>
+            <a:r>
+              <a:rPr lang="en-US" dirty="0" err="1" smtClean="0"/>
+              <a:t>componenets</a:t>
+            </a:r>
+            <a:endParaRPr lang="de-CH" dirty="0" smtClean="0"/>
+          </a:p>
+          <a:p>
             <a:r>
               <a:rPr lang="de-CH" dirty="0" err="1" smtClean="0"/>
               <a:t>pBFSAtomic</a:t>
@@ -7992,9 +8361,48 @@
             <a:endParaRPr lang="de-CH" dirty="0" smtClean="0"/>
           </a:p>
           <a:p>
+            <a:pPr lvl="1"/>
+            <a:r>
+              <a:rPr lang="en-US" dirty="0" smtClean="0"/>
+              <a:t>Same as </a:t>
+            </a:r>
+            <a:r>
+              <a:rPr lang="en-US" dirty="0" err="1" smtClean="0"/>
+              <a:t>pBFS</a:t>
+            </a:r>
+            <a:r>
+              <a:rPr lang="en-US" dirty="0" smtClean="0"/>
+              <a:t>, guarantees that a write is seen by all other threads.</a:t>
+            </a:r>
+            <a:endParaRPr lang="de-CH" dirty="0" smtClean="0"/>
+          </a:p>
+          <a:p>
             <a:r>
               <a:rPr lang="de-CH" dirty="0" err="1" smtClean="0"/>
               <a:t>compareExchange</a:t>
+            </a:r>
+            <a:endParaRPr lang="de-CH" dirty="0" smtClean="0"/>
+          </a:p>
+          <a:p>
+            <a:pPr lvl="1"/>
+            <a:r>
+              <a:rPr lang="en-US" dirty="0" smtClean="0"/>
+              <a:t>Similar to </a:t>
+            </a:r>
+            <a:r>
+              <a:rPr lang="en-US" dirty="0" err="1" smtClean="0"/>
+              <a:t>pBFS</a:t>
+            </a:r>
+            <a:r>
+              <a:rPr lang="en-US" dirty="0" smtClean="0"/>
+              <a:t> but no merging.</a:t>
+            </a:r>
+          </a:p>
+          <a:p>
+            <a:pPr lvl="1"/>
+            <a:r>
+              <a:rPr lang="en-US" dirty="0" smtClean="0"/>
+              <a:t>If two threads on the same component the one with lower priority drops its work and starts somewhere else.</a:t>
             </a:r>
             <a:endParaRPr lang="de-CH" dirty="0" smtClean="0"/>
           </a:p>

--- a/FinalPresentation_Parallel Connected Components.pptx
+++ b/FinalPresentation_Parallel Connected Components.pptx
@@ -4,6 +4,9 @@
   <p:sldMasterIdLst>
     <p:sldMasterId id="2147483678" r:id="rId1"/>
   </p:sldMasterIdLst>
+  <p:notesMasterIdLst>
+    <p:notesMasterId r:id="rId33"/>
+  </p:notesMasterIdLst>
   <p:sldIdLst>
     <p:sldId id="256" r:id="rId2"/>
     <p:sldId id="262" r:id="rId3"/>
@@ -15,19 +18,27 @@
     <p:sldId id="269" r:id="rId9"/>
     <p:sldId id="270" r:id="rId10"/>
     <p:sldId id="266" r:id="rId11"/>
-    <p:sldId id="271" r:id="rId12"/>
-    <p:sldId id="272" r:id="rId13"/>
-    <p:sldId id="279" r:id="rId14"/>
-    <p:sldId id="273" r:id="rId15"/>
-    <p:sldId id="274" r:id="rId16"/>
-    <p:sldId id="275" r:id="rId17"/>
-    <p:sldId id="276" r:id="rId18"/>
-    <p:sldId id="277" r:id="rId19"/>
-    <p:sldId id="278" r:id="rId20"/>
-    <p:sldId id="280" r:id="rId21"/>
-    <p:sldId id="259" r:id="rId22"/>
-    <p:sldId id="257" r:id="rId23"/>
-    <p:sldId id="258" r:id="rId24"/>
+    <p:sldId id="285" r:id="rId12"/>
+    <p:sldId id="286" r:id="rId13"/>
+    <p:sldId id="287" r:id="rId14"/>
+    <p:sldId id="272" r:id="rId15"/>
+    <p:sldId id="288" r:id="rId16"/>
+    <p:sldId id="293" r:id="rId17"/>
+    <p:sldId id="294" r:id="rId18"/>
+    <p:sldId id="291" r:id="rId19"/>
+    <p:sldId id="273" r:id="rId20"/>
+    <p:sldId id="274" r:id="rId21"/>
+    <p:sldId id="275" r:id="rId22"/>
+    <p:sldId id="276" r:id="rId23"/>
+    <p:sldId id="277" r:id="rId24"/>
+    <p:sldId id="278" r:id="rId25"/>
+    <p:sldId id="280" r:id="rId26"/>
+    <p:sldId id="281" r:id="rId27"/>
+    <p:sldId id="282" r:id="rId28"/>
+    <p:sldId id="283" r:id="rId29"/>
+    <p:sldId id="284" r:id="rId30"/>
+    <p:sldId id="257" r:id="rId31"/>
+    <p:sldId id="259" r:id="rId32"/>
   </p:sldIdLst>
   <p:sldSz cx="12192000" cy="6858000"/>
   <p:notesSz cx="6858000" cy="9144000"/>
@@ -8709,6 +8720,944 @@
 </cs:chartStyle>
 </file>
 
+<file path=ppt/notesMasters/notesMaster1.xml><?xml version="1.0" encoding="utf-8"?>
+<p:notesMaster xmlns:a="http://schemas.openxmlformats.org/drawingml/2006/main" xmlns:r="http://schemas.openxmlformats.org/officeDocument/2006/relationships" xmlns:p="http://schemas.openxmlformats.org/presentationml/2006/main">
+  <p:cSld>
+    <p:bg>
+      <p:bgRef idx="1001">
+        <a:schemeClr val="bg1"/>
+      </p:bgRef>
+    </p:bg>
+    <p:spTree>
+      <p:nvGrpSpPr>
+        <p:cNvPr id="1" name=""/>
+        <p:cNvGrpSpPr/>
+        <p:nvPr/>
+      </p:nvGrpSpPr>
+      <p:grpSpPr>
+        <a:xfrm>
+          <a:off x="0" y="0"/>
+          <a:ext cx="0" cy="0"/>
+          <a:chOff x="0" y="0"/>
+          <a:chExt cx="0" cy="0"/>
+        </a:xfrm>
+      </p:grpSpPr>
+      <p:sp>
+        <p:nvSpPr>
+          <p:cNvPr id="2" name="Header Placeholder 1"/>
+          <p:cNvSpPr>
+            <a:spLocks noGrp="1"/>
+          </p:cNvSpPr>
+          <p:nvPr>
+            <p:ph type="hdr" sz="quarter"/>
+          </p:nvPr>
+        </p:nvSpPr>
+        <p:spPr>
+          <a:xfrm>
+            <a:off x="0" y="0"/>
+            <a:ext cx="2971800" cy="458788"/>
+          </a:xfrm>
+          <a:prstGeom prst="rect">
+            <a:avLst/>
+          </a:prstGeom>
+        </p:spPr>
+        <p:txBody>
+          <a:bodyPr vert="horz" lIns="91440" tIns="45720" rIns="91440" bIns="45720" rtlCol="0"/>
+          <a:lstStyle>
+            <a:lvl1pPr algn="l">
+              <a:defRPr sz="1200"/>
+            </a:lvl1pPr>
+          </a:lstStyle>
+          <a:p>
+            <a:endParaRPr lang="en-US"/>
+          </a:p>
+        </p:txBody>
+      </p:sp>
+      <p:sp>
+        <p:nvSpPr>
+          <p:cNvPr id="3" name="Date Placeholder 2"/>
+          <p:cNvSpPr>
+            <a:spLocks noGrp="1"/>
+          </p:cNvSpPr>
+          <p:nvPr>
+            <p:ph type="dt" idx="1"/>
+          </p:nvPr>
+        </p:nvSpPr>
+        <p:spPr>
+          <a:xfrm>
+            <a:off x="3884613" y="0"/>
+            <a:ext cx="2971800" cy="458788"/>
+          </a:xfrm>
+          <a:prstGeom prst="rect">
+            <a:avLst/>
+          </a:prstGeom>
+        </p:spPr>
+        <p:txBody>
+          <a:bodyPr vert="horz" lIns="91440" tIns="45720" rIns="91440" bIns="45720" rtlCol="0"/>
+          <a:lstStyle>
+            <a:lvl1pPr algn="r">
+              <a:defRPr sz="1200"/>
+            </a:lvl1pPr>
+          </a:lstStyle>
+          <a:p>
+            <a:fld id="{4499366F-C6C3-4D5A-8D0B-92E7DCCAC250}" type="datetimeFigureOut">
+              <a:rPr lang="en-US" smtClean="0"/>
+              <a:t>12/14/2014</a:t>
+            </a:fld>
+            <a:endParaRPr lang="en-US"/>
+          </a:p>
+        </p:txBody>
+      </p:sp>
+      <p:sp>
+        <p:nvSpPr>
+          <p:cNvPr id="4" name="Slide Image Placeholder 3"/>
+          <p:cNvSpPr>
+            <a:spLocks noGrp="1" noRot="1" noChangeAspect="1"/>
+          </p:cNvSpPr>
+          <p:nvPr>
+            <p:ph type="sldImg" idx="2"/>
+          </p:nvPr>
+        </p:nvSpPr>
+        <p:spPr>
+          <a:xfrm>
+            <a:off x="685800" y="1143000"/>
+            <a:ext cx="5486400" cy="3086100"/>
+          </a:xfrm>
+          <a:prstGeom prst="rect">
+            <a:avLst/>
+          </a:prstGeom>
+          <a:noFill/>
+          <a:ln w="12700">
+            <a:solidFill>
+              <a:prstClr val="black"/>
+            </a:solidFill>
+          </a:ln>
+        </p:spPr>
+        <p:txBody>
+          <a:bodyPr vert="horz" lIns="91440" tIns="45720" rIns="91440" bIns="45720" rtlCol="0" anchor="ctr"/>
+          <a:lstStyle/>
+          <a:p>
+            <a:endParaRPr lang="en-US"/>
+          </a:p>
+        </p:txBody>
+      </p:sp>
+      <p:sp>
+        <p:nvSpPr>
+          <p:cNvPr id="5" name="Notes Placeholder 4"/>
+          <p:cNvSpPr>
+            <a:spLocks noGrp="1"/>
+          </p:cNvSpPr>
+          <p:nvPr>
+            <p:ph type="body" sz="quarter" idx="3"/>
+          </p:nvPr>
+        </p:nvSpPr>
+        <p:spPr>
+          <a:xfrm>
+            <a:off x="685800" y="4400550"/>
+            <a:ext cx="5486400" cy="3600450"/>
+          </a:xfrm>
+          <a:prstGeom prst="rect">
+            <a:avLst/>
+          </a:prstGeom>
+        </p:spPr>
+        <p:txBody>
+          <a:bodyPr vert="horz" lIns="91440" tIns="45720" rIns="91440" bIns="45720" rtlCol="0"/>
+          <a:lstStyle/>
+          <a:p>
+            <a:pPr lvl="0"/>
+            <a:r>
+              <a:rPr lang="en-US" smtClean="0"/>
+              <a:t>Click to edit Master text styles</a:t>
+            </a:r>
+          </a:p>
+          <a:p>
+            <a:pPr lvl="1"/>
+            <a:r>
+              <a:rPr lang="en-US" smtClean="0"/>
+              <a:t>Second level</a:t>
+            </a:r>
+          </a:p>
+          <a:p>
+            <a:pPr lvl="2"/>
+            <a:r>
+              <a:rPr lang="en-US" smtClean="0"/>
+              <a:t>Third level</a:t>
+            </a:r>
+          </a:p>
+          <a:p>
+            <a:pPr lvl="3"/>
+            <a:r>
+              <a:rPr lang="en-US" smtClean="0"/>
+              <a:t>Fourth level</a:t>
+            </a:r>
+          </a:p>
+          <a:p>
+            <a:pPr lvl="4"/>
+            <a:r>
+              <a:rPr lang="en-US" smtClean="0"/>
+              <a:t>Fifth level</a:t>
+            </a:r>
+            <a:endParaRPr lang="en-US"/>
+          </a:p>
+        </p:txBody>
+      </p:sp>
+      <p:sp>
+        <p:nvSpPr>
+          <p:cNvPr id="6" name="Footer Placeholder 5"/>
+          <p:cNvSpPr>
+            <a:spLocks noGrp="1"/>
+          </p:cNvSpPr>
+          <p:nvPr>
+            <p:ph type="ftr" sz="quarter" idx="4"/>
+          </p:nvPr>
+        </p:nvSpPr>
+        <p:spPr>
+          <a:xfrm>
+            <a:off x="0" y="8685213"/>
+            <a:ext cx="2971800" cy="458787"/>
+          </a:xfrm>
+          <a:prstGeom prst="rect">
+            <a:avLst/>
+          </a:prstGeom>
+        </p:spPr>
+        <p:txBody>
+          <a:bodyPr vert="horz" lIns="91440" tIns="45720" rIns="91440" bIns="45720" rtlCol="0" anchor="b"/>
+          <a:lstStyle>
+            <a:lvl1pPr algn="l">
+              <a:defRPr sz="1200"/>
+            </a:lvl1pPr>
+          </a:lstStyle>
+          <a:p>
+            <a:endParaRPr lang="en-US"/>
+          </a:p>
+        </p:txBody>
+      </p:sp>
+      <p:sp>
+        <p:nvSpPr>
+          <p:cNvPr id="7" name="Slide Number Placeholder 6"/>
+          <p:cNvSpPr>
+            <a:spLocks noGrp="1"/>
+          </p:cNvSpPr>
+          <p:nvPr>
+            <p:ph type="sldNum" sz="quarter" idx="5"/>
+          </p:nvPr>
+        </p:nvSpPr>
+        <p:spPr>
+          <a:xfrm>
+            <a:off x="3884613" y="8685213"/>
+            <a:ext cx="2971800" cy="458787"/>
+          </a:xfrm>
+          <a:prstGeom prst="rect">
+            <a:avLst/>
+          </a:prstGeom>
+        </p:spPr>
+        <p:txBody>
+          <a:bodyPr vert="horz" lIns="91440" tIns="45720" rIns="91440" bIns="45720" rtlCol="0" anchor="b"/>
+          <a:lstStyle>
+            <a:lvl1pPr algn="r">
+              <a:defRPr sz="1200"/>
+            </a:lvl1pPr>
+          </a:lstStyle>
+          <a:p>
+            <a:fld id="{E9CF5C0B-8884-41E5-88A3-9679438C4701}" type="slidenum">
+              <a:rPr lang="en-US" smtClean="0"/>
+              <a:t>‹#›</a:t>
+            </a:fld>
+            <a:endParaRPr lang="en-US"/>
+          </a:p>
+        </p:txBody>
+      </p:sp>
+    </p:spTree>
+    <p:extLst>
+      <p:ext uri="{BB962C8B-B14F-4D97-AF65-F5344CB8AC3E}">
+        <p14:creationId xmlns:p14="http://schemas.microsoft.com/office/powerpoint/2010/main" val="2596502255"/>
+      </p:ext>
+    </p:extLst>
+  </p:cSld>
+  <p:clrMap bg1="lt1" tx1="dk1" bg2="lt2" tx2="dk2" accent1="accent1" accent2="accent2" accent3="accent3" accent4="accent4" accent5="accent5" accent6="accent6" hlink="hlink" folHlink="folHlink"/>
+  <p:notesStyle>
+    <a:lvl1pPr marL="0" algn="l" defTabSz="914400" rtl="0" eaLnBrk="1" latinLnBrk="0" hangingPunct="1">
+      <a:defRPr sz="1200" kern="1200">
+        <a:solidFill>
+          <a:schemeClr val="tx1"/>
+        </a:solidFill>
+        <a:latin typeface="+mn-lt"/>
+        <a:ea typeface="+mn-ea"/>
+        <a:cs typeface="+mn-cs"/>
+      </a:defRPr>
+    </a:lvl1pPr>
+    <a:lvl2pPr marL="457200" algn="l" defTabSz="914400" rtl="0" eaLnBrk="1" latinLnBrk="0" hangingPunct="1">
+      <a:defRPr sz="1200" kern="1200">
+        <a:solidFill>
+          <a:schemeClr val="tx1"/>
+        </a:solidFill>
+        <a:latin typeface="+mn-lt"/>
+        <a:ea typeface="+mn-ea"/>
+        <a:cs typeface="+mn-cs"/>
+      </a:defRPr>
+    </a:lvl2pPr>
+    <a:lvl3pPr marL="914400" algn="l" defTabSz="914400" rtl="0" eaLnBrk="1" latinLnBrk="0" hangingPunct="1">
+      <a:defRPr sz="1200" kern="1200">
+        <a:solidFill>
+          <a:schemeClr val="tx1"/>
+        </a:solidFill>
+        <a:latin typeface="+mn-lt"/>
+        <a:ea typeface="+mn-ea"/>
+        <a:cs typeface="+mn-cs"/>
+      </a:defRPr>
+    </a:lvl3pPr>
+    <a:lvl4pPr marL="1371600" algn="l" defTabSz="914400" rtl="0" eaLnBrk="1" latinLnBrk="0" hangingPunct="1">
+      <a:defRPr sz="1200" kern="1200">
+        <a:solidFill>
+          <a:schemeClr val="tx1"/>
+        </a:solidFill>
+        <a:latin typeface="+mn-lt"/>
+        <a:ea typeface="+mn-ea"/>
+        <a:cs typeface="+mn-cs"/>
+      </a:defRPr>
+    </a:lvl4pPr>
+    <a:lvl5pPr marL="1828800" algn="l" defTabSz="914400" rtl="0" eaLnBrk="1" latinLnBrk="0" hangingPunct="1">
+      <a:defRPr sz="1200" kern="1200">
+        <a:solidFill>
+          <a:schemeClr val="tx1"/>
+        </a:solidFill>
+        <a:latin typeface="+mn-lt"/>
+        <a:ea typeface="+mn-ea"/>
+        <a:cs typeface="+mn-cs"/>
+      </a:defRPr>
+    </a:lvl5pPr>
+    <a:lvl6pPr marL="2286000" algn="l" defTabSz="914400" rtl="0" eaLnBrk="1" latinLnBrk="0" hangingPunct="1">
+      <a:defRPr sz="1200" kern="1200">
+        <a:solidFill>
+          <a:schemeClr val="tx1"/>
+        </a:solidFill>
+        <a:latin typeface="+mn-lt"/>
+        <a:ea typeface="+mn-ea"/>
+        <a:cs typeface="+mn-cs"/>
+      </a:defRPr>
+    </a:lvl6pPr>
+    <a:lvl7pPr marL="2743200" algn="l" defTabSz="914400" rtl="0" eaLnBrk="1" latinLnBrk="0" hangingPunct="1">
+      <a:defRPr sz="1200" kern="1200">
+        <a:solidFill>
+          <a:schemeClr val="tx1"/>
+        </a:solidFill>
+        <a:latin typeface="+mn-lt"/>
+        <a:ea typeface="+mn-ea"/>
+        <a:cs typeface="+mn-cs"/>
+      </a:defRPr>
+    </a:lvl7pPr>
+    <a:lvl8pPr marL="3200400" algn="l" defTabSz="914400" rtl="0" eaLnBrk="1" latinLnBrk="0" hangingPunct="1">
+      <a:defRPr sz="1200" kern="1200">
+        <a:solidFill>
+          <a:schemeClr val="tx1"/>
+        </a:solidFill>
+        <a:latin typeface="+mn-lt"/>
+        <a:ea typeface="+mn-ea"/>
+        <a:cs typeface="+mn-cs"/>
+      </a:defRPr>
+    </a:lvl8pPr>
+    <a:lvl9pPr marL="3657600" algn="l" defTabSz="914400" rtl="0" eaLnBrk="1" latinLnBrk="0" hangingPunct="1">
+      <a:defRPr sz="1200" kern="1200">
+        <a:solidFill>
+          <a:schemeClr val="tx1"/>
+        </a:solidFill>
+        <a:latin typeface="+mn-lt"/>
+        <a:ea typeface="+mn-ea"/>
+        <a:cs typeface="+mn-cs"/>
+      </a:defRPr>
+    </a:lvl9pPr>
+  </p:notesStyle>
+</p:notesMaster>
+</file>
+
+<file path=ppt/notesSlides/notesSlide1.xml><?xml version="1.0" encoding="utf-8"?>
+<p:notes xmlns:a="http://schemas.openxmlformats.org/drawingml/2006/main" xmlns:r="http://schemas.openxmlformats.org/officeDocument/2006/relationships" xmlns:p="http://schemas.openxmlformats.org/presentationml/2006/main">
+  <p:cSld>
+    <p:spTree>
+      <p:nvGrpSpPr>
+        <p:cNvPr id="1" name=""/>
+        <p:cNvGrpSpPr/>
+        <p:nvPr/>
+      </p:nvGrpSpPr>
+      <p:grpSpPr>
+        <a:xfrm>
+          <a:off x="0" y="0"/>
+          <a:ext cx="0" cy="0"/>
+          <a:chOff x="0" y="0"/>
+          <a:chExt cx="0" cy="0"/>
+        </a:xfrm>
+      </p:grpSpPr>
+      <p:sp>
+        <p:nvSpPr>
+          <p:cNvPr id="2" name="Folienbildplatzhalter 1"/>
+          <p:cNvSpPr>
+            <a:spLocks noGrp="1" noRot="1" noChangeAspect="1"/>
+          </p:cNvSpPr>
+          <p:nvPr>
+            <p:ph type="sldImg"/>
+          </p:nvPr>
+        </p:nvSpPr>
+        <p:spPr/>
+      </p:sp>
+      <p:sp>
+        <p:nvSpPr>
+          <p:cNvPr id="3" name="Notizenplatzhalter 2"/>
+          <p:cNvSpPr>
+            <a:spLocks noGrp="1"/>
+          </p:cNvSpPr>
+          <p:nvPr>
+            <p:ph type="body" idx="1"/>
+          </p:nvPr>
+        </p:nvSpPr>
+        <p:spPr/>
+        <p:txBody>
+          <a:bodyPr/>
+          <a:lstStyle/>
+          <a:p>
+            <a:endParaRPr lang="de-DE"/>
+          </a:p>
+        </p:txBody>
+      </p:sp>
+      <p:sp>
+        <p:nvSpPr>
+          <p:cNvPr id="4" name="Foliennummernplatzhalter 3"/>
+          <p:cNvSpPr>
+            <a:spLocks noGrp="1"/>
+          </p:cNvSpPr>
+          <p:nvPr>
+            <p:ph type="sldNum" sz="quarter" idx="10"/>
+          </p:nvPr>
+        </p:nvSpPr>
+        <p:spPr/>
+        <p:txBody>
+          <a:bodyPr/>
+          <a:lstStyle/>
+          <a:p>
+            <a:fld id="{865954DE-AD15-4167-8118-D8CF852358AF}" type="slidenum">
+              <a:rPr lang="de-DE"/>
+              <a:t>11</a:t>
+            </a:fld>
+            <a:endParaRPr lang="de-DE"/>
+          </a:p>
+        </p:txBody>
+      </p:sp>
+    </p:spTree>
+    <p:extLst>
+      <p:ext uri="{BB962C8B-B14F-4D97-AF65-F5344CB8AC3E}">
+        <p14:creationId xmlns:p14="http://schemas.microsoft.com/office/powerpoint/2010/main" val="3354677605"/>
+      </p:ext>
+    </p:extLst>
+  </p:cSld>
+  <p:clrMapOvr>
+    <a:masterClrMapping/>
+  </p:clrMapOvr>
+</p:notes>
+</file>
+
+<file path=ppt/notesSlides/notesSlide2.xml><?xml version="1.0" encoding="utf-8"?>
+<p:notes xmlns:a="http://schemas.openxmlformats.org/drawingml/2006/main" xmlns:r="http://schemas.openxmlformats.org/officeDocument/2006/relationships" xmlns:p="http://schemas.openxmlformats.org/presentationml/2006/main">
+  <p:cSld>
+    <p:spTree>
+      <p:nvGrpSpPr>
+        <p:cNvPr id="1" name=""/>
+        <p:cNvGrpSpPr/>
+        <p:nvPr/>
+      </p:nvGrpSpPr>
+      <p:grpSpPr>
+        <a:xfrm>
+          <a:off x="0" y="0"/>
+          <a:ext cx="0" cy="0"/>
+          <a:chOff x="0" y="0"/>
+          <a:chExt cx="0" cy="0"/>
+        </a:xfrm>
+      </p:grpSpPr>
+      <p:sp>
+        <p:nvSpPr>
+          <p:cNvPr id="2" name="Folienbildplatzhalter 1"/>
+          <p:cNvSpPr>
+            <a:spLocks noGrp="1" noRot="1" noChangeAspect="1"/>
+          </p:cNvSpPr>
+          <p:nvPr>
+            <p:ph type="sldImg"/>
+          </p:nvPr>
+        </p:nvSpPr>
+        <p:spPr/>
+      </p:sp>
+      <p:sp>
+        <p:nvSpPr>
+          <p:cNvPr id="3" name="Notizenplatzhalter 2"/>
+          <p:cNvSpPr>
+            <a:spLocks noGrp="1"/>
+          </p:cNvSpPr>
+          <p:nvPr>
+            <p:ph type="body" idx="1"/>
+          </p:nvPr>
+        </p:nvSpPr>
+        <p:spPr/>
+        <p:txBody>
+          <a:bodyPr/>
+          <a:lstStyle/>
+          <a:p>
+            <a:endParaRPr lang="de-DE"/>
+          </a:p>
+        </p:txBody>
+      </p:sp>
+      <p:sp>
+        <p:nvSpPr>
+          <p:cNvPr id="4" name="Foliennummernplatzhalter 3"/>
+          <p:cNvSpPr>
+            <a:spLocks noGrp="1"/>
+          </p:cNvSpPr>
+          <p:nvPr>
+            <p:ph type="sldNum" sz="quarter" idx="10"/>
+          </p:nvPr>
+        </p:nvSpPr>
+        <p:spPr/>
+        <p:txBody>
+          <a:bodyPr/>
+          <a:lstStyle/>
+          <a:p>
+            <a:fld id="{865954DE-AD15-4167-8118-D8CF852358AF}" type="slidenum">
+              <a:rPr lang="de-DE"/>
+              <a:t>12</a:t>
+            </a:fld>
+            <a:endParaRPr lang="de-DE"/>
+          </a:p>
+        </p:txBody>
+      </p:sp>
+    </p:spTree>
+    <p:extLst>
+      <p:ext uri="{BB962C8B-B14F-4D97-AF65-F5344CB8AC3E}">
+        <p14:creationId xmlns:p14="http://schemas.microsoft.com/office/powerpoint/2010/main" val="477451119"/>
+      </p:ext>
+    </p:extLst>
+  </p:cSld>
+  <p:clrMapOvr>
+    <a:masterClrMapping/>
+  </p:clrMapOvr>
+</p:notes>
+</file>
+
+<file path=ppt/notesSlides/notesSlide3.xml><?xml version="1.0" encoding="utf-8"?>
+<p:notes xmlns:a="http://schemas.openxmlformats.org/drawingml/2006/main" xmlns:r="http://schemas.openxmlformats.org/officeDocument/2006/relationships" xmlns:p="http://schemas.openxmlformats.org/presentationml/2006/main">
+  <p:cSld>
+    <p:spTree>
+      <p:nvGrpSpPr>
+        <p:cNvPr id="1" name=""/>
+        <p:cNvGrpSpPr/>
+        <p:nvPr/>
+      </p:nvGrpSpPr>
+      <p:grpSpPr>
+        <a:xfrm>
+          <a:off x="0" y="0"/>
+          <a:ext cx="0" cy="0"/>
+          <a:chOff x="0" y="0"/>
+          <a:chExt cx="0" cy="0"/>
+        </a:xfrm>
+      </p:grpSpPr>
+      <p:sp>
+        <p:nvSpPr>
+          <p:cNvPr id="2" name="Folienbildplatzhalter 1"/>
+          <p:cNvSpPr>
+            <a:spLocks noGrp="1" noRot="1" noChangeAspect="1"/>
+          </p:cNvSpPr>
+          <p:nvPr>
+            <p:ph type="sldImg"/>
+          </p:nvPr>
+        </p:nvSpPr>
+        <p:spPr/>
+      </p:sp>
+      <p:sp>
+        <p:nvSpPr>
+          <p:cNvPr id="3" name="Notizenplatzhalter 2"/>
+          <p:cNvSpPr>
+            <a:spLocks noGrp="1"/>
+          </p:cNvSpPr>
+          <p:nvPr>
+            <p:ph type="body" idx="1"/>
+          </p:nvPr>
+        </p:nvSpPr>
+        <p:spPr/>
+        <p:txBody>
+          <a:bodyPr/>
+          <a:lstStyle/>
+          <a:p>
+            <a:endParaRPr lang="de-DE"/>
+          </a:p>
+        </p:txBody>
+      </p:sp>
+      <p:sp>
+        <p:nvSpPr>
+          <p:cNvPr id="4" name="Foliennummernplatzhalter 3"/>
+          <p:cNvSpPr>
+            <a:spLocks noGrp="1"/>
+          </p:cNvSpPr>
+          <p:nvPr>
+            <p:ph type="sldNum" sz="quarter" idx="10"/>
+          </p:nvPr>
+        </p:nvSpPr>
+        <p:spPr/>
+        <p:txBody>
+          <a:bodyPr/>
+          <a:lstStyle/>
+          <a:p>
+            <a:fld id="{865954DE-AD15-4167-8118-D8CF852358AF}" type="slidenum">
+              <a:rPr lang="de-DE"/>
+              <a:t>13</a:t>
+            </a:fld>
+            <a:endParaRPr lang="de-DE"/>
+          </a:p>
+        </p:txBody>
+      </p:sp>
+    </p:spTree>
+    <p:extLst>
+      <p:ext uri="{BB962C8B-B14F-4D97-AF65-F5344CB8AC3E}">
+        <p14:creationId xmlns:p14="http://schemas.microsoft.com/office/powerpoint/2010/main" val="2648850125"/>
+      </p:ext>
+    </p:extLst>
+  </p:cSld>
+  <p:clrMapOvr>
+    <a:masterClrMapping/>
+  </p:clrMapOvr>
+</p:notes>
+</file>
+
+<file path=ppt/notesSlides/notesSlide4.xml><?xml version="1.0" encoding="utf-8"?>
+<p:notes xmlns:a="http://schemas.openxmlformats.org/drawingml/2006/main" xmlns:r="http://schemas.openxmlformats.org/officeDocument/2006/relationships" xmlns:p="http://schemas.openxmlformats.org/presentationml/2006/main">
+  <p:cSld>
+    <p:spTree>
+      <p:nvGrpSpPr>
+        <p:cNvPr id="1" name=""/>
+        <p:cNvGrpSpPr/>
+        <p:nvPr/>
+      </p:nvGrpSpPr>
+      <p:grpSpPr>
+        <a:xfrm>
+          <a:off x="0" y="0"/>
+          <a:ext cx="0" cy="0"/>
+          <a:chOff x="0" y="0"/>
+          <a:chExt cx="0" cy="0"/>
+        </a:xfrm>
+      </p:grpSpPr>
+      <p:sp>
+        <p:nvSpPr>
+          <p:cNvPr id="2" name="Folienbildplatzhalter 1"/>
+          <p:cNvSpPr>
+            <a:spLocks noGrp="1" noRot="1" noChangeAspect="1"/>
+          </p:cNvSpPr>
+          <p:nvPr>
+            <p:ph type="sldImg"/>
+          </p:nvPr>
+        </p:nvSpPr>
+        <p:spPr/>
+      </p:sp>
+      <p:sp>
+        <p:nvSpPr>
+          <p:cNvPr id="3" name="Notizenplatzhalter 2"/>
+          <p:cNvSpPr>
+            <a:spLocks noGrp="1"/>
+          </p:cNvSpPr>
+          <p:nvPr>
+            <p:ph type="body" idx="1"/>
+          </p:nvPr>
+        </p:nvSpPr>
+        <p:spPr/>
+        <p:txBody>
+          <a:bodyPr/>
+          <a:lstStyle/>
+          <a:p>
+            <a:endParaRPr lang="de-DE"/>
+          </a:p>
+        </p:txBody>
+      </p:sp>
+      <p:sp>
+        <p:nvSpPr>
+          <p:cNvPr id="4" name="Foliennummernplatzhalter 3"/>
+          <p:cNvSpPr>
+            <a:spLocks noGrp="1"/>
+          </p:cNvSpPr>
+          <p:nvPr>
+            <p:ph type="sldNum" sz="quarter" idx="10"/>
+          </p:nvPr>
+        </p:nvSpPr>
+        <p:spPr/>
+        <p:txBody>
+          <a:bodyPr/>
+          <a:lstStyle/>
+          <a:p>
+            <a:fld id="{865954DE-AD15-4167-8118-D8CF852358AF}" type="slidenum">
+              <a:rPr lang="de-DE"/>
+              <a:t>15</a:t>
+            </a:fld>
+            <a:endParaRPr lang="de-DE"/>
+          </a:p>
+        </p:txBody>
+      </p:sp>
+    </p:spTree>
+    <p:extLst>
+      <p:ext uri="{BB962C8B-B14F-4D97-AF65-F5344CB8AC3E}">
+        <p14:creationId xmlns:p14="http://schemas.microsoft.com/office/powerpoint/2010/main" val="3261561318"/>
+      </p:ext>
+    </p:extLst>
+  </p:cSld>
+  <p:clrMapOvr>
+    <a:masterClrMapping/>
+  </p:clrMapOvr>
+</p:notes>
+</file>
+
+<file path=ppt/notesSlides/notesSlide5.xml><?xml version="1.0" encoding="utf-8"?>
+<p:notes xmlns:a="http://schemas.openxmlformats.org/drawingml/2006/main" xmlns:r="http://schemas.openxmlformats.org/officeDocument/2006/relationships" xmlns:p="http://schemas.openxmlformats.org/presentationml/2006/main">
+  <p:cSld>
+    <p:spTree>
+      <p:nvGrpSpPr>
+        <p:cNvPr id="1" name=""/>
+        <p:cNvGrpSpPr/>
+        <p:nvPr/>
+      </p:nvGrpSpPr>
+      <p:grpSpPr>
+        <a:xfrm>
+          <a:off x="0" y="0"/>
+          <a:ext cx="0" cy="0"/>
+          <a:chOff x="0" y="0"/>
+          <a:chExt cx="0" cy="0"/>
+        </a:xfrm>
+      </p:grpSpPr>
+      <p:sp>
+        <p:nvSpPr>
+          <p:cNvPr id="2" name="Folienbildplatzhalter 1"/>
+          <p:cNvSpPr>
+            <a:spLocks noGrp="1" noRot="1" noChangeAspect="1"/>
+          </p:cNvSpPr>
+          <p:nvPr>
+            <p:ph type="sldImg"/>
+          </p:nvPr>
+        </p:nvSpPr>
+        <p:spPr/>
+      </p:sp>
+      <p:sp>
+        <p:nvSpPr>
+          <p:cNvPr id="3" name="Notizenplatzhalter 2"/>
+          <p:cNvSpPr>
+            <a:spLocks noGrp="1"/>
+          </p:cNvSpPr>
+          <p:nvPr>
+            <p:ph type="body" idx="1"/>
+          </p:nvPr>
+        </p:nvSpPr>
+        <p:spPr/>
+        <p:txBody>
+          <a:bodyPr/>
+          <a:lstStyle/>
+          <a:p>
+            <a:endParaRPr lang="de-DE"/>
+          </a:p>
+        </p:txBody>
+      </p:sp>
+      <p:sp>
+        <p:nvSpPr>
+          <p:cNvPr id="4" name="Foliennummernplatzhalter 3"/>
+          <p:cNvSpPr>
+            <a:spLocks noGrp="1"/>
+          </p:cNvSpPr>
+          <p:nvPr>
+            <p:ph type="sldNum" sz="quarter" idx="10"/>
+          </p:nvPr>
+        </p:nvSpPr>
+        <p:spPr/>
+        <p:txBody>
+          <a:bodyPr/>
+          <a:lstStyle/>
+          <a:p>
+            <a:fld id="{865954DE-AD15-4167-8118-D8CF852358AF}" type="slidenum">
+              <a:rPr lang="de-DE"/>
+              <a:t>16</a:t>
+            </a:fld>
+            <a:endParaRPr lang="de-DE"/>
+          </a:p>
+        </p:txBody>
+      </p:sp>
+    </p:spTree>
+    <p:extLst>
+      <p:ext uri="{BB962C8B-B14F-4D97-AF65-F5344CB8AC3E}">
+        <p14:creationId xmlns:p14="http://schemas.microsoft.com/office/powerpoint/2010/main" val="106231529"/>
+      </p:ext>
+    </p:extLst>
+  </p:cSld>
+  <p:clrMapOvr>
+    <a:masterClrMapping/>
+  </p:clrMapOvr>
+</p:notes>
+</file>
+
+<file path=ppt/notesSlides/notesSlide6.xml><?xml version="1.0" encoding="utf-8"?>
+<p:notes xmlns:a="http://schemas.openxmlformats.org/drawingml/2006/main" xmlns:r="http://schemas.openxmlformats.org/officeDocument/2006/relationships" xmlns:p="http://schemas.openxmlformats.org/presentationml/2006/main">
+  <p:cSld>
+    <p:spTree>
+      <p:nvGrpSpPr>
+        <p:cNvPr id="1" name=""/>
+        <p:cNvGrpSpPr/>
+        <p:nvPr/>
+      </p:nvGrpSpPr>
+      <p:grpSpPr>
+        <a:xfrm>
+          <a:off x="0" y="0"/>
+          <a:ext cx="0" cy="0"/>
+          <a:chOff x="0" y="0"/>
+          <a:chExt cx="0" cy="0"/>
+        </a:xfrm>
+      </p:grpSpPr>
+      <p:sp>
+        <p:nvSpPr>
+          <p:cNvPr id="2" name="Folienbildplatzhalter 1"/>
+          <p:cNvSpPr>
+            <a:spLocks noGrp="1" noRot="1" noChangeAspect="1"/>
+          </p:cNvSpPr>
+          <p:nvPr>
+            <p:ph type="sldImg"/>
+          </p:nvPr>
+        </p:nvSpPr>
+        <p:spPr/>
+      </p:sp>
+      <p:sp>
+        <p:nvSpPr>
+          <p:cNvPr id="3" name="Notizenplatzhalter 2"/>
+          <p:cNvSpPr>
+            <a:spLocks noGrp="1"/>
+          </p:cNvSpPr>
+          <p:nvPr>
+            <p:ph type="body" idx="1"/>
+          </p:nvPr>
+        </p:nvSpPr>
+        <p:spPr/>
+        <p:txBody>
+          <a:bodyPr/>
+          <a:lstStyle/>
+          <a:p>
+            <a:endParaRPr lang="de-DE"/>
+          </a:p>
+        </p:txBody>
+      </p:sp>
+      <p:sp>
+        <p:nvSpPr>
+          <p:cNvPr id="4" name="Foliennummernplatzhalter 3"/>
+          <p:cNvSpPr>
+            <a:spLocks noGrp="1"/>
+          </p:cNvSpPr>
+          <p:nvPr>
+            <p:ph type="sldNum" sz="quarter" idx="10"/>
+          </p:nvPr>
+        </p:nvSpPr>
+        <p:spPr/>
+        <p:txBody>
+          <a:bodyPr/>
+          <a:lstStyle/>
+          <a:p>
+            <a:fld id="{865954DE-AD15-4167-8118-D8CF852358AF}" type="slidenum">
+              <a:rPr lang="de-DE"/>
+              <a:t>17</a:t>
+            </a:fld>
+            <a:endParaRPr lang="de-DE"/>
+          </a:p>
+        </p:txBody>
+      </p:sp>
+    </p:spTree>
+    <p:extLst>
+      <p:ext uri="{BB962C8B-B14F-4D97-AF65-F5344CB8AC3E}">
+        <p14:creationId xmlns:p14="http://schemas.microsoft.com/office/powerpoint/2010/main" val="3619910016"/>
+      </p:ext>
+    </p:extLst>
+  </p:cSld>
+  <p:clrMapOvr>
+    <a:masterClrMapping/>
+  </p:clrMapOvr>
+</p:notes>
+</file>
+
+<file path=ppt/notesSlides/notesSlide7.xml><?xml version="1.0" encoding="utf-8"?>
+<p:notes xmlns:a="http://schemas.openxmlformats.org/drawingml/2006/main" xmlns:r="http://schemas.openxmlformats.org/officeDocument/2006/relationships" xmlns:p="http://schemas.openxmlformats.org/presentationml/2006/main">
+  <p:cSld>
+    <p:spTree>
+      <p:nvGrpSpPr>
+        <p:cNvPr id="1" name=""/>
+        <p:cNvGrpSpPr/>
+        <p:nvPr/>
+      </p:nvGrpSpPr>
+      <p:grpSpPr>
+        <a:xfrm>
+          <a:off x="0" y="0"/>
+          <a:ext cx="0" cy="0"/>
+          <a:chOff x="0" y="0"/>
+          <a:chExt cx="0" cy="0"/>
+        </a:xfrm>
+      </p:grpSpPr>
+      <p:sp>
+        <p:nvSpPr>
+          <p:cNvPr id="2" name="Folienbildplatzhalter 1"/>
+          <p:cNvSpPr>
+            <a:spLocks noGrp="1" noRot="1" noChangeAspect="1"/>
+          </p:cNvSpPr>
+          <p:nvPr>
+            <p:ph type="sldImg"/>
+          </p:nvPr>
+        </p:nvSpPr>
+        <p:spPr/>
+      </p:sp>
+      <p:sp>
+        <p:nvSpPr>
+          <p:cNvPr id="3" name="Notizenplatzhalter 2"/>
+          <p:cNvSpPr>
+            <a:spLocks noGrp="1"/>
+          </p:cNvSpPr>
+          <p:nvPr>
+            <p:ph type="body" idx="1"/>
+          </p:nvPr>
+        </p:nvSpPr>
+        <p:spPr/>
+        <p:txBody>
+          <a:bodyPr/>
+          <a:lstStyle/>
+          <a:p>
+            <a:endParaRPr lang="de-DE"/>
+          </a:p>
+        </p:txBody>
+      </p:sp>
+      <p:sp>
+        <p:nvSpPr>
+          <p:cNvPr id="4" name="Foliennummernplatzhalter 3"/>
+          <p:cNvSpPr>
+            <a:spLocks noGrp="1"/>
+          </p:cNvSpPr>
+          <p:nvPr>
+            <p:ph type="sldNum" sz="quarter" idx="10"/>
+          </p:nvPr>
+        </p:nvSpPr>
+        <p:spPr/>
+        <p:txBody>
+          <a:bodyPr/>
+          <a:lstStyle/>
+          <a:p>
+            <a:fld id="{865954DE-AD15-4167-8118-D8CF852358AF}" type="slidenum">
+              <a:rPr lang="de-DE"/>
+              <a:t>18</a:t>
+            </a:fld>
+            <a:endParaRPr lang="de-DE"/>
+          </a:p>
+        </p:txBody>
+      </p:sp>
+    </p:spTree>
+    <p:extLst>
+      <p:ext uri="{BB962C8B-B14F-4D97-AF65-F5344CB8AC3E}">
+        <p14:creationId xmlns:p14="http://schemas.microsoft.com/office/powerpoint/2010/main" val="2908942706"/>
+      </p:ext>
+    </p:extLst>
+  </p:cSld>
+  <p:clrMapOvr>
+    <a:masterClrMapping/>
+  </p:clrMapOvr>
+</p:notes>
+</file>
+
 <file path=ppt/slideLayouts/slideLayout1.xml><?xml version="1.0" encoding="utf-8"?>
 <p:sldLayout xmlns:a="http://schemas.openxmlformats.org/drawingml/2006/main" xmlns:r="http://schemas.openxmlformats.org/officeDocument/2006/relationships" xmlns:p="http://schemas.openxmlformats.org/presentationml/2006/main" type="title" preserve="1">
   <p:cSld name="Title Slide">
@@ -16602,7 +17551,7 @@
       </p:grpSpPr>
       <p:sp>
         <p:nvSpPr>
-          <p:cNvPr id="2" name="Title 1"/>
+          <p:cNvPr id="2" name="Titel 1"/>
           <p:cNvSpPr>
             <a:spLocks noGrp="1"/>
           </p:cNvSpPr>
@@ -16616,50 +17565,39 @@
           <a:lstStyle/>
           <a:p>
             <a:r>
-              <a:rPr lang="en-US" dirty="0" smtClean="0"/>
-              <a:t>Union find</a:t>
+              <a:rPr lang="de-DE"/>
+              <a:t>Union Find</a:t>
             </a:r>
-            <a:endParaRPr lang="en-US" dirty="0"/>
           </a:p>
         </p:txBody>
       </p:sp>
-      <p:sp>
-        <p:nvSpPr>
-          <p:cNvPr id="3" name="Content Placeholder 2"/>
-          <p:cNvSpPr>
-            <a:spLocks noGrp="1"/>
-          </p:cNvSpPr>
+      <p:pic>
+        <p:nvPicPr>
+          <p:cNvPr id="4" name="Inhaltsplatzhalter 3" descr="ufind1.png"/>
+          <p:cNvPicPr>
+            <a:picLocks noGrp="1" noChangeAspect="1"/>
+          </p:cNvPicPr>
           <p:nvPr>
             <p:ph idx="1"/>
           </p:nvPr>
-        </p:nvSpPr>
-        <p:spPr/>
-        <p:txBody>
-          <a:bodyPr>
-            <a:normAutofit/>
-          </a:bodyPr>
-          <a:lstStyle/>
-          <a:p>
-            <a:r>
-              <a:rPr lang="en-US" sz="9600" dirty="0" smtClean="0">
-                <a:solidFill>
-                  <a:srgbClr val="FF0000"/>
-                </a:solidFill>
-              </a:rPr>
-              <a:t>EXPLAIN IT</a:t>
-            </a:r>
-            <a:endParaRPr lang="en-US" sz="9600" dirty="0">
-              <a:solidFill>
-                <a:srgbClr val="FF0000"/>
-              </a:solidFill>
-            </a:endParaRPr>
-          </a:p>
-        </p:txBody>
-      </p:sp>
+        </p:nvPicPr>
+        <p:blipFill>
+          <a:blip r:embed="rId3"/>
+          <a:stretch>
+            <a:fillRect/>
+          </a:stretch>
+        </p:blipFill>
+        <p:spPr>
+          <a:xfrm>
+            <a:off x="776180" y="2398454"/>
+            <a:ext cx="4798484" cy="3598863"/>
+          </a:xfrm>
+        </p:spPr>
+      </p:pic>
     </p:spTree>
     <p:extLst>
       <p:ext uri="{BB962C8B-B14F-4D97-AF65-F5344CB8AC3E}">
-        <p14:creationId xmlns:p14="http://schemas.microsoft.com/office/powerpoint/2010/main" val="3131671140"/>
+        <p14:creationId xmlns:p14="http://schemas.microsoft.com/office/powerpoint/2010/main" val="2654730675"/>
       </p:ext>
     </p:extLst>
   </p:cSld>
@@ -16695,7 +17633,7 @@
       </p:grpSpPr>
       <p:sp>
         <p:nvSpPr>
-          <p:cNvPr id="2" name="Title 1"/>
+          <p:cNvPr id="2" name="Titel 1"/>
           <p:cNvSpPr>
             <a:spLocks noGrp="1"/>
           </p:cNvSpPr>
@@ -16709,41 +17647,138 @@
           <a:lstStyle/>
           <a:p>
             <a:r>
-              <a:rPr lang="en-US" dirty="0" smtClean="0"/>
-              <a:t>Union find</a:t>
+              <a:rPr lang="de-DE"/>
+              <a:t>Union Find</a:t>
             </a:r>
-            <a:endParaRPr lang="en-US" dirty="0"/>
           </a:p>
         </p:txBody>
       </p:sp>
-      <p:graphicFrame>
-        <p:nvGraphicFramePr>
-          <p:cNvPr id="5" name="Diagramm 14"/>
-          <p:cNvGraphicFramePr>
-            <a:graphicFrameLocks/>
-          </p:cNvGraphicFramePr>
+      <p:pic>
+        <p:nvPicPr>
+          <p:cNvPr id="4" name="Inhaltsplatzhalter 3" descr="ufind1.png"/>
+          <p:cNvPicPr>
+            <a:picLocks noGrp="1" noChangeAspect="1"/>
+          </p:cNvPicPr>
           <p:nvPr>
-            <p:extLst>
-              <p:ext uri="{D42A27DB-BD31-4B8C-83A1-F6EECF244321}">
-                <p14:modId xmlns:p14="http://schemas.microsoft.com/office/powerpoint/2010/main" val="685702702"/>
-              </p:ext>
-            </p:extLst>
+            <p:ph idx="1"/>
           </p:nvPr>
-        </p:nvGraphicFramePr>
-        <p:xfrm>
-          <a:off x="680321" y="2286000"/>
-          <a:ext cx="10825879" cy="4076700"/>
-        </p:xfrm>
-        <a:graphic>
-          <a:graphicData uri="http://schemas.openxmlformats.org/drawingml/2006/chart">
-            <c:chart xmlns:c="http://schemas.openxmlformats.org/drawingml/2006/chart" xmlns:r="http://schemas.openxmlformats.org/officeDocument/2006/relationships" r:id="rId2"/>
-          </a:graphicData>
-        </a:graphic>
-      </p:graphicFrame>
+        </p:nvPicPr>
+        <p:blipFill>
+          <a:blip r:embed="rId3"/>
+          <a:stretch>
+            <a:fillRect/>
+          </a:stretch>
+        </p:blipFill>
+        <p:spPr>
+          <a:xfrm>
+            <a:off x="776180" y="2398454"/>
+            <a:ext cx="4798484" cy="3598863"/>
+          </a:xfrm>
+        </p:spPr>
+      </p:pic>
+      <p:pic>
+        <p:nvPicPr>
+          <p:cNvPr id="6" name="Inhaltsplatzhalter 3" descr="ufind2.png"/>
+          <p:cNvPicPr>
+            <a:picLocks noChangeAspect="1"/>
+          </p:cNvPicPr>
+          <p:nvPr/>
+        </p:nvPicPr>
+        <p:blipFill>
+          <a:blip r:embed="rId4">
+            <a:extLst>
+              <a:ext uri="{28A0092B-C50C-407E-A947-70E740481C1C}">
+                <a14:useLocalDpi xmlns:a14="http://schemas.microsoft.com/office/drawing/2010/main" val="0"/>
+              </a:ext>
+            </a:extLst>
+          </a:blip>
+          <a:stretch>
+            <a:fillRect/>
+          </a:stretch>
+        </p:blipFill>
+        <p:spPr>
+          <a:xfrm>
+            <a:off x="4703990" y="2389658"/>
+            <a:ext cx="4798484" cy="3598863"/>
+          </a:xfrm>
+          <a:prstGeom prst="rect">
+            <a:avLst/>
+          </a:prstGeom>
+        </p:spPr>
+      </p:pic>
+      <p:sp>
+        <p:nvSpPr>
+          <p:cNvPr id="9" name="Pfeil nach rechts 8"/>
+          <p:cNvSpPr/>
+          <p:nvPr/>
+        </p:nvSpPr>
+        <p:spPr>
+          <a:xfrm>
+            <a:off x="2268635" y="3976961"/>
+            <a:ext cx="2431769" cy="484187"/>
+          </a:xfrm>
+          <a:prstGeom prst="rightArrow">
+            <a:avLst/>
+          </a:prstGeom>
+        </p:spPr>
+        <p:style>
+          <a:lnRef idx="2">
+            <a:schemeClr val="accent1">
+              <a:shade val="50000"/>
+            </a:schemeClr>
+          </a:lnRef>
+          <a:fillRef idx="1">
+            <a:schemeClr val="accent1"/>
+          </a:fillRef>
+          <a:effectRef idx="0">
+            <a:schemeClr val="accent1"/>
+          </a:effectRef>
+          <a:fontRef idx="minor">
+            <a:schemeClr val="lt1"/>
+          </a:fontRef>
+        </p:style>
+        <p:txBody>
+          <a:bodyPr rtlCol="0" anchor="ctr"/>
+          <a:lstStyle/>
+          <a:p>
+            <a:pPr algn="ctr"/>
+            <a:endParaRPr lang="de-DE"/>
+          </a:p>
+        </p:txBody>
+      </p:sp>
+      <p:sp>
+        <p:nvSpPr>
+          <p:cNvPr id="10" name="Textfeld 9"/>
+          <p:cNvSpPr txBox="1"/>
+          <p:nvPr/>
+        </p:nvSpPr>
+        <p:spPr>
+          <a:xfrm>
+            <a:off x="2061009" y="4018994"/>
+            <a:ext cx="2743200" cy="369332"/>
+          </a:xfrm>
+          <a:prstGeom prst="rect">
+            <a:avLst/>
+          </a:prstGeom>
+        </p:spPr>
+        <p:txBody>
+          <a:bodyPr rtlCol="0">
+            <a:spAutoFit/>
+          </a:bodyPr>
+          <a:lstStyle/>
+          <a:p>
+            <a:pPr algn="ctr"/>
+            <a:r>
+              <a:rPr lang="de-DE"/>
+              <a:t>edge 2-6</a:t>
+            </a:r>
+          </a:p>
+        </p:txBody>
+      </p:sp>
     </p:spTree>
     <p:extLst>
       <p:ext uri="{BB962C8B-B14F-4D97-AF65-F5344CB8AC3E}">
-        <p14:creationId xmlns:p14="http://schemas.microsoft.com/office/powerpoint/2010/main" val="2117701464"/>
+        <p14:creationId xmlns:p14="http://schemas.microsoft.com/office/powerpoint/2010/main" val="2671440893"/>
       </p:ext>
     </p:extLst>
   </p:cSld>
@@ -16779,7 +17814,7 @@
       </p:grpSpPr>
       <p:sp>
         <p:nvSpPr>
-          <p:cNvPr id="2" name="Title 1"/>
+          <p:cNvPr id="2" name="Titel 1"/>
           <p:cNvSpPr>
             <a:spLocks noGrp="1"/>
           </p:cNvSpPr>
@@ -16793,50 +17828,237 @@
           <a:lstStyle/>
           <a:p>
             <a:r>
-              <a:rPr lang="en-US" dirty="0" smtClean="0"/>
-              <a:t>Parallel union find</a:t>
+              <a:rPr lang="de-DE"/>
+              <a:t>Union Find</a:t>
             </a:r>
-            <a:endParaRPr lang="en-US" dirty="0"/>
+          </a:p>
+        </p:txBody>
+      </p:sp>
+      <p:pic>
+        <p:nvPicPr>
+          <p:cNvPr id="4" name="Inhaltsplatzhalter 3" descr="ufind1.png"/>
+          <p:cNvPicPr>
+            <a:picLocks noGrp="1" noChangeAspect="1"/>
+          </p:cNvPicPr>
+          <p:nvPr>
+            <p:ph idx="1"/>
+          </p:nvPr>
+        </p:nvPicPr>
+        <p:blipFill>
+          <a:blip r:embed="rId3"/>
+          <a:stretch>
+            <a:fillRect/>
+          </a:stretch>
+        </p:blipFill>
+        <p:spPr>
+          <a:xfrm>
+            <a:off x="776180" y="2398454"/>
+            <a:ext cx="4798484" cy="3598863"/>
+          </a:xfrm>
+        </p:spPr>
+      </p:pic>
+      <p:pic>
+        <p:nvPicPr>
+          <p:cNvPr id="6" name="Inhaltsplatzhalter 3" descr="ufind2.png"/>
+          <p:cNvPicPr>
+            <a:picLocks noChangeAspect="1"/>
+          </p:cNvPicPr>
+          <p:nvPr/>
+        </p:nvPicPr>
+        <p:blipFill>
+          <a:blip r:embed="rId4">
+            <a:extLst>
+              <a:ext uri="{28A0092B-C50C-407E-A947-70E740481C1C}">
+                <a14:useLocalDpi xmlns:a14="http://schemas.microsoft.com/office/drawing/2010/main" val="0"/>
+              </a:ext>
+            </a:extLst>
+          </a:blip>
+          <a:stretch>
+            <a:fillRect/>
+          </a:stretch>
+        </p:blipFill>
+        <p:spPr>
+          <a:xfrm>
+            <a:off x="4703990" y="2389658"/>
+            <a:ext cx="4798484" cy="3598863"/>
+          </a:xfrm>
+          <a:prstGeom prst="rect">
+            <a:avLst/>
+          </a:prstGeom>
+        </p:spPr>
+      </p:pic>
+      <p:pic>
+        <p:nvPicPr>
+          <p:cNvPr id="7" name="Inhaltsplatzhalter 3" descr="ufind3.png"/>
+          <p:cNvPicPr>
+            <a:picLocks noChangeAspect="1"/>
+          </p:cNvPicPr>
+          <p:nvPr/>
+        </p:nvPicPr>
+        <p:blipFill>
+          <a:blip r:embed="rId5">
+            <a:extLst>
+              <a:ext uri="{28A0092B-C50C-407E-A947-70E740481C1C}">
+                <a14:useLocalDpi xmlns:a14="http://schemas.microsoft.com/office/drawing/2010/main" val="0"/>
+              </a:ext>
+            </a:extLst>
+          </a:blip>
+          <a:stretch>
+            <a:fillRect/>
+          </a:stretch>
+        </p:blipFill>
+        <p:spPr>
+          <a:xfrm>
+            <a:off x="8779633" y="2357901"/>
+            <a:ext cx="4798484" cy="3598863"/>
+          </a:xfrm>
+          <a:prstGeom prst="rect">
+            <a:avLst/>
+          </a:prstGeom>
+        </p:spPr>
+      </p:pic>
+      <p:sp>
+        <p:nvSpPr>
+          <p:cNvPr id="9" name="Pfeil nach rechts 8"/>
+          <p:cNvSpPr/>
+          <p:nvPr/>
+        </p:nvSpPr>
+        <p:spPr>
+          <a:xfrm>
+            <a:off x="2268635" y="3976961"/>
+            <a:ext cx="2431769" cy="484187"/>
+          </a:xfrm>
+          <a:prstGeom prst="rightArrow">
+            <a:avLst/>
+          </a:prstGeom>
+        </p:spPr>
+        <p:style>
+          <a:lnRef idx="2">
+            <a:schemeClr val="accent1">
+              <a:shade val="50000"/>
+            </a:schemeClr>
+          </a:lnRef>
+          <a:fillRef idx="1">
+            <a:schemeClr val="accent1"/>
+          </a:fillRef>
+          <a:effectRef idx="0">
+            <a:schemeClr val="accent1"/>
+          </a:effectRef>
+          <a:fontRef idx="minor">
+            <a:schemeClr val="lt1"/>
+          </a:fontRef>
+        </p:style>
+        <p:txBody>
+          <a:bodyPr rtlCol="0" anchor="ctr"/>
+          <a:lstStyle/>
+          <a:p>
+            <a:pPr algn="ctr"/>
+            <a:endParaRPr lang="de-DE"/>
           </a:p>
         </p:txBody>
       </p:sp>
       <p:sp>
         <p:nvSpPr>
-          <p:cNvPr id="3" name="Content Placeholder 2"/>
-          <p:cNvSpPr>
-            <a:spLocks noGrp="1"/>
-          </p:cNvSpPr>
-          <p:nvPr>
-            <p:ph idx="1"/>
-          </p:nvPr>
+          <p:cNvPr id="10" name="Textfeld 9"/>
+          <p:cNvSpPr txBox="1"/>
+          <p:nvPr/>
         </p:nvSpPr>
-        <p:spPr/>
+        <p:spPr>
+          <a:xfrm>
+            <a:off x="2061009" y="4018994"/>
+            <a:ext cx="2743200" cy="369332"/>
+          </a:xfrm>
+          <a:prstGeom prst="rect">
+            <a:avLst/>
+          </a:prstGeom>
+        </p:spPr>
         <p:txBody>
-          <a:bodyPr>
-            <a:normAutofit fontScale="85000" lnSpcReduction="10000"/>
+          <a:bodyPr rtlCol="0">
+            <a:spAutoFit/>
           </a:bodyPr>
           <a:lstStyle/>
           <a:p>
+            <a:pPr algn="ctr"/>
             <a:r>
-              <a:rPr lang="en-US" sz="9600" dirty="0" smtClean="0">
-                <a:solidFill>
-                  <a:srgbClr val="FF0000"/>
-                </a:solidFill>
-              </a:rPr>
-              <a:t>EXPLAIN IT and say why we don’t have measurements</a:t>
+              <a:rPr lang="de-DE"/>
+              <a:t>edge 2-6</a:t>
             </a:r>
-            <a:endParaRPr lang="en-US" sz="9600" dirty="0">
-              <a:solidFill>
-                <a:srgbClr val="FF0000"/>
-              </a:solidFill>
-            </a:endParaRPr>
+          </a:p>
+        </p:txBody>
+      </p:sp>
+      <p:sp>
+        <p:nvSpPr>
+          <p:cNvPr id="11" name="Pfeil nach rechts 10"/>
+          <p:cNvSpPr/>
+          <p:nvPr/>
+        </p:nvSpPr>
+        <p:spPr>
+          <a:xfrm>
+            <a:off x="6427116" y="3939411"/>
+            <a:ext cx="2431769" cy="484187"/>
+          </a:xfrm>
+          <a:prstGeom prst="rightArrow">
+            <a:avLst/>
+          </a:prstGeom>
+        </p:spPr>
+        <p:style>
+          <a:lnRef idx="2">
+            <a:schemeClr val="accent1">
+              <a:shade val="50000"/>
+            </a:schemeClr>
+          </a:lnRef>
+          <a:fillRef idx="1">
+            <a:schemeClr val="accent1"/>
+          </a:fillRef>
+          <a:effectRef idx="0">
+            <a:schemeClr val="accent1"/>
+          </a:effectRef>
+          <a:fontRef idx="minor">
+            <a:schemeClr val="lt1"/>
+          </a:fontRef>
+        </p:style>
+        <p:txBody>
+          <a:bodyPr rtlCol="0" anchor="ctr"/>
+          <a:lstStyle/>
+          <a:p>
+            <a:pPr algn="ctr"/>
+            <a:endParaRPr lang="de-DE"/>
+          </a:p>
+        </p:txBody>
+      </p:sp>
+      <p:sp>
+        <p:nvSpPr>
+          <p:cNvPr id="13" name="Textfeld 12"/>
+          <p:cNvSpPr txBox="1"/>
+          <p:nvPr/>
+        </p:nvSpPr>
+        <p:spPr>
+          <a:xfrm>
+            <a:off x="6251036" y="3970533"/>
+            <a:ext cx="2743200" cy="369332"/>
+          </a:xfrm>
+          <a:prstGeom prst="rect">
+            <a:avLst/>
+          </a:prstGeom>
+        </p:spPr>
+        <p:txBody>
+          <a:bodyPr rtlCol="0">
+            <a:spAutoFit/>
+          </a:bodyPr>
+          <a:lstStyle/>
+          <a:p>
+            <a:pPr algn="ctr"/>
+            <a:r>
+              <a:rPr lang="de-DE"/>
+              <a:t>edge 2-8</a:t>
+            </a:r>
           </a:p>
         </p:txBody>
       </p:sp>
     </p:spTree>
     <p:extLst>
       <p:ext uri="{BB962C8B-B14F-4D97-AF65-F5344CB8AC3E}">
-        <p14:creationId xmlns:p14="http://schemas.microsoft.com/office/powerpoint/2010/main" val="197901773"/>
+        <p14:creationId xmlns:p14="http://schemas.microsoft.com/office/powerpoint/2010/main" val="2436273400"/>
       </p:ext>
     </p:extLst>
   </p:cSld>
@@ -16887,49 +18109,40 @@
           <a:p>
             <a:r>
               <a:rPr lang="en-US" dirty="0" smtClean="0"/>
-              <a:t>Randomized Contraction</a:t>
+              <a:t>Union find</a:t>
             </a:r>
             <a:endParaRPr lang="en-US" dirty="0"/>
           </a:p>
         </p:txBody>
       </p:sp>
-      <p:sp>
-        <p:nvSpPr>
-          <p:cNvPr id="3" name="Content Placeholder 2"/>
-          <p:cNvSpPr>
-            <a:spLocks noGrp="1"/>
-          </p:cNvSpPr>
+      <p:graphicFrame>
+        <p:nvGraphicFramePr>
+          <p:cNvPr id="5" name="Diagramm 14"/>
+          <p:cNvGraphicFramePr>
+            <a:graphicFrameLocks/>
+          </p:cNvGraphicFramePr>
           <p:nvPr>
-            <p:ph idx="1"/>
+            <p:extLst>
+              <p:ext uri="{D42A27DB-BD31-4B8C-83A1-F6EECF244321}">
+                <p14:modId xmlns:p14="http://schemas.microsoft.com/office/powerpoint/2010/main" val="685702702"/>
+              </p:ext>
+            </p:extLst>
           </p:nvPr>
-        </p:nvSpPr>
-        <p:spPr/>
-        <p:txBody>
-          <a:bodyPr>
-            <a:normAutofit/>
-          </a:bodyPr>
-          <a:lstStyle/>
-          <a:p>
-            <a:r>
-              <a:rPr lang="en-US" sz="9600" dirty="0" smtClean="0">
-                <a:solidFill>
-                  <a:srgbClr val="FF0000"/>
-                </a:solidFill>
-              </a:rPr>
-              <a:t>EXPLAIN IT</a:t>
-            </a:r>
-            <a:endParaRPr lang="en-US" sz="9600" dirty="0">
-              <a:solidFill>
-                <a:srgbClr val="FF0000"/>
-              </a:solidFill>
-            </a:endParaRPr>
-          </a:p>
-        </p:txBody>
-      </p:sp>
+        </p:nvGraphicFramePr>
+        <p:xfrm>
+          <a:off x="680321" y="2286000"/>
+          <a:ext cx="10825879" cy="4076700"/>
+        </p:xfrm>
+        <a:graphic>
+          <a:graphicData uri="http://schemas.openxmlformats.org/drawingml/2006/chart">
+            <c:chart xmlns:c="http://schemas.openxmlformats.org/drawingml/2006/chart" xmlns:r="http://schemas.openxmlformats.org/officeDocument/2006/relationships" r:id="rId2"/>
+          </a:graphicData>
+        </a:graphic>
+      </p:graphicFrame>
     </p:spTree>
     <p:extLst>
       <p:ext uri="{BB962C8B-B14F-4D97-AF65-F5344CB8AC3E}">
-        <p14:creationId xmlns:p14="http://schemas.microsoft.com/office/powerpoint/2010/main" val="163746814"/>
+        <p14:creationId xmlns:p14="http://schemas.microsoft.com/office/powerpoint/2010/main" val="2117701464"/>
       </p:ext>
     </p:extLst>
   </p:cSld>
@@ -16965,7 +18178,7 @@
       </p:grpSpPr>
       <p:sp>
         <p:nvSpPr>
-          <p:cNvPr id="2" name="Title 1"/>
+          <p:cNvPr id="2" name="Titel 1"/>
           <p:cNvSpPr>
             <a:spLocks noGrp="1"/>
           </p:cNvSpPr>
@@ -16979,16 +18192,15 @@
           <a:lstStyle/>
           <a:p>
             <a:r>
-              <a:rPr lang="en-US" dirty="0" smtClean="0"/>
-              <a:t>Randomized Contraction</a:t>
+              <a:rPr lang="de-DE"/>
+              <a:t>Spanning Tree</a:t>
             </a:r>
-            <a:endParaRPr lang="en-US" dirty="0"/>
           </a:p>
         </p:txBody>
       </p:sp>
       <p:sp>
         <p:nvSpPr>
-          <p:cNvPr id="4" name="Content Placeholder 3"/>
+          <p:cNvPr id="3" name="Content Placeholder 2"/>
           <p:cNvSpPr>
             <a:spLocks noGrp="1"/>
           </p:cNvSpPr>
@@ -17005,34 +18217,1081 @@
           </a:p>
         </p:txBody>
       </p:sp>
-      <p:graphicFrame>
-        <p:nvGraphicFramePr>
-          <p:cNvPr id="6" name="Diagramm 13"/>
-          <p:cNvGraphicFramePr>
-            <a:graphicFrameLocks/>
-          </p:cNvGraphicFramePr>
-          <p:nvPr>
-            <p:extLst>
-              <p:ext uri="{D42A27DB-BD31-4B8C-83A1-F6EECF244321}">
-                <p14:modId xmlns:p14="http://schemas.microsoft.com/office/powerpoint/2010/main" val="2683272504"/>
-              </p:ext>
-            </p:extLst>
-          </p:nvPr>
-        </p:nvGraphicFramePr>
-        <p:xfrm>
-          <a:off x="680322" y="2286000"/>
-          <a:ext cx="10825878" cy="4076700"/>
-        </p:xfrm>
-        <a:graphic>
-          <a:graphicData uri="http://schemas.openxmlformats.org/drawingml/2006/chart">
-            <c:chart xmlns:c="http://schemas.openxmlformats.org/drawingml/2006/chart" xmlns:r="http://schemas.openxmlformats.org/officeDocument/2006/relationships" r:id="rId2"/>
-          </a:graphicData>
-        </a:graphic>
-      </p:graphicFrame>
+      <p:sp>
+        <p:nvSpPr>
+          <p:cNvPr id="5" name="Oval 4"/>
+          <p:cNvSpPr/>
+          <p:nvPr/>
+        </p:nvSpPr>
+        <p:spPr>
+          <a:xfrm>
+            <a:off x="3666035" y="3971410"/>
+            <a:ext cx="172193" cy="172193"/>
+          </a:xfrm>
+          <a:prstGeom prst="ellipse">
+            <a:avLst/>
+          </a:prstGeom>
+          <a:solidFill>
+            <a:schemeClr val="tx2"/>
+          </a:solidFill>
+        </p:spPr>
+        <p:style>
+          <a:lnRef idx="2">
+            <a:schemeClr val="accent3">
+              <a:shade val="50000"/>
+            </a:schemeClr>
+          </a:lnRef>
+          <a:fillRef idx="1">
+            <a:schemeClr val="accent3"/>
+          </a:fillRef>
+          <a:effectRef idx="0">
+            <a:schemeClr val="accent3"/>
+          </a:effectRef>
+          <a:fontRef idx="minor">
+            <a:schemeClr val="lt1"/>
+          </a:fontRef>
+        </p:style>
+        <p:txBody>
+          <a:bodyPr rtlCol="0" anchor="ctr"/>
+          <a:lstStyle/>
+          <a:p>
+            <a:pPr algn="ctr"/>
+            <a:endParaRPr lang="en-US"/>
+          </a:p>
+        </p:txBody>
+      </p:sp>
+      <p:sp>
+        <p:nvSpPr>
+          <p:cNvPr id="6" name="Oval 5"/>
+          <p:cNvSpPr/>
+          <p:nvPr/>
+        </p:nvSpPr>
+        <p:spPr>
+          <a:xfrm>
+            <a:off x="4614082" y="3714111"/>
+            <a:ext cx="172193" cy="172193"/>
+          </a:xfrm>
+          <a:prstGeom prst="ellipse">
+            <a:avLst/>
+          </a:prstGeom>
+          <a:solidFill>
+            <a:schemeClr val="tx2"/>
+          </a:solidFill>
+        </p:spPr>
+        <p:style>
+          <a:lnRef idx="2">
+            <a:schemeClr val="accent3">
+              <a:shade val="50000"/>
+            </a:schemeClr>
+          </a:lnRef>
+          <a:fillRef idx="1">
+            <a:schemeClr val="accent3"/>
+          </a:fillRef>
+          <a:effectRef idx="0">
+            <a:schemeClr val="accent3"/>
+          </a:effectRef>
+          <a:fontRef idx="minor">
+            <a:schemeClr val="lt1"/>
+          </a:fontRef>
+        </p:style>
+        <p:txBody>
+          <a:bodyPr rtlCol="0" anchor="ctr"/>
+          <a:lstStyle/>
+          <a:p>
+            <a:pPr algn="ctr"/>
+            <a:endParaRPr lang="en-US"/>
+          </a:p>
+        </p:txBody>
+      </p:sp>
+      <p:cxnSp>
+        <p:nvCxnSpPr>
+          <p:cNvPr id="7" name="Straight Connector 6"/>
+          <p:cNvCxnSpPr>
+            <a:stCxn id="5" idx="6"/>
+            <a:endCxn id="6" idx="2"/>
+          </p:cNvCxnSpPr>
+          <p:nvPr/>
+        </p:nvCxnSpPr>
+        <p:spPr>
+          <a:xfrm flipV="1">
+            <a:off x="3838228" y="3800208"/>
+            <a:ext cx="775854" cy="257299"/>
+          </a:xfrm>
+          <a:prstGeom prst="line">
+            <a:avLst/>
+          </a:prstGeom>
+          <a:solidFill>
+            <a:schemeClr val="tx2"/>
+          </a:solidFill>
+        </p:spPr>
+        <p:style>
+          <a:lnRef idx="3">
+            <a:schemeClr val="dk1"/>
+          </a:lnRef>
+          <a:fillRef idx="0">
+            <a:schemeClr val="dk1"/>
+          </a:fillRef>
+          <a:effectRef idx="2">
+            <a:schemeClr val="dk1"/>
+          </a:effectRef>
+          <a:fontRef idx="minor">
+            <a:schemeClr val="tx1"/>
+          </a:fontRef>
+        </p:style>
+      </p:cxnSp>
+      <p:sp>
+        <p:nvSpPr>
+          <p:cNvPr id="8" name="Oval 7"/>
+          <p:cNvSpPr/>
+          <p:nvPr/>
+        </p:nvSpPr>
+        <p:spPr>
+          <a:xfrm>
+            <a:off x="4786275" y="4672305"/>
+            <a:ext cx="172193" cy="172193"/>
+          </a:xfrm>
+          <a:prstGeom prst="ellipse">
+            <a:avLst/>
+          </a:prstGeom>
+          <a:solidFill>
+            <a:schemeClr val="tx2"/>
+          </a:solidFill>
+        </p:spPr>
+        <p:style>
+          <a:lnRef idx="2">
+            <a:schemeClr val="accent3">
+              <a:shade val="50000"/>
+            </a:schemeClr>
+          </a:lnRef>
+          <a:fillRef idx="1">
+            <a:schemeClr val="accent3"/>
+          </a:fillRef>
+          <a:effectRef idx="0">
+            <a:schemeClr val="accent3"/>
+          </a:effectRef>
+          <a:fontRef idx="minor">
+            <a:schemeClr val="lt1"/>
+          </a:fontRef>
+        </p:style>
+        <p:txBody>
+          <a:bodyPr rtlCol="0" anchor="ctr"/>
+          <a:lstStyle/>
+          <a:p>
+            <a:pPr algn="ctr"/>
+            <a:endParaRPr lang="en-US"/>
+          </a:p>
+        </p:txBody>
+      </p:sp>
+      <p:cxnSp>
+        <p:nvCxnSpPr>
+          <p:cNvPr id="9" name="Straight Connector 8"/>
+          <p:cNvCxnSpPr>
+            <a:stCxn id="5" idx="5"/>
+            <a:endCxn id="8" idx="1"/>
+          </p:cNvCxnSpPr>
+          <p:nvPr/>
+        </p:nvCxnSpPr>
+        <p:spPr>
+          <a:xfrm>
+            <a:off x="3813011" y="4118386"/>
+            <a:ext cx="998481" cy="579136"/>
+          </a:xfrm>
+          <a:prstGeom prst="line">
+            <a:avLst/>
+          </a:prstGeom>
+          <a:solidFill>
+            <a:schemeClr val="tx2"/>
+          </a:solidFill>
+        </p:spPr>
+        <p:style>
+          <a:lnRef idx="3">
+            <a:schemeClr val="dk1"/>
+          </a:lnRef>
+          <a:fillRef idx="0">
+            <a:schemeClr val="dk1"/>
+          </a:fillRef>
+          <a:effectRef idx="2">
+            <a:schemeClr val="dk1"/>
+          </a:effectRef>
+          <a:fontRef idx="minor">
+            <a:schemeClr val="tx1"/>
+          </a:fontRef>
+        </p:style>
+      </p:cxnSp>
+      <p:sp>
+        <p:nvSpPr>
+          <p:cNvPr id="10" name="Oval 9"/>
+          <p:cNvSpPr/>
+          <p:nvPr/>
+        </p:nvSpPr>
+        <p:spPr>
+          <a:xfrm>
+            <a:off x="3638107" y="4905854"/>
+            <a:ext cx="172193" cy="172193"/>
+          </a:xfrm>
+          <a:prstGeom prst="ellipse">
+            <a:avLst/>
+          </a:prstGeom>
+          <a:solidFill>
+            <a:schemeClr val="tx2"/>
+          </a:solidFill>
+        </p:spPr>
+        <p:style>
+          <a:lnRef idx="2">
+            <a:schemeClr val="accent3">
+              <a:shade val="50000"/>
+            </a:schemeClr>
+          </a:lnRef>
+          <a:fillRef idx="1">
+            <a:schemeClr val="accent3"/>
+          </a:fillRef>
+          <a:effectRef idx="0">
+            <a:schemeClr val="accent3"/>
+          </a:effectRef>
+          <a:fontRef idx="minor">
+            <a:schemeClr val="lt1"/>
+          </a:fontRef>
+        </p:style>
+        <p:txBody>
+          <a:bodyPr rtlCol="0" anchor="ctr"/>
+          <a:lstStyle/>
+          <a:p>
+            <a:pPr algn="ctr"/>
+            <a:endParaRPr lang="en-US"/>
+          </a:p>
+        </p:txBody>
+      </p:sp>
+      <p:cxnSp>
+        <p:nvCxnSpPr>
+          <p:cNvPr id="11" name="Straight Connector 10"/>
+          <p:cNvCxnSpPr>
+            <a:stCxn id="5" idx="4"/>
+            <a:endCxn id="10" idx="0"/>
+          </p:cNvCxnSpPr>
+          <p:nvPr/>
+        </p:nvCxnSpPr>
+        <p:spPr>
+          <a:xfrm flipH="1">
+            <a:off x="3724204" y="4143603"/>
+            <a:ext cx="27928" cy="762251"/>
+          </a:xfrm>
+          <a:prstGeom prst="line">
+            <a:avLst/>
+          </a:prstGeom>
+          <a:solidFill>
+            <a:schemeClr val="tx2"/>
+          </a:solidFill>
+        </p:spPr>
+        <p:style>
+          <a:lnRef idx="3">
+            <a:schemeClr val="dk1"/>
+          </a:lnRef>
+          <a:fillRef idx="0">
+            <a:schemeClr val="dk1"/>
+          </a:fillRef>
+          <a:effectRef idx="2">
+            <a:schemeClr val="dk1"/>
+          </a:effectRef>
+          <a:fontRef idx="minor">
+            <a:schemeClr val="tx1"/>
+          </a:fontRef>
+        </p:style>
+      </p:cxnSp>
+      <p:cxnSp>
+        <p:nvCxnSpPr>
+          <p:cNvPr id="12" name="Straight Connector 11"/>
+          <p:cNvCxnSpPr>
+            <a:stCxn id="8" idx="0"/>
+            <a:endCxn id="6" idx="4"/>
+          </p:cNvCxnSpPr>
+          <p:nvPr/>
+        </p:nvCxnSpPr>
+        <p:spPr>
+          <a:xfrm flipH="1" flipV="1">
+            <a:off x="4700179" y="3886304"/>
+            <a:ext cx="172193" cy="786001"/>
+          </a:xfrm>
+          <a:prstGeom prst="line">
+            <a:avLst/>
+          </a:prstGeom>
+          <a:solidFill>
+            <a:schemeClr val="tx2"/>
+          </a:solidFill>
+        </p:spPr>
+        <p:style>
+          <a:lnRef idx="3">
+            <a:schemeClr val="dk1"/>
+          </a:lnRef>
+          <a:fillRef idx="0">
+            <a:schemeClr val="dk1"/>
+          </a:fillRef>
+          <a:effectRef idx="2">
+            <a:schemeClr val="dk1"/>
+          </a:effectRef>
+          <a:fontRef idx="minor">
+            <a:schemeClr val="tx1"/>
+          </a:fontRef>
+        </p:style>
+      </p:cxnSp>
+      <p:sp>
+        <p:nvSpPr>
+          <p:cNvPr id="13" name="Oval 12"/>
+          <p:cNvSpPr/>
+          <p:nvPr/>
+        </p:nvSpPr>
+        <p:spPr>
+          <a:xfrm>
+            <a:off x="4295428" y="5462471"/>
+            <a:ext cx="172193" cy="172193"/>
+          </a:xfrm>
+          <a:prstGeom prst="ellipse">
+            <a:avLst/>
+          </a:prstGeom>
+          <a:solidFill>
+            <a:schemeClr val="tx2"/>
+          </a:solidFill>
+        </p:spPr>
+        <p:style>
+          <a:lnRef idx="2">
+            <a:schemeClr val="accent3">
+              <a:shade val="50000"/>
+            </a:schemeClr>
+          </a:lnRef>
+          <a:fillRef idx="1">
+            <a:schemeClr val="accent3"/>
+          </a:fillRef>
+          <a:effectRef idx="0">
+            <a:schemeClr val="accent3"/>
+          </a:effectRef>
+          <a:fontRef idx="minor">
+            <a:schemeClr val="lt1"/>
+          </a:fontRef>
+        </p:style>
+        <p:txBody>
+          <a:bodyPr rtlCol="0" anchor="ctr"/>
+          <a:lstStyle/>
+          <a:p>
+            <a:pPr algn="ctr"/>
+            <a:endParaRPr lang="en-US"/>
+          </a:p>
+        </p:txBody>
+      </p:sp>
+      <p:cxnSp>
+        <p:nvCxnSpPr>
+          <p:cNvPr id="14" name="Straight Connector 13"/>
+          <p:cNvCxnSpPr>
+            <a:stCxn id="10" idx="5"/>
+            <a:endCxn id="13" idx="1"/>
+          </p:cNvCxnSpPr>
+          <p:nvPr/>
+        </p:nvCxnSpPr>
+        <p:spPr>
+          <a:xfrm>
+            <a:off x="3785083" y="5052830"/>
+            <a:ext cx="535562" cy="434858"/>
+          </a:xfrm>
+          <a:prstGeom prst="line">
+            <a:avLst/>
+          </a:prstGeom>
+          <a:solidFill>
+            <a:schemeClr val="tx2"/>
+          </a:solidFill>
+        </p:spPr>
+        <p:style>
+          <a:lnRef idx="3">
+            <a:schemeClr val="dk1"/>
+          </a:lnRef>
+          <a:fillRef idx="0">
+            <a:schemeClr val="dk1"/>
+          </a:fillRef>
+          <a:effectRef idx="2">
+            <a:schemeClr val="dk1"/>
+          </a:effectRef>
+          <a:fontRef idx="minor">
+            <a:schemeClr val="tx1"/>
+          </a:fontRef>
+        </p:style>
+      </p:cxnSp>
+      <p:grpSp>
+        <p:nvGrpSpPr>
+          <p:cNvPr id="15" name="Group 78"/>
+          <p:cNvGrpSpPr/>
+          <p:nvPr/>
+        </p:nvGrpSpPr>
+        <p:grpSpPr>
+          <a:xfrm>
+            <a:off x="5738649" y="4473783"/>
+            <a:ext cx="470837" cy="1046532"/>
+            <a:chOff x="5483889" y="4414062"/>
+            <a:chExt cx="470837" cy="1046532"/>
+          </a:xfrm>
+          <a:solidFill>
+            <a:schemeClr val="tx2"/>
+          </a:solidFill>
+        </p:grpSpPr>
+        <p:sp>
+          <p:nvSpPr>
+            <p:cNvPr id="16" name="Oval 15"/>
+            <p:cNvSpPr/>
+            <p:nvPr/>
+          </p:nvSpPr>
+          <p:spPr>
+            <a:xfrm>
+              <a:off x="5483889" y="4414062"/>
+              <a:ext cx="172193" cy="172193"/>
+            </a:xfrm>
+            <a:prstGeom prst="ellipse">
+              <a:avLst/>
+            </a:prstGeom>
+            <a:grpFill/>
+          </p:spPr>
+          <p:style>
+            <a:lnRef idx="2">
+              <a:schemeClr val="accent3">
+                <a:shade val="50000"/>
+              </a:schemeClr>
+            </a:lnRef>
+            <a:fillRef idx="1">
+              <a:schemeClr val="accent3"/>
+            </a:fillRef>
+            <a:effectRef idx="0">
+              <a:schemeClr val="accent3"/>
+            </a:effectRef>
+            <a:fontRef idx="minor">
+              <a:schemeClr val="lt1"/>
+            </a:fontRef>
+          </p:style>
+          <p:txBody>
+            <a:bodyPr rtlCol="0" anchor="ctr"/>
+            <a:lstStyle/>
+            <a:p>
+              <a:pPr algn="ctr"/>
+              <a:endParaRPr lang="en-US"/>
+            </a:p>
+          </p:txBody>
+        </p:sp>
+        <p:sp>
+          <p:nvSpPr>
+            <p:cNvPr id="17" name="Oval 16"/>
+            <p:cNvSpPr/>
+            <p:nvPr/>
+          </p:nvSpPr>
+          <p:spPr>
+            <a:xfrm>
+              <a:off x="5782533" y="5288401"/>
+              <a:ext cx="172193" cy="172193"/>
+            </a:xfrm>
+            <a:prstGeom prst="ellipse">
+              <a:avLst/>
+            </a:prstGeom>
+            <a:grpFill/>
+          </p:spPr>
+          <p:style>
+            <a:lnRef idx="2">
+              <a:schemeClr val="accent3">
+                <a:shade val="50000"/>
+              </a:schemeClr>
+            </a:lnRef>
+            <a:fillRef idx="1">
+              <a:schemeClr val="accent3"/>
+            </a:fillRef>
+            <a:effectRef idx="0">
+              <a:schemeClr val="accent3"/>
+            </a:effectRef>
+            <a:fontRef idx="minor">
+              <a:schemeClr val="lt1"/>
+            </a:fontRef>
+          </p:style>
+          <p:txBody>
+            <a:bodyPr rtlCol="0" anchor="ctr"/>
+            <a:lstStyle/>
+            <a:p>
+              <a:pPr algn="ctr"/>
+              <a:endParaRPr lang="en-US"/>
+            </a:p>
+          </p:txBody>
+        </p:sp>
+        <p:cxnSp>
+          <p:nvCxnSpPr>
+            <p:cNvPr id="18" name="Straight Connector 17"/>
+            <p:cNvCxnSpPr>
+              <a:stCxn id="16" idx="4"/>
+              <a:endCxn id="17" idx="0"/>
+            </p:cNvCxnSpPr>
+            <p:nvPr/>
+          </p:nvCxnSpPr>
+          <p:spPr>
+            <a:xfrm>
+              <a:off x="5569986" y="4586255"/>
+              <a:ext cx="298644" cy="702146"/>
+            </a:xfrm>
+            <a:prstGeom prst="line">
+              <a:avLst/>
+            </a:prstGeom>
+            <a:grpFill/>
+          </p:spPr>
+          <p:style>
+            <a:lnRef idx="3">
+              <a:schemeClr val="dk1"/>
+            </a:lnRef>
+            <a:fillRef idx="0">
+              <a:schemeClr val="dk1"/>
+            </a:fillRef>
+            <a:effectRef idx="2">
+              <a:schemeClr val="dk1"/>
+            </a:effectRef>
+            <a:fontRef idx="minor">
+              <a:schemeClr val="tx1"/>
+            </a:fontRef>
+          </p:style>
+        </p:cxnSp>
+      </p:grpSp>
+      <p:grpSp>
+        <p:nvGrpSpPr>
+          <p:cNvPr id="19" name="Group 79"/>
+          <p:cNvGrpSpPr/>
+          <p:nvPr/>
+        </p:nvGrpSpPr>
+        <p:grpSpPr>
+          <a:xfrm>
+            <a:off x="5966959" y="3992761"/>
+            <a:ext cx="1779432" cy="1516279"/>
+            <a:chOff x="6806656" y="3958647"/>
+            <a:chExt cx="1779432" cy="1516279"/>
+          </a:xfrm>
+          <a:solidFill>
+            <a:schemeClr val="tx2"/>
+          </a:solidFill>
+        </p:grpSpPr>
+        <p:sp>
+          <p:nvSpPr>
+            <p:cNvPr id="20" name="Oval 19"/>
+            <p:cNvSpPr/>
+            <p:nvPr/>
+          </p:nvSpPr>
+          <p:spPr>
+            <a:xfrm>
+              <a:off x="6806656" y="4173394"/>
+              <a:ext cx="172193" cy="172193"/>
+            </a:xfrm>
+            <a:prstGeom prst="ellipse">
+              <a:avLst/>
+            </a:prstGeom>
+            <a:grpFill/>
+          </p:spPr>
+          <p:style>
+            <a:lnRef idx="2">
+              <a:schemeClr val="accent3">
+                <a:shade val="50000"/>
+              </a:schemeClr>
+            </a:lnRef>
+            <a:fillRef idx="1">
+              <a:schemeClr val="accent3"/>
+            </a:fillRef>
+            <a:effectRef idx="0">
+              <a:schemeClr val="accent3"/>
+            </a:effectRef>
+            <a:fontRef idx="minor">
+              <a:schemeClr val="lt1"/>
+            </a:fontRef>
+          </p:style>
+          <p:txBody>
+            <a:bodyPr rtlCol="0" anchor="ctr"/>
+            <a:lstStyle/>
+            <a:p>
+              <a:pPr algn="ctr"/>
+              <a:endParaRPr lang="en-US"/>
+            </a:p>
+          </p:txBody>
+        </p:sp>
+        <p:sp>
+          <p:nvSpPr>
+            <p:cNvPr id="21" name="Oval 20"/>
+            <p:cNvSpPr/>
+            <p:nvPr/>
+          </p:nvSpPr>
+          <p:spPr>
+            <a:xfrm>
+              <a:off x="8026202" y="4695682"/>
+              <a:ext cx="172193" cy="172193"/>
+            </a:xfrm>
+            <a:prstGeom prst="ellipse">
+              <a:avLst/>
+            </a:prstGeom>
+            <a:grpFill/>
+          </p:spPr>
+          <p:style>
+            <a:lnRef idx="2">
+              <a:schemeClr val="accent3">
+                <a:shade val="50000"/>
+              </a:schemeClr>
+            </a:lnRef>
+            <a:fillRef idx="1">
+              <a:schemeClr val="accent3"/>
+            </a:fillRef>
+            <a:effectRef idx="0">
+              <a:schemeClr val="accent3"/>
+            </a:effectRef>
+            <a:fontRef idx="minor">
+              <a:schemeClr val="lt1"/>
+            </a:fontRef>
+          </p:style>
+          <p:txBody>
+            <a:bodyPr rtlCol="0" anchor="ctr"/>
+            <a:lstStyle/>
+            <a:p>
+              <a:pPr algn="ctr"/>
+              <a:endParaRPr lang="en-US"/>
+            </a:p>
+          </p:txBody>
+        </p:sp>
+        <p:cxnSp>
+          <p:nvCxnSpPr>
+            <p:cNvPr id="22" name="Straight Connector 21"/>
+            <p:cNvCxnSpPr>
+              <a:stCxn id="20" idx="6"/>
+              <a:endCxn id="21" idx="2"/>
+            </p:cNvCxnSpPr>
+            <p:nvPr/>
+          </p:nvCxnSpPr>
+          <p:spPr>
+            <a:xfrm>
+              <a:off x="6978849" y="4259491"/>
+              <a:ext cx="1047353" cy="522288"/>
+            </a:xfrm>
+            <a:prstGeom prst="line">
+              <a:avLst/>
+            </a:prstGeom>
+            <a:grpFill/>
+          </p:spPr>
+          <p:style>
+            <a:lnRef idx="3">
+              <a:schemeClr val="dk1"/>
+            </a:lnRef>
+            <a:fillRef idx="0">
+              <a:schemeClr val="dk1"/>
+            </a:fillRef>
+            <a:effectRef idx="2">
+              <a:schemeClr val="dk1"/>
+            </a:effectRef>
+            <a:fontRef idx="minor">
+              <a:schemeClr val="tx1"/>
+            </a:fontRef>
+          </p:style>
+        </p:cxnSp>
+        <p:sp>
+          <p:nvSpPr>
+            <p:cNvPr id="23" name="Oval 22"/>
+            <p:cNvSpPr/>
+            <p:nvPr/>
+          </p:nvSpPr>
+          <p:spPr>
+            <a:xfrm>
+              <a:off x="7284325" y="5302733"/>
+              <a:ext cx="172193" cy="172193"/>
+            </a:xfrm>
+            <a:prstGeom prst="ellipse">
+              <a:avLst/>
+            </a:prstGeom>
+            <a:grpFill/>
+          </p:spPr>
+          <p:style>
+            <a:lnRef idx="2">
+              <a:schemeClr val="accent3">
+                <a:shade val="50000"/>
+              </a:schemeClr>
+            </a:lnRef>
+            <a:fillRef idx="1">
+              <a:schemeClr val="accent3"/>
+            </a:fillRef>
+            <a:effectRef idx="0">
+              <a:schemeClr val="accent3"/>
+            </a:effectRef>
+            <a:fontRef idx="minor">
+              <a:schemeClr val="lt1"/>
+            </a:fontRef>
+          </p:style>
+          <p:txBody>
+            <a:bodyPr rtlCol="0" anchor="ctr"/>
+            <a:lstStyle/>
+            <a:p>
+              <a:pPr algn="ctr"/>
+              <a:endParaRPr lang="en-US"/>
+            </a:p>
+          </p:txBody>
+        </p:sp>
+        <p:cxnSp>
+          <p:nvCxnSpPr>
+            <p:cNvPr id="24" name="Straight Connector 23"/>
+            <p:cNvCxnSpPr>
+              <a:stCxn id="20" idx="5"/>
+              <a:endCxn id="23" idx="1"/>
+            </p:cNvCxnSpPr>
+            <p:nvPr/>
+          </p:nvCxnSpPr>
+          <p:spPr>
+            <a:xfrm>
+              <a:off x="6953632" y="4320370"/>
+              <a:ext cx="355910" cy="1007580"/>
+            </a:xfrm>
+            <a:prstGeom prst="line">
+              <a:avLst/>
+            </a:prstGeom>
+            <a:grpFill/>
+          </p:spPr>
+          <p:style>
+            <a:lnRef idx="3">
+              <a:schemeClr val="dk1"/>
+            </a:lnRef>
+            <a:fillRef idx="0">
+              <a:schemeClr val="dk1"/>
+            </a:fillRef>
+            <a:effectRef idx="2">
+              <a:schemeClr val="dk1"/>
+            </a:effectRef>
+            <a:fontRef idx="minor">
+              <a:schemeClr val="tx1"/>
+            </a:fontRef>
+          </p:style>
+        </p:cxnSp>
+        <p:sp>
+          <p:nvSpPr>
+            <p:cNvPr id="25" name="Oval 24"/>
+            <p:cNvSpPr/>
+            <p:nvPr/>
+          </p:nvSpPr>
+          <p:spPr>
+            <a:xfrm>
+              <a:off x="7897224" y="3958647"/>
+              <a:ext cx="172193" cy="172193"/>
+            </a:xfrm>
+            <a:prstGeom prst="ellipse">
+              <a:avLst/>
+            </a:prstGeom>
+            <a:grpFill/>
+          </p:spPr>
+          <p:style>
+            <a:lnRef idx="2">
+              <a:schemeClr val="accent3">
+                <a:shade val="50000"/>
+              </a:schemeClr>
+            </a:lnRef>
+            <a:fillRef idx="1">
+              <a:schemeClr val="accent3"/>
+            </a:fillRef>
+            <a:effectRef idx="0">
+              <a:schemeClr val="accent3"/>
+            </a:effectRef>
+            <a:fontRef idx="minor">
+              <a:schemeClr val="lt1"/>
+            </a:fontRef>
+          </p:style>
+          <p:txBody>
+            <a:bodyPr rtlCol="0" anchor="ctr"/>
+            <a:lstStyle/>
+            <a:p>
+              <a:pPr algn="ctr"/>
+              <a:endParaRPr lang="en-US"/>
+            </a:p>
+          </p:txBody>
+        </p:sp>
+        <p:cxnSp>
+          <p:nvCxnSpPr>
+            <p:cNvPr id="26" name="Straight Connector 25"/>
+            <p:cNvCxnSpPr>
+              <a:stCxn id="20" idx="7"/>
+              <a:endCxn id="25" idx="2"/>
+            </p:cNvCxnSpPr>
+            <p:nvPr/>
+          </p:nvCxnSpPr>
+          <p:spPr>
+            <a:xfrm flipV="1">
+              <a:off x="6953632" y="4044744"/>
+              <a:ext cx="943592" cy="153867"/>
+            </a:xfrm>
+            <a:prstGeom prst="line">
+              <a:avLst/>
+            </a:prstGeom>
+            <a:grpFill/>
+          </p:spPr>
+          <p:style>
+            <a:lnRef idx="3">
+              <a:schemeClr val="dk1"/>
+            </a:lnRef>
+            <a:fillRef idx="0">
+              <a:schemeClr val="dk1"/>
+            </a:fillRef>
+            <a:effectRef idx="2">
+              <a:schemeClr val="dk1"/>
+            </a:effectRef>
+            <a:fontRef idx="minor">
+              <a:schemeClr val="tx1"/>
+            </a:fontRef>
+          </p:style>
+        </p:cxnSp>
+        <p:cxnSp>
+          <p:nvCxnSpPr>
+            <p:cNvPr id="27" name="Straight Connector 26"/>
+            <p:cNvCxnSpPr>
+              <a:stCxn id="23" idx="7"/>
+              <a:endCxn id="21" idx="4"/>
+            </p:cNvCxnSpPr>
+            <p:nvPr/>
+          </p:nvCxnSpPr>
+          <p:spPr>
+            <a:xfrm flipV="1">
+              <a:off x="7431301" y="4867875"/>
+              <a:ext cx="680998" cy="460075"/>
+            </a:xfrm>
+            <a:prstGeom prst="line">
+              <a:avLst/>
+            </a:prstGeom>
+            <a:grpFill/>
+          </p:spPr>
+          <p:style>
+            <a:lnRef idx="3">
+              <a:schemeClr val="dk1"/>
+            </a:lnRef>
+            <a:fillRef idx="0">
+              <a:schemeClr val="dk1"/>
+            </a:fillRef>
+            <a:effectRef idx="2">
+              <a:schemeClr val="dk1"/>
+            </a:effectRef>
+            <a:fontRef idx="minor">
+              <a:schemeClr val="tx1"/>
+            </a:fontRef>
+          </p:style>
+        </p:cxnSp>
+        <p:sp>
+          <p:nvSpPr>
+            <p:cNvPr id="28" name="Oval 27"/>
+            <p:cNvSpPr/>
+            <p:nvPr/>
+          </p:nvSpPr>
+          <p:spPr>
+            <a:xfrm>
+              <a:off x="8413895" y="4127487"/>
+              <a:ext cx="172193" cy="172193"/>
+            </a:xfrm>
+            <a:prstGeom prst="ellipse">
+              <a:avLst/>
+            </a:prstGeom>
+            <a:grpFill/>
+          </p:spPr>
+          <p:style>
+            <a:lnRef idx="2">
+              <a:schemeClr val="accent3">
+                <a:shade val="50000"/>
+              </a:schemeClr>
+            </a:lnRef>
+            <a:fillRef idx="1">
+              <a:schemeClr val="accent3"/>
+            </a:fillRef>
+            <a:effectRef idx="0">
+              <a:schemeClr val="accent3"/>
+            </a:effectRef>
+            <a:fontRef idx="minor">
+              <a:schemeClr val="lt1"/>
+            </a:fontRef>
+          </p:style>
+          <p:txBody>
+            <a:bodyPr rtlCol="0" anchor="ctr"/>
+            <a:lstStyle/>
+            <a:p>
+              <a:pPr algn="ctr"/>
+              <a:endParaRPr lang="en-US"/>
+            </a:p>
+          </p:txBody>
+        </p:sp>
+        <p:cxnSp>
+          <p:nvCxnSpPr>
+            <p:cNvPr id="29" name="Straight Connector 28"/>
+            <p:cNvCxnSpPr>
+              <a:stCxn id="25" idx="6"/>
+              <a:endCxn id="28" idx="2"/>
+            </p:cNvCxnSpPr>
+            <p:nvPr/>
+          </p:nvCxnSpPr>
+          <p:spPr>
+            <a:xfrm>
+              <a:off x="8069417" y="4044744"/>
+              <a:ext cx="344478" cy="168840"/>
+            </a:xfrm>
+            <a:prstGeom prst="line">
+              <a:avLst/>
+            </a:prstGeom>
+            <a:grpFill/>
+          </p:spPr>
+          <p:style>
+            <a:lnRef idx="3">
+              <a:schemeClr val="dk1"/>
+            </a:lnRef>
+            <a:fillRef idx="0">
+              <a:schemeClr val="dk1"/>
+            </a:fillRef>
+            <a:effectRef idx="2">
+              <a:schemeClr val="dk1"/>
+            </a:effectRef>
+            <a:fontRef idx="minor">
+              <a:schemeClr val="tx1"/>
+            </a:fontRef>
+          </p:style>
+        </p:cxnSp>
+        <p:cxnSp>
+          <p:nvCxnSpPr>
+            <p:cNvPr id="30" name="Straight Connector 29"/>
+            <p:cNvCxnSpPr>
+              <a:stCxn id="23" idx="0"/>
+              <a:endCxn id="25" idx="3"/>
+            </p:cNvCxnSpPr>
+            <p:nvPr/>
+          </p:nvCxnSpPr>
+          <p:spPr>
+            <a:xfrm flipV="1">
+              <a:off x="7370422" y="4105623"/>
+              <a:ext cx="552019" cy="1197110"/>
+            </a:xfrm>
+            <a:prstGeom prst="line">
+              <a:avLst/>
+            </a:prstGeom>
+            <a:grpFill/>
+          </p:spPr>
+          <p:style>
+            <a:lnRef idx="3">
+              <a:schemeClr val="dk1"/>
+            </a:lnRef>
+            <a:fillRef idx="0">
+              <a:schemeClr val="dk1"/>
+            </a:fillRef>
+            <a:effectRef idx="2">
+              <a:schemeClr val="dk1"/>
+            </a:effectRef>
+            <a:fontRef idx="minor">
+              <a:schemeClr val="tx1"/>
+            </a:fontRef>
+          </p:style>
+        </p:cxnSp>
+      </p:grpSp>
+      <p:sp>
+        <p:nvSpPr>
+          <p:cNvPr id="31" name="Oval 30"/>
+          <p:cNvSpPr/>
+          <p:nvPr/>
+        </p:nvSpPr>
+        <p:spPr>
+          <a:xfrm>
+            <a:off x="5894875" y="3666557"/>
+            <a:ext cx="172193" cy="172193"/>
+          </a:xfrm>
+          <a:prstGeom prst="ellipse">
+            <a:avLst/>
+          </a:prstGeom>
+          <a:solidFill>
+            <a:schemeClr val="tx2"/>
+          </a:solidFill>
+        </p:spPr>
+        <p:style>
+          <a:lnRef idx="2">
+            <a:schemeClr val="accent3">
+              <a:shade val="50000"/>
+            </a:schemeClr>
+          </a:lnRef>
+          <a:fillRef idx="1">
+            <a:schemeClr val="accent3"/>
+          </a:fillRef>
+          <a:effectRef idx="0">
+            <a:schemeClr val="accent3"/>
+          </a:effectRef>
+          <a:fontRef idx="minor">
+            <a:schemeClr val="lt1"/>
+          </a:fontRef>
+        </p:style>
+        <p:txBody>
+          <a:bodyPr rtlCol="0" anchor="ctr"/>
+          <a:lstStyle/>
+          <a:p>
+            <a:pPr algn="ctr"/>
+            <a:endParaRPr lang="en-US"/>
+          </a:p>
+        </p:txBody>
+      </p:sp>
+      <p:cxnSp>
+        <p:nvCxnSpPr>
+          <p:cNvPr id="32" name="Straight Connector 31"/>
+          <p:cNvCxnSpPr>
+            <a:stCxn id="8" idx="6"/>
+            <a:endCxn id="16" idx="2"/>
+          </p:cNvCxnSpPr>
+          <p:nvPr/>
+        </p:nvCxnSpPr>
+        <p:spPr>
+          <a:xfrm flipV="1">
+            <a:off x="4958468" y="4559880"/>
+            <a:ext cx="780181" cy="198522"/>
+          </a:xfrm>
+          <a:prstGeom prst="line">
+            <a:avLst/>
+          </a:prstGeom>
+          <a:solidFill>
+            <a:schemeClr val="tx2"/>
+          </a:solidFill>
+        </p:spPr>
+        <p:style>
+          <a:lnRef idx="3">
+            <a:schemeClr val="dk1"/>
+          </a:lnRef>
+          <a:fillRef idx="0">
+            <a:schemeClr val="dk1"/>
+          </a:fillRef>
+          <a:effectRef idx="2">
+            <a:schemeClr val="dk1"/>
+          </a:effectRef>
+          <a:fontRef idx="minor">
+            <a:schemeClr val="tx1"/>
+          </a:fontRef>
+        </p:style>
+      </p:cxnSp>
+      <p:cxnSp>
+        <p:nvCxnSpPr>
+          <p:cNvPr id="36" name="Straight Connector 35"/>
+          <p:cNvCxnSpPr>
+            <a:stCxn id="8" idx="5"/>
+            <a:endCxn id="17" idx="2"/>
+          </p:cNvCxnSpPr>
+          <p:nvPr/>
+        </p:nvCxnSpPr>
+        <p:spPr>
+          <a:xfrm>
+            <a:off x="4933251" y="4819281"/>
+            <a:ext cx="1104042" cy="614938"/>
+          </a:xfrm>
+          <a:prstGeom prst="line">
+            <a:avLst/>
+          </a:prstGeom>
+          <a:solidFill>
+            <a:schemeClr val="tx2"/>
+          </a:solidFill>
+        </p:spPr>
+        <p:style>
+          <a:lnRef idx="3">
+            <a:schemeClr val="dk1"/>
+          </a:lnRef>
+          <a:fillRef idx="0">
+            <a:schemeClr val="dk1"/>
+          </a:fillRef>
+          <a:effectRef idx="2">
+            <a:schemeClr val="dk1"/>
+          </a:effectRef>
+          <a:fontRef idx="minor">
+            <a:schemeClr val="tx1"/>
+          </a:fontRef>
+        </p:style>
+      </p:cxnSp>
     </p:spTree>
     <p:extLst>
       <p:ext uri="{BB962C8B-B14F-4D97-AF65-F5344CB8AC3E}">
-        <p14:creationId xmlns:p14="http://schemas.microsoft.com/office/powerpoint/2010/main" val="3154615780"/>
+        <p14:creationId xmlns:p14="http://schemas.microsoft.com/office/powerpoint/2010/main" val="2193185170"/>
       </p:ext>
     </p:extLst>
   </p:cSld>
@@ -17068,7 +19327,7 @@
       </p:grpSpPr>
       <p:sp>
         <p:nvSpPr>
-          <p:cNvPr id="2" name="Title 1"/>
+          <p:cNvPr id="2" name="Titel 1"/>
           <p:cNvSpPr>
             <a:spLocks noGrp="1"/>
           </p:cNvSpPr>
@@ -17082,10 +19341,9 @@
           <a:lstStyle/>
           <a:p>
             <a:r>
-              <a:rPr lang="en-US" dirty="0" smtClean="0"/>
-              <a:t>Parallel transversal</a:t>
+              <a:rPr lang="de-DE"/>
+              <a:t>Spanning Tree</a:t>
             </a:r>
-            <a:endParaRPr lang="en-US" dirty="0"/>
           </a:p>
         </p:txBody>
       </p:sp>
@@ -17101,31 +19359,972 @@
         </p:nvSpPr>
         <p:spPr/>
         <p:txBody>
-          <a:bodyPr>
-            <a:normAutofit/>
-          </a:bodyPr>
+          <a:bodyPr/>
           <a:lstStyle/>
           <a:p>
-            <a:r>
-              <a:rPr lang="en-US" sz="9600" dirty="0" smtClean="0">
-                <a:solidFill>
-                  <a:srgbClr val="FF0000"/>
-                </a:solidFill>
-              </a:rPr>
-              <a:t>EXPLAIN IT</a:t>
-            </a:r>
-            <a:endParaRPr lang="en-US" sz="9600" dirty="0">
-              <a:solidFill>
-                <a:srgbClr val="FF0000"/>
-              </a:solidFill>
-            </a:endParaRPr>
+            <a:endParaRPr lang="en-US" dirty="0"/>
           </a:p>
         </p:txBody>
       </p:sp>
+      <p:sp>
+        <p:nvSpPr>
+          <p:cNvPr id="5" name="Oval 4"/>
+          <p:cNvSpPr/>
+          <p:nvPr/>
+        </p:nvSpPr>
+        <p:spPr>
+          <a:xfrm>
+            <a:off x="3522054" y="3971410"/>
+            <a:ext cx="172193" cy="172193"/>
+          </a:xfrm>
+          <a:prstGeom prst="ellipse">
+            <a:avLst/>
+          </a:prstGeom>
+          <a:solidFill>
+            <a:schemeClr val="tx2"/>
+          </a:solidFill>
+        </p:spPr>
+        <p:style>
+          <a:lnRef idx="2">
+            <a:schemeClr val="accent3">
+              <a:shade val="50000"/>
+            </a:schemeClr>
+          </a:lnRef>
+          <a:fillRef idx="1">
+            <a:schemeClr val="accent3"/>
+          </a:fillRef>
+          <a:effectRef idx="0">
+            <a:schemeClr val="accent3"/>
+          </a:effectRef>
+          <a:fontRef idx="minor">
+            <a:schemeClr val="lt1"/>
+          </a:fontRef>
+        </p:style>
+        <p:txBody>
+          <a:bodyPr rtlCol="0" anchor="ctr"/>
+          <a:lstStyle/>
+          <a:p>
+            <a:pPr algn="ctr"/>
+            <a:endParaRPr lang="en-US"/>
+          </a:p>
+        </p:txBody>
+      </p:sp>
+      <p:sp>
+        <p:nvSpPr>
+          <p:cNvPr id="6" name="Oval 5"/>
+          <p:cNvSpPr/>
+          <p:nvPr/>
+        </p:nvSpPr>
+        <p:spPr>
+          <a:xfrm>
+            <a:off x="6703019" y="3714111"/>
+            <a:ext cx="172193" cy="172193"/>
+          </a:xfrm>
+          <a:prstGeom prst="ellipse">
+            <a:avLst/>
+          </a:prstGeom>
+          <a:solidFill>
+            <a:schemeClr val="tx2"/>
+          </a:solidFill>
+        </p:spPr>
+        <p:style>
+          <a:lnRef idx="2">
+            <a:schemeClr val="accent3">
+              <a:shade val="50000"/>
+            </a:schemeClr>
+          </a:lnRef>
+          <a:fillRef idx="1">
+            <a:schemeClr val="accent3"/>
+          </a:fillRef>
+          <a:effectRef idx="0">
+            <a:schemeClr val="accent3"/>
+          </a:effectRef>
+          <a:fontRef idx="minor">
+            <a:schemeClr val="lt1"/>
+          </a:fontRef>
+        </p:style>
+        <p:txBody>
+          <a:bodyPr rtlCol="0" anchor="ctr"/>
+          <a:lstStyle/>
+          <a:p>
+            <a:pPr algn="ctr"/>
+            <a:endParaRPr lang="en-US"/>
+          </a:p>
+        </p:txBody>
+      </p:sp>
+      <p:sp>
+        <p:nvSpPr>
+          <p:cNvPr id="8" name="Oval 7"/>
+          <p:cNvSpPr/>
+          <p:nvPr/>
+        </p:nvSpPr>
+        <p:spPr>
+          <a:xfrm>
+            <a:off x="6875212" y="4672305"/>
+            <a:ext cx="172193" cy="172193"/>
+          </a:xfrm>
+          <a:prstGeom prst="ellipse">
+            <a:avLst/>
+          </a:prstGeom>
+          <a:solidFill>
+            <a:schemeClr val="tx2"/>
+          </a:solidFill>
+        </p:spPr>
+        <p:style>
+          <a:lnRef idx="2">
+            <a:schemeClr val="accent3">
+              <a:shade val="50000"/>
+            </a:schemeClr>
+          </a:lnRef>
+          <a:fillRef idx="1">
+            <a:schemeClr val="accent3"/>
+          </a:fillRef>
+          <a:effectRef idx="0">
+            <a:schemeClr val="accent3"/>
+          </a:effectRef>
+          <a:fontRef idx="minor">
+            <a:schemeClr val="lt1"/>
+          </a:fontRef>
+        </p:style>
+        <p:txBody>
+          <a:bodyPr rtlCol="0" anchor="ctr"/>
+          <a:lstStyle/>
+          <a:p>
+            <a:pPr algn="ctr"/>
+            <a:endParaRPr lang="en-US"/>
+          </a:p>
+        </p:txBody>
+      </p:sp>
+      <p:sp>
+        <p:nvSpPr>
+          <p:cNvPr id="10" name="Oval 9"/>
+          <p:cNvSpPr/>
+          <p:nvPr/>
+        </p:nvSpPr>
+        <p:spPr>
+          <a:xfrm>
+            <a:off x="3494126" y="4905854"/>
+            <a:ext cx="172193" cy="172193"/>
+          </a:xfrm>
+          <a:prstGeom prst="ellipse">
+            <a:avLst/>
+          </a:prstGeom>
+          <a:solidFill>
+            <a:schemeClr val="tx2"/>
+          </a:solidFill>
+        </p:spPr>
+        <p:style>
+          <a:lnRef idx="2">
+            <a:schemeClr val="accent3">
+              <a:shade val="50000"/>
+            </a:schemeClr>
+          </a:lnRef>
+          <a:fillRef idx="1">
+            <a:schemeClr val="accent3"/>
+          </a:fillRef>
+          <a:effectRef idx="0">
+            <a:schemeClr val="accent3"/>
+          </a:effectRef>
+          <a:fontRef idx="minor">
+            <a:schemeClr val="lt1"/>
+          </a:fontRef>
+        </p:style>
+        <p:txBody>
+          <a:bodyPr rtlCol="0" anchor="ctr"/>
+          <a:lstStyle/>
+          <a:p>
+            <a:pPr algn="ctr"/>
+            <a:endParaRPr lang="en-US"/>
+          </a:p>
+        </p:txBody>
+      </p:sp>
+      <p:cxnSp>
+        <p:nvCxnSpPr>
+          <p:cNvPr id="11" name="Straight Connector 10"/>
+          <p:cNvCxnSpPr>
+            <a:stCxn id="5" idx="4"/>
+            <a:endCxn id="10" idx="0"/>
+          </p:cNvCxnSpPr>
+          <p:nvPr/>
+        </p:nvCxnSpPr>
+        <p:spPr>
+          <a:xfrm flipH="1">
+            <a:off x="3580223" y="4143603"/>
+            <a:ext cx="27928" cy="762251"/>
+          </a:xfrm>
+          <a:prstGeom prst="line">
+            <a:avLst/>
+          </a:prstGeom>
+          <a:solidFill>
+            <a:schemeClr val="tx2"/>
+          </a:solidFill>
+        </p:spPr>
+        <p:style>
+          <a:lnRef idx="3">
+            <a:schemeClr val="dk1"/>
+          </a:lnRef>
+          <a:fillRef idx="0">
+            <a:schemeClr val="dk1"/>
+          </a:fillRef>
+          <a:effectRef idx="2">
+            <a:schemeClr val="dk1"/>
+          </a:effectRef>
+          <a:fontRef idx="minor">
+            <a:schemeClr val="tx1"/>
+          </a:fontRef>
+        </p:style>
+      </p:cxnSp>
+      <p:cxnSp>
+        <p:nvCxnSpPr>
+          <p:cNvPr id="12" name="Straight Connector 11"/>
+          <p:cNvCxnSpPr>
+            <a:stCxn id="8" idx="0"/>
+            <a:endCxn id="6" idx="4"/>
+          </p:cNvCxnSpPr>
+          <p:nvPr/>
+        </p:nvCxnSpPr>
+        <p:spPr>
+          <a:xfrm flipH="1" flipV="1">
+            <a:off x="6789116" y="3886304"/>
+            <a:ext cx="172193" cy="786001"/>
+          </a:xfrm>
+          <a:prstGeom prst="line">
+            <a:avLst/>
+          </a:prstGeom>
+          <a:solidFill>
+            <a:schemeClr val="tx2"/>
+          </a:solidFill>
+          <a:ln>
+            <a:solidFill>
+              <a:schemeClr val="accent3">
+                <a:lumMod val="60000"/>
+                <a:lumOff val="40000"/>
+              </a:schemeClr>
+            </a:solidFill>
+          </a:ln>
+        </p:spPr>
+        <p:style>
+          <a:lnRef idx="3">
+            <a:schemeClr val="dk1"/>
+          </a:lnRef>
+          <a:fillRef idx="0">
+            <a:schemeClr val="dk1"/>
+          </a:fillRef>
+          <a:effectRef idx="2">
+            <a:schemeClr val="dk1"/>
+          </a:effectRef>
+          <a:fontRef idx="minor">
+            <a:schemeClr val="tx1"/>
+          </a:fontRef>
+        </p:style>
+      </p:cxnSp>
+      <p:sp>
+        <p:nvSpPr>
+          <p:cNvPr id="13" name="Oval 12"/>
+          <p:cNvSpPr/>
+          <p:nvPr/>
+        </p:nvSpPr>
+        <p:spPr>
+          <a:xfrm>
+            <a:off x="4151447" y="5462471"/>
+            <a:ext cx="172193" cy="172193"/>
+          </a:xfrm>
+          <a:prstGeom prst="ellipse">
+            <a:avLst/>
+          </a:prstGeom>
+          <a:solidFill>
+            <a:schemeClr val="tx2"/>
+          </a:solidFill>
+        </p:spPr>
+        <p:style>
+          <a:lnRef idx="2">
+            <a:schemeClr val="accent3">
+              <a:shade val="50000"/>
+            </a:schemeClr>
+          </a:lnRef>
+          <a:fillRef idx="1">
+            <a:schemeClr val="accent3"/>
+          </a:fillRef>
+          <a:effectRef idx="0">
+            <a:schemeClr val="accent3"/>
+          </a:effectRef>
+          <a:fontRef idx="minor">
+            <a:schemeClr val="lt1"/>
+          </a:fontRef>
+        </p:style>
+        <p:txBody>
+          <a:bodyPr rtlCol="0" anchor="ctr"/>
+          <a:lstStyle/>
+          <a:p>
+            <a:pPr algn="ctr"/>
+            <a:endParaRPr lang="en-US"/>
+          </a:p>
+        </p:txBody>
+      </p:sp>
+      <p:cxnSp>
+        <p:nvCxnSpPr>
+          <p:cNvPr id="14" name="Straight Connector 13"/>
+          <p:cNvCxnSpPr>
+            <a:stCxn id="10" idx="5"/>
+            <a:endCxn id="13" idx="1"/>
+          </p:cNvCxnSpPr>
+          <p:nvPr/>
+        </p:nvCxnSpPr>
+        <p:spPr>
+          <a:xfrm>
+            <a:off x="3641102" y="5052830"/>
+            <a:ext cx="535562" cy="434858"/>
+          </a:xfrm>
+          <a:prstGeom prst="line">
+            <a:avLst/>
+          </a:prstGeom>
+          <a:solidFill>
+            <a:schemeClr val="tx2"/>
+          </a:solidFill>
+        </p:spPr>
+        <p:style>
+          <a:lnRef idx="3">
+            <a:schemeClr val="dk1"/>
+          </a:lnRef>
+          <a:fillRef idx="0">
+            <a:schemeClr val="dk1"/>
+          </a:fillRef>
+          <a:effectRef idx="2">
+            <a:schemeClr val="dk1"/>
+          </a:effectRef>
+          <a:fontRef idx="minor">
+            <a:schemeClr val="tx1"/>
+          </a:fontRef>
+        </p:style>
+      </p:cxnSp>
+      <p:grpSp>
+        <p:nvGrpSpPr>
+          <p:cNvPr id="15" name="Group 78"/>
+          <p:cNvGrpSpPr/>
+          <p:nvPr/>
+        </p:nvGrpSpPr>
+        <p:grpSpPr>
+          <a:xfrm>
+            <a:off x="7827586" y="4473783"/>
+            <a:ext cx="470837" cy="1046532"/>
+            <a:chOff x="5483889" y="4414062"/>
+            <a:chExt cx="470837" cy="1046532"/>
+          </a:xfrm>
+          <a:solidFill>
+            <a:schemeClr val="tx2"/>
+          </a:solidFill>
+        </p:grpSpPr>
+        <p:sp>
+          <p:nvSpPr>
+            <p:cNvPr id="16" name="Oval 15"/>
+            <p:cNvSpPr/>
+            <p:nvPr/>
+          </p:nvSpPr>
+          <p:spPr>
+            <a:xfrm>
+              <a:off x="5483889" y="4414062"/>
+              <a:ext cx="172193" cy="172193"/>
+            </a:xfrm>
+            <a:prstGeom prst="ellipse">
+              <a:avLst/>
+            </a:prstGeom>
+            <a:grpFill/>
+          </p:spPr>
+          <p:style>
+            <a:lnRef idx="2">
+              <a:schemeClr val="accent3">
+                <a:shade val="50000"/>
+              </a:schemeClr>
+            </a:lnRef>
+            <a:fillRef idx="1">
+              <a:schemeClr val="accent3"/>
+            </a:fillRef>
+            <a:effectRef idx="0">
+              <a:schemeClr val="accent3"/>
+            </a:effectRef>
+            <a:fontRef idx="minor">
+              <a:schemeClr val="lt1"/>
+            </a:fontRef>
+          </p:style>
+          <p:txBody>
+            <a:bodyPr rtlCol="0" anchor="ctr"/>
+            <a:lstStyle/>
+            <a:p>
+              <a:pPr algn="ctr"/>
+              <a:endParaRPr lang="en-US"/>
+            </a:p>
+          </p:txBody>
+        </p:sp>
+        <p:sp>
+          <p:nvSpPr>
+            <p:cNvPr id="17" name="Oval 16"/>
+            <p:cNvSpPr/>
+            <p:nvPr/>
+          </p:nvSpPr>
+          <p:spPr>
+            <a:xfrm>
+              <a:off x="5782533" y="5288401"/>
+              <a:ext cx="172193" cy="172193"/>
+            </a:xfrm>
+            <a:prstGeom prst="ellipse">
+              <a:avLst/>
+            </a:prstGeom>
+            <a:grpFill/>
+          </p:spPr>
+          <p:style>
+            <a:lnRef idx="2">
+              <a:schemeClr val="accent3">
+                <a:shade val="50000"/>
+              </a:schemeClr>
+            </a:lnRef>
+            <a:fillRef idx="1">
+              <a:schemeClr val="accent3"/>
+            </a:fillRef>
+            <a:effectRef idx="0">
+              <a:schemeClr val="accent3"/>
+            </a:effectRef>
+            <a:fontRef idx="minor">
+              <a:schemeClr val="lt1"/>
+            </a:fontRef>
+          </p:style>
+          <p:txBody>
+            <a:bodyPr rtlCol="0" anchor="ctr"/>
+            <a:lstStyle/>
+            <a:p>
+              <a:pPr algn="ctr"/>
+              <a:endParaRPr lang="en-US"/>
+            </a:p>
+          </p:txBody>
+        </p:sp>
+        <p:cxnSp>
+          <p:nvCxnSpPr>
+            <p:cNvPr id="18" name="Straight Connector 17"/>
+            <p:cNvCxnSpPr>
+              <a:stCxn id="16" idx="4"/>
+              <a:endCxn id="17" idx="0"/>
+            </p:cNvCxnSpPr>
+            <p:nvPr/>
+          </p:nvCxnSpPr>
+          <p:spPr>
+            <a:xfrm>
+              <a:off x="5569986" y="4586255"/>
+              <a:ext cx="298644" cy="702146"/>
+            </a:xfrm>
+            <a:prstGeom prst="line">
+              <a:avLst/>
+            </a:prstGeom>
+            <a:grpFill/>
+          </p:spPr>
+          <p:style>
+            <a:lnRef idx="3">
+              <a:schemeClr val="dk1"/>
+            </a:lnRef>
+            <a:fillRef idx="0">
+              <a:schemeClr val="dk1"/>
+            </a:fillRef>
+            <a:effectRef idx="2">
+              <a:schemeClr val="dk1"/>
+            </a:effectRef>
+            <a:fontRef idx="minor">
+              <a:schemeClr val="tx1"/>
+            </a:fontRef>
+          </p:style>
+        </p:cxnSp>
+      </p:grpSp>
+      <p:sp>
+        <p:nvSpPr>
+          <p:cNvPr id="20" name="Oval 19"/>
+          <p:cNvSpPr/>
+          <p:nvPr/>
+        </p:nvSpPr>
+        <p:spPr>
+          <a:xfrm>
+            <a:off x="4262760" y="4207508"/>
+            <a:ext cx="172193" cy="172193"/>
+          </a:xfrm>
+          <a:prstGeom prst="ellipse">
+            <a:avLst/>
+          </a:prstGeom>
+          <a:solidFill>
+            <a:schemeClr val="tx2"/>
+          </a:solidFill>
+        </p:spPr>
+        <p:style>
+          <a:lnRef idx="2">
+            <a:schemeClr val="accent3">
+              <a:shade val="50000"/>
+            </a:schemeClr>
+          </a:lnRef>
+          <a:fillRef idx="1">
+            <a:schemeClr val="accent3"/>
+          </a:fillRef>
+          <a:effectRef idx="0">
+            <a:schemeClr val="accent3"/>
+          </a:effectRef>
+          <a:fontRef idx="minor">
+            <a:schemeClr val="lt1"/>
+          </a:fontRef>
+        </p:style>
+        <p:txBody>
+          <a:bodyPr rtlCol="0" anchor="ctr"/>
+          <a:lstStyle/>
+          <a:p>
+            <a:pPr algn="ctr"/>
+            <a:endParaRPr lang="en-US"/>
+          </a:p>
+        </p:txBody>
+      </p:sp>
+      <p:sp>
+        <p:nvSpPr>
+          <p:cNvPr id="21" name="Oval 20"/>
+          <p:cNvSpPr/>
+          <p:nvPr/>
+        </p:nvSpPr>
+        <p:spPr>
+          <a:xfrm>
+            <a:off x="5482306" y="4729796"/>
+            <a:ext cx="172193" cy="172193"/>
+          </a:xfrm>
+          <a:prstGeom prst="ellipse">
+            <a:avLst/>
+          </a:prstGeom>
+          <a:solidFill>
+            <a:schemeClr val="tx2"/>
+          </a:solidFill>
+        </p:spPr>
+        <p:style>
+          <a:lnRef idx="2">
+            <a:schemeClr val="accent3">
+              <a:shade val="50000"/>
+            </a:schemeClr>
+          </a:lnRef>
+          <a:fillRef idx="1">
+            <a:schemeClr val="accent3"/>
+          </a:fillRef>
+          <a:effectRef idx="0">
+            <a:schemeClr val="accent3"/>
+          </a:effectRef>
+          <a:fontRef idx="minor">
+            <a:schemeClr val="lt1"/>
+          </a:fontRef>
+        </p:style>
+        <p:txBody>
+          <a:bodyPr rtlCol="0" anchor="ctr"/>
+          <a:lstStyle/>
+          <a:p>
+            <a:pPr algn="ctr"/>
+            <a:endParaRPr lang="en-US"/>
+          </a:p>
+        </p:txBody>
+      </p:sp>
+      <p:cxnSp>
+        <p:nvCxnSpPr>
+          <p:cNvPr id="22" name="Straight Connector 21"/>
+          <p:cNvCxnSpPr>
+            <a:stCxn id="20" idx="6"/>
+            <a:endCxn id="21" idx="2"/>
+          </p:cNvCxnSpPr>
+          <p:nvPr/>
+        </p:nvCxnSpPr>
+        <p:spPr>
+          <a:xfrm>
+            <a:off x="4434953" y="4293605"/>
+            <a:ext cx="1047353" cy="522288"/>
+          </a:xfrm>
+          <a:prstGeom prst="line">
+            <a:avLst/>
+          </a:prstGeom>
+          <a:solidFill>
+            <a:schemeClr val="tx2"/>
+          </a:solidFill>
+        </p:spPr>
+        <p:style>
+          <a:lnRef idx="3">
+            <a:schemeClr val="dk1"/>
+          </a:lnRef>
+          <a:fillRef idx="0">
+            <a:schemeClr val="dk1"/>
+          </a:fillRef>
+          <a:effectRef idx="2">
+            <a:schemeClr val="dk1"/>
+          </a:effectRef>
+          <a:fontRef idx="minor">
+            <a:schemeClr val="tx1"/>
+          </a:fontRef>
+        </p:style>
+      </p:cxnSp>
+      <p:sp>
+        <p:nvSpPr>
+          <p:cNvPr id="23" name="Oval 22"/>
+          <p:cNvSpPr/>
+          <p:nvPr/>
+        </p:nvSpPr>
+        <p:spPr>
+          <a:xfrm>
+            <a:off x="4740429" y="5336847"/>
+            <a:ext cx="172193" cy="172193"/>
+          </a:xfrm>
+          <a:prstGeom prst="ellipse">
+            <a:avLst/>
+          </a:prstGeom>
+          <a:solidFill>
+            <a:schemeClr val="tx2"/>
+          </a:solidFill>
+        </p:spPr>
+        <p:style>
+          <a:lnRef idx="2">
+            <a:schemeClr val="accent3">
+              <a:shade val="50000"/>
+            </a:schemeClr>
+          </a:lnRef>
+          <a:fillRef idx="1">
+            <a:schemeClr val="accent3"/>
+          </a:fillRef>
+          <a:effectRef idx="0">
+            <a:schemeClr val="accent3"/>
+          </a:effectRef>
+          <a:fontRef idx="minor">
+            <a:schemeClr val="lt1"/>
+          </a:fontRef>
+        </p:style>
+        <p:txBody>
+          <a:bodyPr rtlCol="0" anchor="ctr"/>
+          <a:lstStyle/>
+          <a:p>
+            <a:pPr algn="ctr"/>
+            <a:endParaRPr lang="en-US"/>
+          </a:p>
+        </p:txBody>
+      </p:sp>
+      <p:cxnSp>
+        <p:nvCxnSpPr>
+          <p:cNvPr id="24" name="Straight Connector 23"/>
+          <p:cNvCxnSpPr>
+            <a:stCxn id="20" idx="5"/>
+            <a:endCxn id="23" idx="1"/>
+          </p:cNvCxnSpPr>
+          <p:nvPr/>
+        </p:nvCxnSpPr>
+        <p:spPr>
+          <a:xfrm>
+            <a:off x="4409736" y="4354484"/>
+            <a:ext cx="355910" cy="1007580"/>
+          </a:xfrm>
+          <a:prstGeom prst="line">
+            <a:avLst/>
+          </a:prstGeom>
+          <a:solidFill>
+            <a:schemeClr val="tx2"/>
+          </a:solidFill>
+          <a:ln>
+            <a:solidFill>
+              <a:schemeClr val="accent3">
+                <a:lumMod val="60000"/>
+                <a:lumOff val="40000"/>
+              </a:schemeClr>
+            </a:solidFill>
+          </a:ln>
+        </p:spPr>
+        <p:style>
+          <a:lnRef idx="3">
+            <a:schemeClr val="dk1"/>
+          </a:lnRef>
+          <a:fillRef idx="0">
+            <a:schemeClr val="dk1"/>
+          </a:fillRef>
+          <a:effectRef idx="2">
+            <a:schemeClr val="dk1"/>
+          </a:effectRef>
+          <a:fontRef idx="minor">
+            <a:schemeClr val="tx1"/>
+          </a:fontRef>
+        </p:style>
+      </p:cxnSp>
+      <p:sp>
+        <p:nvSpPr>
+          <p:cNvPr id="25" name="Oval 24"/>
+          <p:cNvSpPr/>
+          <p:nvPr/>
+        </p:nvSpPr>
+        <p:spPr>
+          <a:xfrm>
+            <a:off x="8024978" y="3992761"/>
+            <a:ext cx="172193" cy="172193"/>
+          </a:xfrm>
+          <a:prstGeom prst="ellipse">
+            <a:avLst/>
+          </a:prstGeom>
+          <a:solidFill>
+            <a:schemeClr val="tx2"/>
+          </a:solidFill>
+        </p:spPr>
+        <p:style>
+          <a:lnRef idx="2">
+            <a:schemeClr val="accent3">
+              <a:shade val="50000"/>
+            </a:schemeClr>
+          </a:lnRef>
+          <a:fillRef idx="1">
+            <a:schemeClr val="accent3"/>
+          </a:fillRef>
+          <a:effectRef idx="0">
+            <a:schemeClr val="accent3"/>
+          </a:effectRef>
+          <a:fontRef idx="minor">
+            <a:schemeClr val="lt1"/>
+          </a:fontRef>
+        </p:style>
+        <p:txBody>
+          <a:bodyPr rtlCol="0" anchor="ctr"/>
+          <a:lstStyle/>
+          <a:p>
+            <a:pPr algn="ctr"/>
+            <a:endParaRPr lang="en-US"/>
+          </a:p>
+        </p:txBody>
+      </p:sp>
+      <p:cxnSp>
+        <p:nvCxnSpPr>
+          <p:cNvPr id="27" name="Straight Connector 26"/>
+          <p:cNvCxnSpPr>
+            <a:stCxn id="23" idx="7"/>
+            <a:endCxn id="21" idx="4"/>
+          </p:cNvCxnSpPr>
+          <p:nvPr/>
+        </p:nvCxnSpPr>
+        <p:spPr>
+          <a:xfrm flipV="1">
+            <a:off x="4887405" y="4901989"/>
+            <a:ext cx="680998" cy="460075"/>
+          </a:xfrm>
+          <a:prstGeom prst="line">
+            <a:avLst/>
+          </a:prstGeom>
+          <a:solidFill>
+            <a:schemeClr val="tx2"/>
+          </a:solidFill>
+        </p:spPr>
+        <p:style>
+          <a:lnRef idx="3">
+            <a:schemeClr val="dk1"/>
+          </a:lnRef>
+          <a:fillRef idx="0">
+            <a:schemeClr val="dk1"/>
+          </a:fillRef>
+          <a:effectRef idx="2">
+            <a:schemeClr val="dk1"/>
+          </a:effectRef>
+          <a:fontRef idx="minor">
+            <a:schemeClr val="tx1"/>
+          </a:fontRef>
+        </p:style>
+      </p:cxnSp>
+      <p:sp>
+        <p:nvSpPr>
+          <p:cNvPr id="28" name="Oval 27"/>
+          <p:cNvSpPr/>
+          <p:nvPr/>
+        </p:nvSpPr>
+        <p:spPr>
+          <a:xfrm>
+            <a:off x="8541649" y="4161601"/>
+            <a:ext cx="172193" cy="172193"/>
+          </a:xfrm>
+          <a:prstGeom prst="ellipse">
+            <a:avLst/>
+          </a:prstGeom>
+          <a:solidFill>
+            <a:schemeClr val="tx2"/>
+          </a:solidFill>
+        </p:spPr>
+        <p:style>
+          <a:lnRef idx="2">
+            <a:schemeClr val="accent3">
+              <a:shade val="50000"/>
+            </a:schemeClr>
+          </a:lnRef>
+          <a:fillRef idx="1">
+            <a:schemeClr val="accent3"/>
+          </a:fillRef>
+          <a:effectRef idx="0">
+            <a:schemeClr val="accent3"/>
+          </a:effectRef>
+          <a:fontRef idx="minor">
+            <a:schemeClr val="lt1"/>
+          </a:fontRef>
+        </p:style>
+        <p:txBody>
+          <a:bodyPr rtlCol="0" anchor="ctr"/>
+          <a:lstStyle/>
+          <a:p>
+            <a:pPr algn="ctr"/>
+            <a:endParaRPr lang="en-US"/>
+          </a:p>
+        </p:txBody>
+      </p:sp>
+      <p:cxnSp>
+        <p:nvCxnSpPr>
+          <p:cNvPr id="29" name="Straight Connector 28"/>
+          <p:cNvCxnSpPr>
+            <a:stCxn id="25" idx="6"/>
+            <a:endCxn id="28" idx="2"/>
+          </p:cNvCxnSpPr>
+          <p:nvPr/>
+        </p:nvCxnSpPr>
+        <p:spPr>
+          <a:xfrm>
+            <a:off x="8197171" y="4078858"/>
+            <a:ext cx="344478" cy="168840"/>
+          </a:xfrm>
+          <a:prstGeom prst="line">
+            <a:avLst/>
+          </a:prstGeom>
+          <a:solidFill>
+            <a:schemeClr val="tx2"/>
+          </a:solidFill>
+        </p:spPr>
+        <p:style>
+          <a:lnRef idx="3">
+            <a:schemeClr val="dk1"/>
+          </a:lnRef>
+          <a:fillRef idx="0">
+            <a:schemeClr val="dk1"/>
+          </a:fillRef>
+          <a:effectRef idx="2">
+            <a:schemeClr val="dk1"/>
+          </a:effectRef>
+          <a:fontRef idx="minor">
+            <a:schemeClr val="tx1"/>
+          </a:fontRef>
+        </p:style>
+      </p:cxnSp>
+      <p:sp>
+        <p:nvSpPr>
+          <p:cNvPr id="31" name="Oval 30"/>
+          <p:cNvSpPr/>
+          <p:nvPr/>
+        </p:nvSpPr>
+        <p:spPr>
+          <a:xfrm>
+            <a:off x="5106345" y="3666557"/>
+            <a:ext cx="172193" cy="172193"/>
+          </a:xfrm>
+          <a:prstGeom prst="ellipse">
+            <a:avLst/>
+          </a:prstGeom>
+          <a:solidFill>
+            <a:schemeClr val="tx2"/>
+          </a:solidFill>
+        </p:spPr>
+        <p:style>
+          <a:lnRef idx="2">
+            <a:schemeClr val="accent3">
+              <a:shade val="50000"/>
+            </a:schemeClr>
+          </a:lnRef>
+          <a:fillRef idx="1">
+            <a:schemeClr val="accent3"/>
+          </a:fillRef>
+          <a:effectRef idx="0">
+            <a:schemeClr val="accent3"/>
+          </a:effectRef>
+          <a:fontRef idx="minor">
+            <a:schemeClr val="lt1"/>
+          </a:fontRef>
+        </p:style>
+        <p:txBody>
+          <a:bodyPr rtlCol="0" anchor="ctr"/>
+          <a:lstStyle/>
+          <a:p>
+            <a:pPr algn="ctr"/>
+            <a:endParaRPr lang="en-US"/>
+          </a:p>
+        </p:txBody>
+      </p:sp>
+      <p:cxnSp>
+        <p:nvCxnSpPr>
+          <p:cNvPr id="32" name="Straight Connector 31"/>
+          <p:cNvCxnSpPr>
+            <a:stCxn id="8" idx="6"/>
+            <a:endCxn id="16" idx="2"/>
+          </p:cNvCxnSpPr>
+          <p:nvPr/>
+        </p:nvCxnSpPr>
+        <p:spPr>
+          <a:xfrm flipV="1">
+            <a:off x="7047405" y="4559880"/>
+            <a:ext cx="780181" cy="198522"/>
+          </a:xfrm>
+          <a:prstGeom prst="line">
+            <a:avLst/>
+          </a:prstGeom>
+          <a:solidFill>
+            <a:schemeClr val="tx2"/>
+          </a:solidFill>
+        </p:spPr>
+        <p:style>
+          <a:lnRef idx="3">
+            <a:schemeClr val="dk1"/>
+          </a:lnRef>
+          <a:fillRef idx="0">
+            <a:schemeClr val="dk1"/>
+          </a:fillRef>
+          <a:effectRef idx="2">
+            <a:schemeClr val="dk1"/>
+          </a:effectRef>
+          <a:fontRef idx="minor">
+            <a:schemeClr val="tx1"/>
+          </a:fontRef>
+        </p:style>
+      </p:cxnSp>
+      <p:cxnSp>
+        <p:nvCxnSpPr>
+          <p:cNvPr id="36" name="Straight Connector 35"/>
+          <p:cNvCxnSpPr>
+            <a:stCxn id="8" idx="5"/>
+            <a:endCxn id="17" idx="2"/>
+          </p:cNvCxnSpPr>
+          <p:nvPr/>
+        </p:nvCxnSpPr>
+        <p:spPr>
+          <a:xfrm>
+            <a:off x="7022188" y="4819281"/>
+            <a:ext cx="1104042" cy="614938"/>
+          </a:xfrm>
+          <a:prstGeom prst="line">
+            <a:avLst/>
+          </a:prstGeom>
+          <a:solidFill>
+            <a:schemeClr val="tx2"/>
+          </a:solidFill>
+          <a:ln>
+            <a:solidFill>
+              <a:schemeClr val="accent3">
+                <a:lumMod val="60000"/>
+                <a:lumOff val="40000"/>
+              </a:schemeClr>
+            </a:solidFill>
+          </a:ln>
+        </p:spPr>
+        <p:style>
+          <a:lnRef idx="3">
+            <a:schemeClr val="dk1"/>
+          </a:lnRef>
+          <a:fillRef idx="0">
+            <a:schemeClr val="dk1"/>
+          </a:fillRef>
+          <a:effectRef idx="2">
+            <a:schemeClr val="dk1"/>
+          </a:effectRef>
+          <a:fontRef idx="minor">
+            <a:schemeClr val="tx1"/>
+          </a:fontRef>
+        </p:style>
+      </p:cxnSp>
     </p:spTree>
     <p:extLst>
       <p:ext uri="{BB962C8B-B14F-4D97-AF65-F5344CB8AC3E}">
-        <p14:creationId xmlns:p14="http://schemas.microsoft.com/office/powerpoint/2010/main" val="3878639982"/>
+        <p14:creationId xmlns:p14="http://schemas.microsoft.com/office/powerpoint/2010/main" val="3866599843"/>
       </p:ext>
     </p:extLst>
   </p:cSld>
@@ -17161,7 +20360,7 @@
       </p:grpSpPr>
       <p:sp>
         <p:nvSpPr>
-          <p:cNvPr id="2" name="Title 1"/>
+          <p:cNvPr id="2" name="Titel 1"/>
           <p:cNvSpPr>
             <a:spLocks noGrp="1"/>
           </p:cNvSpPr>
@@ -17175,16 +20374,15 @@
           <a:lstStyle/>
           <a:p>
             <a:r>
-              <a:rPr lang="en-US" dirty="0" smtClean="0"/>
-              <a:t>Parallel transversal</a:t>
+              <a:rPr lang="de-DE"/>
+              <a:t>Spanning Tree</a:t>
             </a:r>
-            <a:endParaRPr lang="en-US" dirty="0"/>
           </a:p>
         </p:txBody>
       </p:sp>
       <p:sp>
         <p:nvSpPr>
-          <p:cNvPr id="4" name="Content Placeholder 3"/>
+          <p:cNvPr id="3" name="Content Placeholder 2"/>
           <p:cNvSpPr>
             <a:spLocks noGrp="1"/>
           </p:cNvSpPr>
@@ -17197,38 +20395,960 @@
           <a:bodyPr/>
           <a:lstStyle/>
           <a:p>
-            <a:endParaRPr lang="en-US"/>
+            <a:endParaRPr lang="en-US" dirty="0"/>
           </a:p>
         </p:txBody>
       </p:sp>
-      <p:graphicFrame>
-        <p:nvGraphicFramePr>
-          <p:cNvPr id="5" name="Diagramm 6"/>
-          <p:cNvGraphicFramePr>
-            <a:graphicFrameLocks/>
-          </p:cNvGraphicFramePr>
-          <p:nvPr>
-            <p:extLst>
-              <p:ext uri="{D42A27DB-BD31-4B8C-83A1-F6EECF244321}">
-                <p14:modId xmlns:p14="http://schemas.microsoft.com/office/powerpoint/2010/main" val="3699493148"/>
-              </p:ext>
-            </p:extLst>
-          </p:nvPr>
-        </p:nvGraphicFramePr>
-        <p:xfrm>
-          <a:off x="685800" y="2286001"/>
-          <a:ext cx="10820400" cy="4076700"/>
-        </p:xfrm>
-        <a:graphic>
-          <a:graphicData uri="http://schemas.openxmlformats.org/drawingml/2006/chart">
-            <c:chart xmlns:c="http://schemas.openxmlformats.org/drawingml/2006/chart" xmlns:r="http://schemas.openxmlformats.org/officeDocument/2006/relationships" r:id="rId2"/>
-          </a:graphicData>
-        </a:graphic>
-      </p:graphicFrame>
+      <p:sp>
+        <p:nvSpPr>
+          <p:cNvPr id="5" name="Oval 4"/>
+          <p:cNvSpPr/>
+          <p:nvPr/>
+        </p:nvSpPr>
+        <p:spPr>
+          <a:xfrm>
+            <a:off x="3522054" y="3971410"/>
+            <a:ext cx="172193" cy="172193"/>
+          </a:xfrm>
+          <a:prstGeom prst="ellipse">
+            <a:avLst/>
+          </a:prstGeom>
+          <a:solidFill>
+            <a:schemeClr val="tx2"/>
+          </a:solidFill>
+        </p:spPr>
+        <p:style>
+          <a:lnRef idx="2">
+            <a:schemeClr val="accent3">
+              <a:shade val="50000"/>
+            </a:schemeClr>
+          </a:lnRef>
+          <a:fillRef idx="1">
+            <a:schemeClr val="accent3"/>
+          </a:fillRef>
+          <a:effectRef idx="0">
+            <a:schemeClr val="accent3"/>
+          </a:effectRef>
+          <a:fontRef idx="minor">
+            <a:schemeClr val="lt1"/>
+          </a:fontRef>
+        </p:style>
+        <p:txBody>
+          <a:bodyPr rtlCol="0" anchor="ctr"/>
+          <a:lstStyle/>
+          <a:p>
+            <a:pPr algn="ctr"/>
+            <a:endParaRPr lang="en-US"/>
+          </a:p>
+        </p:txBody>
+      </p:sp>
+      <p:sp>
+        <p:nvSpPr>
+          <p:cNvPr id="6" name="Oval 5"/>
+          <p:cNvSpPr/>
+          <p:nvPr/>
+        </p:nvSpPr>
+        <p:spPr>
+          <a:xfrm>
+            <a:off x="6703019" y="3714111"/>
+            <a:ext cx="172193" cy="172193"/>
+          </a:xfrm>
+          <a:prstGeom prst="ellipse">
+            <a:avLst/>
+          </a:prstGeom>
+          <a:solidFill>
+            <a:schemeClr val="tx2"/>
+          </a:solidFill>
+        </p:spPr>
+        <p:style>
+          <a:lnRef idx="2">
+            <a:schemeClr val="accent3">
+              <a:shade val="50000"/>
+            </a:schemeClr>
+          </a:lnRef>
+          <a:fillRef idx="1">
+            <a:schemeClr val="accent3"/>
+          </a:fillRef>
+          <a:effectRef idx="0">
+            <a:schemeClr val="accent3"/>
+          </a:effectRef>
+          <a:fontRef idx="minor">
+            <a:schemeClr val="lt1"/>
+          </a:fontRef>
+        </p:style>
+        <p:txBody>
+          <a:bodyPr rtlCol="0" anchor="ctr"/>
+          <a:lstStyle/>
+          <a:p>
+            <a:pPr algn="ctr"/>
+            <a:endParaRPr lang="en-US"/>
+          </a:p>
+        </p:txBody>
+      </p:sp>
+      <p:sp>
+        <p:nvSpPr>
+          <p:cNvPr id="8" name="Oval 7"/>
+          <p:cNvSpPr/>
+          <p:nvPr/>
+        </p:nvSpPr>
+        <p:spPr>
+          <a:xfrm>
+            <a:off x="6875212" y="4672305"/>
+            <a:ext cx="172193" cy="172193"/>
+          </a:xfrm>
+          <a:prstGeom prst="ellipse">
+            <a:avLst/>
+          </a:prstGeom>
+          <a:solidFill>
+            <a:schemeClr val="tx2"/>
+          </a:solidFill>
+        </p:spPr>
+        <p:style>
+          <a:lnRef idx="2">
+            <a:schemeClr val="accent3">
+              <a:shade val="50000"/>
+            </a:schemeClr>
+          </a:lnRef>
+          <a:fillRef idx="1">
+            <a:schemeClr val="accent3"/>
+          </a:fillRef>
+          <a:effectRef idx="0">
+            <a:schemeClr val="accent3"/>
+          </a:effectRef>
+          <a:fontRef idx="minor">
+            <a:schemeClr val="lt1"/>
+          </a:fontRef>
+        </p:style>
+        <p:txBody>
+          <a:bodyPr rtlCol="0" anchor="ctr"/>
+          <a:lstStyle/>
+          <a:p>
+            <a:pPr algn="ctr"/>
+            <a:endParaRPr lang="en-US"/>
+          </a:p>
+        </p:txBody>
+      </p:sp>
+      <p:sp>
+        <p:nvSpPr>
+          <p:cNvPr id="10" name="Oval 9"/>
+          <p:cNvSpPr/>
+          <p:nvPr/>
+        </p:nvSpPr>
+        <p:spPr>
+          <a:xfrm>
+            <a:off x="3494126" y="4905854"/>
+            <a:ext cx="172193" cy="172193"/>
+          </a:xfrm>
+          <a:prstGeom prst="ellipse">
+            <a:avLst/>
+          </a:prstGeom>
+          <a:solidFill>
+            <a:schemeClr val="tx2"/>
+          </a:solidFill>
+        </p:spPr>
+        <p:style>
+          <a:lnRef idx="2">
+            <a:schemeClr val="accent3">
+              <a:shade val="50000"/>
+            </a:schemeClr>
+          </a:lnRef>
+          <a:fillRef idx="1">
+            <a:schemeClr val="accent3"/>
+          </a:fillRef>
+          <a:effectRef idx="0">
+            <a:schemeClr val="accent3"/>
+          </a:effectRef>
+          <a:fontRef idx="minor">
+            <a:schemeClr val="lt1"/>
+          </a:fontRef>
+        </p:style>
+        <p:txBody>
+          <a:bodyPr rtlCol="0" anchor="ctr"/>
+          <a:lstStyle/>
+          <a:p>
+            <a:pPr algn="ctr"/>
+            <a:endParaRPr lang="en-US"/>
+          </a:p>
+        </p:txBody>
+      </p:sp>
+      <p:cxnSp>
+        <p:nvCxnSpPr>
+          <p:cNvPr id="11" name="Straight Connector 10"/>
+          <p:cNvCxnSpPr>
+            <a:stCxn id="5" idx="4"/>
+            <a:endCxn id="10" idx="0"/>
+          </p:cNvCxnSpPr>
+          <p:nvPr/>
+        </p:nvCxnSpPr>
+        <p:spPr>
+          <a:xfrm flipH="1">
+            <a:off x="3580223" y="4143603"/>
+            <a:ext cx="27928" cy="762251"/>
+          </a:xfrm>
+          <a:prstGeom prst="line">
+            <a:avLst/>
+          </a:prstGeom>
+          <a:solidFill>
+            <a:schemeClr val="tx2"/>
+          </a:solidFill>
+        </p:spPr>
+        <p:style>
+          <a:lnRef idx="3">
+            <a:schemeClr val="dk1"/>
+          </a:lnRef>
+          <a:fillRef idx="0">
+            <a:schemeClr val="dk1"/>
+          </a:fillRef>
+          <a:effectRef idx="2">
+            <a:schemeClr val="dk1"/>
+          </a:effectRef>
+          <a:fontRef idx="minor">
+            <a:schemeClr val="tx1"/>
+          </a:fontRef>
+        </p:style>
+      </p:cxnSp>
+      <p:cxnSp>
+        <p:nvCxnSpPr>
+          <p:cNvPr id="12" name="Straight Connector 11"/>
+          <p:cNvCxnSpPr>
+            <a:stCxn id="8" idx="0"/>
+            <a:endCxn id="6" idx="4"/>
+          </p:cNvCxnSpPr>
+          <p:nvPr/>
+        </p:nvCxnSpPr>
+        <p:spPr>
+          <a:xfrm flipH="1" flipV="1">
+            <a:off x="6789116" y="3886304"/>
+            <a:ext cx="172193" cy="786001"/>
+          </a:xfrm>
+          <a:prstGeom prst="line">
+            <a:avLst/>
+          </a:prstGeom>
+          <a:solidFill>
+            <a:schemeClr val="tx2"/>
+          </a:solidFill>
+          <a:ln>
+            <a:solidFill>
+              <a:schemeClr val="bg1"/>
+            </a:solidFill>
+          </a:ln>
+        </p:spPr>
+        <p:style>
+          <a:lnRef idx="3">
+            <a:schemeClr val="dk1"/>
+          </a:lnRef>
+          <a:fillRef idx="0">
+            <a:schemeClr val="dk1"/>
+          </a:fillRef>
+          <a:effectRef idx="2">
+            <a:schemeClr val="dk1"/>
+          </a:effectRef>
+          <a:fontRef idx="minor">
+            <a:schemeClr val="tx1"/>
+          </a:fontRef>
+        </p:style>
+      </p:cxnSp>
+      <p:sp>
+        <p:nvSpPr>
+          <p:cNvPr id="13" name="Oval 12"/>
+          <p:cNvSpPr/>
+          <p:nvPr/>
+        </p:nvSpPr>
+        <p:spPr>
+          <a:xfrm>
+            <a:off x="4151447" y="5462471"/>
+            <a:ext cx="172193" cy="172193"/>
+          </a:xfrm>
+          <a:prstGeom prst="ellipse">
+            <a:avLst/>
+          </a:prstGeom>
+          <a:solidFill>
+            <a:schemeClr val="tx2"/>
+          </a:solidFill>
+        </p:spPr>
+        <p:style>
+          <a:lnRef idx="2">
+            <a:schemeClr val="accent3">
+              <a:shade val="50000"/>
+            </a:schemeClr>
+          </a:lnRef>
+          <a:fillRef idx="1">
+            <a:schemeClr val="accent3"/>
+          </a:fillRef>
+          <a:effectRef idx="0">
+            <a:schemeClr val="accent3"/>
+          </a:effectRef>
+          <a:fontRef idx="minor">
+            <a:schemeClr val="lt1"/>
+          </a:fontRef>
+        </p:style>
+        <p:txBody>
+          <a:bodyPr rtlCol="0" anchor="ctr"/>
+          <a:lstStyle/>
+          <a:p>
+            <a:pPr algn="ctr"/>
+            <a:endParaRPr lang="en-US"/>
+          </a:p>
+        </p:txBody>
+      </p:sp>
+      <p:cxnSp>
+        <p:nvCxnSpPr>
+          <p:cNvPr id="14" name="Straight Connector 13"/>
+          <p:cNvCxnSpPr>
+            <a:stCxn id="10" idx="5"/>
+            <a:endCxn id="13" idx="1"/>
+          </p:cNvCxnSpPr>
+          <p:nvPr/>
+        </p:nvCxnSpPr>
+        <p:spPr>
+          <a:xfrm>
+            <a:off x="3641102" y="5052830"/>
+            <a:ext cx="535562" cy="434858"/>
+          </a:xfrm>
+          <a:prstGeom prst="line">
+            <a:avLst/>
+          </a:prstGeom>
+          <a:solidFill>
+            <a:schemeClr val="tx2"/>
+          </a:solidFill>
+        </p:spPr>
+        <p:style>
+          <a:lnRef idx="3">
+            <a:schemeClr val="dk1"/>
+          </a:lnRef>
+          <a:fillRef idx="0">
+            <a:schemeClr val="dk1"/>
+          </a:fillRef>
+          <a:effectRef idx="2">
+            <a:schemeClr val="dk1"/>
+          </a:effectRef>
+          <a:fontRef idx="minor">
+            <a:schemeClr val="tx1"/>
+          </a:fontRef>
+        </p:style>
+      </p:cxnSp>
+      <p:grpSp>
+        <p:nvGrpSpPr>
+          <p:cNvPr id="15" name="Group 78"/>
+          <p:cNvGrpSpPr/>
+          <p:nvPr/>
+        </p:nvGrpSpPr>
+        <p:grpSpPr>
+          <a:xfrm>
+            <a:off x="7827586" y="4473783"/>
+            <a:ext cx="470837" cy="1046532"/>
+            <a:chOff x="5483889" y="4414062"/>
+            <a:chExt cx="470837" cy="1046532"/>
+          </a:xfrm>
+          <a:solidFill>
+            <a:schemeClr val="tx2"/>
+          </a:solidFill>
+        </p:grpSpPr>
+        <p:sp>
+          <p:nvSpPr>
+            <p:cNvPr id="16" name="Oval 15"/>
+            <p:cNvSpPr/>
+            <p:nvPr/>
+          </p:nvSpPr>
+          <p:spPr>
+            <a:xfrm>
+              <a:off x="5483889" y="4414062"/>
+              <a:ext cx="172193" cy="172193"/>
+            </a:xfrm>
+            <a:prstGeom prst="ellipse">
+              <a:avLst/>
+            </a:prstGeom>
+            <a:grpFill/>
+          </p:spPr>
+          <p:style>
+            <a:lnRef idx="2">
+              <a:schemeClr val="accent3">
+                <a:shade val="50000"/>
+              </a:schemeClr>
+            </a:lnRef>
+            <a:fillRef idx="1">
+              <a:schemeClr val="accent3"/>
+            </a:fillRef>
+            <a:effectRef idx="0">
+              <a:schemeClr val="accent3"/>
+            </a:effectRef>
+            <a:fontRef idx="minor">
+              <a:schemeClr val="lt1"/>
+            </a:fontRef>
+          </p:style>
+          <p:txBody>
+            <a:bodyPr rtlCol="0" anchor="ctr"/>
+            <a:lstStyle/>
+            <a:p>
+              <a:pPr algn="ctr"/>
+              <a:endParaRPr lang="en-US"/>
+            </a:p>
+          </p:txBody>
+        </p:sp>
+        <p:sp>
+          <p:nvSpPr>
+            <p:cNvPr id="17" name="Oval 16"/>
+            <p:cNvSpPr/>
+            <p:nvPr/>
+          </p:nvSpPr>
+          <p:spPr>
+            <a:xfrm>
+              <a:off x="5782533" y="5288401"/>
+              <a:ext cx="172193" cy="172193"/>
+            </a:xfrm>
+            <a:prstGeom prst="ellipse">
+              <a:avLst/>
+            </a:prstGeom>
+            <a:grpFill/>
+          </p:spPr>
+          <p:style>
+            <a:lnRef idx="2">
+              <a:schemeClr val="accent3">
+                <a:shade val="50000"/>
+              </a:schemeClr>
+            </a:lnRef>
+            <a:fillRef idx="1">
+              <a:schemeClr val="accent3"/>
+            </a:fillRef>
+            <a:effectRef idx="0">
+              <a:schemeClr val="accent3"/>
+            </a:effectRef>
+            <a:fontRef idx="minor">
+              <a:schemeClr val="lt1"/>
+            </a:fontRef>
+          </p:style>
+          <p:txBody>
+            <a:bodyPr rtlCol="0" anchor="ctr"/>
+            <a:lstStyle/>
+            <a:p>
+              <a:pPr algn="ctr"/>
+              <a:endParaRPr lang="en-US"/>
+            </a:p>
+          </p:txBody>
+        </p:sp>
+        <p:cxnSp>
+          <p:nvCxnSpPr>
+            <p:cNvPr id="18" name="Straight Connector 17"/>
+            <p:cNvCxnSpPr>
+              <a:stCxn id="16" idx="4"/>
+              <a:endCxn id="17" idx="0"/>
+            </p:cNvCxnSpPr>
+            <p:nvPr/>
+          </p:nvCxnSpPr>
+          <p:spPr>
+            <a:xfrm>
+              <a:off x="5569986" y="4586255"/>
+              <a:ext cx="298644" cy="702146"/>
+            </a:xfrm>
+            <a:prstGeom prst="line">
+              <a:avLst/>
+            </a:prstGeom>
+            <a:grpFill/>
+          </p:spPr>
+          <p:style>
+            <a:lnRef idx="3">
+              <a:schemeClr val="dk1"/>
+            </a:lnRef>
+            <a:fillRef idx="0">
+              <a:schemeClr val="dk1"/>
+            </a:fillRef>
+            <a:effectRef idx="2">
+              <a:schemeClr val="dk1"/>
+            </a:effectRef>
+            <a:fontRef idx="minor">
+              <a:schemeClr val="tx1"/>
+            </a:fontRef>
+          </p:style>
+        </p:cxnSp>
+      </p:grpSp>
+      <p:sp>
+        <p:nvSpPr>
+          <p:cNvPr id="20" name="Oval 19"/>
+          <p:cNvSpPr/>
+          <p:nvPr/>
+        </p:nvSpPr>
+        <p:spPr>
+          <a:xfrm>
+            <a:off x="4262760" y="4207508"/>
+            <a:ext cx="172193" cy="172193"/>
+          </a:xfrm>
+          <a:prstGeom prst="ellipse">
+            <a:avLst/>
+          </a:prstGeom>
+          <a:solidFill>
+            <a:schemeClr val="tx2"/>
+          </a:solidFill>
+        </p:spPr>
+        <p:style>
+          <a:lnRef idx="2">
+            <a:schemeClr val="accent3">
+              <a:shade val="50000"/>
+            </a:schemeClr>
+          </a:lnRef>
+          <a:fillRef idx="1">
+            <a:schemeClr val="accent3"/>
+          </a:fillRef>
+          <a:effectRef idx="0">
+            <a:schemeClr val="accent3"/>
+          </a:effectRef>
+          <a:fontRef idx="minor">
+            <a:schemeClr val="lt1"/>
+          </a:fontRef>
+        </p:style>
+        <p:txBody>
+          <a:bodyPr rtlCol="0" anchor="ctr"/>
+          <a:lstStyle/>
+          <a:p>
+            <a:pPr algn="ctr"/>
+            <a:endParaRPr lang="en-US"/>
+          </a:p>
+        </p:txBody>
+      </p:sp>
+      <p:sp>
+        <p:nvSpPr>
+          <p:cNvPr id="21" name="Oval 20"/>
+          <p:cNvSpPr/>
+          <p:nvPr/>
+        </p:nvSpPr>
+        <p:spPr>
+          <a:xfrm>
+            <a:off x="5482306" y="4729796"/>
+            <a:ext cx="172193" cy="172193"/>
+          </a:xfrm>
+          <a:prstGeom prst="ellipse">
+            <a:avLst/>
+          </a:prstGeom>
+          <a:solidFill>
+            <a:schemeClr val="tx2"/>
+          </a:solidFill>
+        </p:spPr>
+        <p:style>
+          <a:lnRef idx="2">
+            <a:schemeClr val="accent3">
+              <a:shade val="50000"/>
+            </a:schemeClr>
+          </a:lnRef>
+          <a:fillRef idx="1">
+            <a:schemeClr val="accent3"/>
+          </a:fillRef>
+          <a:effectRef idx="0">
+            <a:schemeClr val="accent3"/>
+          </a:effectRef>
+          <a:fontRef idx="minor">
+            <a:schemeClr val="lt1"/>
+          </a:fontRef>
+        </p:style>
+        <p:txBody>
+          <a:bodyPr rtlCol="0" anchor="ctr"/>
+          <a:lstStyle/>
+          <a:p>
+            <a:pPr algn="ctr"/>
+            <a:endParaRPr lang="en-US"/>
+          </a:p>
+        </p:txBody>
+      </p:sp>
+      <p:cxnSp>
+        <p:nvCxnSpPr>
+          <p:cNvPr id="22" name="Straight Connector 21"/>
+          <p:cNvCxnSpPr>
+            <a:stCxn id="20" idx="6"/>
+            <a:endCxn id="21" idx="2"/>
+          </p:cNvCxnSpPr>
+          <p:nvPr/>
+        </p:nvCxnSpPr>
+        <p:spPr>
+          <a:xfrm>
+            <a:off x="4434953" y="4293605"/>
+            <a:ext cx="1047353" cy="522288"/>
+          </a:xfrm>
+          <a:prstGeom prst="line">
+            <a:avLst/>
+          </a:prstGeom>
+          <a:solidFill>
+            <a:schemeClr val="tx2"/>
+          </a:solidFill>
+        </p:spPr>
+        <p:style>
+          <a:lnRef idx="3">
+            <a:schemeClr val="dk1"/>
+          </a:lnRef>
+          <a:fillRef idx="0">
+            <a:schemeClr val="dk1"/>
+          </a:fillRef>
+          <a:effectRef idx="2">
+            <a:schemeClr val="dk1"/>
+          </a:effectRef>
+          <a:fontRef idx="minor">
+            <a:schemeClr val="tx1"/>
+          </a:fontRef>
+        </p:style>
+      </p:cxnSp>
+      <p:sp>
+        <p:nvSpPr>
+          <p:cNvPr id="23" name="Oval 22"/>
+          <p:cNvSpPr/>
+          <p:nvPr/>
+        </p:nvSpPr>
+        <p:spPr>
+          <a:xfrm>
+            <a:off x="4740429" y="5336847"/>
+            <a:ext cx="172193" cy="172193"/>
+          </a:xfrm>
+          <a:prstGeom prst="ellipse">
+            <a:avLst/>
+          </a:prstGeom>
+          <a:solidFill>
+            <a:schemeClr val="tx2"/>
+          </a:solidFill>
+        </p:spPr>
+        <p:style>
+          <a:lnRef idx="2">
+            <a:schemeClr val="accent3">
+              <a:shade val="50000"/>
+            </a:schemeClr>
+          </a:lnRef>
+          <a:fillRef idx="1">
+            <a:schemeClr val="accent3"/>
+          </a:fillRef>
+          <a:effectRef idx="0">
+            <a:schemeClr val="accent3"/>
+          </a:effectRef>
+          <a:fontRef idx="minor">
+            <a:schemeClr val="lt1"/>
+          </a:fontRef>
+        </p:style>
+        <p:txBody>
+          <a:bodyPr rtlCol="0" anchor="ctr"/>
+          <a:lstStyle/>
+          <a:p>
+            <a:pPr algn="ctr"/>
+            <a:endParaRPr lang="en-US"/>
+          </a:p>
+        </p:txBody>
+      </p:sp>
+      <p:cxnSp>
+        <p:nvCxnSpPr>
+          <p:cNvPr id="24" name="Straight Connector 23"/>
+          <p:cNvCxnSpPr>
+            <a:stCxn id="20" idx="5"/>
+            <a:endCxn id="23" idx="1"/>
+          </p:cNvCxnSpPr>
+          <p:nvPr/>
+        </p:nvCxnSpPr>
+        <p:spPr>
+          <a:xfrm>
+            <a:off x="4409736" y="4354484"/>
+            <a:ext cx="355910" cy="1007580"/>
+          </a:xfrm>
+          <a:prstGeom prst="line">
+            <a:avLst/>
+          </a:prstGeom>
+          <a:solidFill>
+            <a:schemeClr val="tx2"/>
+          </a:solidFill>
+          <a:ln>
+            <a:solidFill>
+              <a:schemeClr val="bg1"/>
+            </a:solidFill>
+          </a:ln>
+        </p:spPr>
+        <p:style>
+          <a:lnRef idx="3">
+            <a:schemeClr val="dk1"/>
+          </a:lnRef>
+          <a:fillRef idx="0">
+            <a:schemeClr val="dk1"/>
+          </a:fillRef>
+          <a:effectRef idx="2">
+            <a:schemeClr val="dk1"/>
+          </a:effectRef>
+          <a:fontRef idx="minor">
+            <a:schemeClr val="tx1"/>
+          </a:fontRef>
+        </p:style>
+      </p:cxnSp>
+      <p:sp>
+        <p:nvSpPr>
+          <p:cNvPr id="25" name="Oval 24"/>
+          <p:cNvSpPr/>
+          <p:nvPr/>
+        </p:nvSpPr>
+        <p:spPr>
+          <a:xfrm>
+            <a:off x="8024978" y="3992761"/>
+            <a:ext cx="172193" cy="172193"/>
+          </a:xfrm>
+          <a:prstGeom prst="ellipse">
+            <a:avLst/>
+          </a:prstGeom>
+          <a:solidFill>
+            <a:schemeClr val="tx2"/>
+          </a:solidFill>
+        </p:spPr>
+        <p:style>
+          <a:lnRef idx="2">
+            <a:schemeClr val="accent3">
+              <a:shade val="50000"/>
+            </a:schemeClr>
+          </a:lnRef>
+          <a:fillRef idx="1">
+            <a:schemeClr val="accent3"/>
+          </a:fillRef>
+          <a:effectRef idx="0">
+            <a:schemeClr val="accent3"/>
+          </a:effectRef>
+          <a:fontRef idx="minor">
+            <a:schemeClr val="lt1"/>
+          </a:fontRef>
+        </p:style>
+        <p:txBody>
+          <a:bodyPr rtlCol="0" anchor="ctr"/>
+          <a:lstStyle/>
+          <a:p>
+            <a:pPr algn="ctr"/>
+            <a:endParaRPr lang="en-US"/>
+          </a:p>
+        </p:txBody>
+      </p:sp>
+      <p:cxnSp>
+        <p:nvCxnSpPr>
+          <p:cNvPr id="27" name="Straight Connector 26"/>
+          <p:cNvCxnSpPr>
+            <a:stCxn id="23" idx="7"/>
+            <a:endCxn id="21" idx="4"/>
+          </p:cNvCxnSpPr>
+          <p:nvPr/>
+        </p:nvCxnSpPr>
+        <p:spPr>
+          <a:xfrm flipV="1">
+            <a:off x="4887405" y="4901989"/>
+            <a:ext cx="680998" cy="460075"/>
+          </a:xfrm>
+          <a:prstGeom prst="line">
+            <a:avLst/>
+          </a:prstGeom>
+          <a:solidFill>
+            <a:schemeClr val="tx2"/>
+          </a:solidFill>
+        </p:spPr>
+        <p:style>
+          <a:lnRef idx="3">
+            <a:schemeClr val="dk1"/>
+          </a:lnRef>
+          <a:fillRef idx="0">
+            <a:schemeClr val="dk1"/>
+          </a:fillRef>
+          <a:effectRef idx="2">
+            <a:schemeClr val="dk1"/>
+          </a:effectRef>
+          <a:fontRef idx="minor">
+            <a:schemeClr val="tx1"/>
+          </a:fontRef>
+        </p:style>
+      </p:cxnSp>
+      <p:sp>
+        <p:nvSpPr>
+          <p:cNvPr id="28" name="Oval 27"/>
+          <p:cNvSpPr/>
+          <p:nvPr/>
+        </p:nvSpPr>
+        <p:spPr>
+          <a:xfrm>
+            <a:off x="8541649" y="4161601"/>
+            <a:ext cx="172193" cy="172193"/>
+          </a:xfrm>
+          <a:prstGeom prst="ellipse">
+            <a:avLst/>
+          </a:prstGeom>
+          <a:solidFill>
+            <a:schemeClr val="tx2"/>
+          </a:solidFill>
+        </p:spPr>
+        <p:style>
+          <a:lnRef idx="2">
+            <a:schemeClr val="accent3">
+              <a:shade val="50000"/>
+            </a:schemeClr>
+          </a:lnRef>
+          <a:fillRef idx="1">
+            <a:schemeClr val="accent3"/>
+          </a:fillRef>
+          <a:effectRef idx="0">
+            <a:schemeClr val="accent3"/>
+          </a:effectRef>
+          <a:fontRef idx="minor">
+            <a:schemeClr val="lt1"/>
+          </a:fontRef>
+        </p:style>
+        <p:txBody>
+          <a:bodyPr rtlCol="0" anchor="ctr"/>
+          <a:lstStyle/>
+          <a:p>
+            <a:pPr algn="ctr"/>
+            <a:endParaRPr lang="en-US"/>
+          </a:p>
+        </p:txBody>
+      </p:sp>
+      <p:cxnSp>
+        <p:nvCxnSpPr>
+          <p:cNvPr id="29" name="Straight Connector 28"/>
+          <p:cNvCxnSpPr>
+            <a:stCxn id="25" idx="6"/>
+            <a:endCxn id="28" idx="2"/>
+          </p:cNvCxnSpPr>
+          <p:nvPr/>
+        </p:nvCxnSpPr>
+        <p:spPr>
+          <a:xfrm>
+            <a:off x="8197171" y="4078858"/>
+            <a:ext cx="344478" cy="168840"/>
+          </a:xfrm>
+          <a:prstGeom prst="line">
+            <a:avLst/>
+          </a:prstGeom>
+          <a:solidFill>
+            <a:schemeClr val="tx2"/>
+          </a:solidFill>
+        </p:spPr>
+        <p:style>
+          <a:lnRef idx="3">
+            <a:schemeClr val="dk1"/>
+          </a:lnRef>
+          <a:fillRef idx="0">
+            <a:schemeClr val="dk1"/>
+          </a:fillRef>
+          <a:effectRef idx="2">
+            <a:schemeClr val="dk1"/>
+          </a:effectRef>
+          <a:fontRef idx="minor">
+            <a:schemeClr val="tx1"/>
+          </a:fontRef>
+        </p:style>
+      </p:cxnSp>
+      <p:sp>
+        <p:nvSpPr>
+          <p:cNvPr id="31" name="Oval 30"/>
+          <p:cNvSpPr/>
+          <p:nvPr/>
+        </p:nvSpPr>
+        <p:spPr>
+          <a:xfrm>
+            <a:off x="5106345" y="3666557"/>
+            <a:ext cx="172193" cy="172193"/>
+          </a:xfrm>
+          <a:prstGeom prst="ellipse">
+            <a:avLst/>
+          </a:prstGeom>
+          <a:solidFill>
+            <a:schemeClr val="tx2"/>
+          </a:solidFill>
+        </p:spPr>
+        <p:style>
+          <a:lnRef idx="2">
+            <a:schemeClr val="accent3">
+              <a:shade val="50000"/>
+            </a:schemeClr>
+          </a:lnRef>
+          <a:fillRef idx="1">
+            <a:schemeClr val="accent3"/>
+          </a:fillRef>
+          <a:effectRef idx="0">
+            <a:schemeClr val="accent3"/>
+          </a:effectRef>
+          <a:fontRef idx="minor">
+            <a:schemeClr val="lt1"/>
+          </a:fontRef>
+        </p:style>
+        <p:txBody>
+          <a:bodyPr rtlCol="0" anchor="ctr"/>
+          <a:lstStyle/>
+          <a:p>
+            <a:pPr algn="ctr"/>
+            <a:endParaRPr lang="en-US"/>
+          </a:p>
+        </p:txBody>
+      </p:sp>
+      <p:cxnSp>
+        <p:nvCxnSpPr>
+          <p:cNvPr id="32" name="Straight Connector 31"/>
+          <p:cNvCxnSpPr>
+            <a:stCxn id="8" idx="6"/>
+            <a:endCxn id="16" idx="2"/>
+          </p:cNvCxnSpPr>
+          <p:nvPr/>
+        </p:nvCxnSpPr>
+        <p:spPr>
+          <a:xfrm flipV="1">
+            <a:off x="7047405" y="4559880"/>
+            <a:ext cx="780181" cy="198522"/>
+          </a:xfrm>
+          <a:prstGeom prst="line">
+            <a:avLst/>
+          </a:prstGeom>
+          <a:solidFill>
+            <a:schemeClr val="tx2"/>
+          </a:solidFill>
+        </p:spPr>
+        <p:style>
+          <a:lnRef idx="3">
+            <a:schemeClr val="dk1"/>
+          </a:lnRef>
+          <a:fillRef idx="0">
+            <a:schemeClr val="dk1"/>
+          </a:fillRef>
+          <a:effectRef idx="2">
+            <a:schemeClr val="dk1"/>
+          </a:effectRef>
+          <a:fontRef idx="minor">
+            <a:schemeClr val="tx1"/>
+          </a:fontRef>
+        </p:style>
+      </p:cxnSp>
+      <p:cxnSp>
+        <p:nvCxnSpPr>
+          <p:cNvPr id="36" name="Straight Connector 35"/>
+          <p:cNvCxnSpPr>
+            <a:stCxn id="8" idx="5"/>
+            <a:endCxn id="17" idx="2"/>
+          </p:cNvCxnSpPr>
+          <p:nvPr/>
+        </p:nvCxnSpPr>
+        <p:spPr>
+          <a:xfrm>
+            <a:off x="7022188" y="4819281"/>
+            <a:ext cx="1104042" cy="614938"/>
+          </a:xfrm>
+          <a:prstGeom prst="line">
+            <a:avLst/>
+          </a:prstGeom>
+          <a:solidFill>
+            <a:schemeClr val="tx2"/>
+          </a:solidFill>
+          <a:ln>
+            <a:solidFill>
+              <a:schemeClr val="bg1"/>
+            </a:solidFill>
+          </a:ln>
+        </p:spPr>
+        <p:style>
+          <a:lnRef idx="3">
+            <a:schemeClr val="dk1"/>
+          </a:lnRef>
+          <a:fillRef idx="0">
+            <a:schemeClr val="dk1"/>
+          </a:fillRef>
+          <a:effectRef idx="2">
+            <a:schemeClr val="dk1"/>
+          </a:effectRef>
+          <a:fontRef idx="minor">
+            <a:schemeClr val="tx1"/>
+          </a:fontRef>
+        </p:style>
+      </p:cxnSp>
     </p:spTree>
     <p:extLst>
       <p:ext uri="{BB962C8B-B14F-4D97-AF65-F5344CB8AC3E}">
-        <p14:creationId xmlns:p14="http://schemas.microsoft.com/office/powerpoint/2010/main" val="2576653564"/>
+        <p14:creationId xmlns:p14="http://schemas.microsoft.com/office/powerpoint/2010/main" val="809395358"/>
       </p:ext>
     </p:extLst>
   </p:cSld>
@@ -17264,7 +21384,7 @@
       </p:grpSpPr>
       <p:sp>
         <p:nvSpPr>
-          <p:cNvPr id="2" name="Title 1"/>
+          <p:cNvPr id="2" name="Titel 1"/>
           <p:cNvSpPr>
             <a:spLocks noGrp="1"/>
           </p:cNvSpPr>
@@ -17278,16 +21398,15 @@
           <a:lstStyle/>
           <a:p>
             <a:r>
-              <a:rPr lang="en-US" dirty="0" smtClean="0"/>
-              <a:t>Parallel transversal with atomics</a:t>
+              <a:rPr lang="de-DE"/>
+              <a:t>Spanning Tree</a:t>
             </a:r>
-            <a:endParaRPr lang="en-US" dirty="0"/>
           </a:p>
         </p:txBody>
       </p:sp>
       <p:sp>
         <p:nvSpPr>
-          <p:cNvPr id="3" name="Content Placeholder 2"/>
+          <p:cNvPr id="3" name="Inhaltsplatzhalter 2"/>
           <p:cNvSpPr>
             <a:spLocks noGrp="1"/>
           </p:cNvSpPr>
@@ -17295,33 +21414,66 @@
             <p:ph idx="1"/>
           </p:nvPr>
         </p:nvSpPr>
-        <p:spPr/>
+        <p:spPr>
+          <a:xfrm>
+            <a:off x="5118567" y="2336800"/>
+            <a:ext cx="5176371" cy="3598863"/>
+          </a:xfrm>
+        </p:spPr>
         <p:txBody>
-          <a:bodyPr>
-            <a:normAutofit/>
-          </a:bodyPr>
+          <a:bodyPr/>
           <a:lstStyle/>
           <a:p>
             <a:r>
-              <a:rPr lang="en-US" sz="9600" dirty="0" smtClean="0">
-                <a:solidFill>
-                  <a:srgbClr val="FF0000"/>
-                </a:solidFill>
-              </a:rPr>
-              <a:t>EXPLAIN IT</a:t>
+              <a:rPr lang="de-DE"/>
+              <a:t>Runtime: O(m/p+ n*log(p))</a:t>
             </a:r>
-            <a:endParaRPr lang="en-US" sz="9600" dirty="0">
-              <a:solidFill>
-                <a:srgbClr val="FF0000"/>
-              </a:solidFill>
-            </a:endParaRPr>
+          </a:p>
+          <a:p>
+            <a:r>
+              <a:rPr lang="en-US"/>
+              <a:t>Strong scaling </a:t>
+            </a:r>
+            <a:r>
+              <a:rPr lang="de-DE"/>
+              <a:t>in number of </a:t>
+            </a:r>
+            <a:r>
+              <a:rPr lang="en-US"/>
+              <a:t>processors</a:t>
+            </a:r>
+            <a:endParaRPr lang="de-DE"/>
           </a:p>
         </p:txBody>
       </p:sp>
+      <p:pic>
+        <p:nvPicPr>
+          <p:cNvPr id="6" name="Grafik 5" descr="pstree_Structure.png"/>
+          <p:cNvPicPr>
+            <a:picLocks noChangeAspect="1"/>
+          </p:cNvPicPr>
+          <p:nvPr/>
+        </p:nvPicPr>
+        <p:blipFill>
+          <a:blip r:embed="rId3"/>
+          <a:stretch>
+            <a:fillRect/>
+          </a:stretch>
+        </p:blipFill>
+        <p:spPr>
+          <a:xfrm>
+            <a:off x="232843" y="2294810"/>
+            <a:ext cx="5043662" cy="3679170"/>
+          </a:xfrm>
+          <a:prstGeom prst="rect">
+            <a:avLst/>
+          </a:prstGeom>
+        </p:spPr>
+      </p:pic>
     </p:spTree>
     <p:extLst>
       <p:ext uri="{BB962C8B-B14F-4D97-AF65-F5344CB8AC3E}">
-        <p14:creationId xmlns:p14="http://schemas.microsoft.com/office/powerpoint/2010/main" val="3771525680"/>
+        <p14:creationId xmlns:p14="http://schemas.microsoft.com/office/powerpoint/2010/main" val="1464516345"/>
       </p:ext>
     </p:extLst>
   </p:cSld>
@@ -17372,7 +21524,7 @@
           <a:p>
             <a:r>
               <a:rPr lang="en-US" dirty="0" smtClean="0"/>
-              <a:t>Parallel transversal with atomics</a:t>
+              <a:t>Randomized Contraction</a:t>
             </a:r>
             <a:endParaRPr lang="en-US" dirty="0"/>
           </a:p>
@@ -17380,7 +21532,7 @@
       </p:sp>
       <p:sp>
         <p:nvSpPr>
-          <p:cNvPr id="4" name="Content Placeholder 3"/>
+          <p:cNvPr id="3" name="Content Placeholder 2"/>
           <p:cNvSpPr>
             <a:spLocks noGrp="1"/>
           </p:cNvSpPr>
@@ -17390,41 +21542,31 @@
         </p:nvSpPr>
         <p:spPr/>
         <p:txBody>
-          <a:bodyPr/>
+          <a:bodyPr>
+            <a:normAutofit/>
+          </a:bodyPr>
           <a:lstStyle/>
           <a:p>
-            <a:endParaRPr lang="en-US"/>
+            <a:r>
+              <a:rPr lang="en-US" sz="9600" dirty="0" smtClean="0">
+                <a:solidFill>
+                  <a:srgbClr val="FF0000"/>
+                </a:solidFill>
+              </a:rPr>
+              <a:t>EXPLAIN IT</a:t>
+            </a:r>
+            <a:endParaRPr lang="en-US" sz="9600" dirty="0">
+              <a:solidFill>
+                <a:srgbClr val="FF0000"/>
+              </a:solidFill>
+            </a:endParaRPr>
           </a:p>
         </p:txBody>
       </p:sp>
-      <p:graphicFrame>
-        <p:nvGraphicFramePr>
-          <p:cNvPr id="5" name="Diagramm 7"/>
-          <p:cNvGraphicFramePr>
-            <a:graphicFrameLocks/>
-          </p:cNvGraphicFramePr>
-          <p:nvPr>
-            <p:extLst>
-              <p:ext uri="{D42A27DB-BD31-4B8C-83A1-F6EECF244321}">
-                <p14:modId xmlns:p14="http://schemas.microsoft.com/office/powerpoint/2010/main" val="3526104988"/>
-              </p:ext>
-            </p:extLst>
-          </p:nvPr>
-        </p:nvGraphicFramePr>
-        <p:xfrm>
-          <a:off x="680322" y="2286000"/>
-          <a:ext cx="10825878" cy="4076700"/>
-        </p:xfrm>
-        <a:graphic>
-          <a:graphicData uri="http://schemas.openxmlformats.org/drawingml/2006/chart">
-            <c:chart xmlns:c="http://schemas.openxmlformats.org/drawingml/2006/chart" xmlns:r="http://schemas.openxmlformats.org/officeDocument/2006/relationships" r:id="rId2"/>
-          </a:graphicData>
-        </a:graphic>
-      </p:graphicFrame>
     </p:spTree>
     <p:extLst>
       <p:ext uri="{BB962C8B-B14F-4D97-AF65-F5344CB8AC3E}">
-        <p14:creationId xmlns:p14="http://schemas.microsoft.com/office/powerpoint/2010/main" val="1029864387"/>
+        <p14:creationId xmlns:p14="http://schemas.microsoft.com/office/powerpoint/2010/main" val="163746814"/>
       </p:ext>
     </p:extLst>
   </p:cSld>
@@ -17525,6 +21667,9 @@
             <a:chOff x="3334089" y="3712234"/>
             <a:chExt cx="1320361" cy="1920553"/>
           </a:xfrm>
+          <a:solidFill>
+            <a:schemeClr val="tx2"/>
+          </a:solidFill>
         </p:grpSpPr>
         <p:sp>
           <p:nvSpPr>
@@ -17540,6 +21685,7 @@
             <a:prstGeom prst="ellipse">
               <a:avLst/>
             </a:prstGeom>
+            <a:grpFill/>
           </p:spPr>
           <p:style>
             <a:lnRef idx="2">
@@ -17580,6 +21726,7 @@
             <a:prstGeom prst="ellipse">
               <a:avLst/>
             </a:prstGeom>
+            <a:grpFill/>
           </p:spPr>
           <p:style>
             <a:lnRef idx="2">
@@ -17623,6 +21770,7 @@
             <a:prstGeom prst="line">
               <a:avLst/>
             </a:prstGeom>
+            <a:grpFill/>
           </p:spPr>
           <p:style>
             <a:lnRef idx="3">
@@ -17653,6 +21801,7 @@
             <a:prstGeom prst="ellipse">
               <a:avLst/>
             </a:prstGeom>
+            <a:grpFill/>
           </p:spPr>
           <p:style>
             <a:lnRef idx="2">
@@ -17696,6 +21845,7 @@
             <a:prstGeom prst="line">
               <a:avLst/>
             </a:prstGeom>
+            <a:grpFill/>
           </p:spPr>
           <p:style>
             <a:lnRef idx="3">
@@ -17726,6 +21876,7 @@
             <a:prstGeom prst="ellipse">
               <a:avLst/>
             </a:prstGeom>
+            <a:grpFill/>
           </p:spPr>
           <p:style>
             <a:lnRef idx="2">
@@ -17769,6 +21920,7 @@
             <a:prstGeom prst="line">
               <a:avLst/>
             </a:prstGeom>
+            <a:grpFill/>
           </p:spPr>
           <p:style>
             <a:lnRef idx="3">
@@ -17802,6 +21954,7 @@
             <a:prstGeom prst="line">
               <a:avLst/>
             </a:prstGeom>
+            <a:grpFill/>
           </p:spPr>
           <p:style>
             <a:lnRef idx="3">
@@ -17832,6 +21985,7 @@
             <a:prstGeom prst="ellipse">
               <a:avLst/>
             </a:prstGeom>
+            <a:grpFill/>
           </p:spPr>
           <p:style>
             <a:lnRef idx="2">
@@ -17875,6 +22029,7 @@
             <a:prstGeom prst="line">
               <a:avLst/>
             </a:prstGeom>
+            <a:grpFill/>
           </p:spPr>
           <p:style>
             <a:lnRef idx="3">
@@ -17905,6 +22060,9 @@
             <a:chOff x="5483889" y="4414062"/>
             <a:chExt cx="470837" cy="1046532"/>
           </a:xfrm>
+          <a:solidFill>
+            <a:schemeClr val="tx2"/>
+          </a:solidFill>
         </p:grpSpPr>
         <p:sp>
           <p:nvSpPr>
@@ -17920,6 +22078,7 @@
             <a:prstGeom prst="ellipse">
               <a:avLst/>
             </a:prstGeom>
+            <a:grpFill/>
           </p:spPr>
           <p:style>
             <a:lnRef idx="2">
@@ -17960,6 +22119,7 @@
             <a:prstGeom prst="ellipse">
               <a:avLst/>
             </a:prstGeom>
+            <a:grpFill/>
           </p:spPr>
           <p:style>
             <a:lnRef idx="2">
@@ -18003,6 +22163,7 @@
             <a:prstGeom prst="line">
               <a:avLst/>
             </a:prstGeom>
+            <a:grpFill/>
           </p:spPr>
           <p:style>
             <a:lnRef idx="3">
@@ -18033,6 +22194,9 @@
             <a:chOff x="6806656" y="3958647"/>
             <a:chExt cx="1779432" cy="1516279"/>
           </a:xfrm>
+          <a:solidFill>
+            <a:schemeClr val="tx2"/>
+          </a:solidFill>
         </p:grpSpPr>
         <p:sp>
           <p:nvSpPr>
@@ -18048,6 +22212,7 @@
             <a:prstGeom prst="ellipse">
               <a:avLst/>
             </a:prstGeom>
+            <a:grpFill/>
           </p:spPr>
           <p:style>
             <a:lnRef idx="2">
@@ -18088,6 +22253,7 @@
             <a:prstGeom prst="ellipse">
               <a:avLst/>
             </a:prstGeom>
+            <a:grpFill/>
           </p:spPr>
           <p:style>
             <a:lnRef idx="2">
@@ -18131,6 +22297,7 @@
             <a:prstGeom prst="line">
               <a:avLst/>
             </a:prstGeom>
+            <a:grpFill/>
           </p:spPr>
           <p:style>
             <a:lnRef idx="3">
@@ -18161,6 +22328,7 @@
             <a:prstGeom prst="ellipse">
               <a:avLst/>
             </a:prstGeom>
+            <a:grpFill/>
           </p:spPr>
           <p:style>
             <a:lnRef idx="2">
@@ -18204,6 +22372,7 @@
             <a:prstGeom prst="line">
               <a:avLst/>
             </a:prstGeom>
+            <a:grpFill/>
           </p:spPr>
           <p:style>
             <a:lnRef idx="3">
@@ -18234,6 +22403,7 @@
             <a:prstGeom prst="ellipse">
               <a:avLst/>
             </a:prstGeom>
+            <a:grpFill/>
           </p:spPr>
           <p:style>
             <a:lnRef idx="2">
@@ -18277,6 +22447,7 @@
             <a:prstGeom prst="line">
               <a:avLst/>
             </a:prstGeom>
+            <a:grpFill/>
           </p:spPr>
           <p:style>
             <a:lnRef idx="3">
@@ -18310,6 +22481,7 @@
             <a:prstGeom prst="line">
               <a:avLst/>
             </a:prstGeom>
+            <a:grpFill/>
           </p:spPr>
           <p:style>
             <a:lnRef idx="3">
@@ -18340,6 +22512,7 @@
             <a:prstGeom prst="ellipse">
               <a:avLst/>
             </a:prstGeom>
+            <a:grpFill/>
           </p:spPr>
           <p:style>
             <a:lnRef idx="2">
@@ -18383,6 +22556,7 @@
             <a:prstGeom prst="line">
               <a:avLst/>
             </a:prstGeom>
+            <a:grpFill/>
           </p:spPr>
           <p:style>
             <a:lnRef idx="3">
@@ -18416,6 +22590,7 @@
             <a:prstGeom prst="line">
               <a:avLst/>
             </a:prstGeom>
+            <a:grpFill/>
           </p:spPr>
           <p:style>
             <a:lnRef idx="3">
@@ -18447,6 +22622,9 @@
           <a:prstGeom prst="ellipse">
             <a:avLst/>
           </a:prstGeom>
+          <a:solidFill>
+            <a:schemeClr val="tx2"/>
+          </a:solidFill>
         </p:spPr>
         <p:style>
           <a:lnRef idx="2">
@@ -18637,7 +22815,7 @@
           <a:p>
             <a:r>
               <a:rPr lang="en-US" dirty="0" smtClean="0"/>
-              <a:t>Overview, varying vertices</a:t>
+              <a:t>Randomized Contraction</a:t>
             </a:r>
             <a:endParaRPr lang="en-US" dirty="0"/>
           </a:p>
@@ -18664,14 +22842,14 @@
       </p:sp>
       <p:graphicFrame>
         <p:nvGraphicFramePr>
-          <p:cNvPr id="5" name="Diagramm 16"/>
+          <p:cNvPr id="6" name="Diagramm 13"/>
           <p:cNvGraphicFramePr>
             <a:graphicFrameLocks/>
           </p:cNvGraphicFramePr>
           <p:nvPr>
             <p:extLst>
               <p:ext uri="{D42A27DB-BD31-4B8C-83A1-F6EECF244321}">
-                <p14:modId xmlns:p14="http://schemas.microsoft.com/office/powerpoint/2010/main" val="669438885"/>
+                <p14:modId xmlns:p14="http://schemas.microsoft.com/office/powerpoint/2010/main" val="2683272504"/>
               </p:ext>
             </p:extLst>
           </p:nvPr>
@@ -18689,7 +22867,7 @@
     </p:spTree>
     <p:extLst>
       <p:ext uri="{BB962C8B-B14F-4D97-AF65-F5344CB8AC3E}">
-        <p14:creationId xmlns:p14="http://schemas.microsoft.com/office/powerpoint/2010/main" val="3632290853"/>
+        <p14:creationId xmlns:p14="http://schemas.microsoft.com/office/powerpoint/2010/main" val="3154615780"/>
       </p:ext>
     </p:extLst>
   </p:cSld>
@@ -18725,7 +22903,7 @@
       </p:grpSpPr>
       <p:sp>
         <p:nvSpPr>
-          <p:cNvPr id="2" name="Titel 1"/>
+          <p:cNvPr id="2" name="Title 1"/>
           <p:cNvSpPr>
             <a:spLocks noGrp="1"/>
           </p:cNvSpPr>
@@ -18739,36 +22917,16 @@
           <a:lstStyle/>
           <a:p>
             <a:r>
-              <a:rPr lang="de-CH" dirty="0" err="1" smtClean="0"/>
-              <a:t>Explain</a:t>
+              <a:rPr lang="en-US" dirty="0" smtClean="0"/>
+              <a:t>Parallel transversal</a:t>
             </a:r>
-            <a:r>
-              <a:rPr lang="de-CH" dirty="0" smtClean="0"/>
-              <a:t> </a:t>
-            </a:r>
-            <a:r>
-              <a:rPr lang="de-CH" dirty="0" err="1" smtClean="0"/>
-              <a:t>the</a:t>
-            </a:r>
-            <a:r>
-              <a:rPr lang="de-CH" dirty="0" smtClean="0"/>
-              <a:t> </a:t>
-            </a:r>
-            <a:r>
-              <a:rPr lang="de-CH" dirty="0" err="1" smtClean="0"/>
-              <a:t>Algorithm</a:t>
-            </a:r>
-            <a:r>
-              <a:rPr lang="de-CH" dirty="0" err="1"/>
-              <a:t>s</a:t>
-            </a:r>
-            <a:endParaRPr lang="de-CH" dirty="0"/>
+            <a:endParaRPr lang="en-US" dirty="0"/>
           </a:p>
         </p:txBody>
       </p:sp>
       <p:sp>
         <p:nvSpPr>
-          <p:cNvPr id="3" name="Inhaltsplatzhalter 2"/>
+          <p:cNvPr id="3" name="Content Placeholder 2"/>
           <p:cNvSpPr>
             <a:spLocks noGrp="1"/>
           </p:cNvSpPr>
@@ -18776,487 +22934,33 @@
             <p:ph idx="1"/>
           </p:nvPr>
         </p:nvSpPr>
-        <p:spPr>
-          <a:xfrm>
-            <a:off x="680321" y="2336872"/>
-            <a:ext cx="10415769" cy="4207765"/>
-          </a:xfrm>
-        </p:spPr>
+        <p:spPr/>
         <p:txBody>
           <a:bodyPr>
-            <a:normAutofit fontScale="62500" lnSpcReduction="20000"/>
+            <a:normAutofit/>
           </a:bodyPr>
           <a:lstStyle/>
           <a:p>
             <a:r>
-              <a:rPr lang="de-CH" dirty="0" smtClean="0"/>
-              <a:t>BFS</a:t>
+              <a:rPr lang="en-US" sz="9600" dirty="0" smtClean="0">
+                <a:solidFill>
+                  <a:srgbClr val="FF0000"/>
+                </a:solidFill>
+              </a:rPr>
+              <a:t>EXPLAIN IT</a:t>
             </a:r>
-          </a:p>
-          <a:p>
-            <a:pPr lvl="1"/>
-            <a:r>
-              <a:rPr lang="de-CH" dirty="0" err="1" smtClean="0"/>
-              <a:t>Iterate</a:t>
-            </a:r>
-            <a:r>
-              <a:rPr lang="de-CH" dirty="0" smtClean="0"/>
-              <a:t> </a:t>
-            </a:r>
-            <a:r>
-              <a:rPr lang="de-CH" dirty="0" err="1" smtClean="0"/>
-              <a:t>over</a:t>
-            </a:r>
-            <a:r>
-              <a:rPr lang="de-CH" dirty="0" smtClean="0"/>
-              <a:t> all </a:t>
-            </a:r>
-            <a:r>
-              <a:rPr lang="de-CH" dirty="0" err="1" smtClean="0"/>
-              <a:t>nodes</a:t>
-            </a:r>
-            <a:endParaRPr lang="de-CH" dirty="0" smtClean="0"/>
-          </a:p>
-          <a:p>
-            <a:pPr lvl="1"/>
-            <a:r>
-              <a:rPr lang="de-CH" dirty="0" err="1" smtClean="0"/>
-              <a:t>if</a:t>
-            </a:r>
-            <a:r>
-              <a:rPr lang="de-CH" dirty="0" smtClean="0"/>
-              <a:t> not </a:t>
-            </a:r>
-            <a:r>
-              <a:rPr lang="de-CH" dirty="0" err="1" smtClean="0"/>
-              <a:t>visited</a:t>
-            </a:r>
-            <a:r>
-              <a:rPr lang="de-CH" dirty="0" smtClean="0"/>
-              <a:t> </a:t>
-            </a:r>
-            <a:r>
-              <a:rPr lang="de-CH" dirty="0" err="1" smtClean="0"/>
-              <a:t>yet</a:t>
-            </a:r>
-            <a:r>
-              <a:rPr lang="de-CH" dirty="0"/>
-              <a:t> </a:t>
-            </a:r>
-            <a:r>
-              <a:rPr lang="de-CH" dirty="0" err="1" smtClean="0"/>
-              <a:t>start</a:t>
-            </a:r>
-            <a:r>
-              <a:rPr lang="de-CH" dirty="0" smtClean="0"/>
-              <a:t> </a:t>
-            </a:r>
-            <a:r>
-              <a:rPr lang="de-CH" dirty="0" err="1" smtClean="0"/>
-              <a:t>bfs</a:t>
-            </a:r>
-            <a:r>
-              <a:rPr lang="de-CH" dirty="0"/>
-              <a:t> </a:t>
-            </a:r>
-            <a:endParaRPr lang="de-CH" dirty="0" smtClean="0"/>
-          </a:p>
-          <a:p>
-            <a:r>
-              <a:rPr lang="de-CH" dirty="0" err="1" smtClean="0"/>
-              <a:t>pBFS</a:t>
-            </a:r>
-            <a:endParaRPr lang="de-CH" dirty="0" smtClean="0"/>
-          </a:p>
-          <a:p>
-            <a:pPr lvl="1"/>
-            <a:r>
-              <a:rPr lang="de-CH" dirty="0" err="1" smtClean="0"/>
-              <a:t>Each</a:t>
-            </a:r>
-            <a:r>
-              <a:rPr lang="de-CH" dirty="0" smtClean="0"/>
-              <a:t> </a:t>
-            </a:r>
-            <a:r>
-              <a:rPr lang="de-CH" dirty="0" err="1" smtClean="0"/>
-              <a:t>thread</a:t>
-            </a:r>
-            <a:r>
-              <a:rPr lang="de-CH" dirty="0" smtClean="0"/>
-              <a:t> </a:t>
-            </a:r>
-            <a:r>
-              <a:rPr lang="de-CH" dirty="0" err="1" smtClean="0"/>
-              <a:t>starts</a:t>
-            </a:r>
-            <a:r>
-              <a:rPr lang="de-CH" dirty="0" smtClean="0"/>
-              <a:t> at a different </a:t>
-            </a:r>
-            <a:r>
-              <a:rPr lang="de-CH" dirty="0" err="1" smtClean="0"/>
-              <a:t>node</a:t>
-            </a:r>
-            <a:endParaRPr lang="de-CH" dirty="0"/>
-          </a:p>
-          <a:p>
-            <a:pPr lvl="1"/>
-            <a:r>
-              <a:rPr lang="de-CH" dirty="0" err="1" smtClean="0"/>
-              <a:t>If</a:t>
-            </a:r>
-            <a:r>
-              <a:rPr lang="de-CH" dirty="0" smtClean="0"/>
-              <a:t> not </a:t>
-            </a:r>
-            <a:r>
-              <a:rPr lang="de-CH" dirty="0" err="1" smtClean="0"/>
-              <a:t>visited</a:t>
-            </a:r>
-            <a:r>
-              <a:rPr lang="de-CH" dirty="0" smtClean="0"/>
-              <a:t> </a:t>
-            </a:r>
-            <a:r>
-              <a:rPr lang="de-CH" dirty="0" err="1" smtClean="0"/>
-              <a:t>yet</a:t>
-            </a:r>
-            <a:r>
-              <a:rPr lang="de-CH" dirty="0" smtClean="0"/>
-              <a:t> </a:t>
-            </a:r>
-            <a:r>
-              <a:rPr lang="de-CH" dirty="0" err="1" smtClean="0"/>
-              <a:t>start</a:t>
-            </a:r>
-            <a:r>
-              <a:rPr lang="de-CH" dirty="0" smtClean="0"/>
-              <a:t> </a:t>
-            </a:r>
-            <a:r>
-              <a:rPr lang="de-CH" dirty="0" err="1" smtClean="0"/>
-              <a:t>bfs</a:t>
-            </a:r>
-            <a:endParaRPr lang="de-CH" dirty="0" smtClean="0"/>
-          </a:p>
-          <a:p>
-            <a:pPr lvl="1"/>
-            <a:r>
-              <a:rPr lang="de-CH" dirty="0"/>
-              <a:t>Mark </a:t>
-            </a:r>
-            <a:r>
-              <a:rPr lang="de-CH" dirty="0" err="1"/>
-              <a:t>nodes</a:t>
-            </a:r>
-            <a:r>
-              <a:rPr lang="de-CH" dirty="0"/>
-              <a:t> </a:t>
-            </a:r>
-            <a:r>
-              <a:rPr lang="de-CH" dirty="0" err="1"/>
-              <a:t>traversed</a:t>
-            </a:r>
-            <a:r>
-              <a:rPr lang="de-CH" dirty="0"/>
-              <a:t> </a:t>
-            </a:r>
-            <a:r>
-              <a:rPr lang="de-CH" dirty="0" err="1"/>
-              <a:t>by</a:t>
-            </a:r>
-            <a:r>
-              <a:rPr lang="de-CH" dirty="0"/>
-              <a:t> </a:t>
-            </a:r>
-            <a:r>
-              <a:rPr lang="de-CH" dirty="0" err="1"/>
-              <a:t>bfs</a:t>
-            </a:r>
-            <a:r>
-              <a:rPr lang="de-CH" dirty="0"/>
-              <a:t> </a:t>
-            </a:r>
-            <a:r>
-              <a:rPr lang="de-CH" dirty="0" err="1"/>
-              <a:t>with</a:t>
-            </a:r>
-            <a:r>
-              <a:rPr lang="de-CH" dirty="0"/>
-              <a:t> </a:t>
-            </a:r>
-            <a:r>
-              <a:rPr lang="de-CH" dirty="0" err="1"/>
-              <a:t>the</a:t>
-            </a:r>
-            <a:r>
-              <a:rPr lang="de-CH" dirty="0"/>
-              <a:t> same </a:t>
-            </a:r>
-            <a:r>
-              <a:rPr lang="de-CH" dirty="0" err="1"/>
-              <a:t>component</a:t>
-            </a:r>
-            <a:r>
-              <a:rPr lang="de-CH" dirty="0"/>
-              <a:t> </a:t>
-            </a:r>
-            <a:r>
-              <a:rPr lang="de-CH" dirty="0" err="1"/>
-              <a:t>number</a:t>
-            </a:r>
-            <a:r>
-              <a:rPr lang="de-CH" dirty="0"/>
-              <a:t>.</a:t>
-            </a:r>
-          </a:p>
-          <a:p>
-            <a:pPr lvl="1"/>
-            <a:r>
-              <a:rPr lang="de-CH" dirty="0" err="1" smtClean="0"/>
-              <a:t>If</a:t>
-            </a:r>
-            <a:r>
-              <a:rPr lang="de-CH" dirty="0" smtClean="0"/>
-              <a:t> </a:t>
-            </a:r>
-            <a:r>
-              <a:rPr lang="de-CH" dirty="0" err="1" smtClean="0"/>
-              <a:t>encounter</a:t>
-            </a:r>
-            <a:r>
-              <a:rPr lang="de-CH" dirty="0" smtClean="0"/>
-              <a:t> </a:t>
-            </a:r>
-            <a:r>
-              <a:rPr lang="de-CH" dirty="0" err="1" smtClean="0"/>
-              <a:t>another</a:t>
-            </a:r>
-            <a:r>
-              <a:rPr lang="de-CH" dirty="0" smtClean="0"/>
-              <a:t> </a:t>
-            </a:r>
-            <a:r>
-              <a:rPr lang="de-CH" dirty="0" err="1" smtClean="0"/>
-              <a:t>number</a:t>
-            </a:r>
-            <a:r>
-              <a:rPr lang="de-CH" dirty="0" smtClean="0"/>
-              <a:t>/</a:t>
-            </a:r>
-            <a:r>
-              <a:rPr lang="de-CH" dirty="0" err="1" smtClean="0"/>
-              <a:t>thread</a:t>
-            </a:r>
-            <a:r>
-              <a:rPr lang="de-CH" dirty="0" smtClean="0"/>
-              <a:t> </a:t>
-            </a:r>
-            <a:r>
-              <a:rPr lang="de-CH" dirty="0" err="1" smtClean="0"/>
-              <a:t>put</a:t>
-            </a:r>
-            <a:r>
-              <a:rPr lang="de-CH" dirty="0" smtClean="0"/>
-              <a:t> </a:t>
-            </a:r>
-            <a:r>
-              <a:rPr lang="de-CH" dirty="0" err="1" smtClean="0"/>
-              <a:t>both</a:t>
-            </a:r>
-            <a:r>
-              <a:rPr lang="de-CH" dirty="0" smtClean="0"/>
-              <a:t> </a:t>
-            </a:r>
-            <a:r>
-              <a:rPr lang="de-CH" dirty="0" err="1" smtClean="0"/>
-              <a:t>number</a:t>
-            </a:r>
-            <a:r>
-              <a:rPr lang="de-CH" dirty="0" smtClean="0"/>
-              <a:t> </a:t>
-            </a:r>
-            <a:r>
-              <a:rPr lang="de-CH" dirty="0" err="1" smtClean="0"/>
-              <a:t>into</a:t>
-            </a:r>
-            <a:r>
-              <a:rPr lang="de-CH" dirty="0" smtClean="0"/>
-              <a:t> </a:t>
-            </a:r>
-            <a:r>
-              <a:rPr lang="de-CH" dirty="0" err="1" smtClean="0"/>
-              <a:t>merge</a:t>
-            </a:r>
-            <a:r>
-              <a:rPr lang="de-CH" dirty="0" smtClean="0"/>
-              <a:t> </a:t>
-            </a:r>
-            <a:r>
-              <a:rPr lang="de-CH" dirty="0" err="1" smtClean="0"/>
-              <a:t>list</a:t>
-            </a:r>
-            <a:r>
-              <a:rPr lang="de-CH" dirty="0" smtClean="0"/>
-              <a:t>. </a:t>
-            </a:r>
-            <a:r>
-              <a:rPr lang="de-CH" dirty="0" err="1" smtClean="0"/>
-              <a:t>Don’t</a:t>
-            </a:r>
-            <a:r>
-              <a:rPr lang="de-CH" dirty="0" smtClean="0"/>
-              <a:t> follow </a:t>
-            </a:r>
-            <a:r>
-              <a:rPr lang="de-CH" dirty="0" err="1" smtClean="0"/>
-              <a:t>nodes</a:t>
-            </a:r>
-            <a:r>
-              <a:rPr lang="de-CH" dirty="0" smtClean="0"/>
-              <a:t> </a:t>
-            </a:r>
-            <a:r>
-              <a:rPr lang="de-CH" dirty="0" err="1" smtClean="0"/>
-              <a:t>which</a:t>
-            </a:r>
-            <a:r>
-              <a:rPr lang="de-CH" dirty="0" smtClean="0"/>
-              <a:t> </a:t>
-            </a:r>
-            <a:r>
-              <a:rPr lang="de-CH" dirty="0" err="1" smtClean="0"/>
-              <a:t>are</a:t>
-            </a:r>
-            <a:r>
-              <a:rPr lang="de-CH" dirty="0" smtClean="0"/>
-              <a:t> </a:t>
-            </a:r>
-            <a:r>
-              <a:rPr lang="de-CH" dirty="0" err="1" smtClean="0"/>
-              <a:t>already</a:t>
-            </a:r>
-            <a:r>
-              <a:rPr lang="de-CH" dirty="0" smtClean="0"/>
-              <a:t> </a:t>
-            </a:r>
-            <a:r>
-              <a:rPr lang="de-CH" dirty="0" err="1" smtClean="0"/>
-              <a:t>marked</a:t>
-            </a:r>
-            <a:r>
-              <a:rPr lang="de-CH" dirty="0" smtClean="0"/>
-              <a:t>.</a:t>
-            </a:r>
-          </a:p>
-          <a:p>
-            <a:pPr lvl="1"/>
-            <a:r>
-              <a:rPr lang="en-US" dirty="0" smtClean="0"/>
-              <a:t>At the end do merging of </a:t>
-            </a:r>
-            <a:r>
-              <a:rPr lang="en-US" dirty="0" err="1" smtClean="0"/>
-              <a:t>componenets</a:t>
-            </a:r>
-            <a:endParaRPr lang="de-CH" dirty="0" smtClean="0"/>
-          </a:p>
-          <a:p>
-            <a:r>
-              <a:rPr lang="de-CH" dirty="0" err="1" smtClean="0"/>
-              <a:t>pBFSAtomic</a:t>
-            </a:r>
-            <a:endParaRPr lang="de-CH" dirty="0" smtClean="0"/>
-          </a:p>
-          <a:p>
-            <a:pPr lvl="1"/>
-            <a:r>
-              <a:rPr lang="en-US" dirty="0" smtClean="0"/>
-              <a:t>Same as </a:t>
-            </a:r>
-            <a:r>
-              <a:rPr lang="en-US" dirty="0" err="1" smtClean="0"/>
-              <a:t>pBFS</a:t>
-            </a:r>
-            <a:r>
-              <a:rPr lang="en-US" dirty="0" smtClean="0"/>
-              <a:t>, guarantees that a write is seen by all other threads.</a:t>
-            </a:r>
-            <a:endParaRPr lang="de-CH" dirty="0" smtClean="0"/>
-          </a:p>
-          <a:p>
-            <a:r>
-              <a:rPr lang="de-CH" dirty="0" err="1" smtClean="0"/>
-              <a:t>compareExchange</a:t>
-            </a:r>
-            <a:endParaRPr lang="de-CH" dirty="0" smtClean="0"/>
-          </a:p>
-          <a:p>
-            <a:pPr lvl="1"/>
-            <a:r>
-              <a:rPr lang="en-US" dirty="0" smtClean="0"/>
-              <a:t>Similar to </a:t>
-            </a:r>
-            <a:r>
-              <a:rPr lang="en-US" dirty="0" err="1" smtClean="0"/>
-              <a:t>pBFS</a:t>
-            </a:r>
-            <a:r>
-              <a:rPr lang="en-US" dirty="0" smtClean="0"/>
-              <a:t> but no merging.</a:t>
-            </a:r>
-          </a:p>
-          <a:p>
-            <a:pPr lvl="1"/>
-            <a:r>
-              <a:rPr lang="en-US" dirty="0" smtClean="0"/>
-              <a:t>If two threads on the same component the one with lower priority drops its work and starts somewhere else.</a:t>
-            </a:r>
-            <a:endParaRPr lang="de-CH" dirty="0" smtClean="0"/>
-          </a:p>
-          <a:p>
-            <a:r>
-              <a:rPr lang="de-CH" dirty="0" smtClean="0"/>
-              <a:t>Union find</a:t>
-            </a:r>
-          </a:p>
-          <a:p>
-            <a:r>
-              <a:rPr lang="de-CH" dirty="0" err="1" smtClean="0"/>
-              <a:t>Randomized</a:t>
-            </a:r>
-            <a:r>
-              <a:rPr lang="de-CH" dirty="0" smtClean="0"/>
-              <a:t> </a:t>
-            </a:r>
-            <a:r>
-              <a:rPr lang="de-CH" dirty="0" err="1" smtClean="0"/>
-              <a:t>contraction</a:t>
-            </a:r>
-            <a:endParaRPr lang="de-CH" dirty="0" smtClean="0"/>
-          </a:p>
-          <a:p>
-            <a:r>
-              <a:rPr lang="de-CH" dirty="0" err="1" smtClean="0"/>
-              <a:t>Spanning</a:t>
-            </a:r>
-            <a:r>
-              <a:rPr lang="de-CH" dirty="0" smtClean="0"/>
-              <a:t> </a:t>
-            </a:r>
-            <a:r>
-              <a:rPr lang="de-CH" dirty="0" err="1" smtClean="0"/>
-              <a:t>tree</a:t>
-            </a:r>
-            <a:endParaRPr lang="de-CH" dirty="0"/>
+            <a:endParaRPr lang="en-US" sz="9600" dirty="0">
+              <a:solidFill>
+                <a:srgbClr val="FF0000"/>
+              </a:solidFill>
+            </a:endParaRPr>
           </a:p>
         </p:txBody>
       </p:sp>
     </p:spTree>
     <p:extLst>
       <p:ext uri="{BB962C8B-B14F-4D97-AF65-F5344CB8AC3E}">
-        <p14:creationId xmlns:p14="http://schemas.microsoft.com/office/powerpoint/2010/main" val="1062216547"/>
+        <p14:creationId xmlns:p14="http://schemas.microsoft.com/office/powerpoint/2010/main" val="3878639982"/>
       </p:ext>
     </p:extLst>
   </p:cSld>
@@ -19307,7 +23011,7 @@
           <a:p>
             <a:r>
               <a:rPr lang="en-US" dirty="0" smtClean="0"/>
-              <a:t>Measurements</a:t>
+              <a:t>Parallel transversal</a:t>
             </a:r>
             <a:endParaRPr lang="en-US" dirty="0"/>
           </a:p>
@@ -19315,7 +23019,7 @@
       </p:sp>
       <p:sp>
         <p:nvSpPr>
-          <p:cNvPr id="3" name="Content Placeholder 2"/>
+          <p:cNvPr id="4" name="Content Placeholder 3"/>
           <p:cNvSpPr>
             <a:spLocks noGrp="1"/>
           </p:cNvSpPr>
@@ -19328,35 +23032,38 @@
           <a:bodyPr/>
           <a:lstStyle/>
           <a:p>
-            <a:r>
-              <a:rPr lang="en-US" dirty="0" smtClean="0"/>
-              <a:t>Slow</a:t>
-            </a:r>
-          </a:p>
-          <a:p>
-            <a:r>
-              <a:rPr lang="en-US" dirty="0" smtClean="0"/>
-              <a:t>Fast</a:t>
-            </a:r>
-          </a:p>
-          <a:p>
-            <a:r>
-              <a:rPr lang="en-US" dirty="0" smtClean="0"/>
-              <a:t>Middle</a:t>
-            </a:r>
-          </a:p>
-          <a:p>
-            <a:endParaRPr lang="en-US" dirty="0" smtClean="0"/>
-          </a:p>
-          <a:p>
-            <a:endParaRPr lang="en-US" dirty="0"/>
+            <a:endParaRPr lang="en-US"/>
           </a:p>
         </p:txBody>
       </p:sp>
+      <p:graphicFrame>
+        <p:nvGraphicFramePr>
+          <p:cNvPr id="5" name="Diagramm 6"/>
+          <p:cNvGraphicFramePr>
+            <a:graphicFrameLocks/>
+          </p:cNvGraphicFramePr>
+          <p:nvPr>
+            <p:extLst>
+              <p:ext uri="{D42A27DB-BD31-4B8C-83A1-F6EECF244321}">
+                <p14:modId xmlns:p14="http://schemas.microsoft.com/office/powerpoint/2010/main" val="3699493148"/>
+              </p:ext>
+            </p:extLst>
+          </p:nvPr>
+        </p:nvGraphicFramePr>
+        <p:xfrm>
+          <a:off x="685800" y="2286001"/>
+          <a:ext cx="10820400" cy="4076700"/>
+        </p:xfrm>
+        <a:graphic>
+          <a:graphicData uri="http://schemas.openxmlformats.org/drawingml/2006/chart">
+            <c:chart xmlns:c="http://schemas.openxmlformats.org/drawingml/2006/chart" xmlns:r="http://schemas.openxmlformats.org/officeDocument/2006/relationships" r:id="rId2"/>
+          </a:graphicData>
+        </a:graphic>
+      </p:graphicFrame>
     </p:spTree>
     <p:extLst>
       <p:ext uri="{BB962C8B-B14F-4D97-AF65-F5344CB8AC3E}">
-        <p14:creationId xmlns:p14="http://schemas.microsoft.com/office/powerpoint/2010/main" val="2734927839"/>
+        <p14:creationId xmlns:p14="http://schemas.microsoft.com/office/powerpoint/2010/main" val="2576653564"/>
       </p:ext>
     </p:extLst>
   </p:cSld>
@@ -19392,7 +23099,7 @@
       </p:grpSpPr>
       <p:sp>
         <p:nvSpPr>
-          <p:cNvPr id="2" name="Titel 1"/>
+          <p:cNvPr id="2" name="Title 1"/>
           <p:cNvSpPr>
             <a:spLocks noGrp="1"/>
           </p:cNvSpPr>
@@ -19406,32 +23113,109 @@
           <a:lstStyle/>
           <a:p>
             <a:r>
-              <a:rPr lang="de-CH" dirty="0" err="1" smtClean="0"/>
-              <a:t>Explaining</a:t>
+              <a:rPr lang="en-US" dirty="0" smtClean="0"/>
+              <a:t>Parallel transversal with atomics</a:t>
             </a:r>
-            <a:r>
-              <a:rPr lang="de-CH" dirty="0" smtClean="0"/>
-              <a:t> </a:t>
-            </a:r>
-            <a:r>
-              <a:rPr lang="de-CH" dirty="0" err="1" smtClean="0"/>
-              <a:t>the</a:t>
-            </a:r>
-            <a:r>
-              <a:rPr lang="de-CH" dirty="0" smtClean="0"/>
-              <a:t> </a:t>
-            </a:r>
-            <a:r>
-              <a:rPr lang="de-CH" dirty="0" err="1" smtClean="0"/>
-              <a:t>results</a:t>
-            </a:r>
-            <a:endParaRPr lang="de-CH" dirty="0"/>
+            <a:endParaRPr lang="en-US" dirty="0"/>
           </a:p>
         </p:txBody>
       </p:sp>
       <p:sp>
         <p:nvSpPr>
-          <p:cNvPr id="3" name="Inhaltsplatzhalter 2"/>
+          <p:cNvPr id="3" name="Content Placeholder 2"/>
+          <p:cNvSpPr>
+            <a:spLocks noGrp="1"/>
+          </p:cNvSpPr>
+          <p:nvPr>
+            <p:ph idx="1"/>
+          </p:nvPr>
+        </p:nvSpPr>
+        <p:spPr/>
+        <p:txBody>
+          <a:bodyPr>
+            <a:normAutofit/>
+          </a:bodyPr>
+          <a:lstStyle/>
+          <a:p>
+            <a:r>
+              <a:rPr lang="en-US" sz="9600" dirty="0" smtClean="0">
+                <a:solidFill>
+                  <a:srgbClr val="FF0000"/>
+                </a:solidFill>
+              </a:rPr>
+              <a:t>EXPLAIN IT</a:t>
+            </a:r>
+            <a:endParaRPr lang="en-US" sz="9600" dirty="0">
+              <a:solidFill>
+                <a:srgbClr val="FF0000"/>
+              </a:solidFill>
+            </a:endParaRPr>
+          </a:p>
+        </p:txBody>
+      </p:sp>
+    </p:spTree>
+    <p:extLst>
+      <p:ext uri="{BB962C8B-B14F-4D97-AF65-F5344CB8AC3E}">
+        <p14:creationId xmlns:p14="http://schemas.microsoft.com/office/powerpoint/2010/main" val="3771525680"/>
+      </p:ext>
+    </p:extLst>
+  </p:cSld>
+  <p:clrMapOvr>
+    <a:masterClrMapping/>
+  </p:clrMapOvr>
+  <p:timing>
+    <p:tnLst>
+      <p:par>
+        <p:cTn id="1" dur="indefinite" restart="never" nodeType="tmRoot"/>
+      </p:par>
+    </p:tnLst>
+  </p:timing>
+</p:sld>
+</file>
+
+<file path=ppt/slides/slide24.xml><?xml version="1.0" encoding="utf-8"?>
+<p:sld xmlns:a="http://schemas.openxmlformats.org/drawingml/2006/main" xmlns:r="http://schemas.openxmlformats.org/officeDocument/2006/relationships" xmlns:p="http://schemas.openxmlformats.org/presentationml/2006/main">
+  <p:cSld>
+    <p:spTree>
+      <p:nvGrpSpPr>
+        <p:cNvPr id="1" name=""/>
+        <p:cNvGrpSpPr/>
+        <p:nvPr/>
+      </p:nvGrpSpPr>
+      <p:grpSpPr>
+        <a:xfrm>
+          <a:off x="0" y="0"/>
+          <a:ext cx="0" cy="0"/>
+          <a:chOff x="0" y="0"/>
+          <a:chExt cx="0" cy="0"/>
+        </a:xfrm>
+      </p:grpSpPr>
+      <p:sp>
+        <p:nvSpPr>
+          <p:cNvPr id="2" name="Title 1"/>
+          <p:cNvSpPr>
+            <a:spLocks noGrp="1"/>
+          </p:cNvSpPr>
+          <p:nvPr>
+            <p:ph type="title"/>
+          </p:nvPr>
+        </p:nvSpPr>
+        <p:spPr/>
+        <p:txBody>
+          <a:bodyPr/>
+          <a:lstStyle/>
+          <a:p>
+            <a:r>
+              <a:rPr lang="en-US" dirty="0" smtClean="0"/>
+              <a:t>Parallel transversal with atomics</a:t>
+            </a:r>
+            <a:endParaRPr lang="en-US" dirty="0"/>
+          </a:p>
+        </p:txBody>
+      </p:sp>
+      <p:sp>
+        <p:nvSpPr>
+          <p:cNvPr id="4" name="Content Placeholder 3"/>
           <p:cNvSpPr>
             <a:spLocks noGrp="1"/>
           </p:cNvSpPr>
@@ -19444,20 +23228,470 @@
           <a:bodyPr/>
           <a:lstStyle/>
           <a:p>
-            <a:endParaRPr lang="de-CH"/>
+            <a:endParaRPr lang="en-US"/>
           </a:p>
         </p:txBody>
       </p:sp>
+      <p:graphicFrame>
+        <p:nvGraphicFramePr>
+          <p:cNvPr id="5" name="Diagramm 7"/>
+          <p:cNvGraphicFramePr>
+            <a:graphicFrameLocks/>
+          </p:cNvGraphicFramePr>
+          <p:nvPr>
+            <p:extLst>
+              <p:ext uri="{D42A27DB-BD31-4B8C-83A1-F6EECF244321}">
+                <p14:modId xmlns:p14="http://schemas.microsoft.com/office/powerpoint/2010/main" val="3526104988"/>
+              </p:ext>
+            </p:extLst>
+          </p:nvPr>
+        </p:nvGraphicFramePr>
+        <p:xfrm>
+          <a:off x="680322" y="2286000"/>
+          <a:ext cx="10825878" cy="4076700"/>
+        </p:xfrm>
+        <a:graphic>
+          <a:graphicData uri="http://schemas.openxmlformats.org/drawingml/2006/chart">
+            <c:chart xmlns:c="http://schemas.openxmlformats.org/drawingml/2006/chart" xmlns:r="http://schemas.openxmlformats.org/officeDocument/2006/relationships" r:id="rId2"/>
+          </a:graphicData>
+        </a:graphic>
+      </p:graphicFrame>
     </p:spTree>
     <p:extLst>
       <p:ext uri="{BB962C8B-B14F-4D97-AF65-F5344CB8AC3E}">
-        <p14:creationId xmlns:p14="http://schemas.microsoft.com/office/powerpoint/2010/main" val="3146007729"/>
+        <p14:creationId xmlns:p14="http://schemas.microsoft.com/office/powerpoint/2010/main" val="1029864387"/>
       </p:ext>
     </p:extLst>
   </p:cSld>
   <p:clrMapOvr>
     <a:masterClrMapping/>
   </p:clrMapOvr>
+  <p:timing>
+    <p:tnLst>
+      <p:par>
+        <p:cTn id="1" dur="indefinite" restart="never" nodeType="tmRoot"/>
+      </p:par>
+    </p:tnLst>
+  </p:timing>
+</p:sld>
+</file>
+
+<file path=ppt/slides/slide25.xml><?xml version="1.0" encoding="utf-8"?>
+<p:sld xmlns:a="http://schemas.openxmlformats.org/drawingml/2006/main" xmlns:r="http://schemas.openxmlformats.org/officeDocument/2006/relationships" xmlns:p="http://schemas.openxmlformats.org/presentationml/2006/main">
+  <p:cSld>
+    <p:spTree>
+      <p:nvGrpSpPr>
+        <p:cNvPr id="1" name=""/>
+        <p:cNvGrpSpPr/>
+        <p:nvPr/>
+      </p:nvGrpSpPr>
+      <p:grpSpPr>
+        <a:xfrm>
+          <a:off x="0" y="0"/>
+          <a:ext cx="0" cy="0"/>
+          <a:chOff x="0" y="0"/>
+          <a:chExt cx="0" cy="0"/>
+        </a:xfrm>
+      </p:grpSpPr>
+      <p:sp>
+        <p:nvSpPr>
+          <p:cNvPr id="2" name="Title 1"/>
+          <p:cNvSpPr>
+            <a:spLocks noGrp="1"/>
+          </p:cNvSpPr>
+          <p:nvPr>
+            <p:ph type="title"/>
+          </p:nvPr>
+        </p:nvSpPr>
+        <p:spPr/>
+        <p:txBody>
+          <a:bodyPr/>
+          <a:lstStyle/>
+          <a:p>
+            <a:r>
+              <a:rPr lang="en-US" dirty="0" smtClean="0"/>
+              <a:t>Overview – Varying number of vertices</a:t>
+            </a:r>
+            <a:endParaRPr lang="en-US" dirty="0"/>
+          </a:p>
+        </p:txBody>
+      </p:sp>
+      <p:sp>
+        <p:nvSpPr>
+          <p:cNvPr id="4" name="Content Placeholder 3"/>
+          <p:cNvSpPr>
+            <a:spLocks noGrp="1"/>
+          </p:cNvSpPr>
+          <p:nvPr>
+            <p:ph idx="1"/>
+          </p:nvPr>
+        </p:nvSpPr>
+        <p:spPr/>
+        <p:txBody>
+          <a:bodyPr/>
+          <a:lstStyle/>
+          <a:p>
+            <a:endParaRPr lang="en-US"/>
+          </a:p>
+        </p:txBody>
+      </p:sp>
+      <p:graphicFrame>
+        <p:nvGraphicFramePr>
+          <p:cNvPr id="5" name="Diagramm 16"/>
+          <p:cNvGraphicFramePr>
+            <a:graphicFrameLocks/>
+          </p:cNvGraphicFramePr>
+          <p:nvPr>
+            <p:extLst>
+              <p:ext uri="{D42A27DB-BD31-4B8C-83A1-F6EECF244321}">
+                <p14:modId xmlns:p14="http://schemas.microsoft.com/office/powerpoint/2010/main" val="669438885"/>
+              </p:ext>
+            </p:extLst>
+          </p:nvPr>
+        </p:nvGraphicFramePr>
+        <p:xfrm>
+          <a:off x="680322" y="2286000"/>
+          <a:ext cx="10825878" cy="4076700"/>
+        </p:xfrm>
+        <a:graphic>
+          <a:graphicData uri="http://schemas.openxmlformats.org/drawingml/2006/chart">
+            <c:chart xmlns:c="http://schemas.openxmlformats.org/drawingml/2006/chart" xmlns:r="http://schemas.openxmlformats.org/officeDocument/2006/relationships" r:id="rId2"/>
+          </a:graphicData>
+        </a:graphic>
+      </p:graphicFrame>
+    </p:spTree>
+    <p:extLst>
+      <p:ext uri="{BB962C8B-B14F-4D97-AF65-F5344CB8AC3E}">
+        <p14:creationId xmlns:p14="http://schemas.microsoft.com/office/powerpoint/2010/main" val="3632290853"/>
+      </p:ext>
+    </p:extLst>
+  </p:cSld>
+  <p:clrMapOvr>
+    <a:masterClrMapping/>
+  </p:clrMapOvr>
+  <p:timing>
+    <p:tnLst>
+      <p:par>
+        <p:cTn id="1" dur="indefinite" restart="never" nodeType="tmRoot"/>
+      </p:par>
+    </p:tnLst>
+  </p:timing>
+</p:sld>
+</file>
+
+<file path=ppt/slides/slide26.xml><?xml version="1.0" encoding="utf-8"?>
+<p:sld xmlns:a="http://schemas.openxmlformats.org/drawingml/2006/main" xmlns:r="http://schemas.openxmlformats.org/officeDocument/2006/relationships" xmlns:p="http://schemas.openxmlformats.org/presentationml/2006/main">
+  <p:cSld>
+    <p:spTree>
+      <p:nvGrpSpPr>
+        <p:cNvPr id="1" name=""/>
+        <p:cNvGrpSpPr/>
+        <p:nvPr/>
+      </p:nvGrpSpPr>
+      <p:grpSpPr>
+        <a:xfrm>
+          <a:off x="0" y="0"/>
+          <a:ext cx="0" cy="0"/>
+          <a:chOff x="0" y="0"/>
+          <a:chExt cx="0" cy="0"/>
+        </a:xfrm>
+      </p:grpSpPr>
+      <p:sp>
+        <p:nvSpPr>
+          <p:cNvPr id="2" name="Title 1"/>
+          <p:cNvSpPr>
+            <a:spLocks noGrp="1"/>
+          </p:cNvSpPr>
+          <p:nvPr>
+            <p:ph type="title"/>
+          </p:nvPr>
+        </p:nvSpPr>
+        <p:spPr/>
+        <p:txBody>
+          <a:bodyPr/>
+          <a:lstStyle/>
+          <a:p>
+            <a:r>
+              <a:rPr lang="en-US" dirty="0" smtClean="0"/>
+              <a:t>Overview – Varying number of components</a:t>
+            </a:r>
+            <a:endParaRPr lang="en-US" dirty="0"/>
+          </a:p>
+        </p:txBody>
+      </p:sp>
+      <p:sp>
+        <p:nvSpPr>
+          <p:cNvPr id="4" name="Content Placeholder 3"/>
+          <p:cNvSpPr>
+            <a:spLocks noGrp="1"/>
+          </p:cNvSpPr>
+          <p:nvPr>
+            <p:ph idx="1"/>
+          </p:nvPr>
+        </p:nvSpPr>
+        <p:spPr/>
+        <p:txBody>
+          <a:bodyPr/>
+          <a:lstStyle/>
+          <a:p>
+            <a:endParaRPr lang="en-US"/>
+          </a:p>
+        </p:txBody>
+      </p:sp>
+    </p:spTree>
+    <p:extLst>
+      <p:ext uri="{BB962C8B-B14F-4D97-AF65-F5344CB8AC3E}">
+        <p14:creationId xmlns:p14="http://schemas.microsoft.com/office/powerpoint/2010/main" val="211906411"/>
+      </p:ext>
+    </p:extLst>
+  </p:cSld>
+  <p:clrMapOvr>
+    <a:masterClrMapping/>
+  </p:clrMapOvr>
+  <p:timing>
+    <p:tnLst>
+      <p:par>
+        <p:cTn id="1" dur="indefinite" restart="never" nodeType="tmRoot"/>
+      </p:par>
+    </p:tnLst>
+  </p:timing>
+</p:sld>
+</file>
+
+<file path=ppt/slides/slide27.xml><?xml version="1.0" encoding="utf-8"?>
+<p:sld xmlns:a="http://schemas.openxmlformats.org/drawingml/2006/main" xmlns:r="http://schemas.openxmlformats.org/officeDocument/2006/relationships" xmlns:p="http://schemas.openxmlformats.org/presentationml/2006/main">
+  <p:cSld>
+    <p:spTree>
+      <p:nvGrpSpPr>
+        <p:cNvPr id="1" name=""/>
+        <p:cNvGrpSpPr/>
+        <p:nvPr/>
+      </p:nvGrpSpPr>
+      <p:grpSpPr>
+        <a:xfrm>
+          <a:off x="0" y="0"/>
+          <a:ext cx="0" cy="0"/>
+          <a:chOff x="0" y="0"/>
+          <a:chExt cx="0" cy="0"/>
+        </a:xfrm>
+      </p:grpSpPr>
+      <p:sp>
+        <p:nvSpPr>
+          <p:cNvPr id="2" name="Title 1"/>
+          <p:cNvSpPr>
+            <a:spLocks noGrp="1"/>
+          </p:cNvSpPr>
+          <p:nvPr>
+            <p:ph type="title"/>
+          </p:nvPr>
+        </p:nvSpPr>
+        <p:spPr/>
+        <p:txBody>
+          <a:bodyPr/>
+          <a:lstStyle/>
+          <a:p>
+            <a:r>
+              <a:rPr lang="en-US" dirty="0" smtClean="0"/>
+              <a:t>Overview – Varying number of threads</a:t>
+            </a:r>
+            <a:endParaRPr lang="en-US" dirty="0"/>
+          </a:p>
+        </p:txBody>
+      </p:sp>
+      <p:sp>
+        <p:nvSpPr>
+          <p:cNvPr id="4" name="Content Placeholder 3"/>
+          <p:cNvSpPr>
+            <a:spLocks noGrp="1"/>
+          </p:cNvSpPr>
+          <p:nvPr>
+            <p:ph idx="1"/>
+          </p:nvPr>
+        </p:nvSpPr>
+        <p:spPr/>
+        <p:txBody>
+          <a:bodyPr/>
+          <a:lstStyle/>
+          <a:p>
+            <a:endParaRPr lang="en-US"/>
+          </a:p>
+        </p:txBody>
+      </p:sp>
+    </p:spTree>
+    <p:extLst>
+      <p:ext uri="{BB962C8B-B14F-4D97-AF65-F5344CB8AC3E}">
+        <p14:creationId xmlns:p14="http://schemas.microsoft.com/office/powerpoint/2010/main" val="2814836408"/>
+      </p:ext>
+    </p:extLst>
+  </p:cSld>
+  <p:clrMapOvr>
+    <a:masterClrMapping/>
+  </p:clrMapOvr>
+  <p:timing>
+    <p:tnLst>
+      <p:par>
+        <p:cTn id="1" dur="indefinite" restart="never" nodeType="tmRoot"/>
+      </p:par>
+    </p:tnLst>
+  </p:timing>
+</p:sld>
+</file>
+
+<file path=ppt/slides/slide28.xml><?xml version="1.0" encoding="utf-8"?>
+<p:sld xmlns:a="http://schemas.openxmlformats.org/drawingml/2006/main" xmlns:r="http://schemas.openxmlformats.org/officeDocument/2006/relationships" xmlns:p="http://schemas.openxmlformats.org/presentationml/2006/main">
+  <p:cSld>
+    <p:spTree>
+      <p:nvGrpSpPr>
+        <p:cNvPr id="1" name=""/>
+        <p:cNvGrpSpPr/>
+        <p:nvPr/>
+      </p:nvGrpSpPr>
+      <p:grpSpPr>
+        <a:xfrm>
+          <a:off x="0" y="0"/>
+          <a:ext cx="0" cy="0"/>
+          <a:chOff x="0" y="0"/>
+          <a:chExt cx="0" cy="0"/>
+        </a:xfrm>
+      </p:grpSpPr>
+      <p:sp>
+        <p:nvSpPr>
+          <p:cNvPr id="2" name="Title 1"/>
+          <p:cNvSpPr>
+            <a:spLocks noGrp="1"/>
+          </p:cNvSpPr>
+          <p:nvPr>
+            <p:ph type="title"/>
+          </p:nvPr>
+        </p:nvSpPr>
+        <p:spPr/>
+        <p:txBody>
+          <a:bodyPr/>
+          <a:lstStyle/>
+          <a:p>
+            <a:r>
+              <a:rPr lang="en-US" dirty="0" smtClean="0"/>
+              <a:t>Overview – Real world graphs</a:t>
+            </a:r>
+            <a:endParaRPr lang="en-US" dirty="0"/>
+          </a:p>
+        </p:txBody>
+      </p:sp>
+      <p:sp>
+        <p:nvSpPr>
+          <p:cNvPr id="4" name="Content Placeholder 3"/>
+          <p:cNvSpPr>
+            <a:spLocks noGrp="1"/>
+          </p:cNvSpPr>
+          <p:nvPr>
+            <p:ph idx="1"/>
+          </p:nvPr>
+        </p:nvSpPr>
+        <p:spPr/>
+        <p:txBody>
+          <a:bodyPr/>
+          <a:lstStyle/>
+          <a:p>
+            <a:endParaRPr lang="en-US"/>
+          </a:p>
+        </p:txBody>
+      </p:sp>
+    </p:spTree>
+    <p:extLst>
+      <p:ext uri="{BB962C8B-B14F-4D97-AF65-F5344CB8AC3E}">
+        <p14:creationId xmlns:p14="http://schemas.microsoft.com/office/powerpoint/2010/main" val="1763942762"/>
+      </p:ext>
+    </p:extLst>
+  </p:cSld>
+  <p:clrMapOvr>
+    <a:masterClrMapping/>
+  </p:clrMapOvr>
+  <p:timing>
+    <p:tnLst>
+      <p:par>
+        <p:cTn id="1" dur="indefinite" restart="never" nodeType="tmRoot"/>
+      </p:par>
+    </p:tnLst>
+  </p:timing>
+</p:sld>
+</file>
+
+<file path=ppt/slides/slide29.xml><?xml version="1.0" encoding="utf-8"?>
+<p:sld xmlns:a="http://schemas.openxmlformats.org/drawingml/2006/main" xmlns:r="http://schemas.openxmlformats.org/officeDocument/2006/relationships" xmlns:p="http://schemas.openxmlformats.org/presentationml/2006/main">
+  <p:cSld>
+    <p:spTree>
+      <p:nvGrpSpPr>
+        <p:cNvPr id="1" name=""/>
+        <p:cNvGrpSpPr/>
+        <p:nvPr/>
+      </p:nvGrpSpPr>
+      <p:grpSpPr>
+        <a:xfrm>
+          <a:off x="0" y="0"/>
+          <a:ext cx="0" cy="0"/>
+          <a:chOff x="0" y="0"/>
+          <a:chExt cx="0" cy="0"/>
+        </a:xfrm>
+      </p:grpSpPr>
+      <p:sp>
+        <p:nvSpPr>
+          <p:cNvPr id="2" name="Title 1"/>
+          <p:cNvSpPr>
+            <a:spLocks noGrp="1"/>
+          </p:cNvSpPr>
+          <p:nvPr>
+            <p:ph type="title"/>
+          </p:nvPr>
+        </p:nvSpPr>
+        <p:spPr/>
+        <p:txBody>
+          <a:bodyPr/>
+          <a:lstStyle/>
+          <a:p>
+            <a:r>
+              <a:rPr lang="en-US" dirty="0" smtClean="0"/>
+              <a:t>Lessons learned</a:t>
+            </a:r>
+            <a:endParaRPr lang="en-US" dirty="0"/>
+          </a:p>
+        </p:txBody>
+      </p:sp>
+      <p:sp>
+        <p:nvSpPr>
+          <p:cNvPr id="4" name="Content Placeholder 3"/>
+          <p:cNvSpPr>
+            <a:spLocks noGrp="1"/>
+          </p:cNvSpPr>
+          <p:nvPr>
+            <p:ph idx="1"/>
+          </p:nvPr>
+        </p:nvSpPr>
+        <p:spPr/>
+        <p:txBody>
+          <a:bodyPr/>
+          <a:lstStyle/>
+          <a:p>
+            <a:endParaRPr lang="en-US"/>
+          </a:p>
+        </p:txBody>
+      </p:sp>
+    </p:spTree>
+    <p:extLst>
+      <p:ext uri="{BB962C8B-B14F-4D97-AF65-F5344CB8AC3E}">
+        <p14:creationId xmlns:p14="http://schemas.microsoft.com/office/powerpoint/2010/main" val="713095246"/>
+      </p:ext>
+    </p:extLst>
+  </p:cSld>
+  <p:clrMapOvr>
+    <a:masterClrMapping/>
+  </p:clrMapOvr>
+  <p:timing>
+    <p:tnLst>
+      <p:par>
+        <p:cTn id="1" dur="indefinite" restart="never" nodeType="tmRoot"/>
+      </p:par>
+    </p:tnLst>
+  </p:timing>
 </p:sld>
 </file>
 
@@ -19745,6 +23979,9 @@
             <a:chOff x="3334089" y="3712234"/>
             <a:chExt cx="1320361" cy="1920553"/>
           </a:xfrm>
+          <a:solidFill>
+            <a:schemeClr val="tx2"/>
+          </a:solidFill>
         </p:grpSpPr>
         <p:sp>
           <p:nvSpPr>
@@ -19760,6 +23997,7 @@
             <a:prstGeom prst="ellipse">
               <a:avLst/>
             </a:prstGeom>
+            <a:grpFill/>
           </p:spPr>
           <p:style>
             <a:lnRef idx="2">
@@ -19800,6 +24038,7 @@
             <a:prstGeom prst="ellipse">
               <a:avLst/>
             </a:prstGeom>
+            <a:grpFill/>
           </p:spPr>
           <p:style>
             <a:lnRef idx="2">
@@ -19843,6 +24082,7 @@
             <a:prstGeom prst="line">
               <a:avLst/>
             </a:prstGeom>
+            <a:grpFill/>
           </p:spPr>
           <p:style>
             <a:lnRef idx="3">
@@ -19873,6 +24113,7 @@
             <a:prstGeom prst="ellipse">
               <a:avLst/>
             </a:prstGeom>
+            <a:grpFill/>
           </p:spPr>
           <p:style>
             <a:lnRef idx="2">
@@ -19916,6 +24157,7 @@
             <a:prstGeom prst="line">
               <a:avLst/>
             </a:prstGeom>
+            <a:grpFill/>
           </p:spPr>
           <p:style>
             <a:lnRef idx="3">
@@ -19946,6 +24188,7 @@
             <a:prstGeom prst="ellipse">
               <a:avLst/>
             </a:prstGeom>
+            <a:grpFill/>
           </p:spPr>
           <p:style>
             <a:lnRef idx="2">
@@ -19989,6 +24232,7 @@
             <a:prstGeom prst="line">
               <a:avLst/>
             </a:prstGeom>
+            <a:grpFill/>
           </p:spPr>
           <p:style>
             <a:lnRef idx="3">
@@ -20022,6 +24266,7 @@
             <a:prstGeom prst="line">
               <a:avLst/>
             </a:prstGeom>
+            <a:grpFill/>
           </p:spPr>
           <p:style>
             <a:lnRef idx="3">
@@ -20052,6 +24297,7 @@
             <a:prstGeom prst="ellipse">
               <a:avLst/>
             </a:prstGeom>
+            <a:grpFill/>
           </p:spPr>
           <p:style>
             <a:lnRef idx="2">
@@ -20095,6 +24341,7 @@
             <a:prstGeom prst="line">
               <a:avLst/>
             </a:prstGeom>
+            <a:grpFill/>
           </p:spPr>
           <p:style>
             <a:lnRef idx="3">
@@ -20125,6 +24372,9 @@
             <a:chOff x="5483889" y="4414062"/>
             <a:chExt cx="470837" cy="1046532"/>
           </a:xfrm>
+          <a:solidFill>
+            <a:schemeClr val="tx2"/>
+          </a:solidFill>
         </p:grpSpPr>
         <p:sp>
           <p:nvSpPr>
@@ -20140,6 +24390,7 @@
             <a:prstGeom prst="ellipse">
               <a:avLst/>
             </a:prstGeom>
+            <a:grpFill/>
           </p:spPr>
           <p:style>
             <a:lnRef idx="2">
@@ -20180,6 +24431,7 @@
             <a:prstGeom prst="ellipse">
               <a:avLst/>
             </a:prstGeom>
+            <a:grpFill/>
           </p:spPr>
           <p:style>
             <a:lnRef idx="2">
@@ -20223,6 +24475,7 @@
             <a:prstGeom prst="line">
               <a:avLst/>
             </a:prstGeom>
+            <a:grpFill/>
           </p:spPr>
           <p:style>
             <a:lnRef idx="3">
@@ -20253,6 +24506,9 @@
             <a:chOff x="6806656" y="3958647"/>
             <a:chExt cx="1779432" cy="1516279"/>
           </a:xfrm>
+          <a:solidFill>
+            <a:schemeClr val="tx2"/>
+          </a:solidFill>
         </p:grpSpPr>
         <p:sp>
           <p:nvSpPr>
@@ -20268,6 +24524,7 @@
             <a:prstGeom prst="ellipse">
               <a:avLst/>
             </a:prstGeom>
+            <a:grpFill/>
           </p:spPr>
           <p:style>
             <a:lnRef idx="2">
@@ -20308,6 +24565,7 @@
             <a:prstGeom prst="ellipse">
               <a:avLst/>
             </a:prstGeom>
+            <a:grpFill/>
           </p:spPr>
           <p:style>
             <a:lnRef idx="2">
@@ -20351,6 +24609,7 @@
             <a:prstGeom prst="line">
               <a:avLst/>
             </a:prstGeom>
+            <a:grpFill/>
           </p:spPr>
           <p:style>
             <a:lnRef idx="3">
@@ -20381,6 +24640,7 @@
             <a:prstGeom prst="ellipse">
               <a:avLst/>
             </a:prstGeom>
+            <a:grpFill/>
           </p:spPr>
           <p:style>
             <a:lnRef idx="2">
@@ -20424,6 +24684,7 @@
             <a:prstGeom prst="line">
               <a:avLst/>
             </a:prstGeom>
+            <a:grpFill/>
           </p:spPr>
           <p:style>
             <a:lnRef idx="3">
@@ -20454,6 +24715,7 @@
             <a:prstGeom prst="ellipse">
               <a:avLst/>
             </a:prstGeom>
+            <a:grpFill/>
           </p:spPr>
           <p:style>
             <a:lnRef idx="2">
@@ -20497,6 +24759,7 @@
             <a:prstGeom prst="line">
               <a:avLst/>
             </a:prstGeom>
+            <a:grpFill/>
           </p:spPr>
           <p:style>
             <a:lnRef idx="3">
@@ -20530,6 +24793,7 @@
             <a:prstGeom prst="line">
               <a:avLst/>
             </a:prstGeom>
+            <a:grpFill/>
           </p:spPr>
           <p:style>
             <a:lnRef idx="3">
@@ -20560,6 +24824,7 @@
             <a:prstGeom prst="ellipse">
               <a:avLst/>
             </a:prstGeom>
+            <a:grpFill/>
           </p:spPr>
           <p:style>
             <a:lnRef idx="2">
@@ -20603,6 +24868,7 @@
             <a:prstGeom prst="line">
               <a:avLst/>
             </a:prstGeom>
+            <a:grpFill/>
           </p:spPr>
           <p:style>
             <a:lnRef idx="3">
@@ -20636,6 +24902,7 @@
             <a:prstGeom prst="line">
               <a:avLst/>
             </a:prstGeom>
+            <a:grpFill/>
           </p:spPr>
           <p:style>
             <a:lnRef idx="3">
@@ -20667,6 +24934,9 @@
           <a:prstGeom prst="ellipse">
             <a:avLst/>
           </a:prstGeom>
+          <a:solidFill>
+            <a:schemeClr val="tx2"/>
+          </a:solidFill>
         </p:spPr>
         <p:style>
           <a:lnRef idx="2">
@@ -20697,6 +24967,670 @@
     <p:extLst>
       <p:ext uri="{BB962C8B-B14F-4D97-AF65-F5344CB8AC3E}">
         <p14:creationId xmlns:p14="http://schemas.microsoft.com/office/powerpoint/2010/main" val="1102435612"/>
+      </p:ext>
+    </p:extLst>
+  </p:cSld>
+  <p:clrMapOvr>
+    <a:masterClrMapping/>
+  </p:clrMapOvr>
+  <p:timing>
+    <p:tnLst>
+      <p:par>
+        <p:cTn id="1" dur="indefinite" restart="never" nodeType="tmRoot"/>
+      </p:par>
+    </p:tnLst>
+  </p:timing>
+</p:sld>
+</file>
+
+<file path=ppt/slides/slide30.xml><?xml version="1.0" encoding="utf-8"?>
+<p:sld xmlns:a="http://schemas.openxmlformats.org/drawingml/2006/main" xmlns:r="http://schemas.openxmlformats.org/officeDocument/2006/relationships" xmlns:p="http://schemas.openxmlformats.org/presentationml/2006/main">
+  <p:cSld>
+    <p:spTree>
+      <p:nvGrpSpPr>
+        <p:cNvPr id="1" name=""/>
+        <p:cNvGrpSpPr/>
+        <p:nvPr/>
+      </p:nvGrpSpPr>
+      <p:grpSpPr>
+        <a:xfrm>
+          <a:off x="0" y="0"/>
+          <a:ext cx="0" cy="0"/>
+          <a:chOff x="0" y="0"/>
+          <a:chExt cx="0" cy="0"/>
+        </a:xfrm>
+      </p:grpSpPr>
+      <p:sp>
+        <p:nvSpPr>
+          <p:cNvPr id="2" name="Title 1"/>
+          <p:cNvSpPr>
+            <a:spLocks noGrp="1"/>
+          </p:cNvSpPr>
+          <p:nvPr>
+            <p:ph type="title"/>
+          </p:nvPr>
+        </p:nvSpPr>
+        <p:spPr/>
+        <p:txBody>
+          <a:bodyPr/>
+          <a:lstStyle/>
+          <a:p>
+            <a:endParaRPr lang="en-US" dirty="0"/>
+          </a:p>
+        </p:txBody>
+      </p:sp>
+      <p:sp>
+        <p:nvSpPr>
+          <p:cNvPr id="3" name="Content Placeholder 2"/>
+          <p:cNvSpPr>
+            <a:spLocks noGrp="1"/>
+          </p:cNvSpPr>
+          <p:nvPr>
+            <p:ph idx="1"/>
+          </p:nvPr>
+        </p:nvSpPr>
+        <p:spPr>
+          <a:xfrm>
+            <a:off x="1056888" y="3352689"/>
+            <a:ext cx="9613861" cy="3599316"/>
+          </a:xfrm>
+        </p:spPr>
+        <p:txBody>
+          <a:bodyPr>
+            <a:normAutofit/>
+          </a:bodyPr>
+          <a:lstStyle/>
+          <a:p>
+            <a:pPr marL="0" indent="0" algn="ctr">
+              <a:buNone/>
+            </a:pPr>
+            <a:r>
+              <a:rPr lang="en-US" sz="11500" dirty="0" smtClean="0"/>
+              <a:t>Thank you</a:t>
+            </a:r>
+            <a:endParaRPr lang="en-US" sz="11500" dirty="0" smtClean="0"/>
+          </a:p>
+          <a:p>
+            <a:pPr algn="ctr"/>
+            <a:endParaRPr lang="en-US" sz="11500" dirty="0" smtClean="0"/>
+          </a:p>
+          <a:p>
+            <a:pPr algn="ctr"/>
+            <a:endParaRPr lang="en-US" sz="11500" dirty="0"/>
+          </a:p>
+        </p:txBody>
+      </p:sp>
+    </p:spTree>
+    <p:extLst>
+      <p:ext uri="{BB962C8B-B14F-4D97-AF65-F5344CB8AC3E}">
+        <p14:creationId xmlns:p14="http://schemas.microsoft.com/office/powerpoint/2010/main" val="2734927839"/>
+      </p:ext>
+    </p:extLst>
+  </p:cSld>
+  <p:clrMapOvr>
+    <a:masterClrMapping/>
+  </p:clrMapOvr>
+  <p:timing>
+    <p:tnLst>
+      <p:par>
+        <p:cTn id="1" dur="indefinite" restart="never" nodeType="tmRoot"/>
+      </p:par>
+    </p:tnLst>
+  </p:timing>
+</p:sld>
+</file>
+
+<file path=ppt/slides/slide31.xml><?xml version="1.0" encoding="utf-8"?>
+<p:sld xmlns:a="http://schemas.openxmlformats.org/drawingml/2006/main" xmlns:r="http://schemas.openxmlformats.org/officeDocument/2006/relationships" xmlns:p="http://schemas.openxmlformats.org/presentationml/2006/main">
+  <p:cSld>
+    <p:spTree>
+      <p:nvGrpSpPr>
+        <p:cNvPr id="1" name=""/>
+        <p:cNvGrpSpPr/>
+        <p:nvPr/>
+      </p:nvGrpSpPr>
+      <p:grpSpPr>
+        <a:xfrm>
+          <a:off x="0" y="0"/>
+          <a:ext cx="0" cy="0"/>
+          <a:chOff x="0" y="0"/>
+          <a:chExt cx="0" cy="0"/>
+        </a:xfrm>
+      </p:grpSpPr>
+      <p:sp>
+        <p:nvSpPr>
+          <p:cNvPr id="2" name="Titel 1"/>
+          <p:cNvSpPr>
+            <a:spLocks noGrp="1"/>
+          </p:cNvSpPr>
+          <p:nvPr>
+            <p:ph type="title"/>
+          </p:nvPr>
+        </p:nvSpPr>
+        <p:spPr/>
+        <p:txBody>
+          <a:bodyPr/>
+          <a:lstStyle/>
+          <a:p>
+            <a:r>
+              <a:rPr lang="de-CH" dirty="0" err="1" smtClean="0"/>
+              <a:t>Explain</a:t>
+            </a:r>
+            <a:r>
+              <a:rPr lang="de-CH" dirty="0" smtClean="0"/>
+              <a:t> </a:t>
+            </a:r>
+            <a:r>
+              <a:rPr lang="de-CH" dirty="0" err="1" smtClean="0"/>
+              <a:t>the</a:t>
+            </a:r>
+            <a:r>
+              <a:rPr lang="de-CH" dirty="0" smtClean="0"/>
+              <a:t> </a:t>
+            </a:r>
+            <a:r>
+              <a:rPr lang="de-CH" dirty="0" err="1" smtClean="0"/>
+              <a:t>Algorithm</a:t>
+            </a:r>
+            <a:r>
+              <a:rPr lang="de-CH" dirty="0" err="1"/>
+              <a:t>s</a:t>
+            </a:r>
+            <a:endParaRPr lang="de-CH" dirty="0"/>
+          </a:p>
+        </p:txBody>
+      </p:sp>
+      <p:sp>
+        <p:nvSpPr>
+          <p:cNvPr id="3" name="Inhaltsplatzhalter 2"/>
+          <p:cNvSpPr>
+            <a:spLocks noGrp="1"/>
+          </p:cNvSpPr>
+          <p:nvPr>
+            <p:ph idx="1"/>
+          </p:nvPr>
+        </p:nvSpPr>
+        <p:spPr>
+          <a:xfrm>
+            <a:off x="680321" y="2336872"/>
+            <a:ext cx="10415769" cy="4207765"/>
+          </a:xfrm>
+        </p:spPr>
+        <p:txBody>
+          <a:bodyPr>
+            <a:normAutofit fontScale="62500" lnSpcReduction="20000"/>
+          </a:bodyPr>
+          <a:lstStyle/>
+          <a:p>
+            <a:r>
+              <a:rPr lang="de-CH" dirty="0" smtClean="0"/>
+              <a:t>BFS</a:t>
+            </a:r>
+          </a:p>
+          <a:p>
+            <a:pPr lvl="1"/>
+            <a:r>
+              <a:rPr lang="de-CH" dirty="0" err="1" smtClean="0"/>
+              <a:t>Iterate</a:t>
+            </a:r>
+            <a:r>
+              <a:rPr lang="de-CH" dirty="0" smtClean="0"/>
+              <a:t> </a:t>
+            </a:r>
+            <a:r>
+              <a:rPr lang="de-CH" dirty="0" err="1" smtClean="0"/>
+              <a:t>over</a:t>
+            </a:r>
+            <a:r>
+              <a:rPr lang="de-CH" dirty="0" smtClean="0"/>
+              <a:t> all </a:t>
+            </a:r>
+            <a:r>
+              <a:rPr lang="de-CH" dirty="0" err="1" smtClean="0"/>
+              <a:t>nodes</a:t>
+            </a:r>
+            <a:endParaRPr lang="de-CH" dirty="0" smtClean="0"/>
+          </a:p>
+          <a:p>
+            <a:pPr lvl="1"/>
+            <a:r>
+              <a:rPr lang="de-CH" dirty="0" err="1" smtClean="0"/>
+              <a:t>if</a:t>
+            </a:r>
+            <a:r>
+              <a:rPr lang="de-CH" dirty="0" smtClean="0"/>
+              <a:t> not </a:t>
+            </a:r>
+            <a:r>
+              <a:rPr lang="de-CH" dirty="0" err="1" smtClean="0"/>
+              <a:t>visited</a:t>
+            </a:r>
+            <a:r>
+              <a:rPr lang="de-CH" dirty="0" smtClean="0"/>
+              <a:t> </a:t>
+            </a:r>
+            <a:r>
+              <a:rPr lang="de-CH" dirty="0" err="1" smtClean="0"/>
+              <a:t>yet</a:t>
+            </a:r>
+            <a:r>
+              <a:rPr lang="de-CH" dirty="0"/>
+              <a:t> </a:t>
+            </a:r>
+            <a:r>
+              <a:rPr lang="de-CH" dirty="0" err="1" smtClean="0"/>
+              <a:t>start</a:t>
+            </a:r>
+            <a:r>
+              <a:rPr lang="de-CH" dirty="0" smtClean="0"/>
+              <a:t> </a:t>
+            </a:r>
+            <a:r>
+              <a:rPr lang="de-CH" dirty="0" err="1" smtClean="0"/>
+              <a:t>bfs</a:t>
+            </a:r>
+            <a:r>
+              <a:rPr lang="de-CH" dirty="0"/>
+              <a:t> </a:t>
+            </a:r>
+            <a:endParaRPr lang="de-CH" dirty="0" smtClean="0"/>
+          </a:p>
+          <a:p>
+            <a:r>
+              <a:rPr lang="de-CH" dirty="0" err="1" smtClean="0"/>
+              <a:t>pBFS</a:t>
+            </a:r>
+            <a:endParaRPr lang="de-CH" dirty="0" smtClean="0"/>
+          </a:p>
+          <a:p>
+            <a:pPr lvl="1"/>
+            <a:r>
+              <a:rPr lang="de-CH" dirty="0" err="1" smtClean="0"/>
+              <a:t>Each</a:t>
+            </a:r>
+            <a:r>
+              <a:rPr lang="de-CH" dirty="0" smtClean="0"/>
+              <a:t> </a:t>
+            </a:r>
+            <a:r>
+              <a:rPr lang="de-CH" dirty="0" err="1" smtClean="0"/>
+              <a:t>thread</a:t>
+            </a:r>
+            <a:r>
+              <a:rPr lang="de-CH" dirty="0" smtClean="0"/>
+              <a:t> </a:t>
+            </a:r>
+            <a:r>
+              <a:rPr lang="de-CH" dirty="0" err="1" smtClean="0"/>
+              <a:t>starts</a:t>
+            </a:r>
+            <a:r>
+              <a:rPr lang="de-CH" dirty="0" smtClean="0"/>
+              <a:t> at a different </a:t>
+            </a:r>
+            <a:r>
+              <a:rPr lang="de-CH" dirty="0" err="1" smtClean="0"/>
+              <a:t>node</a:t>
+            </a:r>
+            <a:endParaRPr lang="de-CH" dirty="0"/>
+          </a:p>
+          <a:p>
+            <a:pPr lvl="1"/>
+            <a:r>
+              <a:rPr lang="de-CH" dirty="0" err="1" smtClean="0"/>
+              <a:t>If</a:t>
+            </a:r>
+            <a:r>
+              <a:rPr lang="de-CH" dirty="0" smtClean="0"/>
+              <a:t> not </a:t>
+            </a:r>
+            <a:r>
+              <a:rPr lang="de-CH" dirty="0" err="1" smtClean="0"/>
+              <a:t>visited</a:t>
+            </a:r>
+            <a:r>
+              <a:rPr lang="de-CH" dirty="0" smtClean="0"/>
+              <a:t> </a:t>
+            </a:r>
+            <a:r>
+              <a:rPr lang="de-CH" dirty="0" err="1" smtClean="0"/>
+              <a:t>yet</a:t>
+            </a:r>
+            <a:r>
+              <a:rPr lang="de-CH" dirty="0" smtClean="0"/>
+              <a:t> </a:t>
+            </a:r>
+            <a:r>
+              <a:rPr lang="de-CH" dirty="0" err="1" smtClean="0"/>
+              <a:t>start</a:t>
+            </a:r>
+            <a:r>
+              <a:rPr lang="de-CH" dirty="0" smtClean="0"/>
+              <a:t> </a:t>
+            </a:r>
+            <a:r>
+              <a:rPr lang="de-CH" dirty="0" err="1" smtClean="0"/>
+              <a:t>bfs</a:t>
+            </a:r>
+            <a:endParaRPr lang="de-CH" dirty="0" smtClean="0"/>
+          </a:p>
+          <a:p>
+            <a:pPr lvl="1"/>
+            <a:r>
+              <a:rPr lang="de-CH" dirty="0"/>
+              <a:t>Mark </a:t>
+            </a:r>
+            <a:r>
+              <a:rPr lang="de-CH" dirty="0" err="1"/>
+              <a:t>nodes</a:t>
+            </a:r>
+            <a:r>
+              <a:rPr lang="de-CH" dirty="0"/>
+              <a:t> </a:t>
+            </a:r>
+            <a:r>
+              <a:rPr lang="de-CH" dirty="0" err="1"/>
+              <a:t>traversed</a:t>
+            </a:r>
+            <a:r>
+              <a:rPr lang="de-CH" dirty="0"/>
+              <a:t> </a:t>
+            </a:r>
+            <a:r>
+              <a:rPr lang="de-CH" dirty="0" err="1"/>
+              <a:t>by</a:t>
+            </a:r>
+            <a:r>
+              <a:rPr lang="de-CH" dirty="0"/>
+              <a:t> </a:t>
+            </a:r>
+            <a:r>
+              <a:rPr lang="de-CH" dirty="0" err="1"/>
+              <a:t>bfs</a:t>
+            </a:r>
+            <a:r>
+              <a:rPr lang="de-CH" dirty="0"/>
+              <a:t> </a:t>
+            </a:r>
+            <a:r>
+              <a:rPr lang="de-CH" dirty="0" err="1"/>
+              <a:t>with</a:t>
+            </a:r>
+            <a:r>
+              <a:rPr lang="de-CH" dirty="0"/>
+              <a:t> </a:t>
+            </a:r>
+            <a:r>
+              <a:rPr lang="de-CH" dirty="0" err="1"/>
+              <a:t>the</a:t>
+            </a:r>
+            <a:r>
+              <a:rPr lang="de-CH" dirty="0"/>
+              <a:t> same </a:t>
+            </a:r>
+            <a:r>
+              <a:rPr lang="de-CH" dirty="0" err="1"/>
+              <a:t>component</a:t>
+            </a:r>
+            <a:r>
+              <a:rPr lang="de-CH" dirty="0"/>
+              <a:t> </a:t>
+            </a:r>
+            <a:r>
+              <a:rPr lang="de-CH" dirty="0" err="1"/>
+              <a:t>number</a:t>
+            </a:r>
+            <a:r>
+              <a:rPr lang="de-CH" dirty="0"/>
+              <a:t>.</a:t>
+            </a:r>
+          </a:p>
+          <a:p>
+            <a:pPr lvl="1"/>
+            <a:r>
+              <a:rPr lang="de-CH" dirty="0" err="1" smtClean="0"/>
+              <a:t>If</a:t>
+            </a:r>
+            <a:r>
+              <a:rPr lang="de-CH" dirty="0" smtClean="0"/>
+              <a:t> </a:t>
+            </a:r>
+            <a:r>
+              <a:rPr lang="de-CH" dirty="0" err="1" smtClean="0"/>
+              <a:t>encounter</a:t>
+            </a:r>
+            <a:r>
+              <a:rPr lang="de-CH" dirty="0" smtClean="0"/>
+              <a:t> </a:t>
+            </a:r>
+            <a:r>
+              <a:rPr lang="de-CH" dirty="0" err="1" smtClean="0"/>
+              <a:t>another</a:t>
+            </a:r>
+            <a:r>
+              <a:rPr lang="de-CH" dirty="0" smtClean="0"/>
+              <a:t> </a:t>
+            </a:r>
+            <a:r>
+              <a:rPr lang="de-CH" dirty="0" err="1" smtClean="0"/>
+              <a:t>number</a:t>
+            </a:r>
+            <a:r>
+              <a:rPr lang="de-CH" dirty="0" smtClean="0"/>
+              <a:t>/</a:t>
+            </a:r>
+            <a:r>
+              <a:rPr lang="de-CH" dirty="0" err="1" smtClean="0"/>
+              <a:t>thread</a:t>
+            </a:r>
+            <a:r>
+              <a:rPr lang="de-CH" dirty="0" smtClean="0"/>
+              <a:t> </a:t>
+            </a:r>
+            <a:r>
+              <a:rPr lang="de-CH" dirty="0" err="1" smtClean="0"/>
+              <a:t>put</a:t>
+            </a:r>
+            <a:r>
+              <a:rPr lang="de-CH" dirty="0" smtClean="0"/>
+              <a:t> </a:t>
+            </a:r>
+            <a:r>
+              <a:rPr lang="de-CH" dirty="0" err="1" smtClean="0"/>
+              <a:t>both</a:t>
+            </a:r>
+            <a:r>
+              <a:rPr lang="de-CH" dirty="0" smtClean="0"/>
+              <a:t> </a:t>
+            </a:r>
+            <a:r>
+              <a:rPr lang="de-CH" dirty="0" err="1" smtClean="0"/>
+              <a:t>number</a:t>
+            </a:r>
+            <a:r>
+              <a:rPr lang="de-CH" dirty="0" smtClean="0"/>
+              <a:t> </a:t>
+            </a:r>
+            <a:r>
+              <a:rPr lang="de-CH" dirty="0" err="1" smtClean="0"/>
+              <a:t>into</a:t>
+            </a:r>
+            <a:r>
+              <a:rPr lang="de-CH" dirty="0" smtClean="0"/>
+              <a:t> </a:t>
+            </a:r>
+            <a:r>
+              <a:rPr lang="de-CH" dirty="0" err="1" smtClean="0"/>
+              <a:t>merge</a:t>
+            </a:r>
+            <a:r>
+              <a:rPr lang="de-CH" dirty="0" smtClean="0"/>
+              <a:t> </a:t>
+            </a:r>
+            <a:r>
+              <a:rPr lang="de-CH" dirty="0" err="1" smtClean="0"/>
+              <a:t>list</a:t>
+            </a:r>
+            <a:r>
+              <a:rPr lang="de-CH" dirty="0" smtClean="0"/>
+              <a:t>. </a:t>
+            </a:r>
+            <a:r>
+              <a:rPr lang="de-CH" dirty="0" err="1" smtClean="0"/>
+              <a:t>Don’t</a:t>
+            </a:r>
+            <a:r>
+              <a:rPr lang="de-CH" dirty="0" smtClean="0"/>
+              <a:t> follow </a:t>
+            </a:r>
+            <a:r>
+              <a:rPr lang="de-CH" dirty="0" err="1" smtClean="0"/>
+              <a:t>nodes</a:t>
+            </a:r>
+            <a:r>
+              <a:rPr lang="de-CH" dirty="0" smtClean="0"/>
+              <a:t> </a:t>
+            </a:r>
+            <a:r>
+              <a:rPr lang="de-CH" dirty="0" err="1" smtClean="0"/>
+              <a:t>which</a:t>
+            </a:r>
+            <a:r>
+              <a:rPr lang="de-CH" dirty="0" smtClean="0"/>
+              <a:t> </a:t>
+            </a:r>
+            <a:r>
+              <a:rPr lang="de-CH" dirty="0" err="1" smtClean="0"/>
+              <a:t>are</a:t>
+            </a:r>
+            <a:r>
+              <a:rPr lang="de-CH" dirty="0" smtClean="0"/>
+              <a:t> </a:t>
+            </a:r>
+            <a:r>
+              <a:rPr lang="de-CH" dirty="0" err="1" smtClean="0"/>
+              <a:t>already</a:t>
+            </a:r>
+            <a:r>
+              <a:rPr lang="de-CH" dirty="0" smtClean="0"/>
+              <a:t> </a:t>
+            </a:r>
+            <a:r>
+              <a:rPr lang="de-CH" dirty="0" err="1" smtClean="0"/>
+              <a:t>marked</a:t>
+            </a:r>
+            <a:r>
+              <a:rPr lang="de-CH" dirty="0" smtClean="0"/>
+              <a:t>.</a:t>
+            </a:r>
+          </a:p>
+          <a:p>
+            <a:pPr lvl="1"/>
+            <a:r>
+              <a:rPr lang="en-US" dirty="0" smtClean="0"/>
+              <a:t>At the end do merging of </a:t>
+            </a:r>
+            <a:r>
+              <a:rPr lang="en-US" dirty="0" err="1" smtClean="0"/>
+              <a:t>componenets</a:t>
+            </a:r>
+            <a:endParaRPr lang="de-CH" dirty="0" smtClean="0"/>
+          </a:p>
+          <a:p>
+            <a:r>
+              <a:rPr lang="de-CH" dirty="0" err="1" smtClean="0"/>
+              <a:t>pBFSAtomic</a:t>
+            </a:r>
+            <a:endParaRPr lang="de-CH" dirty="0" smtClean="0"/>
+          </a:p>
+          <a:p>
+            <a:pPr lvl="1"/>
+            <a:r>
+              <a:rPr lang="en-US" dirty="0" smtClean="0"/>
+              <a:t>Same as </a:t>
+            </a:r>
+            <a:r>
+              <a:rPr lang="en-US" dirty="0" err="1" smtClean="0"/>
+              <a:t>pBFS</a:t>
+            </a:r>
+            <a:r>
+              <a:rPr lang="en-US" dirty="0" smtClean="0"/>
+              <a:t>, guarantees that a write is seen by all other threads.</a:t>
+            </a:r>
+            <a:endParaRPr lang="de-CH" dirty="0" smtClean="0"/>
+          </a:p>
+          <a:p>
+            <a:r>
+              <a:rPr lang="de-CH" dirty="0" err="1" smtClean="0"/>
+              <a:t>compareExchange</a:t>
+            </a:r>
+            <a:endParaRPr lang="de-CH" dirty="0" smtClean="0"/>
+          </a:p>
+          <a:p>
+            <a:pPr lvl="1"/>
+            <a:r>
+              <a:rPr lang="en-US" dirty="0" smtClean="0"/>
+              <a:t>Similar to </a:t>
+            </a:r>
+            <a:r>
+              <a:rPr lang="en-US" dirty="0" err="1" smtClean="0"/>
+              <a:t>pBFS</a:t>
+            </a:r>
+            <a:r>
+              <a:rPr lang="en-US" dirty="0" smtClean="0"/>
+              <a:t> but no merging.</a:t>
+            </a:r>
+          </a:p>
+          <a:p>
+            <a:pPr lvl="1"/>
+            <a:r>
+              <a:rPr lang="en-US" dirty="0" smtClean="0"/>
+              <a:t>If two threads on the same component the one with lower priority drops its work and starts somewhere else.</a:t>
+            </a:r>
+            <a:endParaRPr lang="de-CH" dirty="0" smtClean="0"/>
+          </a:p>
+          <a:p>
+            <a:r>
+              <a:rPr lang="de-CH" dirty="0" smtClean="0"/>
+              <a:t>Union find</a:t>
+            </a:r>
+          </a:p>
+          <a:p>
+            <a:r>
+              <a:rPr lang="de-CH" dirty="0" err="1" smtClean="0"/>
+              <a:t>Randomized</a:t>
+            </a:r>
+            <a:r>
+              <a:rPr lang="de-CH" dirty="0" smtClean="0"/>
+              <a:t> </a:t>
+            </a:r>
+            <a:r>
+              <a:rPr lang="de-CH" dirty="0" err="1" smtClean="0"/>
+              <a:t>contraction</a:t>
+            </a:r>
+            <a:endParaRPr lang="de-CH" dirty="0" smtClean="0"/>
+          </a:p>
+          <a:p>
+            <a:r>
+              <a:rPr lang="de-CH" dirty="0" err="1" smtClean="0"/>
+              <a:t>Spanning</a:t>
+            </a:r>
+            <a:r>
+              <a:rPr lang="de-CH" dirty="0" smtClean="0"/>
+              <a:t> </a:t>
+            </a:r>
+            <a:r>
+              <a:rPr lang="de-CH" dirty="0" err="1" smtClean="0"/>
+              <a:t>tree</a:t>
+            </a:r>
+            <a:endParaRPr lang="de-CH" dirty="0"/>
+          </a:p>
+        </p:txBody>
+      </p:sp>
+    </p:spTree>
+    <p:extLst>
+      <p:ext uri="{BB962C8B-B14F-4D97-AF65-F5344CB8AC3E}">
+        <p14:creationId xmlns:p14="http://schemas.microsoft.com/office/powerpoint/2010/main" val="1062216547"/>
       </p:ext>
     </p:extLst>
   </p:cSld>
@@ -20927,7 +25861,7 @@
           <a:p>
             <a:r>
               <a:rPr lang="en-US" dirty="0" smtClean="0"/>
-              <a:t>Parallel Union find</a:t>
+              <a:t>Parallel spanning tree – inspired by union find</a:t>
             </a:r>
           </a:p>
           <a:p>
@@ -25494,4 +30428,265 @@
     </a:ext>
   </a:extLst>
 </a:theme>
+</file>
+
+<file path=ppt/theme/theme2.xml><?xml version="1.0" encoding="utf-8"?>
+<a:theme xmlns:a="http://schemas.openxmlformats.org/drawingml/2006/main" name="Office Theme">
+  <a:themeElements>
+    <a:clrScheme name="Office">
+      <a:dk1>
+        <a:sysClr val="windowText" lastClr="000000"/>
+      </a:dk1>
+      <a:lt1>
+        <a:sysClr val="window" lastClr="FFFFFF"/>
+      </a:lt1>
+      <a:dk2>
+        <a:srgbClr val="44546A"/>
+      </a:dk2>
+      <a:lt2>
+        <a:srgbClr val="E7E6E6"/>
+      </a:lt2>
+      <a:accent1>
+        <a:srgbClr val="5B9BD5"/>
+      </a:accent1>
+      <a:accent2>
+        <a:srgbClr val="ED7D31"/>
+      </a:accent2>
+      <a:accent3>
+        <a:srgbClr val="A5A5A5"/>
+      </a:accent3>
+      <a:accent4>
+        <a:srgbClr val="FFC000"/>
+      </a:accent4>
+      <a:accent5>
+        <a:srgbClr val="4472C4"/>
+      </a:accent5>
+      <a:accent6>
+        <a:srgbClr val="70AD47"/>
+      </a:accent6>
+      <a:hlink>
+        <a:srgbClr val="0563C1"/>
+      </a:hlink>
+      <a:folHlink>
+        <a:srgbClr val="954F72"/>
+      </a:folHlink>
+    </a:clrScheme>
+    <a:fontScheme name="Office">
+      <a:majorFont>
+        <a:latin typeface="Calibri Light" panose="020F0302020204030204"/>
+        <a:ea typeface=""/>
+        <a:cs typeface=""/>
+        <a:font script="Jpan" typeface="ＭＳ Ｐゴシック"/>
+        <a:font script="Hang" typeface="맑은 고딕"/>
+        <a:font script="Hans" typeface="宋体"/>
+        <a:font script="Hant" typeface="新細明體"/>
+        <a:font script="Arab" typeface="Times New Roman"/>
+        <a:font script="Hebr" typeface="Times New Roman"/>
+        <a:font script="Thai" typeface="Angsana New"/>
+        <a:font script="Ethi" typeface="Nyala"/>
+        <a:font script="Beng" typeface="Vrinda"/>
+        <a:font script="Gujr" typeface="Shruti"/>
+        <a:font script="Khmr" typeface="MoolBoran"/>
+        <a:font script="Knda" typeface="Tunga"/>
+        <a:font script="Guru" typeface="Raavi"/>
+        <a:font script="Cans" typeface="Euphemia"/>
+        <a:font script="Cher" typeface="Plantagenet Cherokee"/>
+        <a:font script="Yiii" typeface="Microsoft Yi Baiti"/>
+        <a:font script="Tibt" typeface="Microsoft Himalaya"/>
+        <a:font script="Thaa" typeface="MV Boli"/>
+        <a:font script="Deva" typeface="Mangal"/>
+        <a:font script="Telu" typeface="Gautami"/>
+        <a:font script="Taml" typeface="Latha"/>
+        <a:font script="Syrc" typeface="Estrangelo Edessa"/>
+        <a:font script="Orya" typeface="Kalinga"/>
+        <a:font script="Mlym" typeface="Kartika"/>
+        <a:font script="Laoo" typeface="DokChampa"/>
+        <a:font script="Sinh" typeface="Iskoola Pota"/>
+        <a:font script="Mong" typeface="Mongolian Baiti"/>
+        <a:font script="Viet" typeface="Times New Roman"/>
+        <a:font script="Uigh" typeface="Microsoft Uighur"/>
+        <a:font script="Geor" typeface="Sylfaen"/>
+      </a:majorFont>
+      <a:minorFont>
+        <a:latin typeface="Calibri" panose="020F0502020204030204"/>
+        <a:ea typeface=""/>
+        <a:cs typeface=""/>
+        <a:font script="Jpan" typeface="ＭＳ Ｐゴシック"/>
+        <a:font script="Hang" typeface="맑은 고딕"/>
+        <a:font script="Hans" typeface="宋体"/>
+        <a:font script="Hant" typeface="新細明體"/>
+        <a:font script="Arab" typeface="Arial"/>
+        <a:font script="Hebr" typeface="Arial"/>
+        <a:font script="Thai" typeface="Cordia New"/>
+        <a:font script="Ethi" typeface="Nyala"/>
+        <a:font script="Beng" typeface="Vrinda"/>
+        <a:font script="Gujr" typeface="Shruti"/>
+        <a:font script="Khmr" typeface="DaunPenh"/>
+        <a:font script="Knda" typeface="Tunga"/>
+        <a:font script="Guru" typeface="Raavi"/>
+        <a:font script="Cans" typeface="Euphemia"/>
+        <a:font script="Cher" typeface="Plantagenet Cherokee"/>
+        <a:font script="Yiii" typeface="Microsoft Yi Baiti"/>
+        <a:font script="Tibt" typeface="Microsoft Himalaya"/>
+        <a:font script="Thaa" typeface="MV Boli"/>
+        <a:font script="Deva" typeface="Mangal"/>
+        <a:font script="Telu" typeface="Gautami"/>
+        <a:font script="Taml" typeface="Latha"/>
+        <a:font script="Syrc" typeface="Estrangelo Edessa"/>
+        <a:font script="Orya" typeface="Kalinga"/>
+        <a:font script="Mlym" typeface="Kartika"/>
+        <a:font script="Laoo" typeface="DokChampa"/>
+        <a:font script="Sinh" typeface="Iskoola Pota"/>
+        <a:font script="Mong" typeface="Mongolian Baiti"/>
+        <a:font script="Viet" typeface="Arial"/>
+        <a:font script="Uigh" typeface="Microsoft Uighur"/>
+        <a:font script="Geor" typeface="Sylfaen"/>
+      </a:minorFont>
+    </a:fontScheme>
+    <a:fmtScheme name="Office">
+      <a:fillStyleLst>
+        <a:solidFill>
+          <a:schemeClr val="phClr"/>
+        </a:solidFill>
+        <a:gradFill rotWithShape="1">
+          <a:gsLst>
+            <a:gs pos="0">
+              <a:schemeClr val="phClr">
+                <a:lumMod val="110000"/>
+                <a:satMod val="105000"/>
+                <a:tint val="67000"/>
+              </a:schemeClr>
+            </a:gs>
+            <a:gs pos="50000">
+              <a:schemeClr val="phClr">
+                <a:lumMod val="105000"/>
+                <a:satMod val="103000"/>
+                <a:tint val="73000"/>
+              </a:schemeClr>
+            </a:gs>
+            <a:gs pos="100000">
+              <a:schemeClr val="phClr">
+                <a:lumMod val="105000"/>
+                <a:satMod val="109000"/>
+                <a:tint val="81000"/>
+              </a:schemeClr>
+            </a:gs>
+          </a:gsLst>
+          <a:lin ang="5400000" scaled="0"/>
+        </a:gradFill>
+        <a:gradFill rotWithShape="1">
+          <a:gsLst>
+            <a:gs pos="0">
+              <a:schemeClr val="phClr">
+                <a:satMod val="103000"/>
+                <a:lumMod val="102000"/>
+                <a:tint val="94000"/>
+              </a:schemeClr>
+            </a:gs>
+            <a:gs pos="50000">
+              <a:schemeClr val="phClr">
+                <a:satMod val="110000"/>
+                <a:lumMod val="100000"/>
+                <a:shade val="100000"/>
+              </a:schemeClr>
+            </a:gs>
+            <a:gs pos="100000">
+              <a:schemeClr val="phClr">
+                <a:lumMod val="99000"/>
+                <a:satMod val="120000"/>
+                <a:shade val="78000"/>
+              </a:schemeClr>
+            </a:gs>
+          </a:gsLst>
+          <a:lin ang="5400000" scaled="0"/>
+        </a:gradFill>
+      </a:fillStyleLst>
+      <a:lnStyleLst>
+        <a:ln w="6350" cap="flat" cmpd="sng" algn="ctr">
+          <a:solidFill>
+            <a:schemeClr val="phClr"/>
+          </a:solidFill>
+          <a:prstDash val="solid"/>
+          <a:miter lim="800000"/>
+        </a:ln>
+        <a:ln w="12700" cap="flat" cmpd="sng" algn="ctr">
+          <a:solidFill>
+            <a:schemeClr val="phClr"/>
+          </a:solidFill>
+          <a:prstDash val="solid"/>
+          <a:miter lim="800000"/>
+        </a:ln>
+        <a:ln w="19050" cap="flat" cmpd="sng" algn="ctr">
+          <a:solidFill>
+            <a:schemeClr val="phClr"/>
+          </a:solidFill>
+          <a:prstDash val="solid"/>
+          <a:miter lim="800000"/>
+        </a:ln>
+      </a:lnStyleLst>
+      <a:effectStyleLst>
+        <a:effectStyle>
+          <a:effectLst/>
+        </a:effectStyle>
+        <a:effectStyle>
+          <a:effectLst/>
+        </a:effectStyle>
+        <a:effectStyle>
+          <a:effectLst>
+            <a:outerShdw blurRad="57150" dist="19050" dir="5400000" algn="ctr" rotWithShape="0">
+              <a:srgbClr val="000000">
+                <a:alpha val="63000"/>
+              </a:srgbClr>
+            </a:outerShdw>
+          </a:effectLst>
+        </a:effectStyle>
+      </a:effectStyleLst>
+      <a:bgFillStyleLst>
+        <a:solidFill>
+          <a:schemeClr val="phClr"/>
+        </a:solidFill>
+        <a:solidFill>
+          <a:schemeClr val="phClr">
+            <a:tint val="95000"/>
+            <a:satMod val="170000"/>
+          </a:schemeClr>
+        </a:solidFill>
+        <a:gradFill rotWithShape="1">
+          <a:gsLst>
+            <a:gs pos="0">
+              <a:schemeClr val="phClr">
+                <a:tint val="93000"/>
+                <a:satMod val="150000"/>
+                <a:shade val="98000"/>
+                <a:lumMod val="102000"/>
+              </a:schemeClr>
+            </a:gs>
+            <a:gs pos="50000">
+              <a:schemeClr val="phClr">
+                <a:tint val="98000"/>
+                <a:satMod val="130000"/>
+                <a:shade val="90000"/>
+                <a:lumMod val="103000"/>
+              </a:schemeClr>
+            </a:gs>
+            <a:gs pos="100000">
+              <a:schemeClr val="phClr">
+                <a:shade val="63000"/>
+                <a:satMod val="120000"/>
+              </a:schemeClr>
+            </a:gs>
+          </a:gsLst>
+          <a:lin ang="5400000" scaled="0"/>
+        </a:gradFill>
+      </a:bgFillStyleLst>
+    </a:fmtScheme>
+  </a:themeElements>
+  <a:objectDefaults/>
+  <a:extraClrSchemeLst/>
+  <a:extLst>
+    <a:ext uri="{05A4C25C-085E-4340-85A3-A5531E510DB2}">
+      <thm15:themeFamily xmlns:thm15="http://schemas.microsoft.com/office/thememl/2012/main" name="Office Theme" id="{62F939B6-93AF-4DB8-9C6B-D6C7DFDC589F}" vid="{4A3C46E8-61CC-4603-A589-7422A47A8E4A}"/>
+    </a:ext>
+  </a:extLst>
+</a:theme>
 </file>
--- a/FinalPresentation_Parallel Connected Components.pptx
+++ b/FinalPresentation_Parallel Connected Components.pptx
@@ -58,9 +58,9 @@
     <p:sldId id="281" r:id="rId49"/>
     <p:sldId id="282" r:id="rId50"/>
     <p:sldId id="283" r:id="rId51"/>
-    <p:sldId id="284" r:id="rId52"/>
-    <p:sldId id="321" r:id="rId53"/>
-    <p:sldId id="259" r:id="rId54"/>
+    <p:sldId id="323" r:id="rId52"/>
+    <p:sldId id="284" r:id="rId53"/>
+    <p:sldId id="321" r:id="rId54"/>
   </p:sldIdLst>
   <p:sldSz cx="12192000" cy="6858000"/>
   <p:notesSz cx="6858000" cy="9144000"/>
@@ -192,7 +192,12 @@
             <a:srgbClr val="A4A3A4"/>
           </p15:clr>
         </p15:guide>
-        <p15:guide id="7" pos="2208" userDrawn="1">
+        <p15:guide id="7" pos="1752" userDrawn="1">
+          <p15:clr>
+            <a:srgbClr val="A4A3A4"/>
+          </p15:clr>
+        </p15:guide>
+        <p15:guide id="8" pos="5928" userDrawn="1">
           <p15:clr>
             <a:srgbClr val="A4A3A4"/>
           </p15:clr>
@@ -829,6 +834,2444 @@
         <c:crossAx val="401664896"/>
         <c:crosses val="autoZero"/>
         <c:crossBetween val="midCat"/>
+      </c:valAx>
+      <c:spPr>
+        <a:noFill/>
+        <a:ln>
+          <a:noFill/>
+        </a:ln>
+        <a:effectLst/>
+      </c:spPr>
+    </c:plotArea>
+    <c:legend>
+      <c:legendPos val="t"/>
+      <c:layout/>
+      <c:overlay val="0"/>
+      <c:spPr>
+        <a:noFill/>
+        <a:ln>
+          <a:noFill/>
+        </a:ln>
+        <a:effectLst/>
+      </c:spPr>
+      <c:txPr>
+        <a:bodyPr rot="0" spcFirstLastPara="1" vertOverflow="ellipsis" vert="horz" wrap="square" anchor="ctr" anchorCtr="1"/>
+        <a:lstStyle/>
+        <a:p>
+          <a:pPr>
+            <a:defRPr sz="900" b="0" i="0" u="none" strike="noStrike" kern="1200" baseline="0">
+              <a:solidFill>
+                <a:schemeClr val="lt1">
+                  <a:lumMod val="75000"/>
+                </a:schemeClr>
+              </a:solidFill>
+              <a:latin typeface="+mn-lt"/>
+              <a:ea typeface="+mn-ea"/>
+              <a:cs typeface="+mn-cs"/>
+            </a:defRPr>
+          </a:pPr>
+          <a:endParaRPr lang="en-US"/>
+        </a:p>
+      </c:txPr>
+    </c:legend>
+    <c:plotVisOnly val="1"/>
+    <c:dispBlanksAs val="gap"/>
+    <c:showDLblsOverMax val="0"/>
+  </c:chart>
+  <c:spPr>
+    <a:solidFill>
+      <a:schemeClr val="dk1">
+        <a:lumMod val="75000"/>
+        <a:lumOff val="25000"/>
+      </a:schemeClr>
+    </a:solidFill>
+    <a:ln w="9525" cap="flat" cmpd="sng" algn="ctr">
+      <a:solidFill>
+        <a:schemeClr val="dk1">
+          <a:lumMod val="15000"/>
+          <a:lumOff val="85000"/>
+        </a:schemeClr>
+      </a:solidFill>
+      <a:round/>
+    </a:ln>
+    <a:effectLst/>
+  </c:spPr>
+  <c:txPr>
+    <a:bodyPr/>
+    <a:lstStyle/>
+    <a:p>
+      <a:pPr>
+        <a:defRPr/>
+      </a:pPr>
+      <a:endParaRPr lang="en-US"/>
+    </a:p>
+  </c:txPr>
+  <c:externalData r:id="rId3">
+    <c:autoUpdate val="0"/>
+  </c:externalData>
+</c:chartSpace>
+</file>
+
+<file path=ppt/charts/chart10.xml><?xml version="1.0" encoding="utf-8"?>
+<c:chartSpace xmlns:c="http://schemas.openxmlformats.org/drawingml/2006/chart" xmlns:a="http://schemas.openxmlformats.org/drawingml/2006/main" xmlns:r="http://schemas.openxmlformats.org/officeDocument/2006/relationships">
+  <c:date1904 val="0"/>
+  <c:lang val="en-US"/>
+  <c:roundedCorners val="0"/>
+  <mc:AlternateContent xmlns:mc="http://schemas.openxmlformats.org/markup-compatibility/2006">
+    <mc:Choice xmlns:c14="http://schemas.microsoft.com/office/drawing/2007/8/2/chart" Requires="c14">
+      <c14:style val="102"/>
+    </mc:Choice>
+    <mc:Fallback>
+      <c:style val="2"/>
+    </mc:Fallback>
+  </mc:AlternateContent>
+  <c:chart>
+    <c:title>
+      <c:tx>
+        <c:rich>
+          <a:bodyPr rot="0" spcFirstLastPara="1" vertOverflow="ellipsis" vert="horz" wrap="square" anchor="ctr" anchorCtr="1"/>
+          <a:lstStyle/>
+          <a:p>
+            <a:pPr>
+              <a:defRPr sz="1800" b="1" i="0" u="none" strike="noStrike" kern="1200" cap="none" baseline="0">
+                <a:solidFill>
+                  <a:schemeClr val="lt1">
+                    <a:lumMod val="85000"/>
+                  </a:schemeClr>
+                </a:solidFill>
+                <a:latin typeface="+mn-lt"/>
+                <a:ea typeface="+mn-ea"/>
+                <a:cs typeface="+mn-cs"/>
+              </a:defRPr>
+            </a:pPr>
+            <a:r>
+              <a:rPr lang="en-US" sz="1800" dirty="0" smtClean="0"/>
+              <a:t>Runtime on 3D</a:t>
+            </a:r>
+            <a:r>
+              <a:rPr lang="en-US" sz="1800" baseline="0" dirty="0" smtClean="0"/>
+              <a:t> meshes</a:t>
+            </a:r>
+            <a:endParaRPr lang="en-US" sz="1800" dirty="0"/>
+          </a:p>
+        </c:rich>
+      </c:tx>
+      <c:layout/>
+      <c:overlay val="0"/>
+      <c:spPr>
+        <a:noFill/>
+        <a:ln>
+          <a:noFill/>
+        </a:ln>
+        <a:effectLst/>
+      </c:spPr>
+      <c:txPr>
+        <a:bodyPr rot="0" spcFirstLastPara="1" vertOverflow="ellipsis" vert="horz" wrap="square" anchor="ctr" anchorCtr="1"/>
+        <a:lstStyle/>
+        <a:p>
+          <a:pPr>
+            <a:defRPr sz="1800" b="1" i="0" u="none" strike="noStrike" kern="1200" cap="none" baseline="0">
+              <a:solidFill>
+                <a:schemeClr val="lt1">
+                  <a:lumMod val="85000"/>
+                </a:schemeClr>
+              </a:solidFill>
+              <a:latin typeface="+mn-lt"/>
+              <a:ea typeface="+mn-ea"/>
+              <a:cs typeface="+mn-cs"/>
+            </a:defRPr>
+          </a:pPr>
+          <a:endParaRPr lang="en-US"/>
+        </a:p>
+      </c:txPr>
+    </c:title>
+    <c:autoTitleDeleted val="0"/>
+    <c:plotArea>
+      <c:layout>
+        <c:manualLayout>
+          <c:layoutTarget val="inner"/>
+          <c:xMode val="edge"/>
+          <c:yMode val="edge"/>
+          <c:x val="9.9490904154222098E-2"/>
+          <c:y val="0.16827105298278394"/>
+          <c:w val="0.87943629891091202"/>
+          <c:h val="0.75277903821344361"/>
+        </c:manualLayout>
+      </c:layout>
+      <c:barChart>
+        <c:barDir val="col"/>
+        <c:grouping val="clustered"/>
+        <c:varyColors val="0"/>
+        <c:ser>
+          <c:idx val="0"/>
+          <c:order val="0"/>
+          <c:tx>
+            <c:strRef>
+              <c:f>'[Plots (4).xlsx]real world'!$G$1</c:f>
+              <c:strCache>
+                <c:ptCount val="1"/>
+                <c:pt idx="0">
+                  <c:v>Bfs</c:v>
+                </c:pt>
+              </c:strCache>
+            </c:strRef>
+          </c:tx>
+          <c:spPr>
+            <a:noFill/>
+            <a:ln w="9525" cap="flat" cmpd="sng" algn="ctr">
+              <a:solidFill>
+                <a:schemeClr val="accent1"/>
+              </a:solidFill>
+              <a:miter lim="800000"/>
+            </a:ln>
+            <a:effectLst>
+              <a:glow rad="63500">
+                <a:schemeClr val="accent1">
+                  <a:satMod val="175000"/>
+                  <a:alpha val="25000"/>
+                </a:schemeClr>
+              </a:glow>
+            </a:effectLst>
+          </c:spPr>
+          <c:invertIfNegative val="0"/>
+          <c:errBars>
+            <c:errBarType val="both"/>
+            <c:errValType val="cust"/>
+            <c:noEndCap val="0"/>
+            <c:plus>
+              <c:numRef>
+                <c:f>'[Plots (4).xlsx]real world'!$H$11:$K$11</c:f>
+                <c:numCache>
+                  <c:formatCode>General</c:formatCode>
+                  <c:ptCount val="4"/>
+                  <c:pt idx="0">
+                    <c:v>7.2890719573893525E-4</c:v>
+                  </c:pt>
+                  <c:pt idx="1">
+                    <c:v>3.9882163933267978E-4</c:v>
+                  </c:pt>
+                  <c:pt idx="2">
+                    <c:v>0</c:v>
+                  </c:pt>
+                  <c:pt idx="3">
+                    <c:v>3.2941873049357708E-4</c:v>
+                  </c:pt>
+                </c:numCache>
+              </c:numRef>
+            </c:plus>
+            <c:minus>
+              <c:numRef>
+                <c:f>'[Plots (4).xlsx]real world'!$H$11:$K$11</c:f>
+                <c:numCache>
+                  <c:formatCode>General</c:formatCode>
+                  <c:ptCount val="4"/>
+                  <c:pt idx="0">
+                    <c:v>7.2890719573893525E-4</c:v>
+                  </c:pt>
+                  <c:pt idx="1">
+                    <c:v>3.9882163933267978E-4</c:v>
+                  </c:pt>
+                  <c:pt idx="2">
+                    <c:v>0</c:v>
+                  </c:pt>
+                  <c:pt idx="3">
+                    <c:v>3.2941873049357708E-4</c:v>
+                  </c:pt>
+                </c:numCache>
+              </c:numRef>
+            </c:minus>
+            <c:spPr>
+              <a:noFill/>
+              <a:ln w="9525">
+                <a:solidFill>
+                  <a:schemeClr val="lt1">
+                    <a:lumMod val="50000"/>
+                  </a:schemeClr>
+                </a:solidFill>
+                <a:round/>
+              </a:ln>
+              <a:effectLst/>
+            </c:spPr>
+          </c:errBars>
+          <c:cat>
+            <c:strRef>
+              <c:f>'[Plots (4).xlsx]real world'!$AL$4:$AM$4</c:f>
+              <c:strCache>
+                <c:ptCount val="2"/>
+                <c:pt idx="0">
+                  <c:v>ferrari</c:v>
+                </c:pt>
+                <c:pt idx="1">
+                  <c:v>space station</c:v>
+                </c:pt>
+              </c:strCache>
+            </c:strRef>
+          </c:cat>
+          <c:val>
+            <c:numRef>
+              <c:f>'[Plots (4).xlsx]real world'!$H$10:$I$10</c:f>
+              <c:numCache>
+                <c:formatCode>General</c:formatCode>
+                <c:ptCount val="2"/>
+                <c:pt idx="0">
+                  <c:v>0.15121679999999998</c:v>
+                </c:pt>
+                <c:pt idx="1">
+                  <c:v>0.42709520000000001</c:v>
+                </c:pt>
+              </c:numCache>
+            </c:numRef>
+          </c:val>
+        </c:ser>
+        <c:ser>
+          <c:idx val="1"/>
+          <c:order val="1"/>
+          <c:tx>
+            <c:strRef>
+              <c:f>'[Plots (4).xlsx]real world'!$A$1</c:f>
+              <c:strCache>
+                <c:ptCount val="1"/>
+                <c:pt idx="0">
+                  <c:v>pBfs</c:v>
+                </c:pt>
+              </c:strCache>
+            </c:strRef>
+          </c:tx>
+          <c:spPr>
+            <a:noFill/>
+            <a:ln w="9525" cap="flat" cmpd="sng" algn="ctr">
+              <a:solidFill>
+                <a:schemeClr val="accent2"/>
+              </a:solidFill>
+              <a:miter lim="800000"/>
+            </a:ln>
+            <a:effectLst>
+              <a:glow rad="63500">
+                <a:schemeClr val="accent2">
+                  <a:satMod val="175000"/>
+                  <a:alpha val="25000"/>
+                </a:schemeClr>
+              </a:glow>
+            </a:effectLst>
+          </c:spPr>
+          <c:invertIfNegative val="0"/>
+          <c:errBars>
+            <c:errBarType val="both"/>
+            <c:errValType val="cust"/>
+            <c:noEndCap val="0"/>
+            <c:plus>
+              <c:numRef>
+                <c:f>'[Plots (4).xlsx]real world'!$B$11:$E$11</c:f>
+                <c:numCache>
+                  <c:formatCode>General</c:formatCode>
+                  <c:ptCount val="4"/>
+                  <c:pt idx="0">
+                    <c:v>2.3375334945193761E-2</c:v>
+                  </c:pt>
+                  <c:pt idx="1">
+                    <c:v>0.12569644279493339</c:v>
+                  </c:pt>
+                  <c:pt idx="2">
+                    <c:v>1.8123683050086697E-2</c:v>
+                  </c:pt>
+                  <c:pt idx="3">
+                    <c:v>1.5205966592097981E-2</c:v>
+                  </c:pt>
+                </c:numCache>
+              </c:numRef>
+            </c:plus>
+            <c:minus>
+              <c:numRef>
+                <c:f>'[Plots (4).xlsx]real world'!$B$11:$E$11</c:f>
+                <c:numCache>
+                  <c:formatCode>General</c:formatCode>
+                  <c:ptCount val="4"/>
+                  <c:pt idx="0">
+                    <c:v>2.3375334945193761E-2</c:v>
+                  </c:pt>
+                  <c:pt idx="1">
+                    <c:v>0.12569644279493339</c:v>
+                  </c:pt>
+                  <c:pt idx="2">
+                    <c:v>1.8123683050086697E-2</c:v>
+                  </c:pt>
+                  <c:pt idx="3">
+                    <c:v>1.5205966592097981E-2</c:v>
+                  </c:pt>
+                </c:numCache>
+              </c:numRef>
+            </c:minus>
+            <c:spPr>
+              <a:noFill/>
+              <a:ln w="9525">
+                <a:solidFill>
+                  <a:schemeClr val="lt1">
+                    <a:lumMod val="50000"/>
+                  </a:schemeClr>
+                </a:solidFill>
+                <a:round/>
+              </a:ln>
+              <a:effectLst/>
+            </c:spPr>
+          </c:errBars>
+          <c:cat>
+            <c:strRef>
+              <c:f>'[Plots (4).xlsx]real world'!$AL$4:$AM$4</c:f>
+              <c:strCache>
+                <c:ptCount val="2"/>
+                <c:pt idx="0">
+                  <c:v>ferrari</c:v>
+                </c:pt>
+                <c:pt idx="1">
+                  <c:v>space station</c:v>
+                </c:pt>
+              </c:strCache>
+            </c:strRef>
+          </c:cat>
+          <c:val>
+            <c:numRef>
+              <c:f>'[Plots (4).xlsx]real world'!$B$10:$C$10</c:f>
+              <c:numCache>
+                <c:formatCode>General</c:formatCode>
+                <c:ptCount val="2"/>
+                <c:pt idx="0">
+                  <c:v>0.20264460000000001</c:v>
+                </c:pt>
+                <c:pt idx="1">
+                  <c:v>0.30755960000000004</c:v>
+                </c:pt>
+              </c:numCache>
+            </c:numRef>
+          </c:val>
+        </c:ser>
+        <c:ser>
+          <c:idx val="2"/>
+          <c:order val="2"/>
+          <c:tx>
+            <c:strRef>
+              <c:f>'[Plots (4).xlsx]real world'!$M$1</c:f>
+              <c:strCache>
+                <c:ptCount val="1"/>
+                <c:pt idx="0">
+                  <c:v>pBfsAtomic</c:v>
+                </c:pt>
+              </c:strCache>
+            </c:strRef>
+          </c:tx>
+          <c:spPr>
+            <a:noFill/>
+            <a:ln w="9525" cap="flat" cmpd="sng" algn="ctr">
+              <a:solidFill>
+                <a:schemeClr val="accent3"/>
+              </a:solidFill>
+              <a:miter lim="800000"/>
+            </a:ln>
+            <a:effectLst>
+              <a:glow rad="63500">
+                <a:schemeClr val="accent3">
+                  <a:satMod val="175000"/>
+                  <a:alpha val="25000"/>
+                </a:schemeClr>
+              </a:glow>
+            </a:effectLst>
+          </c:spPr>
+          <c:invertIfNegative val="0"/>
+          <c:errBars>
+            <c:errBarType val="both"/>
+            <c:errValType val="cust"/>
+            <c:noEndCap val="0"/>
+            <c:plus>
+              <c:numRef>
+                <c:f>'[Plots (4).xlsx]real world'!$N$11:$Q$11</c:f>
+                <c:numCache>
+                  <c:formatCode>General</c:formatCode>
+                  <c:ptCount val="4"/>
+                  <c:pt idx="0">
+                    <c:v>3.6839147882381504E-2</c:v>
+                  </c:pt>
+                  <c:pt idx="1">
+                    <c:v>1.2372056417588816E-3</c:v>
+                  </c:pt>
+                  <c:pt idx="2">
+                    <c:v>3.5802057583328668E-2</c:v>
+                  </c:pt>
+                  <c:pt idx="3">
+                    <c:v>2.4025880853779321E-2</c:v>
+                  </c:pt>
+                </c:numCache>
+              </c:numRef>
+            </c:plus>
+            <c:minus>
+              <c:numRef>
+                <c:f>'[Plots (4).xlsx]real world'!$N$11:$Q$11</c:f>
+                <c:numCache>
+                  <c:formatCode>General</c:formatCode>
+                  <c:ptCount val="4"/>
+                  <c:pt idx="0">
+                    <c:v>3.6839147882381504E-2</c:v>
+                  </c:pt>
+                  <c:pt idx="1">
+                    <c:v>1.2372056417588816E-3</c:v>
+                  </c:pt>
+                  <c:pt idx="2">
+                    <c:v>3.5802057583328668E-2</c:v>
+                  </c:pt>
+                  <c:pt idx="3">
+                    <c:v>2.4025880853779321E-2</c:v>
+                  </c:pt>
+                </c:numCache>
+              </c:numRef>
+            </c:minus>
+            <c:spPr>
+              <a:noFill/>
+              <a:ln w="9525">
+                <a:solidFill>
+                  <a:schemeClr val="lt1">
+                    <a:lumMod val="50000"/>
+                  </a:schemeClr>
+                </a:solidFill>
+                <a:round/>
+              </a:ln>
+              <a:effectLst/>
+            </c:spPr>
+          </c:errBars>
+          <c:cat>
+            <c:strRef>
+              <c:f>'[Plots (4).xlsx]real world'!$AL$4:$AM$4</c:f>
+              <c:strCache>
+                <c:ptCount val="2"/>
+                <c:pt idx="0">
+                  <c:v>ferrari</c:v>
+                </c:pt>
+                <c:pt idx="1">
+                  <c:v>space station</c:v>
+                </c:pt>
+              </c:strCache>
+            </c:strRef>
+          </c:cat>
+          <c:val>
+            <c:numRef>
+              <c:f>'[Plots (4).xlsx]real world'!$N$10:$O$10</c:f>
+              <c:numCache>
+                <c:formatCode>General</c:formatCode>
+                <c:ptCount val="2"/>
+                <c:pt idx="0">
+                  <c:v>0.25266379999999999</c:v>
+                </c:pt>
+                <c:pt idx="1">
+                  <c:v>0.22882659999999996</c:v>
+                </c:pt>
+              </c:numCache>
+            </c:numRef>
+          </c:val>
+        </c:ser>
+        <c:ser>
+          <c:idx val="3"/>
+          <c:order val="3"/>
+          <c:tx>
+            <c:strRef>
+              <c:f>'[Plots (4).xlsx]real world'!$S$1</c:f>
+              <c:strCache>
+                <c:ptCount val="1"/>
+                <c:pt idx="0">
+                  <c:v>randContract</c:v>
+                </c:pt>
+              </c:strCache>
+            </c:strRef>
+          </c:tx>
+          <c:spPr>
+            <a:noFill/>
+            <a:ln w="9525" cap="flat" cmpd="sng" algn="ctr">
+              <a:solidFill>
+                <a:schemeClr val="accent4"/>
+              </a:solidFill>
+              <a:miter lim="800000"/>
+            </a:ln>
+            <a:effectLst>
+              <a:glow rad="63500">
+                <a:schemeClr val="accent4">
+                  <a:satMod val="175000"/>
+                  <a:alpha val="25000"/>
+                </a:schemeClr>
+              </a:glow>
+            </a:effectLst>
+          </c:spPr>
+          <c:invertIfNegative val="0"/>
+          <c:errBars>
+            <c:errBarType val="both"/>
+            <c:errValType val="cust"/>
+            <c:noEndCap val="0"/>
+            <c:plus>
+              <c:numRef>
+                <c:f>'[Plots (4).xlsx]real world'!$T$11:$W$11</c:f>
+                <c:numCache>
+                  <c:formatCode>General</c:formatCode>
+                  <c:ptCount val="4"/>
+                  <c:pt idx="0">
+                    <c:v>3.1839790671422583E-3</c:v>
+                  </c:pt>
+                  <c:pt idx="1">
+                    <c:v>8.5135350883167211E-3</c:v>
+                  </c:pt>
+                  <c:pt idx="2">
+                    <c:v>8.0187280786917612E-6</c:v>
+                  </c:pt>
+                  <c:pt idx="3">
+                    <c:v>4.3790832373911455E-4</c:v>
+                  </c:pt>
+                </c:numCache>
+              </c:numRef>
+            </c:plus>
+            <c:minus>
+              <c:numRef>
+                <c:f>'[Plots (4).xlsx]real world'!$T$11:$W$11</c:f>
+                <c:numCache>
+                  <c:formatCode>General</c:formatCode>
+                  <c:ptCount val="4"/>
+                  <c:pt idx="0">
+                    <c:v>3.1839790671422583E-3</c:v>
+                  </c:pt>
+                  <c:pt idx="1">
+                    <c:v>8.5135350883167211E-3</c:v>
+                  </c:pt>
+                  <c:pt idx="2">
+                    <c:v>8.0187280786917612E-6</c:v>
+                  </c:pt>
+                  <c:pt idx="3">
+                    <c:v>4.3790832373911455E-4</c:v>
+                  </c:pt>
+                </c:numCache>
+              </c:numRef>
+            </c:minus>
+            <c:spPr>
+              <a:noFill/>
+              <a:ln w="9525">
+                <a:solidFill>
+                  <a:schemeClr val="lt1">
+                    <a:lumMod val="50000"/>
+                  </a:schemeClr>
+                </a:solidFill>
+                <a:round/>
+              </a:ln>
+              <a:effectLst/>
+            </c:spPr>
+          </c:errBars>
+          <c:cat>
+            <c:strRef>
+              <c:f>'[Plots (4).xlsx]real world'!$AL$4:$AM$4</c:f>
+              <c:strCache>
+                <c:ptCount val="2"/>
+                <c:pt idx="0">
+                  <c:v>ferrari</c:v>
+                </c:pt>
+                <c:pt idx="1">
+                  <c:v>space station</c:v>
+                </c:pt>
+              </c:strCache>
+            </c:strRef>
+          </c:cat>
+          <c:val>
+            <c:numRef>
+              <c:f>'[Plots (4).xlsx]real world'!$T$10:$U$10</c:f>
+              <c:numCache>
+                <c:formatCode>General</c:formatCode>
+                <c:ptCount val="2"/>
+                <c:pt idx="0">
+                  <c:v>0.48361979999999993</c:v>
+                </c:pt>
+                <c:pt idx="1">
+                  <c:v>1.4496461999999999</c:v>
+                </c:pt>
+              </c:numCache>
+            </c:numRef>
+          </c:val>
+        </c:ser>
+        <c:ser>
+          <c:idx val="4"/>
+          <c:order val="4"/>
+          <c:tx>
+            <c:strRef>
+              <c:f>'[Plots (4).xlsx]real world'!$Y$1</c:f>
+              <c:strCache>
+                <c:ptCount val="1"/>
+                <c:pt idx="0">
+                  <c:v>pRandContract</c:v>
+                </c:pt>
+              </c:strCache>
+            </c:strRef>
+          </c:tx>
+          <c:spPr>
+            <a:noFill/>
+            <a:ln w="9525" cap="flat" cmpd="sng" algn="ctr">
+              <a:solidFill>
+                <a:schemeClr val="accent5"/>
+              </a:solidFill>
+              <a:miter lim="800000"/>
+            </a:ln>
+            <a:effectLst>
+              <a:glow rad="63500">
+                <a:schemeClr val="accent5">
+                  <a:satMod val="175000"/>
+                  <a:alpha val="25000"/>
+                </a:schemeClr>
+              </a:glow>
+            </a:effectLst>
+          </c:spPr>
+          <c:invertIfNegative val="0"/>
+          <c:errBars>
+            <c:errBarType val="both"/>
+            <c:errValType val="cust"/>
+            <c:noEndCap val="0"/>
+            <c:plus>
+              <c:numRef>
+                <c:f>'[Plots (4).xlsx]real world'!$Z$11:$AC$11</c:f>
+                <c:numCache>
+                  <c:formatCode>General</c:formatCode>
+                  <c:ptCount val="4"/>
+                  <c:pt idx="0">
+                    <c:v>8.118797583263164E-2</c:v>
+                  </c:pt>
+                  <c:pt idx="1">
+                    <c:v>1.5247938244234876E-2</c:v>
+                  </c:pt>
+                  <c:pt idx="2">
+                    <c:v>2.9693081135173553E-2</c:v>
+                  </c:pt>
+                  <c:pt idx="3">
+                    <c:v>2.9344079619234971E-2</c:v>
+                  </c:pt>
+                </c:numCache>
+              </c:numRef>
+            </c:plus>
+            <c:minus>
+              <c:numRef>
+                <c:f>'[Plots (4).xlsx]real world'!$Z$11:$AC$11</c:f>
+                <c:numCache>
+                  <c:formatCode>General</c:formatCode>
+                  <c:ptCount val="4"/>
+                  <c:pt idx="0">
+                    <c:v>8.118797583263164E-2</c:v>
+                  </c:pt>
+                  <c:pt idx="1">
+                    <c:v>1.5247938244234876E-2</c:v>
+                  </c:pt>
+                  <c:pt idx="2">
+                    <c:v>2.9693081135173553E-2</c:v>
+                  </c:pt>
+                  <c:pt idx="3">
+                    <c:v>2.9344079619234971E-2</c:v>
+                  </c:pt>
+                </c:numCache>
+              </c:numRef>
+            </c:minus>
+            <c:spPr>
+              <a:noFill/>
+              <a:ln w="9525">
+                <a:solidFill>
+                  <a:schemeClr val="lt1">
+                    <a:lumMod val="50000"/>
+                  </a:schemeClr>
+                </a:solidFill>
+                <a:round/>
+              </a:ln>
+              <a:effectLst/>
+            </c:spPr>
+          </c:errBars>
+          <c:cat>
+            <c:strRef>
+              <c:f>'[Plots (4).xlsx]real world'!$AL$4:$AM$4</c:f>
+              <c:strCache>
+                <c:ptCount val="2"/>
+                <c:pt idx="0">
+                  <c:v>ferrari</c:v>
+                </c:pt>
+                <c:pt idx="1">
+                  <c:v>space station</c:v>
+                </c:pt>
+              </c:strCache>
+            </c:strRef>
+          </c:cat>
+          <c:val>
+            <c:numRef>
+              <c:f>'[Plots (4).xlsx]real world'!$Z$10:$AA$10</c:f>
+              <c:numCache>
+                <c:formatCode>General</c:formatCode>
+                <c:ptCount val="2"/>
+                <c:pt idx="0">
+                  <c:v>0.53431459999999997</c:v>
+                </c:pt>
+                <c:pt idx="1">
+                  <c:v>1.0387157999999999</c:v>
+                </c:pt>
+              </c:numCache>
+            </c:numRef>
+          </c:val>
+        </c:ser>
+        <c:ser>
+          <c:idx val="5"/>
+          <c:order val="5"/>
+          <c:tx>
+            <c:strRef>
+              <c:f>'[Plots (4).xlsx]real world'!$AE$1</c:f>
+              <c:strCache>
+                <c:ptCount val="1"/>
+                <c:pt idx="0">
+                  <c:v>ufind</c:v>
+                </c:pt>
+              </c:strCache>
+            </c:strRef>
+          </c:tx>
+          <c:spPr>
+            <a:noFill/>
+            <a:ln w="9525" cap="flat" cmpd="sng" algn="ctr">
+              <a:solidFill>
+                <a:schemeClr val="accent6"/>
+              </a:solidFill>
+              <a:miter lim="800000"/>
+            </a:ln>
+            <a:effectLst>
+              <a:glow rad="63500">
+                <a:schemeClr val="accent6">
+                  <a:satMod val="175000"/>
+                  <a:alpha val="25000"/>
+                </a:schemeClr>
+              </a:glow>
+            </a:effectLst>
+          </c:spPr>
+          <c:invertIfNegative val="0"/>
+          <c:errBars>
+            <c:errBarType val="both"/>
+            <c:errValType val="cust"/>
+            <c:noEndCap val="0"/>
+            <c:plus>
+              <c:numRef>
+                <c:f>'[Plots (4).xlsx]real world'!$AF$11:$AI$11</c:f>
+                <c:numCache>
+                  <c:formatCode>General</c:formatCode>
+                  <c:ptCount val="4"/>
+                  <c:pt idx="0">
+                    <c:v>4.7590471735422011E-4</c:v>
+                  </c:pt>
+                  <c:pt idx="1">
+                    <c:v>6.9125415007795308E-4</c:v>
+                  </c:pt>
+                  <c:pt idx="2">
+                    <c:v>1.9485892332659546E-5</c:v>
+                  </c:pt>
+                  <c:pt idx="3">
+                    <c:v>1.185293212669337E-4</c:v>
+                  </c:pt>
+                </c:numCache>
+              </c:numRef>
+            </c:plus>
+            <c:minus>
+              <c:numRef>
+                <c:f>'[Plots (4).xlsx]real world'!$AF$11:$AI$11</c:f>
+                <c:numCache>
+                  <c:formatCode>General</c:formatCode>
+                  <c:ptCount val="4"/>
+                  <c:pt idx="0">
+                    <c:v>4.7590471735422011E-4</c:v>
+                  </c:pt>
+                  <c:pt idx="1">
+                    <c:v>6.9125415007795308E-4</c:v>
+                  </c:pt>
+                  <c:pt idx="2">
+                    <c:v>1.9485892332659546E-5</c:v>
+                  </c:pt>
+                  <c:pt idx="3">
+                    <c:v>1.185293212669337E-4</c:v>
+                  </c:pt>
+                </c:numCache>
+              </c:numRef>
+            </c:minus>
+            <c:spPr>
+              <a:noFill/>
+              <a:ln w="9525">
+                <a:solidFill>
+                  <a:schemeClr val="lt1">
+                    <a:lumMod val="50000"/>
+                  </a:schemeClr>
+                </a:solidFill>
+                <a:round/>
+              </a:ln>
+              <a:effectLst/>
+            </c:spPr>
+          </c:errBars>
+          <c:cat>
+            <c:strRef>
+              <c:f>'[Plots (4).xlsx]real world'!$AL$4:$AM$4</c:f>
+              <c:strCache>
+                <c:ptCount val="2"/>
+                <c:pt idx="0">
+                  <c:v>ferrari</c:v>
+                </c:pt>
+                <c:pt idx="1">
+                  <c:v>space station</c:v>
+                </c:pt>
+              </c:strCache>
+            </c:strRef>
+          </c:cat>
+          <c:val>
+            <c:numRef>
+              <c:f>'[Plots (4).xlsx]real world'!$AF$10:$AG$10</c:f>
+              <c:numCache>
+                <c:formatCode>General</c:formatCode>
+                <c:ptCount val="2"/>
+                <c:pt idx="0">
+                  <c:v>4.3327600000000001E-2</c:v>
+                </c:pt>
+                <c:pt idx="1">
+                  <c:v>0.13382959999999999</c:v>
+                </c:pt>
+              </c:numCache>
+            </c:numRef>
+          </c:val>
+        </c:ser>
+        <c:ser>
+          <c:idx val="6"/>
+          <c:order val="6"/>
+          <c:tx>
+            <c:strRef>
+              <c:f>'[Plots (4).xlsx]real world'!$AK$1</c:f>
+              <c:strCache>
+                <c:ptCount val="1"/>
+                <c:pt idx="0">
+                  <c:v>boost</c:v>
+                </c:pt>
+              </c:strCache>
+            </c:strRef>
+          </c:tx>
+          <c:spPr>
+            <a:noFill/>
+            <a:ln w="9525" cap="flat" cmpd="sng" algn="ctr">
+              <a:solidFill>
+                <a:schemeClr val="accent1">
+                  <a:lumMod val="60000"/>
+                </a:schemeClr>
+              </a:solidFill>
+              <a:miter lim="800000"/>
+            </a:ln>
+            <a:effectLst>
+              <a:glow rad="63500">
+                <a:schemeClr val="accent1">
+                  <a:lumMod val="60000"/>
+                  <a:satMod val="175000"/>
+                  <a:alpha val="25000"/>
+                </a:schemeClr>
+              </a:glow>
+            </a:effectLst>
+          </c:spPr>
+          <c:invertIfNegative val="0"/>
+          <c:errBars>
+            <c:errBarType val="both"/>
+            <c:errValType val="cust"/>
+            <c:noEndCap val="0"/>
+            <c:plus>
+              <c:numRef>
+                <c:f>'[Plots (4).xlsx]real world'!$AL$11:$AO$11</c:f>
+                <c:numCache>
+                  <c:formatCode>General</c:formatCode>
+                  <c:ptCount val="4"/>
+                  <c:pt idx="0">
+                    <c:v>2.2652623909825524E-3</c:v>
+                  </c:pt>
+                  <c:pt idx="1">
+                    <c:v>8.7903594920796431E-4</c:v>
+                  </c:pt>
+                  <c:pt idx="2">
+                    <c:v>1.0283336034575548E-4</c:v>
+                  </c:pt>
+                  <c:pt idx="3">
+                    <c:v>7.0961278173381319E-4</c:v>
+                  </c:pt>
+                </c:numCache>
+              </c:numRef>
+            </c:plus>
+            <c:minus>
+              <c:numRef>
+                <c:f>'[Plots (4).xlsx]real world'!$AL$11:$AO$11</c:f>
+                <c:numCache>
+                  <c:formatCode>General</c:formatCode>
+                  <c:ptCount val="4"/>
+                  <c:pt idx="0">
+                    <c:v>2.2652623909825524E-3</c:v>
+                  </c:pt>
+                  <c:pt idx="1">
+                    <c:v>8.7903594920796431E-4</c:v>
+                  </c:pt>
+                  <c:pt idx="2">
+                    <c:v>1.0283336034575548E-4</c:v>
+                  </c:pt>
+                  <c:pt idx="3">
+                    <c:v>7.0961278173381319E-4</c:v>
+                  </c:pt>
+                </c:numCache>
+              </c:numRef>
+            </c:minus>
+            <c:spPr>
+              <a:noFill/>
+              <a:ln w="9525">
+                <a:solidFill>
+                  <a:schemeClr val="lt1">
+                    <a:lumMod val="50000"/>
+                  </a:schemeClr>
+                </a:solidFill>
+                <a:round/>
+              </a:ln>
+              <a:effectLst/>
+            </c:spPr>
+          </c:errBars>
+          <c:cat>
+            <c:strRef>
+              <c:f>'[Plots (4).xlsx]real world'!$AL$4:$AM$4</c:f>
+              <c:strCache>
+                <c:ptCount val="2"/>
+                <c:pt idx="0">
+                  <c:v>ferrari</c:v>
+                </c:pt>
+                <c:pt idx="1">
+                  <c:v>space station</c:v>
+                </c:pt>
+              </c:strCache>
+            </c:strRef>
+          </c:cat>
+          <c:val>
+            <c:numRef>
+              <c:f>'[Plots (4).xlsx]real world'!$AL$10:$AM$10</c:f>
+              <c:numCache>
+                <c:formatCode>General</c:formatCode>
+                <c:ptCount val="2"/>
+                <c:pt idx="0">
+                  <c:v>0.30623820000000002</c:v>
+                </c:pt>
+                <c:pt idx="1">
+                  <c:v>0.76534119999999994</c:v>
+                </c:pt>
+              </c:numCache>
+            </c:numRef>
+          </c:val>
+        </c:ser>
+        <c:dLbls>
+          <c:showLegendKey val="0"/>
+          <c:showVal val="0"/>
+          <c:showCatName val="0"/>
+          <c:showSerName val="0"/>
+          <c:showPercent val="0"/>
+          <c:showBubbleSize val="0"/>
+        </c:dLbls>
+        <c:gapWidth val="315"/>
+        <c:overlap val="-40"/>
+        <c:axId val="358579008"/>
+        <c:axId val="358575648"/>
+      </c:barChart>
+      <c:catAx>
+        <c:axId val="358579008"/>
+        <c:scaling>
+          <c:orientation val="minMax"/>
+        </c:scaling>
+        <c:delete val="0"/>
+        <c:axPos val="b"/>
+        <c:majorGridlines>
+          <c:spPr>
+            <a:ln w="9525" cap="flat" cmpd="sng" algn="ctr">
+              <a:gradFill>
+                <a:gsLst>
+                  <a:gs pos="100000">
+                    <a:schemeClr val="dk1">
+                      <a:lumMod val="75000"/>
+                      <a:lumOff val="25000"/>
+                    </a:schemeClr>
+                  </a:gs>
+                  <a:gs pos="0">
+                    <a:schemeClr val="dk1">
+                      <a:lumMod val="65000"/>
+                      <a:lumOff val="35000"/>
+                    </a:schemeClr>
+                  </a:gs>
+                </a:gsLst>
+                <a:lin ang="5400000" scaled="0"/>
+              </a:gradFill>
+              <a:round/>
+            </a:ln>
+            <a:effectLst/>
+          </c:spPr>
+        </c:majorGridlines>
+        <c:numFmt formatCode="General" sourceLinked="1"/>
+        <c:majorTickMark val="none"/>
+        <c:minorTickMark val="none"/>
+        <c:tickLblPos val="nextTo"/>
+        <c:spPr>
+          <a:noFill/>
+          <a:ln>
+            <a:noFill/>
+          </a:ln>
+          <a:effectLst/>
+        </c:spPr>
+        <c:txPr>
+          <a:bodyPr rot="-60000000" spcFirstLastPara="1" vertOverflow="ellipsis" vert="horz" wrap="square" anchor="ctr" anchorCtr="1"/>
+          <a:lstStyle/>
+          <a:p>
+            <a:pPr>
+              <a:defRPr sz="1200" b="0" i="0" u="none" strike="noStrike" kern="1200" baseline="0">
+                <a:solidFill>
+                  <a:schemeClr val="lt1">
+                    <a:lumMod val="75000"/>
+                  </a:schemeClr>
+                </a:solidFill>
+                <a:latin typeface="+mn-lt"/>
+                <a:ea typeface="+mn-ea"/>
+                <a:cs typeface="+mn-cs"/>
+              </a:defRPr>
+            </a:pPr>
+            <a:endParaRPr lang="en-US"/>
+          </a:p>
+        </c:txPr>
+        <c:crossAx val="358575648"/>
+        <c:crosses val="autoZero"/>
+        <c:auto val="1"/>
+        <c:lblAlgn val="ctr"/>
+        <c:lblOffset val="100"/>
+        <c:noMultiLvlLbl val="0"/>
+      </c:catAx>
+      <c:valAx>
+        <c:axId val="358575648"/>
+        <c:scaling>
+          <c:orientation val="minMax"/>
+        </c:scaling>
+        <c:delete val="0"/>
+        <c:axPos val="l"/>
+        <c:majorGridlines>
+          <c:spPr>
+            <a:ln w="9525" cap="flat" cmpd="sng" algn="ctr">
+              <a:gradFill>
+                <a:gsLst>
+                  <a:gs pos="100000">
+                    <a:schemeClr val="dk1">
+                      <a:lumMod val="75000"/>
+                      <a:lumOff val="25000"/>
+                    </a:schemeClr>
+                  </a:gs>
+                  <a:gs pos="0">
+                    <a:schemeClr val="dk1">
+                      <a:lumMod val="65000"/>
+                      <a:lumOff val="35000"/>
+                    </a:schemeClr>
+                  </a:gs>
+                </a:gsLst>
+                <a:lin ang="5400000" scaled="0"/>
+              </a:gradFill>
+              <a:round/>
+            </a:ln>
+            <a:effectLst/>
+          </c:spPr>
+        </c:majorGridlines>
+        <c:title>
+          <c:tx>
+            <c:rich>
+              <a:bodyPr rot="-5400000" spcFirstLastPara="1" vertOverflow="ellipsis" vert="horz" wrap="square" anchor="ctr" anchorCtr="1"/>
+              <a:lstStyle/>
+              <a:p>
+                <a:pPr>
+                  <a:defRPr sz="1400" b="1" i="0" u="none" strike="noStrike" kern="1200" baseline="0">
+                    <a:solidFill>
+                      <a:schemeClr val="lt1">
+                        <a:lumMod val="75000"/>
+                      </a:schemeClr>
+                    </a:solidFill>
+                    <a:latin typeface="+mn-lt"/>
+                    <a:ea typeface="+mn-ea"/>
+                    <a:cs typeface="+mn-cs"/>
+                  </a:defRPr>
+                </a:pPr>
+                <a:r>
+                  <a:rPr lang="de-CH" sz="1400" dirty="0" smtClean="0"/>
+                  <a:t>Seconds</a:t>
+                </a:r>
+                <a:endParaRPr lang="de-CH" sz="1400" dirty="0"/>
+              </a:p>
+            </c:rich>
+          </c:tx>
+          <c:layout>
+            <c:manualLayout>
+              <c:xMode val="edge"/>
+              <c:yMode val="edge"/>
+              <c:x val="9.5785440613026813E-3"/>
+              <c:y val="0.45560723341785669"/>
+            </c:manualLayout>
+          </c:layout>
+          <c:overlay val="0"/>
+          <c:spPr>
+            <a:noFill/>
+            <a:ln>
+              <a:noFill/>
+            </a:ln>
+            <a:effectLst/>
+          </c:spPr>
+          <c:txPr>
+            <a:bodyPr rot="-5400000" spcFirstLastPara="1" vertOverflow="ellipsis" vert="horz" wrap="square" anchor="ctr" anchorCtr="1"/>
+            <a:lstStyle/>
+            <a:p>
+              <a:pPr>
+                <a:defRPr sz="1400" b="1" i="0" u="none" strike="noStrike" kern="1200" baseline="0">
+                  <a:solidFill>
+                    <a:schemeClr val="lt1">
+                      <a:lumMod val="75000"/>
+                    </a:schemeClr>
+                  </a:solidFill>
+                  <a:latin typeface="+mn-lt"/>
+                  <a:ea typeface="+mn-ea"/>
+                  <a:cs typeface="+mn-cs"/>
+                </a:defRPr>
+              </a:pPr>
+              <a:endParaRPr lang="en-US"/>
+            </a:p>
+          </c:txPr>
+        </c:title>
+        <c:numFmt formatCode="General" sourceLinked="1"/>
+        <c:majorTickMark val="none"/>
+        <c:minorTickMark val="none"/>
+        <c:tickLblPos val="nextTo"/>
+        <c:spPr>
+          <a:noFill/>
+          <a:ln>
+            <a:noFill/>
+          </a:ln>
+          <a:effectLst/>
+        </c:spPr>
+        <c:txPr>
+          <a:bodyPr rot="-60000000" spcFirstLastPara="1" vertOverflow="ellipsis" vert="horz" wrap="square" anchor="ctr" anchorCtr="1"/>
+          <a:lstStyle/>
+          <a:p>
+            <a:pPr>
+              <a:defRPr sz="1200" b="0" i="0" u="none" strike="noStrike" kern="1200" baseline="0">
+                <a:solidFill>
+                  <a:schemeClr val="lt1">
+                    <a:lumMod val="75000"/>
+                  </a:schemeClr>
+                </a:solidFill>
+                <a:latin typeface="+mn-lt"/>
+                <a:ea typeface="+mn-ea"/>
+                <a:cs typeface="+mn-cs"/>
+              </a:defRPr>
+            </a:pPr>
+            <a:endParaRPr lang="en-US"/>
+          </a:p>
+        </c:txPr>
+        <c:crossAx val="358579008"/>
+        <c:crossesAt val="1"/>
+        <c:crossBetween val="between"/>
+      </c:valAx>
+      <c:spPr>
+        <a:noFill/>
+        <a:ln>
+          <a:noFill/>
+        </a:ln>
+        <a:effectLst/>
+      </c:spPr>
+    </c:plotArea>
+    <c:legend>
+      <c:legendPos val="t"/>
+      <c:layout/>
+      <c:overlay val="0"/>
+      <c:spPr>
+        <a:noFill/>
+        <a:ln>
+          <a:noFill/>
+        </a:ln>
+        <a:effectLst/>
+      </c:spPr>
+      <c:txPr>
+        <a:bodyPr rot="0" spcFirstLastPara="1" vertOverflow="ellipsis" vert="horz" wrap="square" anchor="ctr" anchorCtr="1"/>
+        <a:lstStyle/>
+        <a:p>
+          <a:pPr>
+            <a:defRPr sz="900" b="0" i="0" u="none" strike="noStrike" kern="1200" baseline="0">
+              <a:solidFill>
+                <a:schemeClr val="lt1">
+                  <a:lumMod val="75000"/>
+                </a:schemeClr>
+              </a:solidFill>
+              <a:latin typeface="+mn-lt"/>
+              <a:ea typeface="+mn-ea"/>
+              <a:cs typeface="+mn-cs"/>
+            </a:defRPr>
+          </a:pPr>
+          <a:endParaRPr lang="en-US"/>
+        </a:p>
+      </c:txPr>
+    </c:legend>
+    <c:plotVisOnly val="1"/>
+    <c:dispBlanksAs val="gap"/>
+    <c:showDLblsOverMax val="0"/>
+  </c:chart>
+  <c:spPr>
+    <a:solidFill>
+      <a:schemeClr val="dk1">
+        <a:lumMod val="75000"/>
+        <a:lumOff val="25000"/>
+      </a:schemeClr>
+    </a:solidFill>
+    <a:ln w="9525" cap="flat" cmpd="sng" algn="ctr">
+      <a:solidFill>
+        <a:schemeClr val="dk1">
+          <a:lumMod val="15000"/>
+          <a:lumOff val="85000"/>
+        </a:schemeClr>
+      </a:solidFill>
+      <a:round/>
+    </a:ln>
+    <a:effectLst/>
+  </c:spPr>
+  <c:txPr>
+    <a:bodyPr/>
+    <a:lstStyle/>
+    <a:p>
+      <a:pPr>
+        <a:defRPr/>
+      </a:pPr>
+      <a:endParaRPr lang="en-US"/>
+    </a:p>
+  </c:txPr>
+  <c:externalData r:id="rId3">
+    <c:autoUpdate val="0"/>
+  </c:externalData>
+</c:chartSpace>
+</file>
+
+<file path=ppt/charts/chart11.xml><?xml version="1.0" encoding="utf-8"?>
+<c:chartSpace xmlns:c="http://schemas.openxmlformats.org/drawingml/2006/chart" xmlns:a="http://schemas.openxmlformats.org/drawingml/2006/main" xmlns:r="http://schemas.openxmlformats.org/officeDocument/2006/relationships">
+  <c:date1904 val="0"/>
+  <c:lang val="en-US"/>
+  <c:roundedCorners val="0"/>
+  <mc:AlternateContent xmlns:mc="http://schemas.openxmlformats.org/markup-compatibility/2006">
+    <mc:Choice xmlns:c14="http://schemas.microsoft.com/office/drawing/2007/8/2/chart" Requires="c14">
+      <c14:style val="102"/>
+    </mc:Choice>
+    <mc:Fallback>
+      <c:style val="2"/>
+    </mc:Fallback>
+  </mc:AlternateContent>
+  <c:chart>
+    <c:title>
+      <c:tx>
+        <c:rich>
+          <a:bodyPr rot="0" spcFirstLastPara="1" vertOverflow="ellipsis" vert="horz" wrap="square" anchor="ctr" anchorCtr="1"/>
+          <a:lstStyle/>
+          <a:p>
+            <a:pPr>
+              <a:defRPr sz="1400" b="1" i="0" u="none" strike="noStrike" kern="1200" cap="none" baseline="0">
+                <a:solidFill>
+                  <a:schemeClr val="lt1">
+                    <a:lumMod val="85000"/>
+                  </a:schemeClr>
+                </a:solidFill>
+                <a:latin typeface="+mn-lt"/>
+                <a:ea typeface="+mn-ea"/>
+                <a:cs typeface="+mn-cs"/>
+              </a:defRPr>
+            </a:pPr>
+            <a:r>
+              <a:rPr lang="en-US" dirty="0" smtClean="0"/>
+              <a:t>Runtime on</a:t>
+            </a:r>
+            <a:r>
+              <a:rPr lang="en-US" baseline="0" dirty="0" smtClean="0"/>
+              <a:t> sparse matrices</a:t>
+            </a:r>
+            <a:endParaRPr lang="en-US" dirty="0"/>
+          </a:p>
+        </c:rich>
+      </c:tx>
+      <c:layout/>
+      <c:overlay val="0"/>
+      <c:spPr>
+        <a:noFill/>
+        <a:ln>
+          <a:noFill/>
+        </a:ln>
+        <a:effectLst/>
+      </c:spPr>
+      <c:txPr>
+        <a:bodyPr rot="0" spcFirstLastPara="1" vertOverflow="ellipsis" vert="horz" wrap="square" anchor="ctr" anchorCtr="1"/>
+        <a:lstStyle/>
+        <a:p>
+          <a:pPr>
+            <a:defRPr sz="1400" b="1" i="0" u="none" strike="noStrike" kern="1200" cap="none" baseline="0">
+              <a:solidFill>
+                <a:schemeClr val="lt1">
+                  <a:lumMod val="85000"/>
+                </a:schemeClr>
+              </a:solidFill>
+              <a:latin typeface="+mn-lt"/>
+              <a:ea typeface="+mn-ea"/>
+              <a:cs typeface="+mn-cs"/>
+            </a:defRPr>
+          </a:pPr>
+          <a:endParaRPr lang="en-US"/>
+        </a:p>
+      </c:txPr>
+    </c:title>
+    <c:autoTitleDeleted val="0"/>
+    <c:plotArea>
+      <c:layout/>
+      <c:barChart>
+        <c:barDir val="col"/>
+        <c:grouping val="clustered"/>
+        <c:varyColors val="0"/>
+        <c:ser>
+          <c:idx val="0"/>
+          <c:order val="0"/>
+          <c:tx>
+            <c:strRef>
+              <c:f>'[Plots (4).xlsx]real world'!$G$1</c:f>
+              <c:strCache>
+                <c:ptCount val="1"/>
+                <c:pt idx="0">
+                  <c:v>Bfs</c:v>
+                </c:pt>
+              </c:strCache>
+            </c:strRef>
+          </c:tx>
+          <c:spPr>
+            <a:noFill/>
+            <a:ln w="9525" cap="flat" cmpd="sng" algn="ctr">
+              <a:solidFill>
+                <a:schemeClr val="accent1"/>
+              </a:solidFill>
+              <a:miter lim="800000"/>
+            </a:ln>
+            <a:effectLst>
+              <a:glow rad="63500">
+                <a:schemeClr val="accent1">
+                  <a:satMod val="175000"/>
+                  <a:alpha val="25000"/>
+                </a:schemeClr>
+              </a:glow>
+            </a:effectLst>
+          </c:spPr>
+          <c:invertIfNegative val="0"/>
+          <c:errBars>
+            <c:errBarType val="both"/>
+            <c:errValType val="cust"/>
+            <c:noEndCap val="0"/>
+            <c:plus>
+              <c:numRef>
+                <c:f>'[Plots (4).xlsx]real world'!$H$11:$K$11</c:f>
+                <c:numCache>
+                  <c:formatCode>General</c:formatCode>
+                  <c:ptCount val="4"/>
+                  <c:pt idx="0">
+                    <c:v>7.2890719573893525E-4</c:v>
+                  </c:pt>
+                  <c:pt idx="1">
+                    <c:v>3.9882163933267978E-4</c:v>
+                  </c:pt>
+                  <c:pt idx="2">
+                    <c:v>0</c:v>
+                  </c:pt>
+                  <c:pt idx="3">
+                    <c:v>3.2941873049357708E-4</c:v>
+                  </c:pt>
+                </c:numCache>
+              </c:numRef>
+            </c:plus>
+            <c:minus>
+              <c:numRef>
+                <c:f>'[Plots (4).xlsx]real world'!$H$11:$K$11</c:f>
+                <c:numCache>
+                  <c:formatCode>General</c:formatCode>
+                  <c:ptCount val="4"/>
+                  <c:pt idx="0">
+                    <c:v>7.2890719573893525E-4</c:v>
+                  </c:pt>
+                  <c:pt idx="1">
+                    <c:v>3.9882163933267978E-4</c:v>
+                  </c:pt>
+                  <c:pt idx="2">
+                    <c:v>0</c:v>
+                  </c:pt>
+                  <c:pt idx="3">
+                    <c:v>3.2941873049357708E-4</c:v>
+                  </c:pt>
+                </c:numCache>
+              </c:numRef>
+            </c:minus>
+            <c:spPr>
+              <a:noFill/>
+              <a:ln w="9525">
+                <a:solidFill>
+                  <a:schemeClr val="lt1">
+                    <a:lumMod val="50000"/>
+                  </a:schemeClr>
+                </a:solidFill>
+                <a:round/>
+              </a:ln>
+              <a:effectLst/>
+            </c:spPr>
+          </c:errBars>
+          <c:cat>
+            <c:strRef>
+              <c:f>'[Plots (4).xlsx]real world'!$J$4:$K$4</c:f>
+              <c:strCache>
+                <c:ptCount val="2"/>
+                <c:pt idx="0">
+                  <c:v>sparse FL 1</c:v>
+                </c:pt>
+                <c:pt idx="1">
+                  <c:v>sparse FL 2</c:v>
+                </c:pt>
+              </c:strCache>
+            </c:strRef>
+          </c:cat>
+          <c:val>
+            <c:numRef>
+              <c:f>'[Plots (4).xlsx]real world'!$J$10:$K$10</c:f>
+              <c:numCache>
+                <c:formatCode>General</c:formatCode>
+                <c:ptCount val="2"/>
+                <c:pt idx="0">
+                  <c:v>1.47E-4</c:v>
+                </c:pt>
+                <c:pt idx="1">
+                  <c:v>8.5477999999999995E-3</c:v>
+                </c:pt>
+              </c:numCache>
+            </c:numRef>
+          </c:val>
+        </c:ser>
+        <c:ser>
+          <c:idx val="1"/>
+          <c:order val="1"/>
+          <c:tx>
+            <c:strRef>
+              <c:f>'[Plots (4).xlsx]real world'!$A$1</c:f>
+              <c:strCache>
+                <c:ptCount val="1"/>
+                <c:pt idx="0">
+                  <c:v>pBfs</c:v>
+                </c:pt>
+              </c:strCache>
+            </c:strRef>
+          </c:tx>
+          <c:spPr>
+            <a:noFill/>
+            <a:ln w="9525" cap="flat" cmpd="sng" algn="ctr">
+              <a:solidFill>
+                <a:schemeClr val="accent2"/>
+              </a:solidFill>
+              <a:miter lim="800000"/>
+            </a:ln>
+            <a:effectLst>
+              <a:glow rad="63500">
+                <a:schemeClr val="accent2">
+                  <a:satMod val="175000"/>
+                  <a:alpha val="25000"/>
+                </a:schemeClr>
+              </a:glow>
+            </a:effectLst>
+          </c:spPr>
+          <c:invertIfNegative val="0"/>
+          <c:errBars>
+            <c:errBarType val="both"/>
+            <c:errValType val="cust"/>
+            <c:noEndCap val="0"/>
+            <c:plus>
+              <c:numRef>
+                <c:f>'[Plots (4).xlsx]real world'!$B$11:$E$11</c:f>
+                <c:numCache>
+                  <c:formatCode>General</c:formatCode>
+                  <c:ptCount val="4"/>
+                  <c:pt idx="0">
+                    <c:v>2.3375334945193761E-2</c:v>
+                  </c:pt>
+                  <c:pt idx="1">
+                    <c:v>0.12569644279493339</c:v>
+                  </c:pt>
+                  <c:pt idx="2">
+                    <c:v>1.8123683050086697E-2</c:v>
+                  </c:pt>
+                  <c:pt idx="3">
+                    <c:v>1.5205966592097981E-2</c:v>
+                  </c:pt>
+                </c:numCache>
+              </c:numRef>
+            </c:plus>
+            <c:minus>
+              <c:numRef>
+                <c:f>'[Plots (4).xlsx]real world'!$B$11:$E$11</c:f>
+                <c:numCache>
+                  <c:formatCode>General</c:formatCode>
+                  <c:ptCount val="4"/>
+                  <c:pt idx="0">
+                    <c:v>2.3375334945193761E-2</c:v>
+                  </c:pt>
+                  <c:pt idx="1">
+                    <c:v>0.12569644279493339</c:v>
+                  </c:pt>
+                  <c:pt idx="2">
+                    <c:v>1.8123683050086697E-2</c:v>
+                  </c:pt>
+                  <c:pt idx="3">
+                    <c:v>1.5205966592097981E-2</c:v>
+                  </c:pt>
+                </c:numCache>
+              </c:numRef>
+            </c:minus>
+            <c:spPr>
+              <a:noFill/>
+              <a:ln w="9525">
+                <a:solidFill>
+                  <a:schemeClr val="lt1">
+                    <a:lumMod val="50000"/>
+                  </a:schemeClr>
+                </a:solidFill>
+                <a:round/>
+              </a:ln>
+              <a:effectLst/>
+            </c:spPr>
+          </c:errBars>
+          <c:cat>
+            <c:strRef>
+              <c:f>'[Plots (4).xlsx]real world'!$J$4:$K$4</c:f>
+              <c:strCache>
+                <c:ptCount val="2"/>
+                <c:pt idx="0">
+                  <c:v>sparse FL 1</c:v>
+                </c:pt>
+                <c:pt idx="1">
+                  <c:v>sparse FL 2</c:v>
+                </c:pt>
+              </c:strCache>
+            </c:strRef>
+          </c:cat>
+          <c:val>
+            <c:numRef>
+              <c:f>'[Plots (4).xlsx]real world'!$D$10:$E$10</c:f>
+              <c:numCache>
+                <c:formatCode>General</c:formatCode>
+                <c:ptCount val="2"/>
+                <c:pt idx="0">
+                  <c:v>0.2242044</c:v>
+                </c:pt>
+                <c:pt idx="1">
+                  <c:v>0.23235800000000001</c:v>
+                </c:pt>
+              </c:numCache>
+            </c:numRef>
+          </c:val>
+        </c:ser>
+        <c:ser>
+          <c:idx val="2"/>
+          <c:order val="2"/>
+          <c:tx>
+            <c:strRef>
+              <c:f>'[Plots (4).xlsx]real world'!$M$1</c:f>
+              <c:strCache>
+                <c:ptCount val="1"/>
+                <c:pt idx="0">
+                  <c:v>pBfsAtomic</c:v>
+                </c:pt>
+              </c:strCache>
+            </c:strRef>
+          </c:tx>
+          <c:spPr>
+            <a:noFill/>
+            <a:ln w="9525" cap="flat" cmpd="sng" algn="ctr">
+              <a:solidFill>
+                <a:schemeClr val="accent3"/>
+              </a:solidFill>
+              <a:miter lim="800000"/>
+            </a:ln>
+            <a:effectLst>
+              <a:glow rad="63500">
+                <a:schemeClr val="accent3">
+                  <a:satMod val="175000"/>
+                  <a:alpha val="25000"/>
+                </a:schemeClr>
+              </a:glow>
+            </a:effectLst>
+          </c:spPr>
+          <c:invertIfNegative val="0"/>
+          <c:errBars>
+            <c:errBarType val="both"/>
+            <c:errValType val="cust"/>
+            <c:noEndCap val="0"/>
+            <c:plus>
+              <c:numRef>
+                <c:f>'[Plots (4).xlsx]real world'!$N$11:$Q$11</c:f>
+                <c:numCache>
+                  <c:formatCode>General</c:formatCode>
+                  <c:ptCount val="4"/>
+                  <c:pt idx="0">
+                    <c:v>3.6839147882381504E-2</c:v>
+                  </c:pt>
+                  <c:pt idx="1">
+                    <c:v>1.2372056417588816E-3</c:v>
+                  </c:pt>
+                  <c:pt idx="2">
+                    <c:v>3.5802057583328668E-2</c:v>
+                  </c:pt>
+                  <c:pt idx="3">
+                    <c:v>2.4025880853779321E-2</c:v>
+                  </c:pt>
+                </c:numCache>
+              </c:numRef>
+            </c:plus>
+            <c:minus>
+              <c:numRef>
+                <c:f>'[Plots (4).xlsx]real world'!$N$11:$Q$11</c:f>
+                <c:numCache>
+                  <c:formatCode>General</c:formatCode>
+                  <c:ptCount val="4"/>
+                  <c:pt idx="0">
+                    <c:v>3.6839147882381504E-2</c:v>
+                  </c:pt>
+                  <c:pt idx="1">
+                    <c:v>1.2372056417588816E-3</c:v>
+                  </c:pt>
+                  <c:pt idx="2">
+                    <c:v>3.5802057583328668E-2</c:v>
+                  </c:pt>
+                  <c:pt idx="3">
+                    <c:v>2.4025880853779321E-2</c:v>
+                  </c:pt>
+                </c:numCache>
+              </c:numRef>
+            </c:minus>
+            <c:spPr>
+              <a:noFill/>
+              <a:ln w="9525">
+                <a:solidFill>
+                  <a:schemeClr val="lt1">
+                    <a:lumMod val="50000"/>
+                  </a:schemeClr>
+                </a:solidFill>
+                <a:round/>
+              </a:ln>
+              <a:effectLst/>
+            </c:spPr>
+          </c:errBars>
+          <c:cat>
+            <c:strRef>
+              <c:f>'[Plots (4).xlsx]real world'!$J$4:$K$4</c:f>
+              <c:strCache>
+                <c:ptCount val="2"/>
+                <c:pt idx="0">
+                  <c:v>sparse FL 1</c:v>
+                </c:pt>
+                <c:pt idx="1">
+                  <c:v>sparse FL 2</c:v>
+                </c:pt>
+              </c:strCache>
+            </c:strRef>
+          </c:cat>
+          <c:val>
+            <c:numRef>
+              <c:f>'[Plots (4).xlsx]real world'!$P$10:$Q$10</c:f>
+              <c:numCache>
+                <c:formatCode>General</c:formatCode>
+                <c:ptCount val="2"/>
+                <c:pt idx="0">
+                  <c:v>0.24211580000000002</c:v>
+                </c:pt>
+                <c:pt idx="1">
+                  <c:v>0.24678539999999996</c:v>
+                </c:pt>
+              </c:numCache>
+            </c:numRef>
+          </c:val>
+        </c:ser>
+        <c:ser>
+          <c:idx val="3"/>
+          <c:order val="3"/>
+          <c:tx>
+            <c:strRef>
+              <c:f>'[Plots (4).xlsx]real world'!$S$1</c:f>
+              <c:strCache>
+                <c:ptCount val="1"/>
+                <c:pt idx="0">
+                  <c:v>randContract</c:v>
+                </c:pt>
+              </c:strCache>
+            </c:strRef>
+          </c:tx>
+          <c:spPr>
+            <a:noFill/>
+            <a:ln w="9525" cap="flat" cmpd="sng" algn="ctr">
+              <a:solidFill>
+                <a:schemeClr val="accent4"/>
+              </a:solidFill>
+              <a:miter lim="800000"/>
+            </a:ln>
+            <a:effectLst>
+              <a:glow rad="63500">
+                <a:schemeClr val="accent4">
+                  <a:satMod val="175000"/>
+                  <a:alpha val="25000"/>
+                </a:schemeClr>
+              </a:glow>
+            </a:effectLst>
+          </c:spPr>
+          <c:invertIfNegative val="0"/>
+          <c:errBars>
+            <c:errBarType val="both"/>
+            <c:errValType val="cust"/>
+            <c:noEndCap val="0"/>
+            <c:plus>
+              <c:numRef>
+                <c:f>'[Plots (4).xlsx]real world'!$T$11:$W$11</c:f>
+                <c:numCache>
+                  <c:formatCode>General</c:formatCode>
+                  <c:ptCount val="4"/>
+                  <c:pt idx="0">
+                    <c:v>3.1839790671422583E-3</c:v>
+                  </c:pt>
+                  <c:pt idx="1">
+                    <c:v>8.5135350883167211E-3</c:v>
+                  </c:pt>
+                  <c:pt idx="2">
+                    <c:v>8.0187280786917612E-6</c:v>
+                  </c:pt>
+                  <c:pt idx="3">
+                    <c:v>4.3790832373911455E-4</c:v>
+                  </c:pt>
+                </c:numCache>
+              </c:numRef>
+            </c:plus>
+            <c:minus>
+              <c:numRef>
+                <c:f>'[Plots (4).xlsx]real world'!$T$11:$W$11</c:f>
+                <c:numCache>
+                  <c:formatCode>General</c:formatCode>
+                  <c:ptCount val="4"/>
+                  <c:pt idx="0">
+                    <c:v>3.1839790671422583E-3</c:v>
+                  </c:pt>
+                  <c:pt idx="1">
+                    <c:v>8.5135350883167211E-3</c:v>
+                  </c:pt>
+                  <c:pt idx="2">
+                    <c:v>8.0187280786917612E-6</c:v>
+                  </c:pt>
+                  <c:pt idx="3">
+                    <c:v>4.3790832373911455E-4</c:v>
+                  </c:pt>
+                </c:numCache>
+              </c:numRef>
+            </c:minus>
+            <c:spPr>
+              <a:noFill/>
+              <a:ln w="9525">
+                <a:solidFill>
+                  <a:schemeClr val="lt1">
+                    <a:lumMod val="50000"/>
+                  </a:schemeClr>
+                </a:solidFill>
+                <a:round/>
+              </a:ln>
+              <a:effectLst/>
+            </c:spPr>
+          </c:errBars>
+          <c:cat>
+            <c:strRef>
+              <c:f>'[Plots (4).xlsx]real world'!$J$4:$K$4</c:f>
+              <c:strCache>
+                <c:ptCount val="2"/>
+                <c:pt idx="0">
+                  <c:v>sparse FL 1</c:v>
+                </c:pt>
+                <c:pt idx="1">
+                  <c:v>sparse FL 2</c:v>
+                </c:pt>
+              </c:strCache>
+            </c:strRef>
+          </c:cat>
+          <c:val>
+            <c:numRef>
+              <c:f>'[Plots (4).xlsx]real world'!$V$10:$W$10</c:f>
+              <c:numCache>
+                <c:formatCode>General</c:formatCode>
+                <c:ptCount val="2"/>
+                <c:pt idx="0">
+                  <c:v>6.8959999999999996E-4</c:v>
+                </c:pt>
+                <c:pt idx="1">
+                  <c:v>1.86448E-2</c:v>
+                </c:pt>
+              </c:numCache>
+            </c:numRef>
+          </c:val>
+        </c:ser>
+        <c:ser>
+          <c:idx val="4"/>
+          <c:order val="4"/>
+          <c:tx>
+            <c:strRef>
+              <c:f>'[Plots (4).xlsx]real world'!$Y$1</c:f>
+              <c:strCache>
+                <c:ptCount val="1"/>
+                <c:pt idx="0">
+                  <c:v>pRandContract</c:v>
+                </c:pt>
+              </c:strCache>
+            </c:strRef>
+          </c:tx>
+          <c:spPr>
+            <a:noFill/>
+            <a:ln w="9525" cap="flat" cmpd="sng" algn="ctr">
+              <a:solidFill>
+                <a:schemeClr val="accent5"/>
+              </a:solidFill>
+              <a:miter lim="800000"/>
+            </a:ln>
+            <a:effectLst>
+              <a:glow rad="63500">
+                <a:schemeClr val="accent5">
+                  <a:satMod val="175000"/>
+                  <a:alpha val="25000"/>
+                </a:schemeClr>
+              </a:glow>
+            </a:effectLst>
+          </c:spPr>
+          <c:invertIfNegative val="0"/>
+          <c:errBars>
+            <c:errBarType val="both"/>
+            <c:errValType val="cust"/>
+            <c:noEndCap val="0"/>
+            <c:plus>
+              <c:numRef>
+                <c:f>'[Plots (4).xlsx]real world'!$Z$11:$AC$11</c:f>
+                <c:numCache>
+                  <c:formatCode>General</c:formatCode>
+                  <c:ptCount val="4"/>
+                  <c:pt idx="0">
+                    <c:v>8.118797583263164E-2</c:v>
+                  </c:pt>
+                  <c:pt idx="1">
+                    <c:v>1.5247938244234876E-2</c:v>
+                  </c:pt>
+                  <c:pt idx="2">
+                    <c:v>2.9693081135173553E-2</c:v>
+                  </c:pt>
+                  <c:pt idx="3">
+                    <c:v>2.9344079619234971E-2</c:v>
+                  </c:pt>
+                </c:numCache>
+              </c:numRef>
+            </c:plus>
+            <c:minus>
+              <c:numRef>
+                <c:f>'[Plots (4).xlsx]real world'!$Z$11:$AC$11</c:f>
+                <c:numCache>
+                  <c:formatCode>General</c:formatCode>
+                  <c:ptCount val="4"/>
+                  <c:pt idx="0">
+                    <c:v>8.118797583263164E-2</c:v>
+                  </c:pt>
+                  <c:pt idx="1">
+                    <c:v>1.5247938244234876E-2</c:v>
+                  </c:pt>
+                  <c:pt idx="2">
+                    <c:v>2.9693081135173553E-2</c:v>
+                  </c:pt>
+                  <c:pt idx="3">
+                    <c:v>2.9344079619234971E-2</c:v>
+                  </c:pt>
+                </c:numCache>
+              </c:numRef>
+            </c:minus>
+            <c:spPr>
+              <a:noFill/>
+              <a:ln w="9525">
+                <a:solidFill>
+                  <a:schemeClr val="lt1">
+                    <a:lumMod val="50000"/>
+                  </a:schemeClr>
+                </a:solidFill>
+                <a:round/>
+              </a:ln>
+              <a:effectLst/>
+            </c:spPr>
+          </c:errBars>
+          <c:cat>
+            <c:strRef>
+              <c:f>'[Plots (4).xlsx]real world'!$J$4:$K$4</c:f>
+              <c:strCache>
+                <c:ptCount val="2"/>
+                <c:pt idx="0">
+                  <c:v>sparse FL 1</c:v>
+                </c:pt>
+                <c:pt idx="1">
+                  <c:v>sparse FL 2</c:v>
+                </c:pt>
+              </c:strCache>
+            </c:strRef>
+          </c:cat>
+          <c:val>
+            <c:numRef>
+              <c:f>'[Plots (4).xlsx]real world'!$AB$10:$AC$10</c:f>
+              <c:numCache>
+                <c:formatCode>General</c:formatCode>
+                <c:ptCount val="2"/>
+                <c:pt idx="0">
+                  <c:v>0.26583659999999998</c:v>
+                </c:pt>
+                <c:pt idx="1">
+                  <c:v>0.26223580000000002</c:v>
+                </c:pt>
+              </c:numCache>
+            </c:numRef>
+          </c:val>
+        </c:ser>
+        <c:ser>
+          <c:idx val="5"/>
+          <c:order val="5"/>
+          <c:tx>
+            <c:strRef>
+              <c:f>'[Plots (4).xlsx]real world'!$AE$1</c:f>
+              <c:strCache>
+                <c:ptCount val="1"/>
+                <c:pt idx="0">
+                  <c:v>ufind</c:v>
+                </c:pt>
+              </c:strCache>
+            </c:strRef>
+          </c:tx>
+          <c:spPr>
+            <a:noFill/>
+            <a:ln w="9525" cap="flat" cmpd="sng" algn="ctr">
+              <a:solidFill>
+                <a:schemeClr val="accent6"/>
+              </a:solidFill>
+              <a:miter lim="800000"/>
+            </a:ln>
+            <a:effectLst>
+              <a:glow rad="63500">
+                <a:schemeClr val="accent6">
+                  <a:satMod val="175000"/>
+                  <a:alpha val="25000"/>
+                </a:schemeClr>
+              </a:glow>
+            </a:effectLst>
+          </c:spPr>
+          <c:invertIfNegative val="0"/>
+          <c:errBars>
+            <c:errBarType val="both"/>
+            <c:errValType val="cust"/>
+            <c:noEndCap val="0"/>
+            <c:plus>
+              <c:numRef>
+                <c:f>'[Plots (4).xlsx]real world'!$AF$11:$AI$11</c:f>
+                <c:numCache>
+                  <c:formatCode>General</c:formatCode>
+                  <c:ptCount val="4"/>
+                  <c:pt idx="0">
+                    <c:v>4.7590471735422011E-4</c:v>
+                  </c:pt>
+                  <c:pt idx="1">
+                    <c:v>6.9125415007795308E-4</c:v>
+                  </c:pt>
+                  <c:pt idx="2">
+                    <c:v>1.9485892332659546E-5</c:v>
+                  </c:pt>
+                  <c:pt idx="3">
+                    <c:v>1.185293212669337E-4</c:v>
+                  </c:pt>
+                </c:numCache>
+              </c:numRef>
+            </c:plus>
+            <c:minus>
+              <c:numRef>
+                <c:f>'[Plots (4).xlsx]real world'!$AF$11:$AI$11</c:f>
+                <c:numCache>
+                  <c:formatCode>General</c:formatCode>
+                  <c:ptCount val="4"/>
+                  <c:pt idx="0">
+                    <c:v>4.7590471735422011E-4</c:v>
+                  </c:pt>
+                  <c:pt idx="1">
+                    <c:v>6.9125415007795308E-4</c:v>
+                  </c:pt>
+                  <c:pt idx="2">
+                    <c:v>1.9485892332659546E-5</c:v>
+                  </c:pt>
+                  <c:pt idx="3">
+                    <c:v>1.185293212669337E-4</c:v>
+                  </c:pt>
+                </c:numCache>
+              </c:numRef>
+            </c:minus>
+            <c:spPr>
+              <a:noFill/>
+              <a:ln w="9525">
+                <a:solidFill>
+                  <a:schemeClr val="lt1">
+                    <a:lumMod val="50000"/>
+                  </a:schemeClr>
+                </a:solidFill>
+                <a:round/>
+              </a:ln>
+              <a:effectLst/>
+            </c:spPr>
+          </c:errBars>
+          <c:cat>
+            <c:strRef>
+              <c:f>'[Plots (4).xlsx]real world'!$J$4:$K$4</c:f>
+              <c:strCache>
+                <c:ptCount val="2"/>
+                <c:pt idx="0">
+                  <c:v>sparse FL 1</c:v>
+                </c:pt>
+                <c:pt idx="1">
+                  <c:v>sparse FL 2</c:v>
+                </c:pt>
+              </c:strCache>
+            </c:strRef>
+          </c:cat>
+          <c:val>
+            <c:numRef>
+              <c:f>'[Plots (4).xlsx]real world'!$AH$10:$AI$10</c:f>
+              <c:numCache>
+                <c:formatCode>General</c:formatCode>
+                <c:ptCount val="2"/>
+                <c:pt idx="0">
+                  <c:v>9.9199999999999999E-5</c:v>
+                </c:pt>
+                <c:pt idx="1">
+                  <c:v>1.8611999999999999E-3</c:v>
+                </c:pt>
+              </c:numCache>
+            </c:numRef>
+          </c:val>
+        </c:ser>
+        <c:ser>
+          <c:idx val="6"/>
+          <c:order val="6"/>
+          <c:tx>
+            <c:strRef>
+              <c:f>'[Plots (4).xlsx]real world'!$AK$1</c:f>
+              <c:strCache>
+                <c:ptCount val="1"/>
+                <c:pt idx="0">
+                  <c:v>boost</c:v>
+                </c:pt>
+              </c:strCache>
+            </c:strRef>
+          </c:tx>
+          <c:spPr>
+            <a:noFill/>
+            <a:ln w="9525" cap="flat" cmpd="sng" algn="ctr">
+              <a:solidFill>
+                <a:schemeClr val="accent1">
+                  <a:lumMod val="60000"/>
+                </a:schemeClr>
+              </a:solidFill>
+              <a:miter lim="800000"/>
+            </a:ln>
+            <a:effectLst>
+              <a:glow rad="63500">
+                <a:schemeClr val="accent1">
+                  <a:lumMod val="60000"/>
+                  <a:satMod val="175000"/>
+                  <a:alpha val="25000"/>
+                </a:schemeClr>
+              </a:glow>
+            </a:effectLst>
+          </c:spPr>
+          <c:invertIfNegative val="0"/>
+          <c:errBars>
+            <c:errBarType val="both"/>
+            <c:errValType val="cust"/>
+            <c:noEndCap val="0"/>
+            <c:plus>
+              <c:numRef>
+                <c:f>'[Plots (4).xlsx]real world'!$AL$11:$AO$11</c:f>
+                <c:numCache>
+                  <c:formatCode>General</c:formatCode>
+                  <c:ptCount val="4"/>
+                  <c:pt idx="0">
+                    <c:v>2.2652623909825524E-3</c:v>
+                  </c:pt>
+                  <c:pt idx="1">
+                    <c:v>8.7903594920796431E-4</c:v>
+                  </c:pt>
+                  <c:pt idx="2">
+                    <c:v>1.0283336034575548E-4</c:v>
+                  </c:pt>
+                  <c:pt idx="3">
+                    <c:v>7.0961278173381319E-4</c:v>
+                  </c:pt>
+                </c:numCache>
+              </c:numRef>
+            </c:plus>
+            <c:minus>
+              <c:numRef>
+                <c:f>'[Plots (4).xlsx]real world'!$AL$11:$AO$11</c:f>
+                <c:numCache>
+                  <c:formatCode>General</c:formatCode>
+                  <c:ptCount val="4"/>
+                  <c:pt idx="0">
+                    <c:v>2.2652623909825524E-3</c:v>
+                  </c:pt>
+                  <c:pt idx="1">
+                    <c:v>8.7903594920796431E-4</c:v>
+                  </c:pt>
+                  <c:pt idx="2">
+                    <c:v>1.0283336034575548E-4</c:v>
+                  </c:pt>
+                  <c:pt idx="3">
+                    <c:v>7.0961278173381319E-4</c:v>
+                  </c:pt>
+                </c:numCache>
+              </c:numRef>
+            </c:minus>
+            <c:spPr>
+              <a:noFill/>
+              <a:ln w="9525">
+                <a:solidFill>
+                  <a:schemeClr val="lt1">
+                    <a:lumMod val="50000"/>
+                  </a:schemeClr>
+                </a:solidFill>
+                <a:round/>
+              </a:ln>
+              <a:effectLst/>
+            </c:spPr>
+          </c:errBars>
+          <c:cat>
+            <c:strRef>
+              <c:f>'[Plots (4).xlsx]real world'!$J$4:$K$4</c:f>
+              <c:strCache>
+                <c:ptCount val="2"/>
+                <c:pt idx="0">
+                  <c:v>sparse FL 1</c:v>
+                </c:pt>
+                <c:pt idx="1">
+                  <c:v>sparse FL 2</c:v>
+                </c:pt>
+              </c:strCache>
+            </c:strRef>
+          </c:cat>
+          <c:val>
+            <c:numRef>
+              <c:f>'[Plots (4).xlsx]real world'!$AN$10:$AO$10</c:f>
+              <c:numCache>
+                <c:formatCode>General</c:formatCode>
+                <c:ptCount val="2"/>
+                <c:pt idx="0">
+                  <c:v>4.0819999999999995E-4</c:v>
+                </c:pt>
+                <c:pt idx="1">
+                  <c:v>2.33294E-2</c:v>
+                </c:pt>
+              </c:numCache>
+            </c:numRef>
+          </c:val>
+        </c:ser>
+        <c:dLbls>
+          <c:showLegendKey val="0"/>
+          <c:showVal val="0"/>
+          <c:showCatName val="0"/>
+          <c:showSerName val="0"/>
+          <c:showPercent val="0"/>
+          <c:showBubbleSize val="0"/>
+        </c:dLbls>
+        <c:gapWidth val="315"/>
+        <c:overlap val="-40"/>
+        <c:axId val="404902800"/>
+        <c:axId val="404901680"/>
+      </c:barChart>
+      <c:catAx>
+        <c:axId val="404902800"/>
+        <c:scaling>
+          <c:orientation val="minMax"/>
+        </c:scaling>
+        <c:delete val="0"/>
+        <c:axPos val="b"/>
+        <c:majorGridlines>
+          <c:spPr>
+            <a:ln w="9525" cap="flat" cmpd="sng" algn="ctr">
+              <a:gradFill>
+                <a:gsLst>
+                  <a:gs pos="100000">
+                    <a:schemeClr val="dk1">
+                      <a:lumMod val="75000"/>
+                      <a:lumOff val="25000"/>
+                    </a:schemeClr>
+                  </a:gs>
+                  <a:gs pos="0">
+                    <a:schemeClr val="dk1">
+                      <a:lumMod val="65000"/>
+                      <a:lumOff val="35000"/>
+                    </a:schemeClr>
+                  </a:gs>
+                </a:gsLst>
+                <a:lin ang="5400000" scaled="0"/>
+              </a:gradFill>
+              <a:round/>
+            </a:ln>
+            <a:effectLst/>
+          </c:spPr>
+        </c:majorGridlines>
+        <c:numFmt formatCode="General" sourceLinked="1"/>
+        <c:majorTickMark val="none"/>
+        <c:minorTickMark val="none"/>
+        <c:tickLblPos val="nextTo"/>
+        <c:spPr>
+          <a:noFill/>
+          <a:ln>
+            <a:noFill/>
+          </a:ln>
+          <a:effectLst/>
+        </c:spPr>
+        <c:txPr>
+          <a:bodyPr rot="-60000000" spcFirstLastPara="1" vertOverflow="ellipsis" vert="horz" wrap="square" anchor="ctr" anchorCtr="1"/>
+          <a:lstStyle/>
+          <a:p>
+            <a:pPr>
+              <a:defRPr sz="1200" b="0" i="0" u="none" strike="noStrike" kern="1200" baseline="0">
+                <a:solidFill>
+                  <a:schemeClr val="lt1">
+                    <a:lumMod val="75000"/>
+                  </a:schemeClr>
+                </a:solidFill>
+                <a:latin typeface="+mn-lt"/>
+                <a:ea typeface="+mn-ea"/>
+                <a:cs typeface="+mn-cs"/>
+              </a:defRPr>
+            </a:pPr>
+            <a:endParaRPr lang="en-US"/>
+          </a:p>
+        </c:txPr>
+        <c:crossAx val="404901680"/>
+        <c:crosses val="autoZero"/>
+        <c:auto val="1"/>
+        <c:lblAlgn val="ctr"/>
+        <c:lblOffset val="100"/>
+        <c:noMultiLvlLbl val="0"/>
+      </c:catAx>
+      <c:valAx>
+        <c:axId val="404901680"/>
+        <c:scaling>
+          <c:orientation val="minMax"/>
+          <c:min val="0"/>
+        </c:scaling>
+        <c:delete val="0"/>
+        <c:axPos val="l"/>
+        <c:majorGridlines>
+          <c:spPr>
+            <a:ln w="9525" cap="flat" cmpd="sng" algn="ctr">
+              <a:gradFill>
+                <a:gsLst>
+                  <a:gs pos="100000">
+                    <a:schemeClr val="dk1">
+                      <a:lumMod val="75000"/>
+                      <a:lumOff val="25000"/>
+                    </a:schemeClr>
+                  </a:gs>
+                  <a:gs pos="0">
+                    <a:schemeClr val="dk1">
+                      <a:lumMod val="65000"/>
+                      <a:lumOff val="35000"/>
+                    </a:schemeClr>
+                  </a:gs>
+                </a:gsLst>
+                <a:lin ang="5400000" scaled="0"/>
+              </a:gradFill>
+              <a:round/>
+            </a:ln>
+            <a:effectLst/>
+          </c:spPr>
+        </c:majorGridlines>
+        <c:title>
+          <c:tx>
+            <c:rich>
+              <a:bodyPr rot="-5400000" spcFirstLastPara="1" vertOverflow="ellipsis" vert="horz" wrap="square" anchor="ctr" anchorCtr="1"/>
+              <a:lstStyle/>
+              <a:p>
+                <a:pPr>
+                  <a:defRPr sz="1400" b="1" i="0" u="none" strike="noStrike" kern="1200" baseline="0">
+                    <a:solidFill>
+                      <a:schemeClr val="lt1">
+                        <a:lumMod val="75000"/>
+                      </a:schemeClr>
+                    </a:solidFill>
+                    <a:latin typeface="+mn-lt"/>
+                    <a:ea typeface="+mn-ea"/>
+                    <a:cs typeface="+mn-cs"/>
+                  </a:defRPr>
+                </a:pPr>
+                <a:r>
+                  <a:rPr lang="de-CH" sz="1400" dirty="0" smtClean="0"/>
+                  <a:t>Seconds</a:t>
+                </a:r>
+                <a:endParaRPr lang="de-CH" sz="1400" dirty="0"/>
+              </a:p>
+            </c:rich>
+          </c:tx>
+          <c:layout/>
+          <c:overlay val="0"/>
+          <c:spPr>
+            <a:noFill/>
+            <a:ln>
+              <a:noFill/>
+            </a:ln>
+            <a:effectLst/>
+          </c:spPr>
+          <c:txPr>
+            <a:bodyPr rot="-5400000" spcFirstLastPara="1" vertOverflow="ellipsis" vert="horz" wrap="square" anchor="ctr" anchorCtr="1"/>
+            <a:lstStyle/>
+            <a:p>
+              <a:pPr>
+                <a:defRPr sz="1400" b="1" i="0" u="none" strike="noStrike" kern="1200" baseline="0">
+                  <a:solidFill>
+                    <a:schemeClr val="lt1">
+                      <a:lumMod val="75000"/>
+                    </a:schemeClr>
+                  </a:solidFill>
+                  <a:latin typeface="+mn-lt"/>
+                  <a:ea typeface="+mn-ea"/>
+                  <a:cs typeface="+mn-cs"/>
+                </a:defRPr>
+              </a:pPr>
+              <a:endParaRPr lang="en-US"/>
+            </a:p>
+          </c:txPr>
+        </c:title>
+        <c:numFmt formatCode="General" sourceLinked="1"/>
+        <c:majorTickMark val="none"/>
+        <c:minorTickMark val="none"/>
+        <c:tickLblPos val="nextTo"/>
+        <c:spPr>
+          <a:noFill/>
+          <a:ln>
+            <a:noFill/>
+          </a:ln>
+          <a:effectLst/>
+        </c:spPr>
+        <c:txPr>
+          <a:bodyPr rot="-60000000" spcFirstLastPara="1" vertOverflow="ellipsis" vert="horz" wrap="square" anchor="ctr" anchorCtr="1"/>
+          <a:lstStyle/>
+          <a:p>
+            <a:pPr>
+              <a:defRPr sz="1200" b="0" i="0" u="none" strike="noStrike" kern="1200" baseline="0">
+                <a:solidFill>
+                  <a:schemeClr val="lt1">
+                    <a:lumMod val="75000"/>
+                  </a:schemeClr>
+                </a:solidFill>
+                <a:latin typeface="+mn-lt"/>
+                <a:ea typeface="+mn-ea"/>
+                <a:cs typeface="+mn-cs"/>
+              </a:defRPr>
+            </a:pPr>
+            <a:endParaRPr lang="en-US"/>
+          </a:p>
+        </c:txPr>
+        <c:crossAx val="404902800"/>
+        <c:crossesAt val="1"/>
+        <c:crossBetween val="between"/>
       </c:valAx>
       <c:spPr>
         <a:noFill/>
@@ -5254,6 +7697,1223 @@
               </a:defRPr>
             </a:pPr>
             <a:r>
+              <a:rPr lang="en-US" sz="1800" baseline="0" dirty="0"/>
+              <a:t>Memory </a:t>
+            </a:r>
+            <a:r>
+              <a:rPr lang="en-US" sz="1800" baseline="0" dirty="0" smtClean="0"/>
+              <a:t>usage x Number of vertices</a:t>
+            </a:r>
+            <a:endParaRPr lang="en-US" sz="1800" dirty="0"/>
+          </a:p>
+        </c:rich>
+      </c:tx>
+      <c:layout/>
+      <c:overlay val="0"/>
+      <c:spPr>
+        <a:noFill/>
+        <a:ln>
+          <a:noFill/>
+        </a:ln>
+        <a:effectLst/>
+      </c:spPr>
+      <c:txPr>
+        <a:bodyPr rot="0" spcFirstLastPara="1" vertOverflow="ellipsis" vert="horz" wrap="square" anchor="ctr" anchorCtr="1"/>
+        <a:lstStyle/>
+        <a:p>
+          <a:pPr>
+            <a:defRPr sz="1800" b="1" i="0" u="none" strike="noStrike" kern="1200" cap="none" baseline="0">
+              <a:solidFill>
+                <a:schemeClr val="lt1">
+                  <a:lumMod val="85000"/>
+                </a:schemeClr>
+              </a:solidFill>
+              <a:latin typeface="+mn-lt"/>
+              <a:ea typeface="+mn-ea"/>
+              <a:cs typeface="+mn-cs"/>
+            </a:defRPr>
+          </a:pPr>
+          <a:endParaRPr lang="en-US"/>
+        </a:p>
+      </c:txPr>
+    </c:title>
+    <c:autoTitleDeleted val="0"/>
+    <c:plotArea>
+      <c:layout/>
+      <c:scatterChart>
+        <c:scatterStyle val="lineMarker"/>
+        <c:varyColors val="0"/>
+        <c:ser>
+          <c:idx val="0"/>
+          <c:order val="0"/>
+          <c:tx>
+            <c:strRef>
+              <c:f>'[Plots (4).xlsx]Memory_increasingVertices'!$H$1</c:f>
+              <c:strCache>
+                <c:ptCount val="1"/>
+                <c:pt idx="0">
+                  <c:v>Bfs</c:v>
+                </c:pt>
+              </c:strCache>
+            </c:strRef>
+          </c:tx>
+          <c:spPr>
+            <a:ln w="22225" cap="rnd">
+              <a:solidFill>
+                <a:schemeClr val="accent1"/>
+              </a:solidFill>
+            </a:ln>
+            <a:effectLst>
+              <a:glow rad="139700">
+                <a:schemeClr val="accent1">
+                  <a:satMod val="175000"/>
+                  <a:alpha val="14000"/>
+                </a:schemeClr>
+              </a:glow>
+            </a:effectLst>
+          </c:spPr>
+          <c:marker>
+            <c:symbol val="circle"/>
+            <c:size val="4"/>
+            <c:spPr>
+              <a:solidFill>
+                <a:schemeClr val="accent1">
+                  <a:lumMod val="60000"/>
+                  <a:lumOff val="40000"/>
+                </a:schemeClr>
+              </a:solidFill>
+              <a:ln>
+                <a:noFill/>
+              </a:ln>
+              <a:effectLst>
+                <a:glow rad="63500">
+                  <a:schemeClr val="accent1">
+                    <a:satMod val="175000"/>
+                    <a:alpha val="25000"/>
+                  </a:schemeClr>
+                </a:glow>
+              </a:effectLst>
+            </c:spPr>
+          </c:marker>
+          <c:errBars>
+            <c:errDir val="y"/>
+            <c:errBarType val="both"/>
+            <c:errValType val="cust"/>
+            <c:noEndCap val="0"/>
+            <c:plus>
+              <c:numRef>
+                <c:f>'[Plots (4).xlsx]Memory_increasingVertices'!$I$11:$M$11</c:f>
+                <c:numCache>
+                  <c:formatCode>General</c:formatCode>
+                  <c:ptCount val="5"/>
+                  <c:pt idx="0">
+                    <c:v>1.7888543819998322</c:v>
+                  </c:pt>
+                  <c:pt idx="1">
+                    <c:v>3.5777087639996634</c:v>
+                  </c:pt>
+                  <c:pt idx="2">
+                    <c:v>758.02902319106488</c:v>
+                  </c:pt>
+                  <c:pt idx="3">
+                    <c:v>167.91902810581058</c:v>
+                  </c:pt>
+                  <c:pt idx="4">
+                    <c:v>308.21291342187459</c:v>
+                  </c:pt>
+                </c:numCache>
+              </c:numRef>
+            </c:plus>
+            <c:minus>
+              <c:numRef>
+                <c:f>'[Plots (4).xlsx]Memory_increasingVertices'!$B$11:$F$11</c:f>
+                <c:numCache>
+                  <c:formatCode>General</c:formatCode>
+                  <c:ptCount val="5"/>
+                  <c:pt idx="0">
+                    <c:v>1681.0767977698104</c:v>
+                  </c:pt>
+                  <c:pt idx="1">
+                    <c:v>118.0643892119889</c:v>
+                  </c:pt>
+                  <c:pt idx="2">
+                    <c:v>0</c:v>
+                  </c:pt>
+                  <c:pt idx="3">
+                    <c:v>688.06976390479474</c:v>
+                  </c:pt>
+                  <c:pt idx="4">
+                    <c:v>869.14394665095608</c:v>
+                  </c:pt>
+                </c:numCache>
+              </c:numRef>
+            </c:minus>
+            <c:spPr>
+              <a:noFill/>
+              <a:ln w="9525">
+                <a:solidFill>
+                  <a:schemeClr val="lt1">
+                    <a:lumMod val="50000"/>
+                  </a:schemeClr>
+                </a:solidFill>
+                <a:round/>
+              </a:ln>
+              <a:effectLst/>
+            </c:spPr>
+          </c:errBars>
+          <c:errBars>
+            <c:errDir val="x"/>
+            <c:errBarType val="both"/>
+            <c:errValType val="fixedVal"/>
+            <c:noEndCap val="0"/>
+            <c:val val="1"/>
+            <c:spPr>
+              <a:noFill/>
+              <a:ln w="9525">
+                <a:solidFill>
+                  <a:schemeClr val="lt1">
+                    <a:lumMod val="50000"/>
+                  </a:schemeClr>
+                </a:solidFill>
+                <a:round/>
+              </a:ln>
+              <a:effectLst/>
+            </c:spPr>
+          </c:errBars>
+          <c:xVal>
+            <c:numRef>
+              <c:f>'[Plots (4).xlsx]Memory_increasingVertices'!$I$4:$M$4</c:f>
+              <c:numCache>
+                <c:formatCode>General</c:formatCode>
+                <c:ptCount val="5"/>
+                <c:pt idx="0">
+                  <c:v>100</c:v>
+                </c:pt>
+                <c:pt idx="1">
+                  <c:v>1000</c:v>
+                </c:pt>
+                <c:pt idx="2">
+                  <c:v>10000</c:v>
+                </c:pt>
+                <c:pt idx="3">
+                  <c:v>100000</c:v>
+                </c:pt>
+                <c:pt idx="4">
+                  <c:v>1000000</c:v>
+                </c:pt>
+              </c:numCache>
+            </c:numRef>
+          </c:xVal>
+          <c:yVal>
+            <c:numRef>
+              <c:f>'[Plots (4).xlsx]Memory_increasingVertices'!$I$10:$M$10</c:f>
+              <c:numCache>
+                <c:formatCode>General</c:formatCode>
+                <c:ptCount val="5"/>
+                <c:pt idx="0">
+                  <c:v>5004.8</c:v>
+                </c:pt>
+                <c:pt idx="1">
+                  <c:v>5157.6000000000004</c:v>
+                </c:pt>
+                <c:pt idx="2">
+                  <c:v>7800</c:v>
+                </c:pt>
+                <c:pt idx="3">
+                  <c:v>30154.400000000001</c:v>
+                </c:pt>
+                <c:pt idx="4">
+                  <c:v>258244.8</c:v>
+                </c:pt>
+              </c:numCache>
+            </c:numRef>
+          </c:yVal>
+          <c:smooth val="0"/>
+        </c:ser>
+        <c:ser>
+          <c:idx val="1"/>
+          <c:order val="1"/>
+          <c:tx>
+            <c:strRef>
+              <c:f>'[Plots (4).xlsx]Memory_increasingVertices'!$A$1</c:f>
+              <c:strCache>
+                <c:ptCount val="1"/>
+                <c:pt idx="0">
+                  <c:v>pBfs</c:v>
+                </c:pt>
+              </c:strCache>
+            </c:strRef>
+          </c:tx>
+          <c:spPr>
+            <a:ln w="22225" cap="rnd">
+              <a:solidFill>
+                <a:schemeClr val="accent2"/>
+              </a:solidFill>
+            </a:ln>
+            <a:effectLst>
+              <a:glow rad="139700">
+                <a:schemeClr val="accent2">
+                  <a:satMod val="175000"/>
+                  <a:alpha val="14000"/>
+                </a:schemeClr>
+              </a:glow>
+            </a:effectLst>
+          </c:spPr>
+          <c:marker>
+            <c:symbol val="circle"/>
+            <c:size val="4"/>
+            <c:spPr>
+              <a:solidFill>
+                <a:schemeClr val="accent2">
+                  <a:lumMod val="60000"/>
+                  <a:lumOff val="40000"/>
+                </a:schemeClr>
+              </a:solidFill>
+              <a:ln>
+                <a:noFill/>
+              </a:ln>
+              <a:effectLst>
+                <a:glow rad="63500">
+                  <a:schemeClr val="accent2">
+                    <a:satMod val="175000"/>
+                    <a:alpha val="25000"/>
+                  </a:schemeClr>
+                </a:glow>
+              </a:effectLst>
+            </c:spPr>
+          </c:marker>
+          <c:xVal>
+            <c:numRef>
+              <c:f>'[Plots (4).xlsx]Memory_increasingVertices'!$B$4:$F$4</c:f>
+              <c:numCache>
+                <c:formatCode>General</c:formatCode>
+                <c:ptCount val="5"/>
+                <c:pt idx="0">
+                  <c:v>100</c:v>
+                </c:pt>
+                <c:pt idx="1">
+                  <c:v>1000</c:v>
+                </c:pt>
+                <c:pt idx="2">
+                  <c:v>10000</c:v>
+                </c:pt>
+                <c:pt idx="3">
+                  <c:v>100000</c:v>
+                </c:pt>
+                <c:pt idx="4">
+                  <c:v>1000000</c:v>
+                </c:pt>
+              </c:numCache>
+            </c:numRef>
+          </c:xVal>
+          <c:yVal>
+            <c:numRef>
+              <c:f>'[Plots (4).xlsx]Memory_increasingVertices'!$B$10:$F$10</c:f>
+              <c:numCache>
+                <c:formatCode>General</c:formatCode>
+                <c:ptCount val="5"/>
+                <c:pt idx="0">
+                  <c:v>43748.800000000003</c:v>
+                </c:pt>
+                <c:pt idx="1">
+                  <c:v>43052.800000000003</c:v>
+                </c:pt>
+                <c:pt idx="2">
+                  <c:v>45444</c:v>
+                </c:pt>
+                <c:pt idx="3">
+                  <c:v>68400</c:v>
+                </c:pt>
+                <c:pt idx="4">
+                  <c:v>295356.79999999999</c:v>
+                </c:pt>
+              </c:numCache>
+            </c:numRef>
+          </c:yVal>
+          <c:smooth val="0"/>
+        </c:ser>
+        <c:ser>
+          <c:idx val="2"/>
+          <c:order val="2"/>
+          <c:tx>
+            <c:strRef>
+              <c:f>'[Plots (4).xlsx]Memory_increasingVertices'!$O$1</c:f>
+              <c:strCache>
+                <c:ptCount val="1"/>
+                <c:pt idx="0">
+                  <c:v>pBfsAtomic</c:v>
+                </c:pt>
+              </c:strCache>
+            </c:strRef>
+          </c:tx>
+          <c:spPr>
+            <a:ln w="22225" cap="rnd">
+              <a:solidFill>
+                <a:schemeClr val="accent3"/>
+              </a:solidFill>
+            </a:ln>
+            <a:effectLst>
+              <a:glow rad="139700">
+                <a:schemeClr val="accent3">
+                  <a:satMod val="175000"/>
+                  <a:alpha val="14000"/>
+                </a:schemeClr>
+              </a:glow>
+            </a:effectLst>
+          </c:spPr>
+          <c:marker>
+            <c:symbol val="circle"/>
+            <c:size val="4"/>
+            <c:spPr>
+              <a:solidFill>
+                <a:schemeClr val="accent3">
+                  <a:lumMod val="60000"/>
+                  <a:lumOff val="40000"/>
+                </a:schemeClr>
+              </a:solidFill>
+              <a:ln>
+                <a:noFill/>
+              </a:ln>
+              <a:effectLst>
+                <a:glow rad="63500">
+                  <a:schemeClr val="accent3">
+                    <a:satMod val="175000"/>
+                    <a:alpha val="25000"/>
+                  </a:schemeClr>
+                </a:glow>
+              </a:effectLst>
+            </c:spPr>
+          </c:marker>
+          <c:xVal>
+            <c:numRef>
+              <c:f>'[Plots (4).xlsx]Memory_increasingVertices'!$P$4:$T$4</c:f>
+              <c:numCache>
+                <c:formatCode>General</c:formatCode>
+                <c:ptCount val="5"/>
+                <c:pt idx="0">
+                  <c:v>100</c:v>
+                </c:pt>
+                <c:pt idx="1">
+                  <c:v>1000</c:v>
+                </c:pt>
+                <c:pt idx="2">
+                  <c:v>10000</c:v>
+                </c:pt>
+                <c:pt idx="3">
+                  <c:v>100000</c:v>
+                </c:pt>
+                <c:pt idx="4">
+                  <c:v>1000000</c:v>
+                </c:pt>
+              </c:numCache>
+            </c:numRef>
+          </c:xVal>
+          <c:yVal>
+            <c:numRef>
+              <c:f>'[Plots (4).xlsx]Memory_increasingVertices'!$P$10:$T$10</c:f>
+              <c:numCache>
+                <c:formatCode>General</c:formatCode>
+                <c:ptCount val="5"/>
+                <c:pt idx="0">
+                  <c:v>43300.800000000003</c:v>
+                </c:pt>
+                <c:pt idx="1">
+                  <c:v>43155.199999999997</c:v>
+                </c:pt>
+                <c:pt idx="2">
+                  <c:v>45945.599999999999</c:v>
+                </c:pt>
+                <c:pt idx="3">
+                  <c:v>68684</c:v>
+                </c:pt>
+                <c:pt idx="4">
+                  <c:v>301423.2</c:v>
+                </c:pt>
+              </c:numCache>
+            </c:numRef>
+          </c:yVal>
+          <c:smooth val="0"/>
+        </c:ser>
+        <c:ser>
+          <c:idx val="3"/>
+          <c:order val="3"/>
+          <c:tx>
+            <c:strRef>
+              <c:f>'[Plots (4).xlsx]Memory_increasingVertices'!$V$1</c:f>
+              <c:strCache>
+                <c:ptCount val="1"/>
+                <c:pt idx="0">
+                  <c:v>randContract</c:v>
+                </c:pt>
+              </c:strCache>
+            </c:strRef>
+          </c:tx>
+          <c:spPr>
+            <a:ln w="22225" cap="rnd">
+              <a:solidFill>
+                <a:schemeClr val="accent4"/>
+              </a:solidFill>
+            </a:ln>
+            <a:effectLst>
+              <a:glow rad="139700">
+                <a:schemeClr val="accent4">
+                  <a:satMod val="175000"/>
+                  <a:alpha val="14000"/>
+                </a:schemeClr>
+              </a:glow>
+            </a:effectLst>
+          </c:spPr>
+          <c:marker>
+            <c:symbol val="circle"/>
+            <c:size val="4"/>
+            <c:spPr>
+              <a:solidFill>
+                <a:schemeClr val="accent4">
+                  <a:lumMod val="60000"/>
+                  <a:lumOff val="40000"/>
+                </a:schemeClr>
+              </a:solidFill>
+              <a:ln>
+                <a:noFill/>
+              </a:ln>
+              <a:effectLst>
+                <a:glow rad="63500">
+                  <a:schemeClr val="accent4">
+                    <a:satMod val="175000"/>
+                    <a:alpha val="25000"/>
+                  </a:schemeClr>
+                </a:glow>
+              </a:effectLst>
+            </c:spPr>
+          </c:marker>
+          <c:xVal>
+            <c:numRef>
+              <c:f>'[Plots (4).xlsx]Memory_increasingVertices'!$W$4:$AA$4</c:f>
+              <c:numCache>
+                <c:formatCode>General</c:formatCode>
+                <c:ptCount val="5"/>
+                <c:pt idx="0">
+                  <c:v>100</c:v>
+                </c:pt>
+                <c:pt idx="1">
+                  <c:v>1000</c:v>
+                </c:pt>
+                <c:pt idx="2">
+                  <c:v>10000</c:v>
+                </c:pt>
+                <c:pt idx="3">
+                  <c:v>100000</c:v>
+                </c:pt>
+                <c:pt idx="4">
+                  <c:v>1000000</c:v>
+                </c:pt>
+              </c:numCache>
+            </c:numRef>
+          </c:xVal>
+          <c:yVal>
+            <c:numRef>
+              <c:f>'[Plots (4).xlsx]Memory_increasingVertices'!$W$10:$AA$10</c:f>
+              <c:numCache>
+                <c:formatCode>General</c:formatCode>
+                <c:ptCount val="5"/>
+                <c:pt idx="0">
+                  <c:v>5007.2</c:v>
+                </c:pt>
+                <c:pt idx="1">
+                  <c:v>5016.8</c:v>
+                </c:pt>
+                <c:pt idx="2">
+                  <c:v>7196</c:v>
+                </c:pt>
+                <c:pt idx="3">
+                  <c:v>27416.799999999999</c:v>
+                </c:pt>
+                <c:pt idx="4">
+                  <c:v>232833.6</c:v>
+                </c:pt>
+              </c:numCache>
+            </c:numRef>
+          </c:yVal>
+          <c:smooth val="0"/>
+        </c:ser>
+        <c:ser>
+          <c:idx val="4"/>
+          <c:order val="4"/>
+          <c:tx>
+            <c:strRef>
+              <c:f>'[Plots (4).xlsx]Memory_increasingVertices'!$AC$1</c:f>
+              <c:strCache>
+                <c:ptCount val="1"/>
+                <c:pt idx="0">
+                  <c:v>pRandContract</c:v>
+                </c:pt>
+              </c:strCache>
+            </c:strRef>
+          </c:tx>
+          <c:spPr>
+            <a:ln w="22225" cap="rnd">
+              <a:solidFill>
+                <a:schemeClr val="accent5"/>
+              </a:solidFill>
+            </a:ln>
+            <a:effectLst>
+              <a:glow rad="139700">
+                <a:schemeClr val="accent5">
+                  <a:satMod val="175000"/>
+                  <a:alpha val="14000"/>
+                </a:schemeClr>
+              </a:glow>
+            </a:effectLst>
+          </c:spPr>
+          <c:marker>
+            <c:symbol val="circle"/>
+            <c:size val="4"/>
+            <c:spPr>
+              <a:solidFill>
+                <a:schemeClr val="accent5">
+                  <a:lumMod val="60000"/>
+                  <a:lumOff val="40000"/>
+                </a:schemeClr>
+              </a:solidFill>
+              <a:ln>
+                <a:noFill/>
+              </a:ln>
+              <a:effectLst>
+                <a:glow rad="63500">
+                  <a:schemeClr val="accent5">
+                    <a:satMod val="175000"/>
+                    <a:alpha val="25000"/>
+                  </a:schemeClr>
+                </a:glow>
+              </a:effectLst>
+            </c:spPr>
+          </c:marker>
+          <c:xVal>
+            <c:numRef>
+              <c:f>'[Plots (4).xlsx]Memory_increasingVertices'!$AD$4:$AH$4</c:f>
+              <c:numCache>
+                <c:formatCode>General</c:formatCode>
+                <c:ptCount val="5"/>
+                <c:pt idx="0">
+                  <c:v>100</c:v>
+                </c:pt>
+                <c:pt idx="1">
+                  <c:v>1000</c:v>
+                </c:pt>
+                <c:pt idx="2">
+                  <c:v>10000</c:v>
+                </c:pt>
+                <c:pt idx="3">
+                  <c:v>100000</c:v>
+                </c:pt>
+                <c:pt idx="4">
+                  <c:v>1000000</c:v>
+                </c:pt>
+              </c:numCache>
+            </c:numRef>
+          </c:xVal>
+          <c:yVal>
+            <c:numRef>
+              <c:f>'[Plots (4).xlsx]Memory_increasingVertices'!$AD$10:$AH$10</c:f>
+              <c:numCache>
+                <c:formatCode>General</c:formatCode>
+                <c:ptCount val="5"/>
+                <c:pt idx="0">
+                  <c:v>43844.800000000003</c:v>
+                </c:pt>
+                <c:pt idx="1">
+                  <c:v>43922.400000000001</c:v>
+                </c:pt>
+                <c:pt idx="2">
+                  <c:v>46356</c:v>
+                </c:pt>
+                <c:pt idx="3">
+                  <c:v>65430.400000000001</c:v>
+                </c:pt>
+                <c:pt idx="4">
+                  <c:v>269621.59999999998</c:v>
+                </c:pt>
+              </c:numCache>
+            </c:numRef>
+          </c:yVal>
+          <c:smooth val="0"/>
+        </c:ser>
+        <c:ser>
+          <c:idx val="5"/>
+          <c:order val="5"/>
+          <c:tx>
+            <c:strRef>
+              <c:f>'[Plots (4).xlsx]Memory_increasingVertices'!$AJ$1</c:f>
+              <c:strCache>
+                <c:ptCount val="1"/>
+                <c:pt idx="0">
+                  <c:v>ufind</c:v>
+                </c:pt>
+              </c:strCache>
+            </c:strRef>
+          </c:tx>
+          <c:spPr>
+            <a:ln w="22225" cap="rnd">
+              <a:solidFill>
+                <a:schemeClr val="accent6"/>
+              </a:solidFill>
+            </a:ln>
+            <a:effectLst>
+              <a:glow rad="139700">
+                <a:schemeClr val="accent6">
+                  <a:satMod val="175000"/>
+                  <a:alpha val="14000"/>
+                </a:schemeClr>
+              </a:glow>
+            </a:effectLst>
+          </c:spPr>
+          <c:marker>
+            <c:symbol val="circle"/>
+            <c:size val="4"/>
+            <c:spPr>
+              <a:solidFill>
+                <a:schemeClr val="accent6">
+                  <a:lumMod val="60000"/>
+                  <a:lumOff val="40000"/>
+                </a:schemeClr>
+              </a:solidFill>
+              <a:ln>
+                <a:noFill/>
+              </a:ln>
+              <a:effectLst>
+                <a:glow rad="63500">
+                  <a:schemeClr val="accent6">
+                    <a:satMod val="175000"/>
+                    <a:alpha val="25000"/>
+                  </a:schemeClr>
+                </a:glow>
+              </a:effectLst>
+            </c:spPr>
+          </c:marker>
+          <c:xVal>
+            <c:numRef>
+              <c:f>'[Plots (4).xlsx]Memory_increasingVertices'!$AK$4:$AO$4</c:f>
+              <c:numCache>
+                <c:formatCode>General</c:formatCode>
+                <c:ptCount val="5"/>
+                <c:pt idx="0">
+                  <c:v>100</c:v>
+                </c:pt>
+                <c:pt idx="1">
+                  <c:v>1000</c:v>
+                </c:pt>
+                <c:pt idx="2">
+                  <c:v>10000</c:v>
+                </c:pt>
+                <c:pt idx="3">
+                  <c:v>100000</c:v>
+                </c:pt>
+                <c:pt idx="4">
+                  <c:v>1000000</c:v>
+                </c:pt>
+              </c:numCache>
+            </c:numRef>
+          </c:xVal>
+          <c:yVal>
+            <c:numRef>
+              <c:f>'[Plots (4).xlsx]Memory_increasingVertices'!$AK$10:$AO$10</c:f>
+              <c:numCache>
+                <c:formatCode>General</c:formatCode>
+                <c:ptCount val="5"/>
+                <c:pt idx="0">
+                  <c:v>5004.8</c:v>
+                </c:pt>
+                <c:pt idx="1">
+                  <c:v>5017.6000000000004</c:v>
+                </c:pt>
+                <c:pt idx="2">
+                  <c:v>5886.4</c:v>
+                </c:pt>
+                <c:pt idx="3">
+                  <c:v>13982.4</c:v>
+                </c:pt>
+                <c:pt idx="4">
+                  <c:v>136182.39999999999</c:v>
+                </c:pt>
+              </c:numCache>
+            </c:numRef>
+          </c:yVal>
+          <c:smooth val="0"/>
+        </c:ser>
+        <c:ser>
+          <c:idx val="6"/>
+          <c:order val="6"/>
+          <c:tx>
+            <c:strRef>
+              <c:f>'[Plots (4).xlsx]Memory_increasingVertices'!$AQ$1</c:f>
+              <c:strCache>
+                <c:ptCount val="1"/>
+                <c:pt idx="0">
+                  <c:v>boost</c:v>
+                </c:pt>
+              </c:strCache>
+            </c:strRef>
+          </c:tx>
+          <c:spPr>
+            <a:ln w="22225" cap="rnd">
+              <a:solidFill>
+                <a:schemeClr val="accent1">
+                  <a:lumMod val="60000"/>
+                </a:schemeClr>
+              </a:solidFill>
+            </a:ln>
+            <a:effectLst>
+              <a:glow rad="139700">
+                <a:schemeClr val="accent1">
+                  <a:lumMod val="60000"/>
+                  <a:satMod val="175000"/>
+                  <a:alpha val="14000"/>
+                </a:schemeClr>
+              </a:glow>
+            </a:effectLst>
+          </c:spPr>
+          <c:marker>
+            <c:symbol val="circle"/>
+            <c:size val="4"/>
+            <c:spPr>
+              <a:solidFill>
+                <a:schemeClr val="accent1">
+                  <a:lumMod val="60000"/>
+                  <a:lumMod val="60000"/>
+                  <a:lumOff val="40000"/>
+                </a:schemeClr>
+              </a:solidFill>
+              <a:ln>
+                <a:noFill/>
+              </a:ln>
+              <a:effectLst>
+                <a:glow rad="63500">
+                  <a:schemeClr val="accent1">
+                    <a:lumMod val="60000"/>
+                    <a:satMod val="175000"/>
+                    <a:alpha val="25000"/>
+                  </a:schemeClr>
+                </a:glow>
+              </a:effectLst>
+            </c:spPr>
+          </c:marker>
+          <c:xVal>
+            <c:numRef>
+              <c:f>'[Plots (4).xlsx]Memory_increasingVertices'!$AR$4:$AV$4</c:f>
+              <c:numCache>
+                <c:formatCode>General</c:formatCode>
+                <c:ptCount val="5"/>
+                <c:pt idx="0">
+                  <c:v>100</c:v>
+                </c:pt>
+                <c:pt idx="1">
+                  <c:v>1000</c:v>
+                </c:pt>
+                <c:pt idx="2">
+                  <c:v>10000</c:v>
+                </c:pt>
+                <c:pt idx="3">
+                  <c:v>100000</c:v>
+                </c:pt>
+                <c:pt idx="4">
+                  <c:v>1000000</c:v>
+                </c:pt>
+              </c:numCache>
+            </c:numRef>
+          </c:xVal>
+          <c:yVal>
+            <c:numRef>
+              <c:f>'[Plots (4).xlsx]Memory_increasingVertices'!$AR$10:$AV$10</c:f>
+              <c:numCache>
+                <c:formatCode>General</c:formatCode>
+                <c:ptCount val="5"/>
+                <c:pt idx="0">
+                  <c:v>5016.8</c:v>
+                </c:pt>
+                <c:pt idx="1">
+                  <c:v>5924</c:v>
+                </c:pt>
+                <c:pt idx="2">
+                  <c:v>15985.6</c:v>
+                </c:pt>
+                <c:pt idx="3">
+                  <c:v>113964.8</c:v>
+                </c:pt>
+                <c:pt idx="4">
+                  <c:v>1091370.3999999999</c:v>
+                </c:pt>
+              </c:numCache>
+            </c:numRef>
+          </c:yVal>
+          <c:smooth val="0"/>
+        </c:ser>
+        <c:dLbls>
+          <c:showLegendKey val="0"/>
+          <c:showVal val="0"/>
+          <c:showCatName val="0"/>
+          <c:showSerName val="0"/>
+          <c:showPercent val="0"/>
+          <c:showBubbleSize val="0"/>
+        </c:dLbls>
+        <c:axId val="352642768"/>
+        <c:axId val="352643328"/>
+      </c:scatterChart>
+      <c:valAx>
+        <c:axId val="352642768"/>
+        <c:scaling>
+          <c:orientation val="minMax"/>
+          <c:max val="1020000"/>
+          <c:min val="0"/>
+        </c:scaling>
+        <c:delete val="0"/>
+        <c:axPos val="b"/>
+        <c:majorGridlines>
+          <c:spPr>
+            <a:ln w="9525" cap="flat" cmpd="sng" algn="ctr">
+              <a:gradFill>
+                <a:gsLst>
+                  <a:gs pos="100000">
+                    <a:schemeClr val="dk1">
+                      <a:lumMod val="75000"/>
+                      <a:lumOff val="25000"/>
+                    </a:schemeClr>
+                  </a:gs>
+                  <a:gs pos="0">
+                    <a:schemeClr val="dk1">
+                      <a:lumMod val="65000"/>
+                      <a:lumOff val="35000"/>
+                    </a:schemeClr>
+                  </a:gs>
+                </a:gsLst>
+                <a:lin ang="5400000" scaled="0"/>
+              </a:gradFill>
+              <a:round/>
+            </a:ln>
+            <a:effectLst/>
+          </c:spPr>
+        </c:majorGridlines>
+        <c:title>
+          <c:tx>
+            <c:rich>
+              <a:bodyPr rot="0" spcFirstLastPara="1" vertOverflow="ellipsis" vert="horz" wrap="square" anchor="ctr" anchorCtr="1"/>
+              <a:lstStyle/>
+              <a:p>
+                <a:pPr>
+                  <a:defRPr sz="1400" b="1" i="0" u="none" strike="noStrike" kern="1200" baseline="0">
+                    <a:solidFill>
+                      <a:schemeClr val="lt1">
+                        <a:lumMod val="75000"/>
+                      </a:schemeClr>
+                    </a:solidFill>
+                    <a:latin typeface="+mn-lt"/>
+                    <a:ea typeface="+mn-ea"/>
+                    <a:cs typeface="+mn-cs"/>
+                  </a:defRPr>
+                </a:pPr>
+                <a:r>
+                  <a:rPr lang="de-CH" sz="1400" dirty="0" smtClean="0"/>
+                  <a:t>Number of vertices</a:t>
+                </a:r>
+                <a:endParaRPr lang="de-CH" sz="1400" baseline="0" dirty="0"/>
+              </a:p>
+            </c:rich>
+          </c:tx>
+          <c:layout/>
+          <c:overlay val="0"/>
+          <c:spPr>
+            <a:noFill/>
+            <a:ln>
+              <a:noFill/>
+            </a:ln>
+            <a:effectLst/>
+          </c:spPr>
+          <c:txPr>
+            <a:bodyPr rot="0" spcFirstLastPara="1" vertOverflow="ellipsis" vert="horz" wrap="square" anchor="ctr" anchorCtr="1"/>
+            <a:lstStyle/>
+            <a:p>
+              <a:pPr>
+                <a:defRPr sz="1400" b="1" i="0" u="none" strike="noStrike" kern="1200" baseline="0">
+                  <a:solidFill>
+                    <a:schemeClr val="lt1">
+                      <a:lumMod val="75000"/>
+                    </a:schemeClr>
+                  </a:solidFill>
+                  <a:latin typeface="+mn-lt"/>
+                  <a:ea typeface="+mn-ea"/>
+                  <a:cs typeface="+mn-cs"/>
+                </a:defRPr>
+              </a:pPr>
+              <a:endParaRPr lang="en-US"/>
+            </a:p>
+          </c:txPr>
+        </c:title>
+        <c:numFmt formatCode="General" sourceLinked="1"/>
+        <c:majorTickMark val="none"/>
+        <c:minorTickMark val="none"/>
+        <c:tickLblPos val="nextTo"/>
+        <c:spPr>
+          <a:noFill/>
+          <a:ln>
+            <a:noFill/>
+          </a:ln>
+          <a:effectLst/>
+        </c:spPr>
+        <c:txPr>
+          <a:bodyPr rot="-60000000" spcFirstLastPara="1" vertOverflow="ellipsis" vert="horz" wrap="square" anchor="ctr" anchorCtr="1"/>
+          <a:lstStyle/>
+          <a:p>
+            <a:pPr>
+              <a:defRPr sz="1200" b="0" i="0" u="none" strike="noStrike" kern="1200" baseline="0">
+                <a:solidFill>
+                  <a:schemeClr val="lt1">
+                    <a:lumMod val="75000"/>
+                  </a:schemeClr>
+                </a:solidFill>
+                <a:latin typeface="+mn-lt"/>
+                <a:ea typeface="+mn-ea"/>
+                <a:cs typeface="+mn-cs"/>
+              </a:defRPr>
+            </a:pPr>
+            <a:endParaRPr lang="en-US"/>
+          </a:p>
+        </c:txPr>
+        <c:crossAx val="352643328"/>
+        <c:crosses val="autoZero"/>
+        <c:crossBetween val="midCat"/>
+      </c:valAx>
+      <c:valAx>
+        <c:axId val="352643328"/>
+        <c:scaling>
+          <c:orientation val="minMax"/>
+        </c:scaling>
+        <c:delete val="0"/>
+        <c:axPos val="l"/>
+        <c:majorGridlines>
+          <c:spPr>
+            <a:ln w="9525" cap="flat" cmpd="sng" algn="ctr">
+              <a:gradFill>
+                <a:gsLst>
+                  <a:gs pos="100000">
+                    <a:schemeClr val="dk1">
+                      <a:lumMod val="75000"/>
+                      <a:lumOff val="25000"/>
+                    </a:schemeClr>
+                  </a:gs>
+                  <a:gs pos="0">
+                    <a:schemeClr val="dk1">
+                      <a:lumMod val="65000"/>
+                      <a:lumOff val="35000"/>
+                    </a:schemeClr>
+                  </a:gs>
+                </a:gsLst>
+                <a:lin ang="5400000" scaled="0"/>
+              </a:gradFill>
+              <a:round/>
+            </a:ln>
+            <a:effectLst/>
+          </c:spPr>
+        </c:majorGridlines>
+        <c:title>
+          <c:tx>
+            <c:rich>
+              <a:bodyPr rot="0" spcFirstLastPara="1" vertOverflow="ellipsis" wrap="square" anchor="ctr" anchorCtr="1"/>
+              <a:lstStyle/>
+              <a:p>
+                <a:pPr>
+                  <a:defRPr sz="1400" b="1" i="0" u="none" strike="noStrike" kern="1200" baseline="0">
+                    <a:solidFill>
+                      <a:schemeClr val="lt1">
+                        <a:lumMod val="75000"/>
+                      </a:schemeClr>
+                    </a:solidFill>
+                    <a:latin typeface="+mn-lt"/>
+                    <a:ea typeface="+mn-ea"/>
+                    <a:cs typeface="+mn-cs"/>
+                  </a:defRPr>
+                </a:pPr>
+                <a:r>
+                  <a:rPr lang="de-CH" sz="1400" dirty="0" smtClean="0"/>
+                  <a:t>Megabytes</a:t>
+                </a:r>
+              </a:p>
+            </c:rich>
+          </c:tx>
+          <c:layout/>
+          <c:overlay val="0"/>
+          <c:spPr>
+            <a:noFill/>
+            <a:ln>
+              <a:noFill/>
+            </a:ln>
+            <a:effectLst/>
+          </c:spPr>
+          <c:txPr>
+            <a:bodyPr rot="0" spcFirstLastPara="1" vertOverflow="ellipsis" wrap="square" anchor="ctr" anchorCtr="1"/>
+            <a:lstStyle/>
+            <a:p>
+              <a:pPr>
+                <a:defRPr sz="1400" b="1" i="0" u="none" strike="noStrike" kern="1200" baseline="0">
+                  <a:solidFill>
+                    <a:schemeClr val="lt1">
+                      <a:lumMod val="75000"/>
+                    </a:schemeClr>
+                  </a:solidFill>
+                  <a:latin typeface="+mn-lt"/>
+                  <a:ea typeface="+mn-ea"/>
+                  <a:cs typeface="+mn-cs"/>
+                </a:defRPr>
+              </a:pPr>
+              <a:endParaRPr lang="en-US"/>
+            </a:p>
+          </c:txPr>
+        </c:title>
+        <c:numFmt formatCode="General" sourceLinked="1"/>
+        <c:majorTickMark val="none"/>
+        <c:minorTickMark val="none"/>
+        <c:tickLblPos val="nextTo"/>
+        <c:spPr>
+          <a:noFill/>
+          <a:ln>
+            <a:noFill/>
+          </a:ln>
+          <a:effectLst/>
+        </c:spPr>
+        <c:txPr>
+          <a:bodyPr rot="-60000000" spcFirstLastPara="1" vertOverflow="ellipsis" vert="horz" wrap="square" anchor="ctr" anchorCtr="1"/>
+          <a:lstStyle/>
+          <a:p>
+            <a:pPr>
+              <a:defRPr sz="1200" b="0" i="0" u="none" strike="noStrike" kern="1200" baseline="0">
+                <a:solidFill>
+                  <a:schemeClr val="lt1">
+                    <a:lumMod val="75000"/>
+                  </a:schemeClr>
+                </a:solidFill>
+                <a:latin typeface="+mn-lt"/>
+                <a:ea typeface="+mn-ea"/>
+                <a:cs typeface="+mn-cs"/>
+              </a:defRPr>
+            </a:pPr>
+            <a:endParaRPr lang="en-US"/>
+          </a:p>
+        </c:txPr>
+        <c:crossAx val="352642768"/>
+        <c:crosses val="autoZero"/>
+        <c:crossBetween val="midCat"/>
+        <c:dispUnits>
+          <c:builtInUnit val="thousands"/>
+        </c:dispUnits>
+      </c:valAx>
+      <c:spPr>
+        <a:noFill/>
+        <a:ln>
+          <a:noFill/>
+        </a:ln>
+        <a:effectLst/>
+      </c:spPr>
+    </c:plotArea>
+    <c:legend>
+      <c:legendPos val="t"/>
+      <c:layout/>
+      <c:overlay val="0"/>
+      <c:spPr>
+        <a:noFill/>
+        <a:ln>
+          <a:noFill/>
+        </a:ln>
+        <a:effectLst/>
+      </c:spPr>
+      <c:txPr>
+        <a:bodyPr rot="0" spcFirstLastPara="1" vertOverflow="ellipsis" vert="horz" wrap="square" anchor="ctr" anchorCtr="1"/>
+        <a:lstStyle/>
+        <a:p>
+          <a:pPr>
+            <a:defRPr sz="900" b="0" i="0" u="none" strike="noStrike" kern="1200" baseline="0">
+              <a:solidFill>
+                <a:schemeClr val="lt1">
+                  <a:lumMod val="75000"/>
+                </a:schemeClr>
+              </a:solidFill>
+              <a:latin typeface="+mn-lt"/>
+              <a:ea typeface="+mn-ea"/>
+              <a:cs typeface="+mn-cs"/>
+            </a:defRPr>
+          </a:pPr>
+          <a:endParaRPr lang="en-US"/>
+        </a:p>
+      </c:txPr>
+    </c:legend>
+    <c:plotVisOnly val="1"/>
+    <c:dispBlanksAs val="gap"/>
+    <c:showDLblsOverMax val="0"/>
+  </c:chart>
+  <c:spPr>
+    <a:solidFill>
+      <a:schemeClr val="dk1">
+        <a:lumMod val="75000"/>
+        <a:lumOff val="25000"/>
+      </a:schemeClr>
+    </a:solidFill>
+    <a:ln w="9525" cap="flat" cmpd="sng" algn="ctr">
+      <a:solidFill>
+        <a:schemeClr val="dk1">
+          <a:lumMod val="15000"/>
+          <a:lumOff val="85000"/>
+        </a:schemeClr>
+      </a:solidFill>
+      <a:round/>
+    </a:ln>
+    <a:effectLst/>
+  </c:spPr>
+  <c:txPr>
+    <a:bodyPr/>
+    <a:lstStyle/>
+    <a:p>
+      <a:pPr>
+        <a:defRPr/>
+      </a:pPr>
+      <a:endParaRPr lang="en-US"/>
+    </a:p>
+  </c:txPr>
+  <c:externalData r:id="rId3">
+    <c:autoUpdate val="0"/>
+  </c:externalData>
+</c:chartSpace>
+</file>
+
+<file path=ppt/charts/chart8.xml><?xml version="1.0" encoding="utf-8"?>
+<c:chartSpace xmlns:c="http://schemas.openxmlformats.org/drawingml/2006/chart" xmlns:a="http://schemas.openxmlformats.org/drawingml/2006/main" xmlns:r="http://schemas.openxmlformats.org/officeDocument/2006/relationships">
+  <c:date1904 val="0"/>
+  <c:lang val="en-US"/>
+  <c:roundedCorners val="0"/>
+  <mc:AlternateContent xmlns:mc="http://schemas.openxmlformats.org/markup-compatibility/2006">
+    <mc:Choice xmlns:c14="http://schemas.microsoft.com/office/drawing/2007/8/2/chart" Requires="c14">
+      <c14:style val="102"/>
+    </mc:Choice>
+    <mc:Fallback>
+      <c:style val="2"/>
+    </mc:Fallback>
+  </mc:AlternateContent>
+  <c:chart>
+    <c:title>
+      <c:tx>
+        <c:rich>
+          <a:bodyPr rot="0" spcFirstLastPara="1" vertOverflow="ellipsis" vert="horz" wrap="square" anchor="ctr" anchorCtr="1"/>
+          <a:lstStyle/>
+          <a:p>
+            <a:pPr>
+              <a:defRPr sz="1800" b="1" i="0" u="none" strike="noStrike" kern="1200" cap="none" baseline="0">
+                <a:solidFill>
+                  <a:schemeClr val="lt1">
+                    <a:lumMod val="85000"/>
+                  </a:schemeClr>
+                </a:solidFill>
+                <a:latin typeface="+mn-lt"/>
+                <a:ea typeface="+mn-ea"/>
+                <a:cs typeface="+mn-cs"/>
+              </a:defRPr>
+            </a:pPr>
+            <a:r>
               <a:rPr lang="en-US" sz="1800" baseline="0" dirty="0" smtClean="0"/>
               <a:t>Runtime x Number of components</a:t>
             </a:r>
@@ -6485,7 +10145,1224 @@
 </c:chartSpace>
 </file>
 
+<file path=ppt/charts/chart9.xml><?xml version="1.0" encoding="utf-8"?>
+<c:chartSpace xmlns:c="http://schemas.openxmlformats.org/drawingml/2006/chart" xmlns:a="http://schemas.openxmlformats.org/drawingml/2006/main" xmlns:r="http://schemas.openxmlformats.org/officeDocument/2006/relationships">
+  <c:date1904 val="0"/>
+  <c:lang val="en-US"/>
+  <c:roundedCorners val="0"/>
+  <mc:AlternateContent xmlns:mc="http://schemas.openxmlformats.org/markup-compatibility/2006">
+    <mc:Choice xmlns:c14="http://schemas.microsoft.com/office/drawing/2007/8/2/chart" Requires="c14">
+      <c14:style val="102"/>
+    </mc:Choice>
+    <mc:Fallback>
+      <c:style val="2"/>
+    </mc:Fallback>
+  </mc:AlternateContent>
+  <c:chart>
+    <c:title>
+      <c:tx>
+        <c:rich>
+          <a:bodyPr rot="0" spcFirstLastPara="1" vertOverflow="ellipsis" vert="horz" wrap="square" anchor="ctr" anchorCtr="1"/>
+          <a:lstStyle/>
+          <a:p>
+            <a:pPr>
+              <a:defRPr sz="1800" b="1" i="0" u="none" strike="noStrike" kern="1200" cap="none" baseline="0">
+                <a:solidFill>
+                  <a:schemeClr val="lt1">
+                    <a:lumMod val="85000"/>
+                  </a:schemeClr>
+                </a:solidFill>
+                <a:latin typeface="+mn-lt"/>
+                <a:ea typeface="+mn-ea"/>
+                <a:cs typeface="+mn-cs"/>
+              </a:defRPr>
+            </a:pPr>
+            <a:r>
+              <a:rPr lang="en-US" sz="1800" baseline="0" dirty="0" smtClean="0"/>
+              <a:t>Runtime x Number of threads</a:t>
+            </a:r>
+            <a:endParaRPr lang="en-US" sz="1800" dirty="0"/>
+          </a:p>
+        </c:rich>
+      </c:tx>
+      <c:layout/>
+      <c:overlay val="0"/>
+      <c:spPr>
+        <a:noFill/>
+        <a:ln>
+          <a:noFill/>
+        </a:ln>
+        <a:effectLst/>
+      </c:spPr>
+      <c:txPr>
+        <a:bodyPr rot="0" spcFirstLastPara="1" vertOverflow="ellipsis" vert="horz" wrap="square" anchor="ctr" anchorCtr="1"/>
+        <a:lstStyle/>
+        <a:p>
+          <a:pPr>
+            <a:defRPr sz="1800" b="1" i="0" u="none" strike="noStrike" kern="1200" cap="none" baseline="0">
+              <a:solidFill>
+                <a:schemeClr val="lt1">
+                  <a:lumMod val="85000"/>
+                </a:schemeClr>
+              </a:solidFill>
+              <a:latin typeface="+mn-lt"/>
+              <a:ea typeface="+mn-ea"/>
+              <a:cs typeface="+mn-cs"/>
+            </a:defRPr>
+          </a:pPr>
+          <a:endParaRPr lang="en-US"/>
+        </a:p>
+      </c:txPr>
+    </c:title>
+    <c:autoTitleDeleted val="0"/>
+    <c:plotArea>
+      <c:layout/>
+      <c:scatterChart>
+        <c:scatterStyle val="lineMarker"/>
+        <c:varyColors val="0"/>
+        <c:ser>
+          <c:idx val="0"/>
+          <c:order val="0"/>
+          <c:tx>
+            <c:strRef>
+              <c:f>'[Plots (4).xlsx]increasing Threads'!$H$1</c:f>
+              <c:strCache>
+                <c:ptCount val="1"/>
+                <c:pt idx="0">
+                  <c:v>Bfs</c:v>
+                </c:pt>
+              </c:strCache>
+            </c:strRef>
+          </c:tx>
+          <c:spPr>
+            <a:ln w="22225" cap="rnd">
+              <a:solidFill>
+                <a:schemeClr val="accent1"/>
+              </a:solidFill>
+              <a:prstDash val="sysDot"/>
+            </a:ln>
+            <a:effectLst>
+              <a:glow rad="139700">
+                <a:schemeClr val="accent1">
+                  <a:satMod val="175000"/>
+                  <a:alpha val="14000"/>
+                </a:schemeClr>
+              </a:glow>
+            </a:effectLst>
+          </c:spPr>
+          <c:marker>
+            <c:symbol val="none"/>
+          </c:marker>
+          <c:dPt>
+            <c:idx val="3"/>
+            <c:marker>
+              <c:symbol val="none"/>
+            </c:marker>
+            <c:bubble3D val="0"/>
+          </c:dPt>
+          <c:errBars>
+            <c:errDir val="y"/>
+            <c:errBarType val="both"/>
+            <c:errValType val="cust"/>
+            <c:noEndCap val="0"/>
+            <c:plus>
+              <c:numRef>
+                <c:f>'[Plots (4).xlsx]increasing Threads'!$I$11:$M$11</c:f>
+                <c:numCache>
+                  <c:formatCode>General</c:formatCode>
+                  <c:ptCount val="5"/>
+                  <c:pt idx="0">
+                    <c:v>0.25623108739963601</c:v>
+                  </c:pt>
+                  <c:pt idx="1">
+                    <c:v>0.25623108739963601</c:v>
+                  </c:pt>
+                  <c:pt idx="2">
+                    <c:v>0.25623108739963601</c:v>
+                  </c:pt>
+                  <c:pt idx="3">
+                    <c:v>0.25623108739963601</c:v>
+                  </c:pt>
+                  <c:pt idx="4">
+                    <c:v>0.25623108739963601</c:v>
+                  </c:pt>
+                </c:numCache>
+              </c:numRef>
+            </c:plus>
+            <c:minus>
+              <c:numRef>
+                <c:f>'[Plots (4).xlsx]increasing Threads'!$B$11:$F$11</c:f>
+                <c:numCache>
+                  <c:formatCode>General</c:formatCode>
+                  <c:ptCount val="5"/>
+                  <c:pt idx="0">
+                    <c:v>0.1852605099736585</c:v>
+                  </c:pt>
+                  <c:pt idx="1">
+                    <c:v>5.7227727132046692E-2</c:v>
+                  </c:pt>
+                  <c:pt idx="2">
+                    <c:v>0.10745601668496745</c:v>
+                  </c:pt>
+                  <c:pt idx="3">
+                    <c:v>7.254261651953281E-2</c:v>
+                  </c:pt>
+                  <c:pt idx="4">
+                    <c:v>7.6386476690576618E-2</c:v>
+                  </c:pt>
+                </c:numCache>
+              </c:numRef>
+            </c:minus>
+            <c:spPr>
+              <a:noFill/>
+              <a:ln w="9525">
+                <a:noFill/>
+                <a:round/>
+              </a:ln>
+              <a:effectLst/>
+            </c:spPr>
+          </c:errBars>
+          <c:errBars>
+            <c:errDir val="x"/>
+            <c:errBarType val="both"/>
+            <c:errValType val="fixedVal"/>
+            <c:noEndCap val="0"/>
+            <c:val val="1"/>
+            <c:spPr>
+              <a:noFill/>
+              <a:ln w="9525">
+                <a:solidFill>
+                  <a:schemeClr val="lt1">
+                    <a:lumMod val="50000"/>
+                  </a:schemeClr>
+                </a:solidFill>
+                <a:round/>
+              </a:ln>
+              <a:effectLst/>
+            </c:spPr>
+          </c:errBars>
+          <c:xVal>
+            <c:numRef>
+              <c:f>'[Plots (4).xlsx]increasing Threads'!$I$4:$M$4</c:f>
+              <c:numCache>
+                <c:formatCode>General</c:formatCode>
+                <c:ptCount val="5"/>
+                <c:pt idx="0">
+                  <c:v>1</c:v>
+                </c:pt>
+                <c:pt idx="1">
+                  <c:v>30</c:v>
+                </c:pt>
+                <c:pt idx="2">
+                  <c:v>60</c:v>
+                </c:pt>
+                <c:pt idx="3">
+                  <c:v>120</c:v>
+                </c:pt>
+                <c:pt idx="4">
+                  <c:v>240</c:v>
+                </c:pt>
+              </c:numCache>
+            </c:numRef>
+          </c:xVal>
+          <c:yVal>
+            <c:numRef>
+              <c:f>'[Plots (4).xlsx]increasing Threads'!$I$10:$M$10</c:f>
+              <c:numCache>
+                <c:formatCode>General</c:formatCode>
+                <c:ptCount val="5"/>
+                <c:pt idx="0">
+                  <c:v>6.2244100000000007</c:v>
+                </c:pt>
+                <c:pt idx="1">
+                  <c:v>6.2244100000000007</c:v>
+                </c:pt>
+                <c:pt idx="2">
+                  <c:v>6.2244100000000007</c:v>
+                </c:pt>
+                <c:pt idx="3">
+                  <c:v>6.2244100000000007</c:v>
+                </c:pt>
+                <c:pt idx="4">
+                  <c:v>6.2244100000000007</c:v>
+                </c:pt>
+              </c:numCache>
+            </c:numRef>
+          </c:yVal>
+          <c:smooth val="0"/>
+        </c:ser>
+        <c:ser>
+          <c:idx val="1"/>
+          <c:order val="1"/>
+          <c:tx>
+            <c:strRef>
+              <c:f>'[Plots (4).xlsx]increasing Threads'!$A$1</c:f>
+              <c:strCache>
+                <c:ptCount val="1"/>
+                <c:pt idx="0">
+                  <c:v>pBfs</c:v>
+                </c:pt>
+              </c:strCache>
+            </c:strRef>
+          </c:tx>
+          <c:spPr>
+            <a:ln w="22225" cap="rnd">
+              <a:solidFill>
+                <a:schemeClr val="accent2"/>
+              </a:solidFill>
+            </a:ln>
+            <a:effectLst>
+              <a:glow rad="139700">
+                <a:schemeClr val="accent2">
+                  <a:satMod val="175000"/>
+                  <a:alpha val="14000"/>
+                </a:schemeClr>
+              </a:glow>
+            </a:effectLst>
+          </c:spPr>
+          <c:marker>
+            <c:symbol val="circle"/>
+            <c:size val="4"/>
+            <c:spPr>
+              <a:solidFill>
+                <a:schemeClr val="accent2">
+                  <a:lumMod val="60000"/>
+                  <a:lumOff val="40000"/>
+                </a:schemeClr>
+              </a:solidFill>
+              <a:ln>
+                <a:noFill/>
+              </a:ln>
+              <a:effectLst>
+                <a:glow rad="63500">
+                  <a:schemeClr val="accent2">
+                    <a:satMod val="175000"/>
+                    <a:alpha val="25000"/>
+                  </a:schemeClr>
+                </a:glow>
+              </a:effectLst>
+            </c:spPr>
+          </c:marker>
+          <c:xVal>
+            <c:numRef>
+              <c:f>'[Plots (4).xlsx]increasing Threads'!$B$4:$F$4</c:f>
+              <c:numCache>
+                <c:formatCode>General</c:formatCode>
+                <c:ptCount val="5"/>
+                <c:pt idx="0">
+                  <c:v>1</c:v>
+                </c:pt>
+                <c:pt idx="1">
+                  <c:v>30</c:v>
+                </c:pt>
+                <c:pt idx="2">
+                  <c:v>60</c:v>
+                </c:pt>
+                <c:pt idx="3">
+                  <c:v>120</c:v>
+                </c:pt>
+                <c:pt idx="4">
+                  <c:v>240</c:v>
+                </c:pt>
+              </c:numCache>
+            </c:numRef>
+          </c:xVal>
+          <c:yVal>
+            <c:numRef>
+              <c:f>'[Plots (4).xlsx]increasing Threads'!$B$10:$F$10</c:f>
+              <c:numCache>
+                <c:formatCode>General</c:formatCode>
+                <c:ptCount val="5"/>
+                <c:pt idx="0">
+                  <c:v>6.1905998000000002</c:v>
+                </c:pt>
+                <c:pt idx="1">
+                  <c:v>1.0435772000000001</c:v>
+                </c:pt>
+                <c:pt idx="2">
+                  <c:v>1.2041864</c:v>
+                </c:pt>
+                <c:pt idx="3">
+                  <c:v>1.2161830000000002</c:v>
+                </c:pt>
+                <c:pt idx="4">
+                  <c:v>0.53845480000000001</c:v>
+                </c:pt>
+              </c:numCache>
+            </c:numRef>
+          </c:yVal>
+          <c:smooth val="0"/>
+        </c:ser>
+        <c:ser>
+          <c:idx val="2"/>
+          <c:order val="2"/>
+          <c:tx>
+            <c:strRef>
+              <c:f>'[Plots (4).xlsx]increasing Threads'!$O$1</c:f>
+              <c:strCache>
+                <c:ptCount val="1"/>
+                <c:pt idx="0">
+                  <c:v>pBfsAtomic</c:v>
+                </c:pt>
+              </c:strCache>
+            </c:strRef>
+          </c:tx>
+          <c:spPr>
+            <a:ln w="22225" cap="rnd">
+              <a:solidFill>
+                <a:schemeClr val="accent3"/>
+              </a:solidFill>
+            </a:ln>
+            <a:effectLst>
+              <a:glow rad="139700">
+                <a:schemeClr val="accent3">
+                  <a:satMod val="175000"/>
+                  <a:alpha val="14000"/>
+                </a:schemeClr>
+              </a:glow>
+            </a:effectLst>
+          </c:spPr>
+          <c:marker>
+            <c:symbol val="circle"/>
+            <c:size val="4"/>
+            <c:spPr>
+              <a:solidFill>
+                <a:schemeClr val="accent3">
+                  <a:lumMod val="60000"/>
+                  <a:lumOff val="40000"/>
+                </a:schemeClr>
+              </a:solidFill>
+              <a:ln>
+                <a:noFill/>
+              </a:ln>
+              <a:effectLst>
+                <a:glow rad="63500">
+                  <a:schemeClr val="accent3">
+                    <a:satMod val="175000"/>
+                    <a:alpha val="25000"/>
+                  </a:schemeClr>
+                </a:glow>
+              </a:effectLst>
+            </c:spPr>
+          </c:marker>
+          <c:xVal>
+            <c:numRef>
+              <c:f>'[Plots (4).xlsx]increasing Threads'!$P$4:$T$4</c:f>
+              <c:numCache>
+                <c:formatCode>General</c:formatCode>
+                <c:ptCount val="5"/>
+                <c:pt idx="0">
+                  <c:v>1</c:v>
+                </c:pt>
+                <c:pt idx="1">
+                  <c:v>30</c:v>
+                </c:pt>
+                <c:pt idx="2">
+                  <c:v>60</c:v>
+                </c:pt>
+                <c:pt idx="3">
+                  <c:v>120</c:v>
+                </c:pt>
+                <c:pt idx="4">
+                  <c:v>240</c:v>
+                </c:pt>
+              </c:numCache>
+            </c:numRef>
+          </c:xVal>
+          <c:yVal>
+            <c:numRef>
+              <c:f>'[Plots (4).xlsx]increasing Threads'!$P$10:$T$10</c:f>
+              <c:numCache>
+                <c:formatCode>General</c:formatCode>
+                <c:ptCount val="5"/>
+                <c:pt idx="0">
+                  <c:v>7.1341421999999994</c:v>
+                </c:pt>
+                <c:pt idx="1">
+                  <c:v>1.0467842000000001</c:v>
+                </c:pt>
+                <c:pt idx="2">
+                  <c:v>1.4016009999999999</c:v>
+                </c:pt>
+                <c:pt idx="3">
+                  <c:v>2.0194019999999999</c:v>
+                </c:pt>
+                <c:pt idx="4">
+                  <c:v>1.1044212</c:v>
+                </c:pt>
+              </c:numCache>
+            </c:numRef>
+          </c:yVal>
+          <c:smooth val="0"/>
+        </c:ser>
+        <c:ser>
+          <c:idx val="3"/>
+          <c:order val="3"/>
+          <c:tx>
+            <c:strRef>
+              <c:f>'[Plots (4).xlsx]increasing Threads'!$V$1</c:f>
+              <c:strCache>
+                <c:ptCount val="1"/>
+                <c:pt idx="0">
+                  <c:v>randContract</c:v>
+                </c:pt>
+              </c:strCache>
+            </c:strRef>
+          </c:tx>
+          <c:spPr>
+            <a:ln w="22225" cap="rnd">
+              <a:solidFill>
+                <a:schemeClr val="accent4"/>
+              </a:solidFill>
+              <a:prstDash val="sysDot"/>
+            </a:ln>
+            <a:effectLst>
+              <a:glow rad="139700">
+                <a:schemeClr val="accent4">
+                  <a:satMod val="175000"/>
+                  <a:alpha val="14000"/>
+                </a:schemeClr>
+              </a:glow>
+            </a:effectLst>
+          </c:spPr>
+          <c:marker>
+            <c:symbol val="none"/>
+          </c:marker>
+          <c:xVal>
+            <c:numRef>
+              <c:f>'[Plots (4).xlsx]increasing Threads'!$W$4:$AA$4</c:f>
+              <c:numCache>
+                <c:formatCode>General</c:formatCode>
+                <c:ptCount val="5"/>
+                <c:pt idx="0">
+                  <c:v>1</c:v>
+                </c:pt>
+                <c:pt idx="1">
+                  <c:v>30</c:v>
+                </c:pt>
+                <c:pt idx="2">
+                  <c:v>60</c:v>
+                </c:pt>
+                <c:pt idx="3">
+                  <c:v>120</c:v>
+                </c:pt>
+                <c:pt idx="4">
+                  <c:v>240</c:v>
+                </c:pt>
+              </c:numCache>
+            </c:numRef>
+          </c:xVal>
+          <c:yVal>
+            <c:numRef>
+              <c:f>'[Plots (4).xlsx]increasing Threads'!$W$10:$AA$10</c:f>
+              <c:numCache>
+                <c:formatCode>General</c:formatCode>
+                <c:ptCount val="5"/>
+                <c:pt idx="0">
+                  <c:v>43.990808199999989</c:v>
+                </c:pt>
+                <c:pt idx="1">
+                  <c:v>43.990808199999989</c:v>
+                </c:pt>
+                <c:pt idx="2">
+                  <c:v>43.990808199999989</c:v>
+                </c:pt>
+                <c:pt idx="3">
+                  <c:v>43.990808199999989</c:v>
+                </c:pt>
+                <c:pt idx="4">
+                  <c:v>43.990808199999989</c:v>
+                </c:pt>
+              </c:numCache>
+            </c:numRef>
+          </c:yVal>
+          <c:smooth val="0"/>
+        </c:ser>
+        <c:ser>
+          <c:idx val="4"/>
+          <c:order val="4"/>
+          <c:tx>
+            <c:strRef>
+              <c:f>'[Plots (4).xlsx]increasing Threads'!$AC$1</c:f>
+              <c:strCache>
+                <c:ptCount val="1"/>
+                <c:pt idx="0">
+                  <c:v>pRandContract</c:v>
+                </c:pt>
+              </c:strCache>
+            </c:strRef>
+          </c:tx>
+          <c:spPr>
+            <a:ln w="22225" cap="rnd">
+              <a:solidFill>
+                <a:schemeClr val="accent5"/>
+              </a:solidFill>
+            </a:ln>
+            <a:effectLst>
+              <a:glow rad="139700">
+                <a:schemeClr val="accent5">
+                  <a:satMod val="175000"/>
+                  <a:alpha val="14000"/>
+                </a:schemeClr>
+              </a:glow>
+            </a:effectLst>
+          </c:spPr>
+          <c:marker>
+            <c:symbol val="circle"/>
+            <c:size val="4"/>
+            <c:spPr>
+              <a:solidFill>
+                <a:schemeClr val="accent5">
+                  <a:lumMod val="60000"/>
+                  <a:lumOff val="40000"/>
+                </a:schemeClr>
+              </a:solidFill>
+              <a:ln>
+                <a:noFill/>
+              </a:ln>
+              <a:effectLst>
+                <a:glow rad="63500">
+                  <a:schemeClr val="accent5">
+                    <a:satMod val="175000"/>
+                    <a:alpha val="25000"/>
+                  </a:schemeClr>
+                </a:glow>
+              </a:effectLst>
+            </c:spPr>
+          </c:marker>
+          <c:xVal>
+            <c:numRef>
+              <c:f>'[Plots (4).xlsx]increasing Threads'!$AD$4:$AH$4</c:f>
+              <c:numCache>
+                <c:formatCode>General</c:formatCode>
+                <c:ptCount val="5"/>
+                <c:pt idx="0">
+                  <c:v>1</c:v>
+                </c:pt>
+                <c:pt idx="1">
+                  <c:v>30</c:v>
+                </c:pt>
+                <c:pt idx="2">
+                  <c:v>60</c:v>
+                </c:pt>
+                <c:pt idx="3">
+                  <c:v>120</c:v>
+                </c:pt>
+                <c:pt idx="4">
+                  <c:v>240</c:v>
+                </c:pt>
+              </c:numCache>
+            </c:numRef>
+          </c:xVal>
+          <c:yVal>
+            <c:numRef>
+              <c:f>'[Plots (4).xlsx]increasing Threads'!$AD$10:$AH$10</c:f>
+              <c:numCache>
+                <c:formatCode>General</c:formatCode>
+                <c:ptCount val="5"/>
+                <c:pt idx="0">
+                  <c:v>39.805079999999997</c:v>
+                </c:pt>
+                <c:pt idx="1">
+                  <c:v>17.88766</c:v>
+                </c:pt>
+                <c:pt idx="2">
+                  <c:v>17.792880000000004</c:v>
+                </c:pt>
+                <c:pt idx="3">
+                  <c:v>17.514900000000001</c:v>
+                </c:pt>
+                <c:pt idx="4">
+                  <c:v>16.57602</c:v>
+                </c:pt>
+              </c:numCache>
+            </c:numRef>
+          </c:yVal>
+          <c:smooth val="0"/>
+        </c:ser>
+        <c:ser>
+          <c:idx val="5"/>
+          <c:order val="5"/>
+          <c:tx>
+            <c:strRef>
+              <c:f>'[Plots (4).xlsx]increasing Threads'!$AJ$1</c:f>
+              <c:strCache>
+                <c:ptCount val="1"/>
+                <c:pt idx="0">
+                  <c:v>ufind</c:v>
+                </c:pt>
+              </c:strCache>
+            </c:strRef>
+          </c:tx>
+          <c:spPr>
+            <a:ln w="22225" cap="rnd">
+              <a:solidFill>
+                <a:schemeClr val="accent6"/>
+              </a:solidFill>
+              <a:prstDash val="sysDot"/>
+            </a:ln>
+            <a:effectLst>
+              <a:glow rad="139700">
+                <a:schemeClr val="accent6">
+                  <a:satMod val="175000"/>
+                  <a:alpha val="14000"/>
+                </a:schemeClr>
+              </a:glow>
+            </a:effectLst>
+          </c:spPr>
+          <c:marker>
+            <c:symbol val="none"/>
+          </c:marker>
+          <c:xVal>
+            <c:numRef>
+              <c:f>'[Plots (4).xlsx]increasing Threads'!$AK$4:$AO$4</c:f>
+              <c:numCache>
+                <c:formatCode>General</c:formatCode>
+                <c:ptCount val="5"/>
+                <c:pt idx="0">
+                  <c:v>1</c:v>
+                </c:pt>
+                <c:pt idx="1">
+                  <c:v>30</c:v>
+                </c:pt>
+                <c:pt idx="2">
+                  <c:v>60</c:v>
+                </c:pt>
+                <c:pt idx="3">
+                  <c:v>120</c:v>
+                </c:pt>
+                <c:pt idx="4">
+                  <c:v>240</c:v>
+                </c:pt>
+              </c:numCache>
+            </c:numRef>
+          </c:xVal>
+          <c:yVal>
+            <c:numRef>
+              <c:f>'[Plots (4).xlsx]increasing Threads'!$AK$10:$AO$10</c:f>
+              <c:numCache>
+                <c:formatCode>General</c:formatCode>
+                <c:ptCount val="5"/>
+                <c:pt idx="0">
+                  <c:v>2.8516640000000004</c:v>
+                </c:pt>
+                <c:pt idx="1">
+                  <c:v>2.8516640000000004</c:v>
+                </c:pt>
+                <c:pt idx="2">
+                  <c:v>2.8516640000000004</c:v>
+                </c:pt>
+                <c:pt idx="3">
+                  <c:v>2.8516640000000004</c:v>
+                </c:pt>
+                <c:pt idx="4">
+                  <c:v>2.8516640000000004</c:v>
+                </c:pt>
+              </c:numCache>
+            </c:numRef>
+          </c:yVal>
+          <c:smooth val="0"/>
+        </c:ser>
+        <c:ser>
+          <c:idx val="6"/>
+          <c:order val="6"/>
+          <c:tx>
+            <c:strRef>
+              <c:f>'[Plots (4).xlsx]increasing Threads'!$AQ$1</c:f>
+              <c:strCache>
+                <c:ptCount val="1"/>
+                <c:pt idx="0">
+                  <c:v>boost</c:v>
+                </c:pt>
+              </c:strCache>
+            </c:strRef>
+          </c:tx>
+          <c:spPr>
+            <a:ln w="22225" cap="rnd">
+              <a:solidFill>
+                <a:schemeClr val="accent1">
+                  <a:lumMod val="60000"/>
+                </a:schemeClr>
+              </a:solidFill>
+              <a:prstDash val="sysDot"/>
+            </a:ln>
+            <a:effectLst>
+              <a:glow rad="139700">
+                <a:schemeClr val="accent1">
+                  <a:lumMod val="60000"/>
+                  <a:satMod val="175000"/>
+                  <a:alpha val="14000"/>
+                </a:schemeClr>
+              </a:glow>
+            </a:effectLst>
+          </c:spPr>
+          <c:marker>
+            <c:symbol val="none"/>
+          </c:marker>
+          <c:xVal>
+            <c:numRef>
+              <c:f>'[Plots (4).xlsx]increasing Threads'!$AR$4:$AV$4</c:f>
+              <c:numCache>
+                <c:formatCode>General</c:formatCode>
+                <c:ptCount val="5"/>
+                <c:pt idx="0">
+                  <c:v>1</c:v>
+                </c:pt>
+                <c:pt idx="1">
+                  <c:v>30</c:v>
+                </c:pt>
+                <c:pt idx="2">
+                  <c:v>60</c:v>
+                </c:pt>
+                <c:pt idx="3">
+                  <c:v>120</c:v>
+                </c:pt>
+                <c:pt idx="4">
+                  <c:v>240</c:v>
+                </c:pt>
+              </c:numCache>
+            </c:numRef>
+          </c:xVal>
+          <c:yVal>
+            <c:numRef>
+              <c:f>'[Plots (4).xlsx]increasing Threads'!$AR$10:$AV$10</c:f>
+              <c:numCache>
+                <c:formatCode>General</c:formatCode>
+                <c:ptCount val="5"/>
+                <c:pt idx="0">
+                  <c:v>7.073264</c:v>
+                </c:pt>
+                <c:pt idx="1">
+                  <c:v>7.073264</c:v>
+                </c:pt>
+                <c:pt idx="2">
+                  <c:v>7.073264</c:v>
+                </c:pt>
+                <c:pt idx="3">
+                  <c:v>7.073264</c:v>
+                </c:pt>
+                <c:pt idx="4">
+                  <c:v>7.073264</c:v>
+                </c:pt>
+              </c:numCache>
+            </c:numRef>
+          </c:yVal>
+          <c:smooth val="0"/>
+        </c:ser>
+        <c:dLbls>
+          <c:showLegendKey val="0"/>
+          <c:showVal val="0"/>
+          <c:showCatName val="0"/>
+          <c:showSerName val="0"/>
+          <c:showPercent val="0"/>
+          <c:showBubbleSize val="0"/>
+        </c:dLbls>
+        <c:axId val="396750960"/>
+        <c:axId val="396751520"/>
+      </c:scatterChart>
+      <c:valAx>
+        <c:axId val="396750960"/>
+        <c:scaling>
+          <c:orientation val="minMax"/>
+          <c:max val="250"/>
+        </c:scaling>
+        <c:delete val="0"/>
+        <c:axPos val="b"/>
+        <c:majorGridlines>
+          <c:spPr>
+            <a:ln w="9525" cap="flat" cmpd="sng" algn="ctr">
+              <a:gradFill>
+                <a:gsLst>
+                  <a:gs pos="100000">
+                    <a:schemeClr val="dk1">
+                      <a:lumMod val="75000"/>
+                      <a:lumOff val="25000"/>
+                    </a:schemeClr>
+                  </a:gs>
+                  <a:gs pos="0">
+                    <a:schemeClr val="dk1">
+                      <a:lumMod val="65000"/>
+                      <a:lumOff val="35000"/>
+                    </a:schemeClr>
+                  </a:gs>
+                </a:gsLst>
+                <a:lin ang="5400000" scaled="0"/>
+              </a:gradFill>
+              <a:round/>
+            </a:ln>
+            <a:effectLst/>
+          </c:spPr>
+        </c:majorGridlines>
+        <c:title>
+          <c:tx>
+            <c:rich>
+              <a:bodyPr rot="0" spcFirstLastPara="1" vertOverflow="ellipsis" vert="horz" wrap="square" anchor="ctr" anchorCtr="1"/>
+              <a:lstStyle/>
+              <a:p>
+                <a:pPr>
+                  <a:defRPr sz="1400" b="1" i="0" u="none" strike="noStrike" kern="1200" baseline="0">
+                    <a:solidFill>
+                      <a:schemeClr val="lt1">
+                        <a:lumMod val="75000"/>
+                      </a:schemeClr>
+                    </a:solidFill>
+                    <a:latin typeface="+mn-lt"/>
+                    <a:ea typeface="+mn-ea"/>
+                    <a:cs typeface="+mn-cs"/>
+                  </a:defRPr>
+                </a:pPr>
+                <a:r>
+                  <a:rPr lang="en-US" sz="1400" b="1" i="0" u="none" strike="noStrike" baseline="0" dirty="0" smtClean="0">
+                    <a:effectLst/>
+                  </a:rPr>
+                  <a:t>Number of threads</a:t>
+                </a:r>
+                <a:endParaRPr lang="de-CH" sz="1400" baseline="0" dirty="0"/>
+              </a:p>
+            </c:rich>
+          </c:tx>
+          <c:layout/>
+          <c:overlay val="0"/>
+          <c:spPr>
+            <a:noFill/>
+            <a:ln>
+              <a:noFill/>
+            </a:ln>
+            <a:effectLst/>
+          </c:spPr>
+          <c:txPr>
+            <a:bodyPr rot="0" spcFirstLastPara="1" vertOverflow="ellipsis" vert="horz" wrap="square" anchor="ctr" anchorCtr="1"/>
+            <a:lstStyle/>
+            <a:p>
+              <a:pPr>
+                <a:defRPr sz="1400" b="1" i="0" u="none" strike="noStrike" kern="1200" baseline="0">
+                  <a:solidFill>
+                    <a:schemeClr val="lt1">
+                      <a:lumMod val="75000"/>
+                    </a:schemeClr>
+                  </a:solidFill>
+                  <a:latin typeface="+mn-lt"/>
+                  <a:ea typeface="+mn-ea"/>
+                  <a:cs typeface="+mn-cs"/>
+                </a:defRPr>
+              </a:pPr>
+              <a:endParaRPr lang="en-US"/>
+            </a:p>
+          </c:txPr>
+        </c:title>
+        <c:numFmt formatCode="General" sourceLinked="1"/>
+        <c:majorTickMark val="none"/>
+        <c:minorTickMark val="none"/>
+        <c:tickLblPos val="nextTo"/>
+        <c:spPr>
+          <a:noFill/>
+          <a:ln>
+            <a:noFill/>
+          </a:ln>
+          <a:effectLst/>
+        </c:spPr>
+        <c:txPr>
+          <a:bodyPr rot="-60000000" spcFirstLastPara="1" vertOverflow="ellipsis" vert="horz" wrap="square" anchor="ctr" anchorCtr="1"/>
+          <a:lstStyle/>
+          <a:p>
+            <a:pPr>
+              <a:defRPr sz="1200" b="0" i="0" u="none" strike="noStrike" kern="1200" baseline="0">
+                <a:solidFill>
+                  <a:schemeClr val="lt1">
+                    <a:lumMod val="75000"/>
+                  </a:schemeClr>
+                </a:solidFill>
+                <a:latin typeface="+mn-lt"/>
+                <a:ea typeface="+mn-ea"/>
+                <a:cs typeface="+mn-cs"/>
+              </a:defRPr>
+            </a:pPr>
+            <a:endParaRPr lang="en-US"/>
+          </a:p>
+        </c:txPr>
+        <c:crossAx val="396751520"/>
+        <c:crosses val="autoZero"/>
+        <c:crossBetween val="midCat"/>
+      </c:valAx>
+      <c:valAx>
+        <c:axId val="396751520"/>
+        <c:scaling>
+          <c:orientation val="minMax"/>
+        </c:scaling>
+        <c:delete val="0"/>
+        <c:axPos val="l"/>
+        <c:majorGridlines>
+          <c:spPr>
+            <a:ln w="9525" cap="flat" cmpd="sng" algn="ctr">
+              <a:gradFill>
+                <a:gsLst>
+                  <a:gs pos="100000">
+                    <a:schemeClr val="dk1">
+                      <a:lumMod val="75000"/>
+                      <a:lumOff val="25000"/>
+                    </a:schemeClr>
+                  </a:gs>
+                  <a:gs pos="0">
+                    <a:schemeClr val="dk1">
+                      <a:lumMod val="65000"/>
+                      <a:lumOff val="35000"/>
+                    </a:schemeClr>
+                  </a:gs>
+                </a:gsLst>
+                <a:lin ang="5400000" scaled="0"/>
+              </a:gradFill>
+              <a:round/>
+            </a:ln>
+            <a:effectLst/>
+          </c:spPr>
+        </c:majorGridlines>
+        <c:title>
+          <c:tx>
+            <c:rich>
+              <a:bodyPr rot="0" spcFirstLastPara="1" vertOverflow="ellipsis" wrap="square" anchor="ctr" anchorCtr="1"/>
+              <a:lstStyle/>
+              <a:p>
+                <a:pPr>
+                  <a:defRPr sz="1400" b="1" i="0" u="none" strike="noStrike" kern="1200" baseline="0">
+                    <a:solidFill>
+                      <a:schemeClr val="lt1">
+                        <a:lumMod val="75000"/>
+                      </a:schemeClr>
+                    </a:solidFill>
+                    <a:latin typeface="+mn-lt"/>
+                    <a:ea typeface="+mn-ea"/>
+                    <a:cs typeface="+mn-cs"/>
+                  </a:defRPr>
+                </a:pPr>
+                <a:r>
+                  <a:rPr lang="de-CH" sz="1400" dirty="0" smtClean="0"/>
+                  <a:t>Seconds</a:t>
+                </a:r>
+                <a:endParaRPr lang="de-CH" sz="1400" dirty="0"/>
+              </a:p>
+            </c:rich>
+          </c:tx>
+          <c:layout/>
+          <c:overlay val="0"/>
+          <c:spPr>
+            <a:noFill/>
+            <a:ln>
+              <a:noFill/>
+            </a:ln>
+            <a:effectLst/>
+          </c:spPr>
+          <c:txPr>
+            <a:bodyPr rot="0" spcFirstLastPara="1" vertOverflow="ellipsis" wrap="square" anchor="ctr" anchorCtr="1"/>
+            <a:lstStyle/>
+            <a:p>
+              <a:pPr>
+                <a:defRPr sz="1400" b="1" i="0" u="none" strike="noStrike" kern="1200" baseline="0">
+                  <a:solidFill>
+                    <a:schemeClr val="lt1">
+                      <a:lumMod val="75000"/>
+                    </a:schemeClr>
+                  </a:solidFill>
+                  <a:latin typeface="+mn-lt"/>
+                  <a:ea typeface="+mn-ea"/>
+                  <a:cs typeface="+mn-cs"/>
+                </a:defRPr>
+              </a:pPr>
+              <a:endParaRPr lang="en-US"/>
+            </a:p>
+          </c:txPr>
+        </c:title>
+        <c:numFmt formatCode="General" sourceLinked="1"/>
+        <c:majorTickMark val="none"/>
+        <c:minorTickMark val="none"/>
+        <c:tickLblPos val="nextTo"/>
+        <c:spPr>
+          <a:noFill/>
+          <a:ln>
+            <a:noFill/>
+          </a:ln>
+          <a:effectLst/>
+        </c:spPr>
+        <c:txPr>
+          <a:bodyPr rot="-60000000" spcFirstLastPara="1" vertOverflow="ellipsis" vert="horz" wrap="square" anchor="ctr" anchorCtr="1"/>
+          <a:lstStyle/>
+          <a:p>
+            <a:pPr>
+              <a:defRPr sz="1200" b="0" i="0" u="none" strike="noStrike" kern="1200" baseline="0">
+                <a:solidFill>
+                  <a:schemeClr val="lt1">
+                    <a:lumMod val="75000"/>
+                  </a:schemeClr>
+                </a:solidFill>
+                <a:latin typeface="+mn-lt"/>
+                <a:ea typeface="+mn-ea"/>
+                <a:cs typeface="+mn-cs"/>
+              </a:defRPr>
+            </a:pPr>
+            <a:endParaRPr lang="en-US"/>
+          </a:p>
+        </c:txPr>
+        <c:crossAx val="396750960"/>
+        <c:crosses val="autoZero"/>
+        <c:crossBetween val="midCat"/>
+      </c:valAx>
+      <c:spPr>
+        <a:noFill/>
+        <a:ln>
+          <a:noFill/>
+        </a:ln>
+        <a:effectLst/>
+      </c:spPr>
+    </c:plotArea>
+    <c:legend>
+      <c:legendPos val="t"/>
+      <c:layout/>
+      <c:overlay val="0"/>
+      <c:spPr>
+        <a:noFill/>
+        <a:ln>
+          <a:noFill/>
+        </a:ln>
+        <a:effectLst/>
+      </c:spPr>
+      <c:txPr>
+        <a:bodyPr rot="0" spcFirstLastPara="1" vertOverflow="ellipsis" vert="horz" wrap="square" anchor="ctr" anchorCtr="1"/>
+        <a:lstStyle/>
+        <a:p>
+          <a:pPr>
+            <a:defRPr sz="900" b="0" i="0" u="none" strike="noStrike" kern="1200" baseline="0">
+              <a:solidFill>
+                <a:schemeClr val="lt1">
+                  <a:lumMod val="75000"/>
+                </a:schemeClr>
+              </a:solidFill>
+              <a:latin typeface="+mn-lt"/>
+              <a:ea typeface="+mn-ea"/>
+              <a:cs typeface="+mn-cs"/>
+            </a:defRPr>
+          </a:pPr>
+          <a:endParaRPr lang="en-US"/>
+        </a:p>
+      </c:txPr>
+    </c:legend>
+    <c:plotVisOnly val="1"/>
+    <c:dispBlanksAs val="gap"/>
+    <c:showDLblsOverMax val="0"/>
+  </c:chart>
+  <c:spPr>
+    <a:solidFill>
+      <a:schemeClr val="dk1">
+        <a:lumMod val="75000"/>
+        <a:lumOff val="25000"/>
+      </a:schemeClr>
+    </a:solidFill>
+    <a:ln w="9525" cap="flat" cmpd="sng" algn="ctr">
+      <a:solidFill>
+        <a:schemeClr val="dk1">
+          <a:lumMod val="15000"/>
+          <a:lumOff val="85000"/>
+        </a:schemeClr>
+      </a:solidFill>
+      <a:round/>
+    </a:ln>
+    <a:effectLst/>
+  </c:spPr>
+  <c:txPr>
+    <a:bodyPr/>
+    <a:lstStyle/>
+    <a:p>
+      <a:pPr>
+        <a:defRPr/>
+      </a:pPr>
+      <a:endParaRPr lang="en-US"/>
+    </a:p>
+  </c:txPr>
+  <c:externalData r:id="rId3">
+    <c:autoUpdate val="0"/>
+  </c:externalData>
+</c:chartSpace>
+</file>
+
 <file path=ppt/charts/colors1.xml><?xml version="1.0" encoding="utf-8"?>
+<cs:colorStyle xmlns:cs="http://schemas.microsoft.com/office/drawing/2012/chartStyle" xmlns:a="http://schemas.openxmlformats.org/drawingml/2006/main" meth="cycle" id="10">
+  <a:schemeClr val="accent1"/>
+  <a:schemeClr val="accent2"/>
+  <a:schemeClr val="accent3"/>
+  <a:schemeClr val="accent4"/>
+  <a:schemeClr val="accent5"/>
+  <a:schemeClr val="accent6"/>
+  <cs:variation/>
+  <cs:variation>
+    <a:lumMod val="60000"/>
+  </cs:variation>
+  <cs:variation>
+    <a:lumMod val="80000"/>
+    <a:lumOff val="20000"/>
+  </cs:variation>
+  <cs:variation>
+    <a:lumMod val="80000"/>
+  </cs:variation>
+  <cs:variation>
+    <a:lumMod val="60000"/>
+    <a:lumOff val="40000"/>
+  </cs:variation>
+  <cs:variation>
+    <a:lumMod val="50000"/>
+  </cs:variation>
+  <cs:variation>
+    <a:lumMod val="70000"/>
+    <a:lumOff val="30000"/>
+  </cs:variation>
+  <cs:variation>
+    <a:lumMod val="70000"/>
+  </cs:variation>
+  <cs:variation>
+    <a:lumMod val="50000"/>
+    <a:lumOff val="50000"/>
+  </cs:variation>
+</cs:colorStyle>
+</file>
+
+<file path=ppt/charts/colors10.xml><?xml version="1.0" encoding="utf-8"?>
+<cs:colorStyle xmlns:cs="http://schemas.microsoft.com/office/drawing/2012/chartStyle" xmlns:a="http://schemas.openxmlformats.org/drawingml/2006/main" meth="cycle" id="10">
+  <a:schemeClr val="accent1"/>
+  <a:schemeClr val="accent2"/>
+  <a:schemeClr val="accent3"/>
+  <a:schemeClr val="accent4"/>
+  <a:schemeClr val="accent5"/>
+  <a:schemeClr val="accent6"/>
+  <cs:variation/>
+  <cs:variation>
+    <a:lumMod val="60000"/>
+  </cs:variation>
+  <cs:variation>
+    <a:lumMod val="80000"/>
+    <a:lumOff val="20000"/>
+  </cs:variation>
+  <cs:variation>
+    <a:lumMod val="80000"/>
+  </cs:variation>
+  <cs:variation>
+    <a:lumMod val="60000"/>
+    <a:lumOff val="40000"/>
+  </cs:variation>
+  <cs:variation>
+    <a:lumMod val="50000"/>
+  </cs:variation>
+  <cs:variation>
+    <a:lumMod val="70000"/>
+    <a:lumOff val="30000"/>
+  </cs:variation>
+  <cs:variation>
+    <a:lumMod val="70000"/>
+  </cs:variation>
+  <cs:variation>
+    <a:lumMod val="50000"/>
+    <a:lumOff val="50000"/>
+  </cs:variation>
+</cs:colorStyle>
+</file>
+
+<file path=ppt/charts/colors11.xml><?xml version="1.0" encoding="utf-8"?>
 <cs:colorStyle xmlns:cs="http://schemas.microsoft.com/office/drawing/2012/chartStyle" xmlns:a="http://schemas.openxmlformats.org/drawingml/2006/main" meth="cycle" id="10">
   <a:schemeClr val="accent1"/>
   <a:schemeClr val="accent2"/>
@@ -6765,8 +11642,1186 @@
 </cs:colorStyle>
 </file>
 
+<file path=ppt/charts/colors8.xml><?xml version="1.0" encoding="utf-8"?>
+<cs:colorStyle xmlns:cs="http://schemas.microsoft.com/office/drawing/2012/chartStyle" xmlns:a="http://schemas.openxmlformats.org/drawingml/2006/main" meth="cycle" id="10">
+  <a:schemeClr val="accent1"/>
+  <a:schemeClr val="accent2"/>
+  <a:schemeClr val="accent3"/>
+  <a:schemeClr val="accent4"/>
+  <a:schemeClr val="accent5"/>
+  <a:schemeClr val="accent6"/>
+  <cs:variation/>
+  <cs:variation>
+    <a:lumMod val="60000"/>
+  </cs:variation>
+  <cs:variation>
+    <a:lumMod val="80000"/>
+    <a:lumOff val="20000"/>
+  </cs:variation>
+  <cs:variation>
+    <a:lumMod val="80000"/>
+  </cs:variation>
+  <cs:variation>
+    <a:lumMod val="60000"/>
+    <a:lumOff val="40000"/>
+  </cs:variation>
+  <cs:variation>
+    <a:lumMod val="50000"/>
+  </cs:variation>
+  <cs:variation>
+    <a:lumMod val="70000"/>
+    <a:lumOff val="30000"/>
+  </cs:variation>
+  <cs:variation>
+    <a:lumMod val="70000"/>
+  </cs:variation>
+  <cs:variation>
+    <a:lumMod val="50000"/>
+    <a:lumOff val="50000"/>
+  </cs:variation>
+</cs:colorStyle>
+</file>
+
+<file path=ppt/charts/colors9.xml><?xml version="1.0" encoding="utf-8"?>
+<cs:colorStyle xmlns:cs="http://schemas.microsoft.com/office/drawing/2012/chartStyle" xmlns:a="http://schemas.openxmlformats.org/drawingml/2006/main" meth="cycle" id="10">
+  <a:schemeClr val="accent1"/>
+  <a:schemeClr val="accent2"/>
+  <a:schemeClr val="accent3"/>
+  <a:schemeClr val="accent4"/>
+  <a:schemeClr val="accent5"/>
+  <a:schemeClr val="accent6"/>
+  <cs:variation/>
+  <cs:variation>
+    <a:lumMod val="60000"/>
+  </cs:variation>
+  <cs:variation>
+    <a:lumMod val="80000"/>
+    <a:lumOff val="20000"/>
+  </cs:variation>
+  <cs:variation>
+    <a:lumMod val="80000"/>
+  </cs:variation>
+  <cs:variation>
+    <a:lumMod val="60000"/>
+    <a:lumOff val="40000"/>
+  </cs:variation>
+  <cs:variation>
+    <a:lumMod val="50000"/>
+  </cs:variation>
+  <cs:variation>
+    <a:lumMod val="70000"/>
+    <a:lumOff val="30000"/>
+  </cs:variation>
+  <cs:variation>
+    <a:lumMod val="70000"/>
+  </cs:variation>
+  <cs:variation>
+    <a:lumMod val="50000"/>
+    <a:lumOff val="50000"/>
+  </cs:variation>
+</cs:colorStyle>
+</file>
+
 <file path=ppt/charts/style1.xml><?xml version="1.0" encoding="utf-8"?>
 <cs:chartStyle xmlns:cs="http://schemas.microsoft.com/office/drawing/2012/chartStyle" xmlns:a="http://schemas.openxmlformats.org/drawingml/2006/main" id="236">
+  <cs:axisTitle>
+    <cs:lnRef idx="0"/>
+    <cs:fillRef idx="0"/>
+    <cs:effectRef idx="0"/>
+    <cs:fontRef idx="minor">
+      <a:schemeClr val="lt1">
+        <a:lumMod val="75000"/>
+      </a:schemeClr>
+    </cs:fontRef>
+    <cs:defRPr sz="900" b="1" kern="1200"/>
+  </cs:axisTitle>
+  <cs:categoryAxis>
+    <cs:lnRef idx="0"/>
+    <cs:fillRef idx="0"/>
+    <cs:effectRef idx="0"/>
+    <cs:fontRef idx="minor">
+      <a:schemeClr val="lt1">
+        <a:lumMod val="75000"/>
+      </a:schemeClr>
+    </cs:fontRef>
+    <cs:defRPr sz="900" kern="1200"/>
+  </cs:categoryAxis>
+  <cs:chartArea>
+    <cs:lnRef idx="0"/>
+    <cs:fillRef idx="0"/>
+    <cs:effectRef idx="0"/>
+    <cs:fontRef idx="minor">
+      <a:schemeClr val="dk1"/>
+    </cs:fontRef>
+    <cs:spPr>
+      <a:solidFill>
+        <a:schemeClr val="dk1">
+          <a:lumMod val="75000"/>
+          <a:lumOff val="25000"/>
+        </a:schemeClr>
+      </a:solidFill>
+      <a:ln w="9525" cap="flat" cmpd="sng" algn="ctr">
+        <a:solidFill>
+          <a:schemeClr val="dk1">
+            <a:lumMod val="15000"/>
+            <a:lumOff val="85000"/>
+          </a:schemeClr>
+        </a:solidFill>
+        <a:round/>
+      </a:ln>
+    </cs:spPr>
+    <cs:defRPr sz="900" kern="1200"/>
+  </cs:chartArea>
+  <cs:dataLabel>
+    <cs:lnRef idx="0"/>
+    <cs:fillRef idx="0"/>
+    <cs:effectRef idx="0"/>
+    <cs:fontRef idx="minor">
+      <a:schemeClr val="lt1">
+        <a:lumMod val="75000"/>
+      </a:schemeClr>
+    </cs:fontRef>
+    <cs:defRPr sz="900" kern="1200"/>
+  </cs:dataLabel>
+  <cs:dataLabelCallout>
+    <cs:lnRef idx="0"/>
+    <cs:fillRef idx="0"/>
+    <cs:effectRef idx="0"/>
+    <cs:fontRef idx="minor">
+      <a:schemeClr val="lt1">
+        <a:lumMod val="15000"/>
+        <a:lumOff val="85000"/>
+      </a:schemeClr>
+    </cs:fontRef>
+    <cs:spPr>
+      <a:solidFill>
+        <a:schemeClr val="dk1">
+          <a:lumMod val="65000"/>
+          <a:lumOff val="35000"/>
+        </a:schemeClr>
+      </a:solidFill>
+    </cs:spPr>
+    <cs:defRPr sz="900" kern="1200"/>
+    <cs:bodyPr rot="0" spcFirstLastPara="1" vertOverflow="clip" horzOverflow="clip" vert="horz" wrap="square" lIns="36576" tIns="18288" rIns="36576" bIns="18288" anchor="ctr" anchorCtr="1">
+      <a:spAutoFit/>
+    </cs:bodyPr>
+  </cs:dataLabelCallout>
+  <cs:dataPoint>
+    <cs:lnRef idx="0">
+      <cs:styleClr val="auto"/>
+    </cs:lnRef>
+    <cs:fillRef idx="0"/>
+    <cs:effectRef idx="0">
+      <cs:styleClr val="auto"/>
+    </cs:effectRef>
+    <cs:fontRef idx="minor">
+      <a:schemeClr val="dk1"/>
+    </cs:fontRef>
+    <cs:spPr>
+      <a:ln w="9525" cap="flat" cmpd="sng" algn="ctr">
+        <a:solidFill>
+          <a:schemeClr val="phClr"/>
+        </a:solidFill>
+        <a:miter lim="800000"/>
+      </a:ln>
+      <a:effectLst>
+        <a:glow rad="63500">
+          <a:schemeClr val="phClr">
+            <a:satMod val="175000"/>
+            <a:alpha val="25000"/>
+          </a:schemeClr>
+        </a:glow>
+      </a:effectLst>
+    </cs:spPr>
+  </cs:dataPoint>
+  <cs:dataPoint3D>
+    <cs:lnRef idx="0">
+      <cs:styleClr val="auto"/>
+    </cs:lnRef>
+    <cs:fillRef idx="0">
+      <cs:styleClr val="auto"/>
+    </cs:fillRef>
+    <cs:effectRef idx="0">
+      <cs:styleClr val="auto"/>
+    </cs:effectRef>
+    <cs:fontRef idx="minor">
+      <a:schemeClr val="dk1"/>
+    </cs:fontRef>
+    <cs:spPr>
+      <a:ln w="9525" cap="flat" cmpd="sng" algn="ctr">
+        <a:solidFill>
+          <a:schemeClr val="phClr"/>
+        </a:solidFill>
+        <a:miter lim="800000"/>
+      </a:ln>
+      <a:effectLst>
+        <a:glow rad="63500">
+          <a:schemeClr val="phClr">
+            <a:satMod val="175000"/>
+            <a:alpha val="25000"/>
+          </a:schemeClr>
+        </a:glow>
+      </a:effectLst>
+    </cs:spPr>
+  </cs:dataPoint3D>
+  <cs:dataPointLine>
+    <cs:lnRef idx="0">
+      <cs:styleClr val="auto"/>
+    </cs:lnRef>
+    <cs:fillRef idx="0">
+      <cs:styleClr val="auto"/>
+    </cs:fillRef>
+    <cs:effectRef idx="0">
+      <cs:styleClr val="auto"/>
+    </cs:effectRef>
+    <cs:fontRef idx="minor">
+      <a:schemeClr val="dk1"/>
+    </cs:fontRef>
+    <cs:spPr>
+      <a:ln w="22225" cap="rnd">
+        <a:solidFill>
+          <a:schemeClr val="phClr"/>
+        </a:solidFill>
+      </a:ln>
+      <a:effectLst>
+        <a:glow rad="139700">
+          <a:schemeClr val="phClr">
+            <a:satMod val="175000"/>
+            <a:alpha val="14000"/>
+          </a:schemeClr>
+        </a:glow>
+      </a:effectLst>
+    </cs:spPr>
+  </cs:dataPointLine>
+  <cs:dataPointMarker>
+    <cs:lnRef idx="0">
+      <cs:styleClr val="auto"/>
+    </cs:lnRef>
+    <cs:fillRef idx="0">
+      <cs:styleClr val="auto"/>
+    </cs:fillRef>
+    <cs:effectRef idx="0">
+      <cs:styleClr val="auto"/>
+    </cs:effectRef>
+    <cs:fontRef idx="minor">
+      <a:schemeClr val="dk1"/>
+    </cs:fontRef>
+    <cs:spPr>
+      <a:solidFill>
+        <a:schemeClr val="phClr">
+          <a:lumMod val="60000"/>
+          <a:lumOff val="40000"/>
+        </a:schemeClr>
+      </a:solidFill>
+      <a:effectLst>
+        <a:glow rad="63500">
+          <a:schemeClr val="phClr">
+            <a:satMod val="175000"/>
+            <a:alpha val="25000"/>
+          </a:schemeClr>
+        </a:glow>
+      </a:effectLst>
+    </cs:spPr>
+  </cs:dataPointMarker>
+  <cs:dataPointMarkerLayout symbol="circle" size="4"/>
+  <cs:dataPointWireframe>
+    <cs:lnRef idx="0">
+      <cs:styleClr val="auto"/>
+    </cs:lnRef>
+    <cs:fillRef idx="0"/>
+    <cs:effectRef idx="0"/>
+    <cs:fontRef idx="minor">
+      <a:schemeClr val="dk1"/>
+    </cs:fontRef>
+    <cs:spPr>
+      <a:ln w="9525" cap="rnd">
+        <a:solidFill>
+          <a:schemeClr val="phClr"/>
+        </a:solidFill>
+        <a:round/>
+      </a:ln>
+    </cs:spPr>
+  </cs:dataPointWireframe>
+  <cs:dataTable>
+    <cs:lnRef idx="0"/>
+    <cs:fillRef idx="0"/>
+    <cs:effectRef idx="0"/>
+    <cs:fontRef idx="minor">
+      <a:schemeClr val="lt1">
+        <a:lumMod val="75000"/>
+      </a:schemeClr>
+    </cs:fontRef>
+    <cs:spPr>
+      <a:ln w="9525">
+        <a:solidFill>
+          <a:schemeClr val="dk1">
+            <a:lumMod val="50000"/>
+            <a:lumOff val="50000"/>
+          </a:schemeClr>
+        </a:solidFill>
+      </a:ln>
+    </cs:spPr>
+    <cs:defRPr sz="900" kern="1200"/>
+  </cs:dataTable>
+  <cs:downBar>
+    <cs:lnRef idx="0"/>
+    <cs:fillRef idx="0"/>
+    <cs:effectRef idx="0"/>
+    <cs:fontRef idx="minor">
+      <a:schemeClr val="lt1"/>
+    </cs:fontRef>
+    <cs:spPr>
+      <a:solidFill>
+        <a:schemeClr val="dk1">
+          <a:lumMod val="50000"/>
+          <a:lumOff val="50000"/>
+        </a:schemeClr>
+      </a:solidFill>
+      <a:ln w="9525">
+        <a:solidFill>
+          <a:schemeClr val="dk1">
+            <a:lumMod val="75000"/>
+          </a:schemeClr>
+        </a:solidFill>
+        <a:round/>
+      </a:ln>
+    </cs:spPr>
+  </cs:downBar>
+  <cs:dropLine>
+    <cs:lnRef idx="0"/>
+    <cs:fillRef idx="0"/>
+    <cs:effectRef idx="0"/>
+    <cs:fontRef idx="minor">
+      <a:schemeClr val="dk1"/>
+    </cs:fontRef>
+    <cs:spPr>
+      <a:ln w="9525">
+        <a:solidFill>
+          <a:schemeClr val="lt1">
+            <a:lumMod val="50000"/>
+          </a:schemeClr>
+        </a:solidFill>
+        <a:round/>
+      </a:ln>
+    </cs:spPr>
+  </cs:dropLine>
+  <cs:errorBar>
+    <cs:lnRef idx="0"/>
+    <cs:fillRef idx="0"/>
+    <cs:effectRef idx="0"/>
+    <cs:fontRef idx="minor">
+      <a:schemeClr val="dk1"/>
+    </cs:fontRef>
+    <cs:spPr>
+      <a:ln w="9525">
+        <a:solidFill>
+          <a:schemeClr val="lt1">
+            <a:lumMod val="50000"/>
+          </a:schemeClr>
+        </a:solidFill>
+        <a:round/>
+      </a:ln>
+    </cs:spPr>
+  </cs:errorBar>
+  <cs:floor>
+    <cs:lnRef idx="0"/>
+    <cs:fillRef idx="0"/>
+    <cs:effectRef idx="0"/>
+    <cs:fontRef idx="minor">
+      <a:schemeClr val="dk1"/>
+    </cs:fontRef>
+  </cs:floor>
+  <cs:gridlineMajor>
+    <cs:lnRef idx="0"/>
+    <cs:fillRef idx="0"/>
+    <cs:effectRef idx="0"/>
+    <cs:fontRef idx="minor">
+      <a:schemeClr val="dk1"/>
+    </cs:fontRef>
+    <cs:spPr>
+      <a:ln w="9525" cap="flat" cmpd="sng" algn="ctr">
+        <a:gradFill>
+          <a:gsLst>
+            <a:gs pos="100000">
+              <a:schemeClr val="dk1">
+                <a:lumMod val="75000"/>
+                <a:lumOff val="25000"/>
+              </a:schemeClr>
+            </a:gs>
+            <a:gs pos="0">
+              <a:schemeClr val="dk1">
+                <a:lumMod val="65000"/>
+                <a:lumOff val="35000"/>
+              </a:schemeClr>
+            </a:gs>
+          </a:gsLst>
+          <a:lin ang="5400000" scaled="0"/>
+        </a:gradFill>
+        <a:round/>
+      </a:ln>
+    </cs:spPr>
+  </cs:gridlineMajor>
+  <cs:gridlineMinor>
+    <cs:lnRef idx="0"/>
+    <cs:fillRef idx="0"/>
+    <cs:effectRef idx="0"/>
+    <cs:fontRef idx="minor">
+      <a:schemeClr val="dk1"/>
+    </cs:fontRef>
+    <cs:spPr>
+      <a:ln w="9525" cap="flat" cmpd="sng" algn="ctr">
+        <a:gradFill>
+          <a:gsLst>
+            <a:gs pos="100000">
+              <a:schemeClr val="dk1">
+                <a:lumMod val="75000"/>
+                <a:lumOff val="25000"/>
+                <a:alpha val="25000"/>
+              </a:schemeClr>
+            </a:gs>
+            <a:gs pos="0">
+              <a:schemeClr val="dk1">
+                <a:lumMod val="65000"/>
+                <a:lumOff val="35000"/>
+                <a:alpha val="25000"/>
+              </a:schemeClr>
+            </a:gs>
+          </a:gsLst>
+          <a:lin ang="5400000" scaled="0"/>
+        </a:gradFill>
+        <a:round/>
+      </a:ln>
+    </cs:spPr>
+  </cs:gridlineMinor>
+  <cs:hiLoLine>
+    <cs:lnRef idx="0"/>
+    <cs:fillRef idx="0"/>
+    <cs:effectRef idx="0"/>
+    <cs:fontRef idx="minor">
+      <a:schemeClr val="dk1"/>
+    </cs:fontRef>
+    <cs:spPr>
+      <a:ln w="9525">
+        <a:solidFill>
+          <a:schemeClr val="lt1">
+            <a:lumMod val="50000"/>
+          </a:schemeClr>
+        </a:solidFill>
+        <a:round/>
+      </a:ln>
+    </cs:spPr>
+  </cs:hiLoLine>
+  <cs:leaderLine>
+    <cs:lnRef idx="0"/>
+    <cs:fillRef idx="0"/>
+    <cs:effectRef idx="0"/>
+    <cs:fontRef idx="minor">
+      <a:schemeClr val="dk1"/>
+    </cs:fontRef>
+    <cs:spPr>
+      <a:ln w="9525">
+        <a:solidFill>
+          <a:schemeClr val="lt1">
+            <a:lumMod val="50000"/>
+          </a:schemeClr>
+        </a:solidFill>
+        <a:round/>
+      </a:ln>
+    </cs:spPr>
+  </cs:leaderLine>
+  <cs:legend>
+    <cs:lnRef idx="0"/>
+    <cs:fillRef idx="0"/>
+    <cs:effectRef idx="0"/>
+    <cs:fontRef idx="minor">
+      <a:schemeClr val="lt1">
+        <a:lumMod val="75000"/>
+      </a:schemeClr>
+    </cs:fontRef>
+    <cs:defRPr sz="900" kern="1200"/>
+  </cs:legend>
+  <cs:plotArea>
+    <cs:lnRef idx="0"/>
+    <cs:fillRef idx="0"/>
+    <cs:effectRef idx="0"/>
+    <cs:fontRef idx="minor">
+      <a:schemeClr val="dk1"/>
+    </cs:fontRef>
+  </cs:plotArea>
+  <cs:plotArea3D>
+    <cs:lnRef idx="0"/>
+    <cs:fillRef idx="0"/>
+    <cs:effectRef idx="0"/>
+    <cs:fontRef idx="minor">
+      <a:schemeClr val="dk1"/>
+    </cs:fontRef>
+  </cs:plotArea3D>
+  <cs:seriesAxis>
+    <cs:lnRef idx="0"/>
+    <cs:fillRef idx="0"/>
+    <cs:effectRef idx="0"/>
+    <cs:fontRef idx="minor">
+      <a:schemeClr val="lt1">
+        <a:lumMod val="75000"/>
+      </a:schemeClr>
+    </cs:fontRef>
+    <cs:defRPr sz="900" kern="1200"/>
+  </cs:seriesAxis>
+  <cs:seriesLine>
+    <cs:lnRef idx="0"/>
+    <cs:fillRef idx="0"/>
+    <cs:effectRef idx="0"/>
+    <cs:fontRef idx="minor">
+      <a:schemeClr val="dk1"/>
+    </cs:fontRef>
+    <cs:spPr>
+      <a:ln w="9525">
+        <a:solidFill>
+          <a:schemeClr val="lt1">
+            <a:lumMod val="50000"/>
+          </a:schemeClr>
+        </a:solidFill>
+        <a:round/>
+      </a:ln>
+    </cs:spPr>
+  </cs:seriesLine>
+  <cs:title>
+    <cs:lnRef idx="0"/>
+    <cs:fillRef idx="0"/>
+    <cs:effectRef idx="0"/>
+    <cs:fontRef idx="minor">
+      <a:schemeClr val="lt1">
+        <a:lumMod val="85000"/>
+      </a:schemeClr>
+    </cs:fontRef>
+    <cs:defRPr sz="1400" b="1" kern="1200" cap="none" baseline="0"/>
+  </cs:title>
+  <cs:trendline>
+    <cs:lnRef idx="0">
+      <cs:styleClr val="auto"/>
+    </cs:lnRef>
+    <cs:fillRef idx="0"/>
+    <cs:effectRef idx="0"/>
+    <cs:fontRef idx="minor">
+      <a:schemeClr val="lt1"/>
+    </cs:fontRef>
+    <cs:spPr>
+      <a:ln w="25400" cap="rnd">
+        <a:solidFill>
+          <a:schemeClr val="phClr">
+            <a:alpha val="50000"/>
+          </a:schemeClr>
+        </a:solidFill>
+      </a:ln>
+    </cs:spPr>
+  </cs:trendline>
+  <cs:trendlineLabel>
+    <cs:lnRef idx="0"/>
+    <cs:fillRef idx="0"/>
+    <cs:effectRef idx="0"/>
+    <cs:fontRef idx="minor">
+      <a:schemeClr val="lt1">
+        <a:lumMod val="75000"/>
+      </a:schemeClr>
+    </cs:fontRef>
+    <cs:defRPr sz="900" kern="1200"/>
+  </cs:trendlineLabel>
+  <cs:upBar>
+    <cs:lnRef idx="0"/>
+    <cs:fillRef idx="0"/>
+    <cs:effectRef idx="0"/>
+    <cs:fontRef idx="minor">
+      <a:schemeClr val="dk1"/>
+    </cs:fontRef>
+    <cs:spPr>
+      <a:solidFill>
+        <a:schemeClr val="lt1">
+          <a:lumMod val="85000"/>
+        </a:schemeClr>
+      </a:solidFill>
+      <a:ln w="9525">
+        <a:solidFill>
+          <a:schemeClr val="dk1">
+            <a:lumMod val="50000"/>
+          </a:schemeClr>
+        </a:solidFill>
+        <a:round/>
+      </a:ln>
+    </cs:spPr>
+  </cs:upBar>
+  <cs:valueAxis>
+    <cs:lnRef idx="0"/>
+    <cs:fillRef idx="0"/>
+    <cs:effectRef idx="0"/>
+    <cs:fontRef idx="minor">
+      <a:schemeClr val="lt1">
+        <a:lumMod val="75000"/>
+      </a:schemeClr>
+    </cs:fontRef>
+    <cs:defRPr sz="900" kern="1200"/>
+  </cs:valueAxis>
+  <cs:wall>
+    <cs:lnRef idx="0"/>
+    <cs:fillRef idx="0"/>
+    <cs:effectRef idx="0"/>
+    <cs:fontRef idx="minor">
+      <a:schemeClr val="dk1"/>
+    </cs:fontRef>
+  </cs:wall>
+</cs:chartStyle>
+</file>
+
+<file path=ppt/charts/style10.xml><?xml version="1.0" encoding="utf-8"?>
+<cs:chartStyle xmlns:cs="http://schemas.microsoft.com/office/drawing/2012/chartStyle" xmlns:a="http://schemas.openxmlformats.org/drawingml/2006/main" id="213">
+  <cs:axisTitle>
+    <cs:lnRef idx="0"/>
+    <cs:fillRef idx="0"/>
+    <cs:effectRef idx="0"/>
+    <cs:fontRef idx="minor">
+      <a:schemeClr val="lt1">
+        <a:lumMod val="75000"/>
+      </a:schemeClr>
+    </cs:fontRef>
+    <cs:defRPr sz="900" b="1" kern="1200"/>
+  </cs:axisTitle>
+  <cs:categoryAxis>
+    <cs:lnRef idx="0"/>
+    <cs:fillRef idx="0"/>
+    <cs:effectRef idx="0"/>
+    <cs:fontRef idx="minor">
+      <a:schemeClr val="lt1">
+        <a:lumMod val="75000"/>
+      </a:schemeClr>
+    </cs:fontRef>
+    <cs:defRPr sz="900" kern="1200"/>
+  </cs:categoryAxis>
+  <cs:chartArea>
+    <cs:lnRef idx="0"/>
+    <cs:fillRef idx="0"/>
+    <cs:effectRef idx="0"/>
+    <cs:fontRef idx="minor">
+      <a:schemeClr val="dk1"/>
+    </cs:fontRef>
+    <cs:spPr>
+      <a:solidFill>
+        <a:schemeClr val="dk1">
+          <a:lumMod val="75000"/>
+          <a:lumOff val="25000"/>
+        </a:schemeClr>
+      </a:solidFill>
+      <a:ln w="9525" cap="flat" cmpd="sng" algn="ctr">
+        <a:solidFill>
+          <a:schemeClr val="dk1">
+            <a:lumMod val="15000"/>
+            <a:lumOff val="85000"/>
+          </a:schemeClr>
+        </a:solidFill>
+        <a:round/>
+      </a:ln>
+    </cs:spPr>
+    <cs:defRPr sz="900" kern="1200"/>
+  </cs:chartArea>
+  <cs:dataLabel>
+    <cs:lnRef idx="0"/>
+    <cs:fillRef idx="0"/>
+    <cs:effectRef idx="0"/>
+    <cs:fontRef idx="minor">
+      <a:schemeClr val="lt1">
+        <a:lumMod val="75000"/>
+      </a:schemeClr>
+    </cs:fontRef>
+    <cs:defRPr sz="900" kern="1200"/>
+  </cs:dataLabel>
+  <cs:dataLabelCallout>
+    <cs:lnRef idx="0"/>
+    <cs:fillRef idx="0"/>
+    <cs:effectRef idx="0"/>
+    <cs:fontRef idx="minor">
+      <a:schemeClr val="lt1">
+        <a:lumMod val="15000"/>
+        <a:lumOff val="85000"/>
+      </a:schemeClr>
+    </cs:fontRef>
+    <cs:spPr>
+      <a:solidFill>
+        <a:schemeClr val="dk1">
+          <a:lumMod val="65000"/>
+          <a:lumOff val="35000"/>
+        </a:schemeClr>
+      </a:solidFill>
+    </cs:spPr>
+    <cs:defRPr sz="900" kern="1200"/>
+    <cs:bodyPr rot="0" spcFirstLastPara="1" vertOverflow="clip" horzOverflow="clip" vert="horz" wrap="square" lIns="36576" tIns="18288" rIns="36576" bIns="18288" anchor="ctr" anchorCtr="1">
+      <a:spAutoFit/>
+    </cs:bodyPr>
+  </cs:dataLabelCallout>
+  <cs:dataPoint>
+    <cs:lnRef idx="0">
+      <cs:styleClr val="auto"/>
+    </cs:lnRef>
+    <cs:fillRef idx="0"/>
+    <cs:effectRef idx="0">
+      <cs:styleClr val="auto"/>
+    </cs:effectRef>
+    <cs:fontRef idx="minor">
+      <a:schemeClr val="dk1"/>
+    </cs:fontRef>
+    <cs:spPr>
+      <a:ln w="9525" cap="flat" cmpd="sng" algn="ctr">
+        <a:solidFill>
+          <a:schemeClr val="phClr"/>
+        </a:solidFill>
+        <a:miter lim="800000"/>
+      </a:ln>
+      <a:effectLst>
+        <a:glow rad="63500">
+          <a:schemeClr val="phClr">
+            <a:satMod val="175000"/>
+            <a:alpha val="25000"/>
+          </a:schemeClr>
+        </a:glow>
+      </a:effectLst>
+    </cs:spPr>
+  </cs:dataPoint>
+  <cs:dataPoint3D>
+    <cs:lnRef idx="0">
+      <cs:styleClr val="auto"/>
+    </cs:lnRef>
+    <cs:fillRef idx="0">
+      <cs:styleClr val="auto"/>
+    </cs:fillRef>
+    <cs:effectRef idx="0">
+      <cs:styleClr val="auto"/>
+    </cs:effectRef>
+    <cs:fontRef idx="minor">
+      <a:schemeClr val="dk1"/>
+    </cs:fontRef>
+    <cs:spPr>
+      <a:ln w="9525" cap="flat" cmpd="sng" algn="ctr">
+        <a:solidFill>
+          <a:schemeClr val="phClr"/>
+        </a:solidFill>
+        <a:miter lim="800000"/>
+      </a:ln>
+      <a:effectLst>
+        <a:glow rad="63500">
+          <a:schemeClr val="phClr">
+            <a:satMod val="175000"/>
+            <a:alpha val="25000"/>
+          </a:schemeClr>
+        </a:glow>
+      </a:effectLst>
+    </cs:spPr>
+  </cs:dataPoint3D>
+  <cs:dataPointLine>
+    <cs:lnRef idx="0">
+      <cs:styleClr val="auto"/>
+    </cs:lnRef>
+    <cs:fillRef idx="0">
+      <cs:styleClr val="auto"/>
+    </cs:fillRef>
+    <cs:effectRef idx="0">
+      <cs:styleClr val="auto"/>
+    </cs:effectRef>
+    <cs:fontRef idx="minor">
+      <a:schemeClr val="dk1"/>
+    </cs:fontRef>
+    <cs:spPr>
+      <a:ln w="22225" cap="rnd">
+        <a:solidFill>
+          <a:schemeClr val="phClr"/>
+        </a:solidFill>
+      </a:ln>
+      <a:effectLst>
+        <a:glow rad="139700">
+          <a:schemeClr val="phClr">
+            <a:satMod val="175000"/>
+            <a:alpha val="14000"/>
+          </a:schemeClr>
+        </a:glow>
+      </a:effectLst>
+    </cs:spPr>
+  </cs:dataPointLine>
+  <cs:dataPointMarker>
+    <cs:lnRef idx="0">
+      <cs:styleClr val="auto"/>
+    </cs:lnRef>
+    <cs:fillRef idx="0">
+      <cs:styleClr val="auto"/>
+    </cs:fillRef>
+    <cs:effectRef idx="0">
+      <cs:styleClr val="auto"/>
+    </cs:effectRef>
+    <cs:fontRef idx="minor">
+      <a:schemeClr val="dk1"/>
+    </cs:fontRef>
+    <cs:spPr>
+      <a:solidFill>
+        <a:schemeClr val="phClr">
+          <a:lumMod val="60000"/>
+          <a:lumOff val="40000"/>
+        </a:schemeClr>
+      </a:solidFill>
+      <a:effectLst>
+        <a:glow rad="63500">
+          <a:schemeClr val="phClr">
+            <a:satMod val="175000"/>
+            <a:alpha val="25000"/>
+          </a:schemeClr>
+        </a:glow>
+      </a:effectLst>
+    </cs:spPr>
+  </cs:dataPointMarker>
+  <cs:dataPointMarkerLayout symbol="circle" size="4"/>
+  <cs:dataPointWireframe>
+    <cs:lnRef idx="0">
+      <cs:styleClr val="auto"/>
+    </cs:lnRef>
+    <cs:fillRef idx="0"/>
+    <cs:effectRef idx="0"/>
+    <cs:fontRef idx="minor">
+      <a:schemeClr val="dk1"/>
+    </cs:fontRef>
+    <cs:spPr>
+      <a:ln w="9525" cap="rnd">
+        <a:solidFill>
+          <a:schemeClr val="phClr"/>
+        </a:solidFill>
+        <a:round/>
+      </a:ln>
+    </cs:spPr>
+  </cs:dataPointWireframe>
+  <cs:dataTable>
+    <cs:lnRef idx="0"/>
+    <cs:fillRef idx="0"/>
+    <cs:effectRef idx="0"/>
+    <cs:fontRef idx="minor">
+      <a:schemeClr val="lt1">
+        <a:lumMod val="75000"/>
+      </a:schemeClr>
+    </cs:fontRef>
+    <cs:spPr>
+      <a:ln w="9525">
+        <a:solidFill>
+          <a:schemeClr val="dk1">
+            <a:lumMod val="50000"/>
+            <a:lumOff val="50000"/>
+          </a:schemeClr>
+        </a:solidFill>
+      </a:ln>
+    </cs:spPr>
+    <cs:defRPr sz="900" kern="1200"/>
+  </cs:dataTable>
+  <cs:downBar>
+    <cs:lnRef idx="0"/>
+    <cs:fillRef idx="0"/>
+    <cs:effectRef idx="0"/>
+    <cs:fontRef idx="minor">
+      <a:schemeClr val="lt1"/>
+    </cs:fontRef>
+    <cs:spPr>
+      <a:solidFill>
+        <a:schemeClr val="dk1">
+          <a:lumMod val="50000"/>
+          <a:lumOff val="50000"/>
+        </a:schemeClr>
+      </a:solidFill>
+      <a:ln w="9525">
+        <a:solidFill>
+          <a:schemeClr val="dk1">
+            <a:lumMod val="75000"/>
+          </a:schemeClr>
+        </a:solidFill>
+        <a:round/>
+      </a:ln>
+    </cs:spPr>
+  </cs:downBar>
+  <cs:dropLine>
+    <cs:lnRef idx="0"/>
+    <cs:fillRef idx="0"/>
+    <cs:effectRef idx="0"/>
+    <cs:fontRef idx="minor">
+      <a:schemeClr val="dk1"/>
+    </cs:fontRef>
+    <cs:spPr>
+      <a:ln w="9525">
+        <a:solidFill>
+          <a:schemeClr val="lt1">
+            <a:lumMod val="50000"/>
+          </a:schemeClr>
+        </a:solidFill>
+        <a:round/>
+      </a:ln>
+    </cs:spPr>
+  </cs:dropLine>
+  <cs:errorBar>
+    <cs:lnRef idx="0"/>
+    <cs:fillRef idx="0"/>
+    <cs:effectRef idx="0"/>
+    <cs:fontRef idx="minor">
+      <a:schemeClr val="dk1"/>
+    </cs:fontRef>
+    <cs:spPr>
+      <a:ln w="9525">
+        <a:solidFill>
+          <a:schemeClr val="lt1">
+            <a:lumMod val="50000"/>
+          </a:schemeClr>
+        </a:solidFill>
+        <a:round/>
+      </a:ln>
+    </cs:spPr>
+  </cs:errorBar>
+  <cs:floor>
+    <cs:lnRef idx="0"/>
+    <cs:fillRef idx="0"/>
+    <cs:effectRef idx="0"/>
+    <cs:fontRef idx="minor">
+      <a:schemeClr val="dk1"/>
+    </cs:fontRef>
+  </cs:floor>
+  <cs:gridlineMajor>
+    <cs:lnRef idx="0"/>
+    <cs:fillRef idx="0"/>
+    <cs:effectRef idx="0"/>
+    <cs:fontRef idx="minor">
+      <a:schemeClr val="dk1"/>
+    </cs:fontRef>
+    <cs:spPr>
+      <a:ln w="9525" cap="flat" cmpd="sng" algn="ctr">
+        <a:gradFill>
+          <a:gsLst>
+            <a:gs pos="100000">
+              <a:schemeClr val="dk1">
+                <a:lumMod val="75000"/>
+                <a:lumOff val="25000"/>
+              </a:schemeClr>
+            </a:gs>
+            <a:gs pos="0">
+              <a:schemeClr val="dk1">
+                <a:lumMod val="65000"/>
+                <a:lumOff val="35000"/>
+              </a:schemeClr>
+            </a:gs>
+          </a:gsLst>
+          <a:lin ang="5400000" scaled="0"/>
+        </a:gradFill>
+        <a:round/>
+      </a:ln>
+    </cs:spPr>
+  </cs:gridlineMajor>
+  <cs:gridlineMinor>
+    <cs:lnRef idx="0"/>
+    <cs:fillRef idx="0"/>
+    <cs:effectRef idx="0"/>
+    <cs:fontRef idx="minor">
+      <a:schemeClr val="dk1"/>
+    </cs:fontRef>
+    <cs:spPr>
+      <a:ln w="9525" cap="flat" cmpd="sng" algn="ctr">
+        <a:gradFill>
+          <a:gsLst>
+            <a:gs pos="100000">
+              <a:schemeClr val="dk1">
+                <a:lumMod val="75000"/>
+                <a:lumOff val="25000"/>
+                <a:alpha val="25000"/>
+              </a:schemeClr>
+            </a:gs>
+            <a:gs pos="0">
+              <a:schemeClr val="dk1">
+                <a:lumMod val="65000"/>
+                <a:lumOff val="35000"/>
+                <a:alpha val="25000"/>
+              </a:schemeClr>
+            </a:gs>
+          </a:gsLst>
+          <a:lin ang="5400000" scaled="0"/>
+        </a:gradFill>
+        <a:round/>
+      </a:ln>
+    </cs:spPr>
+  </cs:gridlineMinor>
+  <cs:hiLoLine>
+    <cs:lnRef idx="0"/>
+    <cs:fillRef idx="0"/>
+    <cs:effectRef idx="0"/>
+    <cs:fontRef idx="minor">
+      <a:schemeClr val="dk1"/>
+    </cs:fontRef>
+    <cs:spPr>
+      <a:ln w="9525">
+        <a:solidFill>
+          <a:schemeClr val="lt1">
+            <a:lumMod val="50000"/>
+          </a:schemeClr>
+        </a:solidFill>
+        <a:round/>
+      </a:ln>
+    </cs:spPr>
+  </cs:hiLoLine>
+  <cs:leaderLine>
+    <cs:lnRef idx="0"/>
+    <cs:fillRef idx="0"/>
+    <cs:effectRef idx="0"/>
+    <cs:fontRef idx="minor">
+      <a:schemeClr val="dk1"/>
+    </cs:fontRef>
+    <cs:spPr>
+      <a:ln w="9525">
+        <a:solidFill>
+          <a:schemeClr val="lt1">
+            <a:lumMod val="50000"/>
+          </a:schemeClr>
+        </a:solidFill>
+        <a:round/>
+      </a:ln>
+    </cs:spPr>
+  </cs:leaderLine>
+  <cs:legend>
+    <cs:lnRef idx="0"/>
+    <cs:fillRef idx="0"/>
+    <cs:effectRef idx="0"/>
+    <cs:fontRef idx="minor">
+      <a:schemeClr val="lt1">
+        <a:lumMod val="75000"/>
+      </a:schemeClr>
+    </cs:fontRef>
+    <cs:defRPr sz="900" kern="1200"/>
+  </cs:legend>
+  <cs:plotArea>
+    <cs:lnRef idx="0"/>
+    <cs:fillRef idx="0"/>
+    <cs:effectRef idx="0"/>
+    <cs:fontRef idx="minor">
+      <a:schemeClr val="dk1"/>
+    </cs:fontRef>
+  </cs:plotArea>
+  <cs:plotArea3D>
+    <cs:lnRef idx="0"/>
+    <cs:fillRef idx="0"/>
+    <cs:effectRef idx="0"/>
+    <cs:fontRef idx="minor">
+      <a:schemeClr val="dk1"/>
+    </cs:fontRef>
+  </cs:plotArea3D>
+  <cs:seriesAxis>
+    <cs:lnRef idx="0"/>
+    <cs:fillRef idx="0"/>
+    <cs:effectRef idx="0"/>
+    <cs:fontRef idx="minor">
+      <a:schemeClr val="lt1">
+        <a:lumMod val="75000"/>
+      </a:schemeClr>
+    </cs:fontRef>
+    <cs:defRPr sz="900" kern="1200"/>
+  </cs:seriesAxis>
+  <cs:seriesLine>
+    <cs:lnRef idx="0"/>
+    <cs:fillRef idx="0"/>
+    <cs:effectRef idx="0"/>
+    <cs:fontRef idx="minor">
+      <a:schemeClr val="dk1"/>
+    </cs:fontRef>
+    <cs:spPr>
+      <a:ln w="9525">
+        <a:solidFill>
+          <a:schemeClr val="lt1">
+            <a:lumMod val="50000"/>
+          </a:schemeClr>
+        </a:solidFill>
+        <a:round/>
+      </a:ln>
+    </cs:spPr>
+  </cs:seriesLine>
+  <cs:title>
+    <cs:lnRef idx="0"/>
+    <cs:fillRef idx="0"/>
+    <cs:effectRef idx="0"/>
+    <cs:fontRef idx="minor">
+      <a:schemeClr val="lt1">
+        <a:lumMod val="85000"/>
+      </a:schemeClr>
+    </cs:fontRef>
+    <cs:defRPr sz="1400" b="1" kern="1200" cap="none" baseline="0"/>
+  </cs:title>
+  <cs:trendline>
+    <cs:lnRef idx="0">
+      <cs:styleClr val="auto"/>
+    </cs:lnRef>
+    <cs:fillRef idx="0"/>
+    <cs:effectRef idx="0"/>
+    <cs:fontRef idx="minor">
+      <a:schemeClr val="lt1"/>
+    </cs:fontRef>
+    <cs:spPr>
+      <a:ln w="25400" cap="rnd">
+        <a:solidFill>
+          <a:schemeClr val="phClr">
+            <a:alpha val="50000"/>
+          </a:schemeClr>
+        </a:solidFill>
+      </a:ln>
+    </cs:spPr>
+  </cs:trendline>
+  <cs:trendlineLabel>
+    <cs:lnRef idx="0"/>
+    <cs:fillRef idx="0"/>
+    <cs:effectRef idx="0"/>
+    <cs:fontRef idx="minor">
+      <a:schemeClr val="lt1">
+        <a:lumMod val="75000"/>
+      </a:schemeClr>
+    </cs:fontRef>
+    <cs:defRPr sz="900" kern="1200"/>
+  </cs:trendlineLabel>
+  <cs:upBar>
+    <cs:lnRef idx="0"/>
+    <cs:fillRef idx="0"/>
+    <cs:effectRef idx="0"/>
+    <cs:fontRef idx="minor">
+      <a:schemeClr val="dk1"/>
+    </cs:fontRef>
+    <cs:spPr>
+      <a:solidFill>
+        <a:schemeClr val="lt1">
+          <a:lumMod val="85000"/>
+        </a:schemeClr>
+      </a:solidFill>
+      <a:ln w="9525">
+        <a:solidFill>
+          <a:schemeClr val="dk1">
+            <a:lumMod val="50000"/>
+          </a:schemeClr>
+        </a:solidFill>
+        <a:round/>
+      </a:ln>
+    </cs:spPr>
+  </cs:upBar>
+  <cs:valueAxis>
+    <cs:lnRef idx="0"/>
+    <cs:fillRef idx="0"/>
+    <cs:effectRef idx="0"/>
+    <cs:fontRef idx="minor">
+      <a:schemeClr val="lt1">
+        <a:lumMod val="75000"/>
+      </a:schemeClr>
+    </cs:fontRef>
+    <cs:defRPr sz="900" kern="1200"/>
+  </cs:valueAxis>
+  <cs:wall>
+    <cs:lnRef idx="0"/>
+    <cs:fillRef idx="0"/>
+    <cs:effectRef idx="0"/>
+    <cs:fontRef idx="minor">
+      <a:schemeClr val="dk1"/>
+    </cs:fontRef>
+  </cs:wall>
+</cs:chartStyle>
+</file>
+
+<file path=ppt/charts/style11.xml><?xml version="1.0" encoding="utf-8"?>
+<cs:chartStyle xmlns:cs="http://schemas.microsoft.com/office/drawing/2012/chartStyle" xmlns:a="http://schemas.openxmlformats.org/drawingml/2006/main" id="213">
   <cs:axisTitle>
     <cs:lnRef idx="0"/>
     <cs:fillRef idx="0"/>
@@ -10608,6 +16663,1104 @@
 </cs:chartStyle>
 </file>
 
+<file path=ppt/charts/style8.xml><?xml version="1.0" encoding="utf-8"?>
+<cs:chartStyle xmlns:cs="http://schemas.microsoft.com/office/drawing/2012/chartStyle" xmlns:a="http://schemas.openxmlformats.org/drawingml/2006/main" id="236">
+  <cs:axisTitle>
+    <cs:lnRef idx="0"/>
+    <cs:fillRef idx="0"/>
+    <cs:effectRef idx="0"/>
+    <cs:fontRef idx="minor">
+      <a:schemeClr val="lt1">
+        <a:lumMod val="75000"/>
+      </a:schemeClr>
+    </cs:fontRef>
+    <cs:defRPr sz="900" b="1" kern="1200"/>
+  </cs:axisTitle>
+  <cs:categoryAxis>
+    <cs:lnRef idx="0"/>
+    <cs:fillRef idx="0"/>
+    <cs:effectRef idx="0"/>
+    <cs:fontRef idx="minor">
+      <a:schemeClr val="lt1">
+        <a:lumMod val="75000"/>
+      </a:schemeClr>
+    </cs:fontRef>
+    <cs:defRPr sz="900" kern="1200"/>
+  </cs:categoryAxis>
+  <cs:chartArea>
+    <cs:lnRef idx="0"/>
+    <cs:fillRef idx="0"/>
+    <cs:effectRef idx="0"/>
+    <cs:fontRef idx="minor">
+      <a:schemeClr val="dk1"/>
+    </cs:fontRef>
+    <cs:spPr>
+      <a:solidFill>
+        <a:schemeClr val="dk1">
+          <a:lumMod val="75000"/>
+          <a:lumOff val="25000"/>
+        </a:schemeClr>
+      </a:solidFill>
+      <a:ln w="9525" cap="flat" cmpd="sng" algn="ctr">
+        <a:solidFill>
+          <a:schemeClr val="dk1">
+            <a:lumMod val="15000"/>
+            <a:lumOff val="85000"/>
+          </a:schemeClr>
+        </a:solidFill>
+        <a:round/>
+      </a:ln>
+    </cs:spPr>
+    <cs:defRPr sz="900" kern="1200"/>
+  </cs:chartArea>
+  <cs:dataLabel>
+    <cs:lnRef idx="0"/>
+    <cs:fillRef idx="0"/>
+    <cs:effectRef idx="0"/>
+    <cs:fontRef idx="minor">
+      <a:schemeClr val="lt1">
+        <a:lumMod val="75000"/>
+      </a:schemeClr>
+    </cs:fontRef>
+    <cs:defRPr sz="900" kern="1200"/>
+  </cs:dataLabel>
+  <cs:dataLabelCallout>
+    <cs:lnRef idx="0"/>
+    <cs:fillRef idx="0"/>
+    <cs:effectRef idx="0"/>
+    <cs:fontRef idx="minor">
+      <a:schemeClr val="lt1">
+        <a:lumMod val="15000"/>
+        <a:lumOff val="85000"/>
+      </a:schemeClr>
+    </cs:fontRef>
+    <cs:spPr>
+      <a:solidFill>
+        <a:schemeClr val="dk1">
+          <a:lumMod val="65000"/>
+          <a:lumOff val="35000"/>
+        </a:schemeClr>
+      </a:solidFill>
+    </cs:spPr>
+    <cs:defRPr sz="900" kern="1200"/>
+    <cs:bodyPr rot="0" spcFirstLastPara="1" vertOverflow="clip" horzOverflow="clip" vert="horz" wrap="square" lIns="36576" tIns="18288" rIns="36576" bIns="18288" anchor="ctr" anchorCtr="1">
+      <a:spAutoFit/>
+    </cs:bodyPr>
+  </cs:dataLabelCallout>
+  <cs:dataPoint>
+    <cs:lnRef idx="0">
+      <cs:styleClr val="auto"/>
+    </cs:lnRef>
+    <cs:fillRef idx="0"/>
+    <cs:effectRef idx="0">
+      <cs:styleClr val="auto"/>
+    </cs:effectRef>
+    <cs:fontRef idx="minor">
+      <a:schemeClr val="dk1"/>
+    </cs:fontRef>
+    <cs:spPr>
+      <a:ln w="9525" cap="flat" cmpd="sng" algn="ctr">
+        <a:solidFill>
+          <a:schemeClr val="phClr"/>
+        </a:solidFill>
+        <a:miter lim="800000"/>
+      </a:ln>
+      <a:effectLst>
+        <a:glow rad="63500">
+          <a:schemeClr val="phClr">
+            <a:satMod val="175000"/>
+            <a:alpha val="25000"/>
+          </a:schemeClr>
+        </a:glow>
+      </a:effectLst>
+    </cs:spPr>
+  </cs:dataPoint>
+  <cs:dataPoint3D>
+    <cs:lnRef idx="0">
+      <cs:styleClr val="auto"/>
+    </cs:lnRef>
+    <cs:fillRef idx="0">
+      <cs:styleClr val="auto"/>
+    </cs:fillRef>
+    <cs:effectRef idx="0">
+      <cs:styleClr val="auto"/>
+    </cs:effectRef>
+    <cs:fontRef idx="minor">
+      <a:schemeClr val="dk1"/>
+    </cs:fontRef>
+    <cs:spPr>
+      <a:ln w="9525" cap="flat" cmpd="sng" algn="ctr">
+        <a:solidFill>
+          <a:schemeClr val="phClr"/>
+        </a:solidFill>
+        <a:miter lim="800000"/>
+      </a:ln>
+      <a:effectLst>
+        <a:glow rad="63500">
+          <a:schemeClr val="phClr">
+            <a:satMod val="175000"/>
+            <a:alpha val="25000"/>
+          </a:schemeClr>
+        </a:glow>
+      </a:effectLst>
+    </cs:spPr>
+  </cs:dataPoint3D>
+  <cs:dataPointLine>
+    <cs:lnRef idx="0">
+      <cs:styleClr val="auto"/>
+    </cs:lnRef>
+    <cs:fillRef idx="0">
+      <cs:styleClr val="auto"/>
+    </cs:fillRef>
+    <cs:effectRef idx="0">
+      <cs:styleClr val="auto"/>
+    </cs:effectRef>
+    <cs:fontRef idx="minor">
+      <a:schemeClr val="dk1"/>
+    </cs:fontRef>
+    <cs:spPr>
+      <a:ln w="22225" cap="rnd">
+        <a:solidFill>
+          <a:schemeClr val="phClr"/>
+        </a:solidFill>
+      </a:ln>
+      <a:effectLst>
+        <a:glow rad="139700">
+          <a:schemeClr val="phClr">
+            <a:satMod val="175000"/>
+            <a:alpha val="14000"/>
+          </a:schemeClr>
+        </a:glow>
+      </a:effectLst>
+    </cs:spPr>
+  </cs:dataPointLine>
+  <cs:dataPointMarker>
+    <cs:lnRef idx="0">
+      <cs:styleClr val="auto"/>
+    </cs:lnRef>
+    <cs:fillRef idx="0">
+      <cs:styleClr val="auto"/>
+    </cs:fillRef>
+    <cs:effectRef idx="0">
+      <cs:styleClr val="auto"/>
+    </cs:effectRef>
+    <cs:fontRef idx="minor">
+      <a:schemeClr val="dk1"/>
+    </cs:fontRef>
+    <cs:spPr>
+      <a:solidFill>
+        <a:schemeClr val="phClr">
+          <a:lumMod val="60000"/>
+          <a:lumOff val="40000"/>
+        </a:schemeClr>
+      </a:solidFill>
+      <a:effectLst>
+        <a:glow rad="63500">
+          <a:schemeClr val="phClr">
+            <a:satMod val="175000"/>
+            <a:alpha val="25000"/>
+          </a:schemeClr>
+        </a:glow>
+      </a:effectLst>
+    </cs:spPr>
+  </cs:dataPointMarker>
+  <cs:dataPointMarkerLayout symbol="circle" size="4"/>
+  <cs:dataPointWireframe>
+    <cs:lnRef idx="0">
+      <cs:styleClr val="auto"/>
+    </cs:lnRef>
+    <cs:fillRef idx="0"/>
+    <cs:effectRef idx="0"/>
+    <cs:fontRef idx="minor">
+      <a:schemeClr val="dk1"/>
+    </cs:fontRef>
+    <cs:spPr>
+      <a:ln w="9525" cap="rnd">
+        <a:solidFill>
+          <a:schemeClr val="phClr"/>
+        </a:solidFill>
+        <a:round/>
+      </a:ln>
+    </cs:spPr>
+  </cs:dataPointWireframe>
+  <cs:dataTable>
+    <cs:lnRef idx="0"/>
+    <cs:fillRef idx="0"/>
+    <cs:effectRef idx="0"/>
+    <cs:fontRef idx="minor">
+      <a:schemeClr val="lt1">
+        <a:lumMod val="75000"/>
+      </a:schemeClr>
+    </cs:fontRef>
+    <cs:spPr>
+      <a:ln w="9525">
+        <a:solidFill>
+          <a:schemeClr val="dk1">
+            <a:lumMod val="50000"/>
+            <a:lumOff val="50000"/>
+          </a:schemeClr>
+        </a:solidFill>
+      </a:ln>
+    </cs:spPr>
+    <cs:defRPr sz="900" kern="1200"/>
+  </cs:dataTable>
+  <cs:downBar>
+    <cs:lnRef idx="0"/>
+    <cs:fillRef idx="0"/>
+    <cs:effectRef idx="0"/>
+    <cs:fontRef idx="minor">
+      <a:schemeClr val="lt1"/>
+    </cs:fontRef>
+    <cs:spPr>
+      <a:solidFill>
+        <a:schemeClr val="dk1">
+          <a:lumMod val="50000"/>
+          <a:lumOff val="50000"/>
+        </a:schemeClr>
+      </a:solidFill>
+      <a:ln w="9525">
+        <a:solidFill>
+          <a:schemeClr val="dk1">
+            <a:lumMod val="75000"/>
+          </a:schemeClr>
+        </a:solidFill>
+        <a:round/>
+      </a:ln>
+    </cs:spPr>
+  </cs:downBar>
+  <cs:dropLine>
+    <cs:lnRef idx="0"/>
+    <cs:fillRef idx="0"/>
+    <cs:effectRef idx="0"/>
+    <cs:fontRef idx="minor">
+      <a:schemeClr val="dk1"/>
+    </cs:fontRef>
+    <cs:spPr>
+      <a:ln w="9525">
+        <a:solidFill>
+          <a:schemeClr val="lt1">
+            <a:lumMod val="50000"/>
+          </a:schemeClr>
+        </a:solidFill>
+        <a:round/>
+      </a:ln>
+    </cs:spPr>
+  </cs:dropLine>
+  <cs:errorBar>
+    <cs:lnRef idx="0"/>
+    <cs:fillRef idx="0"/>
+    <cs:effectRef idx="0"/>
+    <cs:fontRef idx="minor">
+      <a:schemeClr val="dk1"/>
+    </cs:fontRef>
+    <cs:spPr>
+      <a:ln w="9525">
+        <a:solidFill>
+          <a:schemeClr val="lt1">
+            <a:lumMod val="50000"/>
+          </a:schemeClr>
+        </a:solidFill>
+        <a:round/>
+      </a:ln>
+    </cs:spPr>
+  </cs:errorBar>
+  <cs:floor>
+    <cs:lnRef idx="0"/>
+    <cs:fillRef idx="0"/>
+    <cs:effectRef idx="0"/>
+    <cs:fontRef idx="minor">
+      <a:schemeClr val="dk1"/>
+    </cs:fontRef>
+  </cs:floor>
+  <cs:gridlineMajor>
+    <cs:lnRef idx="0"/>
+    <cs:fillRef idx="0"/>
+    <cs:effectRef idx="0"/>
+    <cs:fontRef idx="minor">
+      <a:schemeClr val="dk1"/>
+    </cs:fontRef>
+    <cs:spPr>
+      <a:ln w="9525" cap="flat" cmpd="sng" algn="ctr">
+        <a:gradFill>
+          <a:gsLst>
+            <a:gs pos="100000">
+              <a:schemeClr val="dk1">
+                <a:lumMod val="75000"/>
+                <a:lumOff val="25000"/>
+              </a:schemeClr>
+            </a:gs>
+            <a:gs pos="0">
+              <a:schemeClr val="dk1">
+                <a:lumMod val="65000"/>
+                <a:lumOff val="35000"/>
+              </a:schemeClr>
+            </a:gs>
+          </a:gsLst>
+          <a:lin ang="5400000" scaled="0"/>
+        </a:gradFill>
+        <a:round/>
+      </a:ln>
+    </cs:spPr>
+  </cs:gridlineMajor>
+  <cs:gridlineMinor>
+    <cs:lnRef idx="0"/>
+    <cs:fillRef idx="0"/>
+    <cs:effectRef idx="0"/>
+    <cs:fontRef idx="minor">
+      <a:schemeClr val="dk1"/>
+    </cs:fontRef>
+    <cs:spPr>
+      <a:ln w="9525" cap="flat" cmpd="sng" algn="ctr">
+        <a:gradFill>
+          <a:gsLst>
+            <a:gs pos="100000">
+              <a:schemeClr val="dk1">
+                <a:lumMod val="75000"/>
+                <a:lumOff val="25000"/>
+                <a:alpha val="25000"/>
+              </a:schemeClr>
+            </a:gs>
+            <a:gs pos="0">
+              <a:schemeClr val="dk1">
+                <a:lumMod val="65000"/>
+                <a:lumOff val="35000"/>
+                <a:alpha val="25000"/>
+              </a:schemeClr>
+            </a:gs>
+          </a:gsLst>
+          <a:lin ang="5400000" scaled="0"/>
+        </a:gradFill>
+        <a:round/>
+      </a:ln>
+    </cs:spPr>
+  </cs:gridlineMinor>
+  <cs:hiLoLine>
+    <cs:lnRef idx="0"/>
+    <cs:fillRef idx="0"/>
+    <cs:effectRef idx="0"/>
+    <cs:fontRef idx="minor">
+      <a:schemeClr val="dk1"/>
+    </cs:fontRef>
+    <cs:spPr>
+      <a:ln w="9525">
+        <a:solidFill>
+          <a:schemeClr val="lt1">
+            <a:lumMod val="50000"/>
+          </a:schemeClr>
+        </a:solidFill>
+        <a:round/>
+      </a:ln>
+    </cs:spPr>
+  </cs:hiLoLine>
+  <cs:leaderLine>
+    <cs:lnRef idx="0"/>
+    <cs:fillRef idx="0"/>
+    <cs:effectRef idx="0"/>
+    <cs:fontRef idx="minor">
+      <a:schemeClr val="dk1"/>
+    </cs:fontRef>
+    <cs:spPr>
+      <a:ln w="9525">
+        <a:solidFill>
+          <a:schemeClr val="lt1">
+            <a:lumMod val="50000"/>
+          </a:schemeClr>
+        </a:solidFill>
+        <a:round/>
+      </a:ln>
+    </cs:spPr>
+  </cs:leaderLine>
+  <cs:legend>
+    <cs:lnRef idx="0"/>
+    <cs:fillRef idx="0"/>
+    <cs:effectRef idx="0"/>
+    <cs:fontRef idx="minor">
+      <a:schemeClr val="lt1">
+        <a:lumMod val="75000"/>
+      </a:schemeClr>
+    </cs:fontRef>
+    <cs:defRPr sz="900" kern="1200"/>
+  </cs:legend>
+  <cs:plotArea>
+    <cs:lnRef idx="0"/>
+    <cs:fillRef idx="0"/>
+    <cs:effectRef idx="0"/>
+    <cs:fontRef idx="minor">
+      <a:schemeClr val="dk1"/>
+    </cs:fontRef>
+  </cs:plotArea>
+  <cs:plotArea3D>
+    <cs:lnRef idx="0"/>
+    <cs:fillRef idx="0"/>
+    <cs:effectRef idx="0"/>
+    <cs:fontRef idx="minor">
+      <a:schemeClr val="dk1"/>
+    </cs:fontRef>
+  </cs:plotArea3D>
+  <cs:seriesAxis>
+    <cs:lnRef idx="0"/>
+    <cs:fillRef idx="0"/>
+    <cs:effectRef idx="0"/>
+    <cs:fontRef idx="minor">
+      <a:schemeClr val="lt1">
+        <a:lumMod val="75000"/>
+      </a:schemeClr>
+    </cs:fontRef>
+    <cs:defRPr sz="900" kern="1200"/>
+  </cs:seriesAxis>
+  <cs:seriesLine>
+    <cs:lnRef idx="0"/>
+    <cs:fillRef idx="0"/>
+    <cs:effectRef idx="0"/>
+    <cs:fontRef idx="minor">
+      <a:schemeClr val="dk1"/>
+    </cs:fontRef>
+    <cs:spPr>
+      <a:ln w="9525">
+        <a:solidFill>
+          <a:schemeClr val="lt1">
+            <a:lumMod val="50000"/>
+          </a:schemeClr>
+        </a:solidFill>
+        <a:round/>
+      </a:ln>
+    </cs:spPr>
+  </cs:seriesLine>
+  <cs:title>
+    <cs:lnRef idx="0"/>
+    <cs:fillRef idx="0"/>
+    <cs:effectRef idx="0"/>
+    <cs:fontRef idx="minor">
+      <a:schemeClr val="lt1">
+        <a:lumMod val="85000"/>
+      </a:schemeClr>
+    </cs:fontRef>
+    <cs:defRPr sz="1400" b="1" kern="1200" cap="none" baseline="0"/>
+  </cs:title>
+  <cs:trendline>
+    <cs:lnRef idx="0">
+      <cs:styleClr val="auto"/>
+    </cs:lnRef>
+    <cs:fillRef idx="0"/>
+    <cs:effectRef idx="0"/>
+    <cs:fontRef idx="minor">
+      <a:schemeClr val="lt1"/>
+    </cs:fontRef>
+    <cs:spPr>
+      <a:ln w="25400" cap="rnd">
+        <a:solidFill>
+          <a:schemeClr val="phClr">
+            <a:alpha val="50000"/>
+          </a:schemeClr>
+        </a:solidFill>
+      </a:ln>
+    </cs:spPr>
+  </cs:trendline>
+  <cs:trendlineLabel>
+    <cs:lnRef idx="0"/>
+    <cs:fillRef idx="0"/>
+    <cs:effectRef idx="0"/>
+    <cs:fontRef idx="minor">
+      <a:schemeClr val="lt1">
+        <a:lumMod val="75000"/>
+      </a:schemeClr>
+    </cs:fontRef>
+    <cs:defRPr sz="900" kern="1200"/>
+  </cs:trendlineLabel>
+  <cs:upBar>
+    <cs:lnRef idx="0"/>
+    <cs:fillRef idx="0"/>
+    <cs:effectRef idx="0"/>
+    <cs:fontRef idx="minor">
+      <a:schemeClr val="dk1"/>
+    </cs:fontRef>
+    <cs:spPr>
+      <a:solidFill>
+        <a:schemeClr val="lt1">
+          <a:lumMod val="85000"/>
+        </a:schemeClr>
+      </a:solidFill>
+      <a:ln w="9525">
+        <a:solidFill>
+          <a:schemeClr val="dk1">
+            <a:lumMod val="50000"/>
+          </a:schemeClr>
+        </a:solidFill>
+        <a:round/>
+      </a:ln>
+    </cs:spPr>
+  </cs:upBar>
+  <cs:valueAxis>
+    <cs:lnRef idx="0"/>
+    <cs:fillRef idx="0"/>
+    <cs:effectRef idx="0"/>
+    <cs:fontRef idx="minor">
+      <a:schemeClr val="lt1">
+        <a:lumMod val="75000"/>
+      </a:schemeClr>
+    </cs:fontRef>
+    <cs:defRPr sz="900" kern="1200"/>
+  </cs:valueAxis>
+  <cs:wall>
+    <cs:lnRef idx="0"/>
+    <cs:fillRef idx="0"/>
+    <cs:effectRef idx="0"/>
+    <cs:fontRef idx="minor">
+      <a:schemeClr val="dk1"/>
+    </cs:fontRef>
+  </cs:wall>
+</cs:chartStyle>
+</file>
+
+<file path=ppt/charts/style9.xml><?xml version="1.0" encoding="utf-8"?>
+<cs:chartStyle xmlns:cs="http://schemas.microsoft.com/office/drawing/2012/chartStyle" xmlns:a="http://schemas.openxmlformats.org/drawingml/2006/main" id="236">
+  <cs:axisTitle>
+    <cs:lnRef idx="0"/>
+    <cs:fillRef idx="0"/>
+    <cs:effectRef idx="0"/>
+    <cs:fontRef idx="minor">
+      <a:schemeClr val="lt1">
+        <a:lumMod val="75000"/>
+      </a:schemeClr>
+    </cs:fontRef>
+    <cs:defRPr sz="900" b="1" kern="1200"/>
+  </cs:axisTitle>
+  <cs:categoryAxis>
+    <cs:lnRef idx="0"/>
+    <cs:fillRef idx="0"/>
+    <cs:effectRef idx="0"/>
+    <cs:fontRef idx="minor">
+      <a:schemeClr val="lt1">
+        <a:lumMod val="75000"/>
+      </a:schemeClr>
+    </cs:fontRef>
+    <cs:defRPr sz="900" kern="1200"/>
+  </cs:categoryAxis>
+  <cs:chartArea>
+    <cs:lnRef idx="0"/>
+    <cs:fillRef idx="0"/>
+    <cs:effectRef idx="0"/>
+    <cs:fontRef idx="minor">
+      <a:schemeClr val="dk1"/>
+    </cs:fontRef>
+    <cs:spPr>
+      <a:solidFill>
+        <a:schemeClr val="dk1">
+          <a:lumMod val="75000"/>
+          <a:lumOff val="25000"/>
+        </a:schemeClr>
+      </a:solidFill>
+      <a:ln w="9525" cap="flat" cmpd="sng" algn="ctr">
+        <a:solidFill>
+          <a:schemeClr val="dk1">
+            <a:lumMod val="15000"/>
+            <a:lumOff val="85000"/>
+          </a:schemeClr>
+        </a:solidFill>
+        <a:round/>
+      </a:ln>
+    </cs:spPr>
+    <cs:defRPr sz="900" kern="1200"/>
+  </cs:chartArea>
+  <cs:dataLabel>
+    <cs:lnRef idx="0"/>
+    <cs:fillRef idx="0"/>
+    <cs:effectRef idx="0"/>
+    <cs:fontRef idx="minor">
+      <a:schemeClr val="lt1">
+        <a:lumMod val="75000"/>
+      </a:schemeClr>
+    </cs:fontRef>
+    <cs:defRPr sz="900" kern="1200"/>
+  </cs:dataLabel>
+  <cs:dataLabelCallout>
+    <cs:lnRef idx="0"/>
+    <cs:fillRef idx="0"/>
+    <cs:effectRef idx="0"/>
+    <cs:fontRef idx="minor">
+      <a:schemeClr val="lt1">
+        <a:lumMod val="15000"/>
+        <a:lumOff val="85000"/>
+      </a:schemeClr>
+    </cs:fontRef>
+    <cs:spPr>
+      <a:solidFill>
+        <a:schemeClr val="dk1">
+          <a:lumMod val="65000"/>
+          <a:lumOff val="35000"/>
+        </a:schemeClr>
+      </a:solidFill>
+    </cs:spPr>
+    <cs:defRPr sz="900" kern="1200"/>
+    <cs:bodyPr rot="0" spcFirstLastPara="1" vertOverflow="clip" horzOverflow="clip" vert="horz" wrap="square" lIns="36576" tIns="18288" rIns="36576" bIns="18288" anchor="ctr" anchorCtr="1">
+      <a:spAutoFit/>
+    </cs:bodyPr>
+  </cs:dataLabelCallout>
+  <cs:dataPoint>
+    <cs:lnRef idx="0">
+      <cs:styleClr val="auto"/>
+    </cs:lnRef>
+    <cs:fillRef idx="0"/>
+    <cs:effectRef idx="0">
+      <cs:styleClr val="auto"/>
+    </cs:effectRef>
+    <cs:fontRef idx="minor">
+      <a:schemeClr val="dk1"/>
+    </cs:fontRef>
+    <cs:spPr>
+      <a:ln w="9525" cap="flat" cmpd="sng" algn="ctr">
+        <a:solidFill>
+          <a:schemeClr val="phClr"/>
+        </a:solidFill>
+        <a:miter lim="800000"/>
+      </a:ln>
+      <a:effectLst>
+        <a:glow rad="63500">
+          <a:schemeClr val="phClr">
+            <a:satMod val="175000"/>
+            <a:alpha val="25000"/>
+          </a:schemeClr>
+        </a:glow>
+      </a:effectLst>
+    </cs:spPr>
+  </cs:dataPoint>
+  <cs:dataPoint3D>
+    <cs:lnRef idx="0">
+      <cs:styleClr val="auto"/>
+    </cs:lnRef>
+    <cs:fillRef idx="0">
+      <cs:styleClr val="auto"/>
+    </cs:fillRef>
+    <cs:effectRef idx="0">
+      <cs:styleClr val="auto"/>
+    </cs:effectRef>
+    <cs:fontRef idx="minor">
+      <a:schemeClr val="dk1"/>
+    </cs:fontRef>
+    <cs:spPr>
+      <a:ln w="9525" cap="flat" cmpd="sng" algn="ctr">
+        <a:solidFill>
+          <a:schemeClr val="phClr"/>
+        </a:solidFill>
+        <a:miter lim="800000"/>
+      </a:ln>
+      <a:effectLst>
+        <a:glow rad="63500">
+          <a:schemeClr val="phClr">
+            <a:satMod val="175000"/>
+            <a:alpha val="25000"/>
+          </a:schemeClr>
+        </a:glow>
+      </a:effectLst>
+    </cs:spPr>
+  </cs:dataPoint3D>
+  <cs:dataPointLine>
+    <cs:lnRef idx="0">
+      <cs:styleClr val="auto"/>
+    </cs:lnRef>
+    <cs:fillRef idx="0">
+      <cs:styleClr val="auto"/>
+    </cs:fillRef>
+    <cs:effectRef idx="0">
+      <cs:styleClr val="auto"/>
+    </cs:effectRef>
+    <cs:fontRef idx="minor">
+      <a:schemeClr val="dk1"/>
+    </cs:fontRef>
+    <cs:spPr>
+      <a:ln w="22225" cap="rnd">
+        <a:solidFill>
+          <a:schemeClr val="phClr"/>
+        </a:solidFill>
+      </a:ln>
+      <a:effectLst>
+        <a:glow rad="139700">
+          <a:schemeClr val="phClr">
+            <a:satMod val="175000"/>
+            <a:alpha val="14000"/>
+          </a:schemeClr>
+        </a:glow>
+      </a:effectLst>
+    </cs:spPr>
+  </cs:dataPointLine>
+  <cs:dataPointMarker>
+    <cs:lnRef idx="0">
+      <cs:styleClr val="auto"/>
+    </cs:lnRef>
+    <cs:fillRef idx="0">
+      <cs:styleClr val="auto"/>
+    </cs:fillRef>
+    <cs:effectRef idx="0">
+      <cs:styleClr val="auto"/>
+    </cs:effectRef>
+    <cs:fontRef idx="minor">
+      <a:schemeClr val="dk1"/>
+    </cs:fontRef>
+    <cs:spPr>
+      <a:solidFill>
+        <a:schemeClr val="phClr">
+          <a:lumMod val="60000"/>
+          <a:lumOff val="40000"/>
+        </a:schemeClr>
+      </a:solidFill>
+      <a:effectLst>
+        <a:glow rad="63500">
+          <a:schemeClr val="phClr">
+            <a:satMod val="175000"/>
+            <a:alpha val="25000"/>
+          </a:schemeClr>
+        </a:glow>
+      </a:effectLst>
+    </cs:spPr>
+  </cs:dataPointMarker>
+  <cs:dataPointMarkerLayout symbol="circle" size="4"/>
+  <cs:dataPointWireframe>
+    <cs:lnRef idx="0">
+      <cs:styleClr val="auto"/>
+    </cs:lnRef>
+    <cs:fillRef idx="0"/>
+    <cs:effectRef idx="0"/>
+    <cs:fontRef idx="minor">
+      <a:schemeClr val="dk1"/>
+    </cs:fontRef>
+    <cs:spPr>
+      <a:ln w="9525" cap="rnd">
+        <a:solidFill>
+          <a:schemeClr val="phClr"/>
+        </a:solidFill>
+        <a:round/>
+      </a:ln>
+    </cs:spPr>
+  </cs:dataPointWireframe>
+  <cs:dataTable>
+    <cs:lnRef idx="0"/>
+    <cs:fillRef idx="0"/>
+    <cs:effectRef idx="0"/>
+    <cs:fontRef idx="minor">
+      <a:schemeClr val="lt1">
+        <a:lumMod val="75000"/>
+      </a:schemeClr>
+    </cs:fontRef>
+    <cs:spPr>
+      <a:ln w="9525">
+        <a:solidFill>
+          <a:schemeClr val="dk1">
+            <a:lumMod val="50000"/>
+            <a:lumOff val="50000"/>
+          </a:schemeClr>
+        </a:solidFill>
+      </a:ln>
+    </cs:spPr>
+    <cs:defRPr sz="900" kern="1200"/>
+  </cs:dataTable>
+  <cs:downBar>
+    <cs:lnRef idx="0"/>
+    <cs:fillRef idx="0"/>
+    <cs:effectRef idx="0"/>
+    <cs:fontRef idx="minor">
+      <a:schemeClr val="lt1"/>
+    </cs:fontRef>
+    <cs:spPr>
+      <a:solidFill>
+        <a:schemeClr val="dk1">
+          <a:lumMod val="50000"/>
+          <a:lumOff val="50000"/>
+        </a:schemeClr>
+      </a:solidFill>
+      <a:ln w="9525">
+        <a:solidFill>
+          <a:schemeClr val="dk1">
+            <a:lumMod val="75000"/>
+          </a:schemeClr>
+        </a:solidFill>
+        <a:round/>
+      </a:ln>
+    </cs:spPr>
+  </cs:downBar>
+  <cs:dropLine>
+    <cs:lnRef idx="0"/>
+    <cs:fillRef idx="0"/>
+    <cs:effectRef idx="0"/>
+    <cs:fontRef idx="minor">
+      <a:schemeClr val="dk1"/>
+    </cs:fontRef>
+    <cs:spPr>
+      <a:ln w="9525">
+        <a:solidFill>
+          <a:schemeClr val="lt1">
+            <a:lumMod val="50000"/>
+          </a:schemeClr>
+        </a:solidFill>
+        <a:round/>
+      </a:ln>
+    </cs:spPr>
+  </cs:dropLine>
+  <cs:errorBar>
+    <cs:lnRef idx="0"/>
+    <cs:fillRef idx="0"/>
+    <cs:effectRef idx="0"/>
+    <cs:fontRef idx="minor">
+      <a:schemeClr val="dk1"/>
+    </cs:fontRef>
+    <cs:spPr>
+      <a:ln w="9525">
+        <a:solidFill>
+          <a:schemeClr val="lt1">
+            <a:lumMod val="50000"/>
+          </a:schemeClr>
+        </a:solidFill>
+        <a:round/>
+      </a:ln>
+    </cs:spPr>
+  </cs:errorBar>
+  <cs:floor>
+    <cs:lnRef idx="0"/>
+    <cs:fillRef idx="0"/>
+    <cs:effectRef idx="0"/>
+    <cs:fontRef idx="minor">
+      <a:schemeClr val="dk1"/>
+    </cs:fontRef>
+  </cs:floor>
+  <cs:gridlineMajor>
+    <cs:lnRef idx="0"/>
+    <cs:fillRef idx="0"/>
+    <cs:effectRef idx="0"/>
+    <cs:fontRef idx="minor">
+      <a:schemeClr val="dk1"/>
+    </cs:fontRef>
+    <cs:spPr>
+      <a:ln w="9525" cap="flat" cmpd="sng" algn="ctr">
+        <a:gradFill>
+          <a:gsLst>
+            <a:gs pos="100000">
+              <a:schemeClr val="dk1">
+                <a:lumMod val="75000"/>
+                <a:lumOff val="25000"/>
+              </a:schemeClr>
+            </a:gs>
+            <a:gs pos="0">
+              <a:schemeClr val="dk1">
+                <a:lumMod val="65000"/>
+                <a:lumOff val="35000"/>
+              </a:schemeClr>
+            </a:gs>
+          </a:gsLst>
+          <a:lin ang="5400000" scaled="0"/>
+        </a:gradFill>
+        <a:round/>
+      </a:ln>
+    </cs:spPr>
+  </cs:gridlineMajor>
+  <cs:gridlineMinor>
+    <cs:lnRef idx="0"/>
+    <cs:fillRef idx="0"/>
+    <cs:effectRef idx="0"/>
+    <cs:fontRef idx="minor">
+      <a:schemeClr val="dk1"/>
+    </cs:fontRef>
+    <cs:spPr>
+      <a:ln w="9525" cap="flat" cmpd="sng" algn="ctr">
+        <a:gradFill>
+          <a:gsLst>
+            <a:gs pos="100000">
+              <a:schemeClr val="dk1">
+                <a:lumMod val="75000"/>
+                <a:lumOff val="25000"/>
+                <a:alpha val="25000"/>
+              </a:schemeClr>
+            </a:gs>
+            <a:gs pos="0">
+              <a:schemeClr val="dk1">
+                <a:lumMod val="65000"/>
+                <a:lumOff val="35000"/>
+                <a:alpha val="25000"/>
+              </a:schemeClr>
+            </a:gs>
+          </a:gsLst>
+          <a:lin ang="5400000" scaled="0"/>
+        </a:gradFill>
+        <a:round/>
+      </a:ln>
+    </cs:spPr>
+  </cs:gridlineMinor>
+  <cs:hiLoLine>
+    <cs:lnRef idx="0"/>
+    <cs:fillRef idx="0"/>
+    <cs:effectRef idx="0"/>
+    <cs:fontRef idx="minor">
+      <a:schemeClr val="dk1"/>
+    </cs:fontRef>
+    <cs:spPr>
+      <a:ln w="9525">
+        <a:solidFill>
+          <a:schemeClr val="lt1">
+            <a:lumMod val="50000"/>
+          </a:schemeClr>
+        </a:solidFill>
+        <a:round/>
+      </a:ln>
+    </cs:spPr>
+  </cs:hiLoLine>
+  <cs:leaderLine>
+    <cs:lnRef idx="0"/>
+    <cs:fillRef idx="0"/>
+    <cs:effectRef idx="0"/>
+    <cs:fontRef idx="minor">
+      <a:schemeClr val="dk1"/>
+    </cs:fontRef>
+    <cs:spPr>
+      <a:ln w="9525">
+        <a:solidFill>
+          <a:schemeClr val="lt1">
+            <a:lumMod val="50000"/>
+          </a:schemeClr>
+        </a:solidFill>
+        <a:round/>
+      </a:ln>
+    </cs:spPr>
+  </cs:leaderLine>
+  <cs:legend>
+    <cs:lnRef idx="0"/>
+    <cs:fillRef idx="0"/>
+    <cs:effectRef idx="0"/>
+    <cs:fontRef idx="minor">
+      <a:schemeClr val="lt1">
+        <a:lumMod val="75000"/>
+      </a:schemeClr>
+    </cs:fontRef>
+    <cs:defRPr sz="900" kern="1200"/>
+  </cs:legend>
+  <cs:plotArea>
+    <cs:lnRef idx="0"/>
+    <cs:fillRef idx="0"/>
+    <cs:effectRef idx="0"/>
+    <cs:fontRef idx="minor">
+      <a:schemeClr val="dk1"/>
+    </cs:fontRef>
+  </cs:plotArea>
+  <cs:plotArea3D>
+    <cs:lnRef idx="0"/>
+    <cs:fillRef idx="0"/>
+    <cs:effectRef idx="0"/>
+    <cs:fontRef idx="minor">
+      <a:schemeClr val="dk1"/>
+    </cs:fontRef>
+  </cs:plotArea3D>
+  <cs:seriesAxis>
+    <cs:lnRef idx="0"/>
+    <cs:fillRef idx="0"/>
+    <cs:effectRef idx="0"/>
+    <cs:fontRef idx="minor">
+      <a:schemeClr val="lt1">
+        <a:lumMod val="75000"/>
+      </a:schemeClr>
+    </cs:fontRef>
+    <cs:defRPr sz="900" kern="1200"/>
+  </cs:seriesAxis>
+  <cs:seriesLine>
+    <cs:lnRef idx="0"/>
+    <cs:fillRef idx="0"/>
+    <cs:effectRef idx="0"/>
+    <cs:fontRef idx="minor">
+      <a:schemeClr val="dk1"/>
+    </cs:fontRef>
+    <cs:spPr>
+      <a:ln w="9525">
+        <a:solidFill>
+          <a:schemeClr val="lt1">
+            <a:lumMod val="50000"/>
+          </a:schemeClr>
+        </a:solidFill>
+        <a:round/>
+      </a:ln>
+    </cs:spPr>
+  </cs:seriesLine>
+  <cs:title>
+    <cs:lnRef idx="0"/>
+    <cs:fillRef idx="0"/>
+    <cs:effectRef idx="0"/>
+    <cs:fontRef idx="minor">
+      <a:schemeClr val="lt1">
+        <a:lumMod val="85000"/>
+      </a:schemeClr>
+    </cs:fontRef>
+    <cs:defRPr sz="1400" b="1" kern="1200" cap="none" baseline="0"/>
+  </cs:title>
+  <cs:trendline>
+    <cs:lnRef idx="0">
+      <cs:styleClr val="auto"/>
+    </cs:lnRef>
+    <cs:fillRef idx="0"/>
+    <cs:effectRef idx="0"/>
+    <cs:fontRef idx="minor">
+      <a:schemeClr val="lt1"/>
+    </cs:fontRef>
+    <cs:spPr>
+      <a:ln w="25400" cap="rnd">
+        <a:solidFill>
+          <a:schemeClr val="phClr">
+            <a:alpha val="50000"/>
+          </a:schemeClr>
+        </a:solidFill>
+      </a:ln>
+    </cs:spPr>
+  </cs:trendline>
+  <cs:trendlineLabel>
+    <cs:lnRef idx="0"/>
+    <cs:fillRef idx="0"/>
+    <cs:effectRef idx="0"/>
+    <cs:fontRef idx="minor">
+      <a:schemeClr val="lt1">
+        <a:lumMod val="75000"/>
+      </a:schemeClr>
+    </cs:fontRef>
+    <cs:defRPr sz="900" kern="1200"/>
+  </cs:trendlineLabel>
+  <cs:upBar>
+    <cs:lnRef idx="0"/>
+    <cs:fillRef idx="0"/>
+    <cs:effectRef idx="0"/>
+    <cs:fontRef idx="minor">
+      <a:schemeClr val="dk1"/>
+    </cs:fontRef>
+    <cs:spPr>
+      <a:solidFill>
+        <a:schemeClr val="lt1">
+          <a:lumMod val="85000"/>
+        </a:schemeClr>
+      </a:solidFill>
+      <a:ln w="9525">
+        <a:solidFill>
+          <a:schemeClr val="dk1">
+            <a:lumMod val="50000"/>
+          </a:schemeClr>
+        </a:solidFill>
+        <a:round/>
+      </a:ln>
+    </cs:spPr>
+  </cs:upBar>
+  <cs:valueAxis>
+    <cs:lnRef idx="0"/>
+    <cs:fillRef idx="0"/>
+    <cs:effectRef idx="0"/>
+    <cs:fontRef idx="minor">
+      <a:schemeClr val="lt1">
+        <a:lumMod val="75000"/>
+      </a:schemeClr>
+    </cs:fontRef>
+    <cs:defRPr sz="900" kern="1200"/>
+  </cs:valueAxis>
+  <cs:wall>
+    <cs:lnRef idx="0"/>
+    <cs:fillRef idx="0"/>
+    <cs:effectRef idx="0"/>
+    <cs:fontRef idx="minor">
+      <a:schemeClr val="dk1"/>
+    </cs:fontRef>
+  </cs:wall>
+</cs:chartStyle>
+</file>
+
 <file path=ppt/notesMasters/notesMaster1.xml><?xml version="1.0" encoding="utf-8"?>
 <p:notesMaster xmlns:a="http://schemas.openxmlformats.org/drawingml/2006/main" xmlns:r="http://schemas.openxmlformats.org/officeDocument/2006/relationships" xmlns:p="http://schemas.openxmlformats.org/presentationml/2006/main">
   <p:cSld>
@@ -11042,6 +18195,228 @@
 </p:notes>
 </file>
 
+<file path=ppt/notesSlides/notesSlide10.xml><?xml version="1.0" encoding="utf-8"?>
+<p:notes xmlns:a="http://schemas.openxmlformats.org/drawingml/2006/main" xmlns:r="http://schemas.openxmlformats.org/officeDocument/2006/relationships" xmlns:p="http://schemas.openxmlformats.org/presentationml/2006/main">
+  <p:cSld>
+    <p:spTree>
+      <p:nvGrpSpPr>
+        <p:cNvPr id="1" name=""/>
+        <p:cNvGrpSpPr/>
+        <p:nvPr/>
+      </p:nvGrpSpPr>
+      <p:grpSpPr>
+        <a:xfrm>
+          <a:off x="0" y="0"/>
+          <a:ext cx="0" cy="0"/>
+          <a:chOff x="0" y="0"/>
+          <a:chExt cx="0" cy="0"/>
+        </a:xfrm>
+      </p:grpSpPr>
+      <p:sp>
+        <p:nvSpPr>
+          <p:cNvPr id="2" name="Slide Image Placeholder 1"/>
+          <p:cNvSpPr>
+            <a:spLocks noGrp="1" noRot="1" noChangeAspect="1"/>
+          </p:cNvSpPr>
+          <p:nvPr>
+            <p:ph type="sldImg"/>
+          </p:nvPr>
+        </p:nvSpPr>
+        <p:spPr/>
+      </p:sp>
+      <p:sp>
+        <p:nvSpPr>
+          <p:cNvPr id="3" name="Notes Placeholder 2"/>
+          <p:cNvSpPr>
+            <a:spLocks noGrp="1"/>
+          </p:cNvSpPr>
+          <p:nvPr>
+            <p:ph type="body" idx="1"/>
+          </p:nvPr>
+        </p:nvSpPr>
+        <p:spPr/>
+        <p:txBody>
+          <a:bodyPr/>
+          <a:lstStyle/>
+          <a:p>
+            <a:r>
+              <a:rPr lang="en-US" dirty="0" smtClean="0"/>
+              <a:t>Program developed to convert</a:t>
+            </a:r>
+            <a:r>
+              <a:rPr lang="en-US" baseline="0" dirty="0" smtClean="0"/>
+              <a:t> .</a:t>
+            </a:r>
+            <a:r>
+              <a:rPr lang="en-US" baseline="0" dirty="0" err="1" smtClean="0"/>
+              <a:t>obj</a:t>
+            </a:r>
+            <a:r>
+              <a:rPr lang="en-US" baseline="0" dirty="0" smtClean="0"/>
+              <a:t> files</a:t>
+            </a:r>
+            <a:endParaRPr lang="en-US" dirty="0" smtClean="0"/>
+          </a:p>
+          <a:p>
+            <a:r>
+              <a:rPr lang="en-US" dirty="0" smtClean="0"/>
+              <a:t>Number</a:t>
+            </a:r>
+            <a:r>
+              <a:rPr lang="en-US" baseline="0" dirty="0" smtClean="0"/>
+              <a:t> components checked with program called trimesh2, programming used for processing meshes</a:t>
+            </a:r>
+            <a:endParaRPr lang="en-US" dirty="0"/>
+          </a:p>
+        </p:txBody>
+      </p:sp>
+      <p:sp>
+        <p:nvSpPr>
+          <p:cNvPr id="4" name="Slide Number Placeholder 3"/>
+          <p:cNvSpPr>
+            <a:spLocks noGrp="1"/>
+          </p:cNvSpPr>
+          <p:nvPr>
+            <p:ph type="sldNum" sz="quarter" idx="10"/>
+          </p:nvPr>
+        </p:nvSpPr>
+        <p:spPr/>
+        <p:txBody>
+          <a:bodyPr/>
+          <a:lstStyle/>
+          <a:p>
+            <a:fld id="{E9CF5C0B-8884-41E5-88A3-9679438C4701}" type="slidenum">
+              <a:rPr lang="en-US" smtClean="0"/>
+              <a:t>50</a:t>
+            </a:fld>
+            <a:endParaRPr lang="en-US"/>
+          </a:p>
+        </p:txBody>
+      </p:sp>
+    </p:spTree>
+    <p:extLst>
+      <p:ext uri="{BB962C8B-B14F-4D97-AF65-F5344CB8AC3E}">
+        <p14:creationId xmlns:p14="http://schemas.microsoft.com/office/powerpoint/2010/main" val="722124900"/>
+      </p:ext>
+    </p:extLst>
+  </p:cSld>
+  <p:clrMapOvr>
+    <a:masterClrMapping/>
+  </p:clrMapOvr>
+</p:notes>
+</file>
+
+<file path=ppt/notesSlides/notesSlide11.xml><?xml version="1.0" encoding="utf-8"?>
+<p:notes xmlns:a="http://schemas.openxmlformats.org/drawingml/2006/main" xmlns:r="http://schemas.openxmlformats.org/officeDocument/2006/relationships" xmlns:p="http://schemas.openxmlformats.org/presentationml/2006/main">
+  <p:cSld>
+    <p:spTree>
+      <p:nvGrpSpPr>
+        <p:cNvPr id="1" name=""/>
+        <p:cNvGrpSpPr/>
+        <p:nvPr/>
+      </p:nvGrpSpPr>
+      <p:grpSpPr>
+        <a:xfrm>
+          <a:off x="0" y="0"/>
+          <a:ext cx="0" cy="0"/>
+          <a:chOff x="0" y="0"/>
+          <a:chExt cx="0" cy="0"/>
+        </a:xfrm>
+      </p:grpSpPr>
+      <p:sp>
+        <p:nvSpPr>
+          <p:cNvPr id="2" name="Slide Image Placeholder 1"/>
+          <p:cNvSpPr>
+            <a:spLocks noGrp="1" noRot="1" noChangeAspect="1"/>
+          </p:cNvSpPr>
+          <p:nvPr>
+            <p:ph type="sldImg"/>
+          </p:nvPr>
+        </p:nvSpPr>
+        <p:spPr/>
+      </p:sp>
+      <p:sp>
+        <p:nvSpPr>
+          <p:cNvPr id="3" name="Notes Placeholder 2"/>
+          <p:cNvSpPr>
+            <a:spLocks noGrp="1"/>
+          </p:cNvSpPr>
+          <p:nvPr>
+            <p:ph type="body" idx="1"/>
+          </p:nvPr>
+        </p:nvSpPr>
+        <p:spPr/>
+        <p:txBody>
+          <a:bodyPr/>
+          <a:lstStyle/>
+          <a:p>
+            <a:r>
+              <a:rPr lang="en-US" dirty="0" smtClean="0"/>
+              <a:t>Program developed to convert</a:t>
+            </a:r>
+            <a:r>
+              <a:rPr lang="en-US" baseline="0" dirty="0" smtClean="0"/>
+              <a:t> .</a:t>
+            </a:r>
+            <a:r>
+              <a:rPr lang="en-US" baseline="0" dirty="0" err="1" smtClean="0"/>
+              <a:t>obj</a:t>
+            </a:r>
+            <a:r>
+              <a:rPr lang="en-US" baseline="0" smtClean="0"/>
+              <a:t> files</a:t>
+            </a:r>
+            <a:endParaRPr lang="en-US" smtClean="0"/>
+          </a:p>
+          <a:p>
+            <a:r>
+              <a:rPr lang="en-US" dirty="0" smtClean="0"/>
+              <a:t>Number</a:t>
+            </a:r>
+            <a:r>
+              <a:rPr lang="en-US" baseline="0" dirty="0" smtClean="0"/>
+              <a:t> components checked with program called trimesh2, programming used for processing meshes</a:t>
+            </a:r>
+            <a:endParaRPr lang="en-US" dirty="0"/>
+          </a:p>
+        </p:txBody>
+      </p:sp>
+      <p:sp>
+        <p:nvSpPr>
+          <p:cNvPr id="4" name="Slide Number Placeholder 3"/>
+          <p:cNvSpPr>
+            <a:spLocks noGrp="1"/>
+          </p:cNvSpPr>
+          <p:nvPr>
+            <p:ph type="sldNum" sz="quarter" idx="10"/>
+          </p:nvPr>
+        </p:nvSpPr>
+        <p:spPr/>
+        <p:txBody>
+          <a:bodyPr/>
+          <a:lstStyle/>
+          <a:p>
+            <a:fld id="{E9CF5C0B-8884-41E5-88A3-9679438C4701}" type="slidenum">
+              <a:rPr lang="en-US" smtClean="0"/>
+              <a:t>51</a:t>
+            </a:fld>
+            <a:endParaRPr lang="en-US"/>
+          </a:p>
+        </p:txBody>
+      </p:sp>
+    </p:spTree>
+    <p:extLst>
+      <p:ext uri="{BB962C8B-B14F-4D97-AF65-F5344CB8AC3E}">
+        <p14:creationId xmlns:p14="http://schemas.microsoft.com/office/powerpoint/2010/main" val="1025849463"/>
+      </p:ext>
+    </p:extLst>
+  </p:cSld>
+  <p:clrMapOvr>
+    <a:masterClrMapping/>
+  </p:clrMapOvr>
+</p:notes>
+</file>
+
 <file path=ppt/notesSlides/notesSlide2.xml><?xml version="1.0" encoding="utf-8"?>
 <p:notes xmlns:a="http://schemas.openxmlformats.org/drawingml/2006/main" xmlns:r="http://schemas.openxmlformats.org/officeDocument/2006/relationships" xmlns:p="http://schemas.openxmlformats.org/presentationml/2006/main">
   <p:cSld>
@@ -11537,6 +18912,228 @@
     <p:extLst>
       <p:ext uri="{BB962C8B-B14F-4D97-AF65-F5344CB8AC3E}">
         <p14:creationId xmlns:p14="http://schemas.microsoft.com/office/powerpoint/2010/main" val="2908942706"/>
+      </p:ext>
+    </p:extLst>
+  </p:cSld>
+  <p:clrMapOvr>
+    <a:masterClrMapping/>
+  </p:clrMapOvr>
+</p:notes>
+</file>
+
+<file path=ppt/notesSlides/notesSlide8.xml><?xml version="1.0" encoding="utf-8"?>
+<p:notes xmlns:a="http://schemas.openxmlformats.org/drawingml/2006/main" xmlns:r="http://schemas.openxmlformats.org/officeDocument/2006/relationships" xmlns:p="http://schemas.openxmlformats.org/presentationml/2006/main">
+  <p:cSld>
+    <p:spTree>
+      <p:nvGrpSpPr>
+        <p:cNvPr id="1" name=""/>
+        <p:cNvGrpSpPr/>
+        <p:nvPr/>
+      </p:nvGrpSpPr>
+      <p:grpSpPr>
+        <a:xfrm>
+          <a:off x="0" y="0"/>
+          <a:ext cx="0" cy="0"/>
+          <a:chOff x="0" y="0"/>
+          <a:chExt cx="0" cy="0"/>
+        </a:xfrm>
+      </p:grpSpPr>
+      <p:sp>
+        <p:nvSpPr>
+          <p:cNvPr id="2" name="Slide Image Placeholder 1"/>
+          <p:cNvSpPr>
+            <a:spLocks noGrp="1" noRot="1" noChangeAspect="1"/>
+          </p:cNvSpPr>
+          <p:nvPr>
+            <p:ph type="sldImg"/>
+          </p:nvPr>
+        </p:nvSpPr>
+        <p:spPr/>
+      </p:sp>
+      <p:sp>
+        <p:nvSpPr>
+          <p:cNvPr id="3" name="Notes Placeholder 2"/>
+          <p:cNvSpPr>
+            <a:spLocks noGrp="1"/>
+          </p:cNvSpPr>
+          <p:nvPr>
+            <p:ph type="body" idx="1"/>
+          </p:nvPr>
+        </p:nvSpPr>
+        <p:spPr/>
+        <p:txBody>
+          <a:bodyPr/>
+          <a:lstStyle/>
+          <a:p>
+            <a:r>
+              <a:rPr lang="en-US" dirty="0" err="1" smtClean="0"/>
+              <a:t>Bfs</a:t>
+            </a:r>
+            <a:r>
+              <a:rPr lang="en-US" dirty="0" smtClean="0"/>
+              <a:t>/</a:t>
+            </a:r>
+            <a:r>
+              <a:rPr lang="en-US" dirty="0" err="1" smtClean="0"/>
+              <a:t>pbfs</a:t>
+            </a:r>
+            <a:r>
+              <a:rPr lang="en-US" dirty="0" smtClean="0"/>
+              <a:t>/</a:t>
+            </a:r>
+            <a:r>
+              <a:rPr lang="en-US" dirty="0" err="1" smtClean="0"/>
+              <a:t>atomicbfs</a:t>
+            </a:r>
+            <a:r>
+              <a:rPr lang="en-US" dirty="0" smtClean="0"/>
+              <a:t> create adjacency list</a:t>
+            </a:r>
+          </a:p>
+          <a:p>
+            <a:r>
+              <a:rPr lang="en-US" dirty="0" smtClean="0"/>
+              <a:t>Boost does too, but it is absurdly big</a:t>
+            </a:r>
+          </a:p>
+          <a:p>
+            <a:r>
+              <a:rPr lang="en-US" dirty="0" err="1" smtClean="0"/>
+              <a:t>Ufind</a:t>
+            </a:r>
+            <a:r>
+              <a:rPr lang="en-US" dirty="0" smtClean="0"/>
+              <a:t> works directly with input</a:t>
+            </a:r>
+            <a:endParaRPr lang="en-US" dirty="0"/>
+          </a:p>
+        </p:txBody>
+      </p:sp>
+      <p:sp>
+        <p:nvSpPr>
+          <p:cNvPr id="4" name="Slide Number Placeholder 3"/>
+          <p:cNvSpPr>
+            <a:spLocks noGrp="1"/>
+          </p:cNvSpPr>
+          <p:nvPr>
+            <p:ph type="sldNum" sz="quarter" idx="10"/>
+          </p:nvPr>
+        </p:nvSpPr>
+        <p:spPr/>
+        <p:txBody>
+          <a:bodyPr/>
+          <a:lstStyle/>
+          <a:p>
+            <a:fld id="{E9CF5C0B-8884-41E5-88A3-9679438C4701}" type="slidenum">
+              <a:rPr lang="en-US" smtClean="0"/>
+              <a:t>47</a:t>
+            </a:fld>
+            <a:endParaRPr lang="en-US"/>
+          </a:p>
+        </p:txBody>
+      </p:sp>
+    </p:spTree>
+    <p:extLst>
+      <p:ext uri="{BB962C8B-B14F-4D97-AF65-F5344CB8AC3E}">
+        <p14:creationId xmlns:p14="http://schemas.microsoft.com/office/powerpoint/2010/main" val="2654193119"/>
+      </p:ext>
+    </p:extLst>
+  </p:cSld>
+  <p:clrMapOvr>
+    <a:masterClrMapping/>
+  </p:clrMapOvr>
+</p:notes>
+</file>
+
+<file path=ppt/notesSlides/notesSlide9.xml><?xml version="1.0" encoding="utf-8"?>
+<p:notes xmlns:a="http://schemas.openxmlformats.org/drawingml/2006/main" xmlns:r="http://schemas.openxmlformats.org/officeDocument/2006/relationships" xmlns:p="http://schemas.openxmlformats.org/presentationml/2006/main">
+  <p:cSld>
+    <p:spTree>
+      <p:nvGrpSpPr>
+        <p:cNvPr id="1" name=""/>
+        <p:cNvGrpSpPr/>
+        <p:nvPr/>
+      </p:nvGrpSpPr>
+      <p:grpSpPr>
+        <a:xfrm>
+          <a:off x="0" y="0"/>
+          <a:ext cx="0" cy="0"/>
+          <a:chOff x="0" y="0"/>
+          <a:chExt cx="0" cy="0"/>
+        </a:xfrm>
+      </p:grpSpPr>
+      <p:sp>
+        <p:nvSpPr>
+          <p:cNvPr id="2" name="Slide Image Placeholder 1"/>
+          <p:cNvSpPr>
+            <a:spLocks noGrp="1" noRot="1" noChangeAspect="1"/>
+          </p:cNvSpPr>
+          <p:nvPr>
+            <p:ph type="sldImg"/>
+          </p:nvPr>
+        </p:nvSpPr>
+        <p:spPr/>
+      </p:sp>
+      <p:sp>
+        <p:nvSpPr>
+          <p:cNvPr id="3" name="Notes Placeholder 2"/>
+          <p:cNvSpPr>
+            <a:spLocks noGrp="1"/>
+          </p:cNvSpPr>
+          <p:nvPr>
+            <p:ph type="body" idx="1"/>
+          </p:nvPr>
+        </p:nvSpPr>
+        <p:spPr/>
+        <p:txBody>
+          <a:bodyPr/>
+          <a:lstStyle/>
+          <a:p>
+            <a:r>
+              <a:rPr lang="en-US" dirty="0" smtClean="0"/>
+              <a:t>Serial </a:t>
+            </a:r>
+            <a:r>
+              <a:rPr lang="en-US" dirty="0" err="1" smtClean="0"/>
+              <a:t>algos</a:t>
+            </a:r>
+            <a:r>
+              <a:rPr lang="en-US" dirty="0" smtClean="0"/>
+              <a:t> shown as straight lines</a:t>
+            </a:r>
+          </a:p>
+          <a:p>
+            <a:endParaRPr lang="en-US" dirty="0"/>
+          </a:p>
+        </p:txBody>
+      </p:sp>
+      <p:sp>
+        <p:nvSpPr>
+          <p:cNvPr id="4" name="Slide Number Placeholder 3"/>
+          <p:cNvSpPr>
+            <a:spLocks noGrp="1"/>
+          </p:cNvSpPr>
+          <p:nvPr>
+            <p:ph type="sldNum" sz="quarter" idx="10"/>
+          </p:nvPr>
+        </p:nvSpPr>
+        <p:spPr/>
+        <p:txBody>
+          <a:bodyPr/>
+          <a:lstStyle/>
+          <a:p>
+            <a:fld id="{E9CF5C0B-8884-41E5-88A3-9679438C4701}" type="slidenum">
+              <a:rPr lang="en-US" smtClean="0"/>
+              <a:t>49</a:t>
+            </a:fld>
+            <a:endParaRPr lang="en-US"/>
+          </a:p>
+        </p:txBody>
+      </p:sp>
+    </p:spTree>
+    <p:extLst>
+      <p:ext uri="{BB962C8B-B14F-4D97-AF65-F5344CB8AC3E}">
+        <p14:creationId xmlns:p14="http://schemas.microsoft.com/office/powerpoint/2010/main" val="1869037759"/>
       </p:ext>
     </p:extLst>
   </p:cSld>
@@ -35210,10 +42807,34 @@
           <a:bodyPr/>
           <a:lstStyle/>
           <a:p>
-            <a:endParaRPr lang="en-US"/>
+            <a:endParaRPr lang="en-US" dirty="0"/>
           </a:p>
         </p:txBody>
       </p:sp>
+      <p:graphicFrame>
+        <p:nvGraphicFramePr>
+          <p:cNvPr id="6" name="Diagramm 14"/>
+          <p:cNvGraphicFramePr>
+            <a:graphicFrameLocks/>
+          </p:cNvGraphicFramePr>
+          <p:nvPr>
+            <p:extLst>
+              <p:ext uri="{D42A27DB-BD31-4B8C-83A1-F6EECF244321}">
+                <p14:modId xmlns:p14="http://schemas.microsoft.com/office/powerpoint/2010/main" val="1589767526"/>
+              </p:ext>
+            </p:extLst>
+          </p:nvPr>
+        </p:nvGraphicFramePr>
+        <p:xfrm>
+          <a:off x="685800" y="2171700"/>
+          <a:ext cx="10820400" cy="4495800"/>
+        </p:xfrm>
+        <a:graphic>
+          <a:graphicData uri="http://schemas.openxmlformats.org/drawingml/2006/chart">
+            <c:chart xmlns:c="http://schemas.openxmlformats.org/drawingml/2006/chart" xmlns:r="http://schemas.openxmlformats.org/officeDocument/2006/relationships" r:id="rId3"/>
+          </a:graphicData>
+        </a:graphic>
+      </p:graphicFrame>
     </p:spTree>
     <p:extLst>
       <p:ext uri="{BB962C8B-B14F-4D97-AF65-F5344CB8AC3E}">
@@ -35371,7 +42992,7 @@
           <a:p>
             <a:r>
               <a:rPr lang="en-US" dirty="0" smtClean="0"/>
-              <a:t>Varying number of threads</a:t>
+              <a:t>Runtime varying the number of threads</a:t>
             </a:r>
             <a:endParaRPr lang="en-US" dirty="0"/>
           </a:p>
@@ -35396,6 +43017,30 @@
           </a:p>
         </p:txBody>
       </p:sp>
+      <p:graphicFrame>
+        <p:nvGraphicFramePr>
+          <p:cNvPr id="5" name="Diagramm 14"/>
+          <p:cNvGraphicFramePr>
+            <a:graphicFrameLocks/>
+          </p:cNvGraphicFramePr>
+          <p:nvPr>
+            <p:extLst>
+              <p:ext uri="{D42A27DB-BD31-4B8C-83A1-F6EECF244321}">
+                <p14:modId xmlns:p14="http://schemas.microsoft.com/office/powerpoint/2010/main" val="585496342"/>
+              </p:ext>
+            </p:extLst>
+          </p:nvPr>
+        </p:nvGraphicFramePr>
+        <p:xfrm>
+          <a:off x="685800" y="2171699"/>
+          <a:ext cx="10820400" cy="4495801"/>
+        </p:xfrm>
+        <a:graphic>
+          <a:graphicData uri="http://schemas.openxmlformats.org/drawingml/2006/chart">
+            <c:chart xmlns:c="http://schemas.openxmlformats.org/drawingml/2006/chart" xmlns:r="http://schemas.openxmlformats.org/officeDocument/2006/relationships" r:id="rId3"/>
+          </a:graphicData>
+        </a:graphic>
+      </p:graphicFrame>
     </p:spTree>
     <p:extLst>
       <p:ext uri="{BB962C8B-B14F-4D97-AF65-F5344CB8AC3E}">
@@ -35560,31 +43205,175 @@
           <a:p>
             <a:r>
               <a:rPr lang="en-US" dirty="0" smtClean="0"/>
-              <a:t>Overview – Real world graphs</a:t>
+              <a:t>Runtime on real world graphs</a:t>
             </a:r>
             <a:endParaRPr lang="en-US" dirty="0"/>
+          </a:p>
+        </p:txBody>
+      </p:sp>
+      <p:pic>
+        <p:nvPicPr>
+          <p:cNvPr id="6" name="Content Placeholder 5"/>
+          <p:cNvPicPr>
+            <a:picLocks noGrp="1" noChangeAspect="1"/>
+          </p:cNvPicPr>
+          <p:nvPr>
+            <p:ph idx="1"/>
+          </p:nvPr>
+        </p:nvPicPr>
+        <p:blipFill rotWithShape="1">
+          <a:blip r:embed="rId3"/>
+          <a:srcRect t="1372"/>
+          <a:stretch/>
+        </p:blipFill>
+        <p:spPr>
+          <a:xfrm>
+            <a:off x="140133" y="3373267"/>
+            <a:ext cx="2561503" cy="1803354"/>
+          </a:xfrm>
+          <a:prstGeom prst="rect">
+            <a:avLst/>
+          </a:prstGeom>
+        </p:spPr>
+      </p:pic>
+      <p:pic>
+        <p:nvPicPr>
+          <p:cNvPr id="7" name="Picture 6"/>
+          <p:cNvPicPr>
+            <a:picLocks noChangeAspect="1"/>
+          </p:cNvPicPr>
+          <p:nvPr/>
+        </p:nvPicPr>
+        <p:blipFill>
+          <a:blip r:embed="rId4"/>
+          <a:stretch>
+            <a:fillRect/>
+          </a:stretch>
+        </p:blipFill>
+        <p:spPr>
+          <a:xfrm>
+            <a:off x="9511146" y="3373267"/>
+            <a:ext cx="2536680" cy="1803354"/>
+          </a:xfrm>
+          <a:prstGeom prst="rect">
+            <a:avLst/>
+          </a:prstGeom>
+        </p:spPr>
+      </p:pic>
+      <p:sp>
+        <p:nvSpPr>
+          <p:cNvPr id="8" name="TextBox 7"/>
+          <p:cNvSpPr txBox="1"/>
+          <p:nvPr/>
+        </p:nvSpPr>
+        <p:spPr>
+          <a:xfrm>
+            <a:off x="286599" y="5292436"/>
+            <a:ext cx="2034531" cy="738664"/>
+          </a:xfrm>
+          <a:prstGeom prst="rect">
+            <a:avLst/>
+          </a:prstGeom>
+          <a:noFill/>
+        </p:spPr>
+        <p:txBody>
+          <a:bodyPr wrap="none" rtlCol="0">
+            <a:spAutoFit/>
+          </a:bodyPr>
+          <a:lstStyle/>
+          <a:p>
+            <a:pPr algn="ctr"/>
+            <a:r>
+              <a:rPr lang="en-US" sz="1400" dirty="0" smtClean="0"/>
+              <a:t>~350 thousand vertices</a:t>
+            </a:r>
+          </a:p>
+          <a:p>
+            <a:pPr algn="ctr"/>
+            <a:r>
+              <a:rPr lang="en-US" sz="1400" dirty="0" smtClean="0"/>
+              <a:t>~700 thousand edges</a:t>
+            </a:r>
+          </a:p>
+          <a:p>
+            <a:pPr algn="ctr"/>
+            <a:r>
+              <a:rPr lang="en-US" sz="1400" dirty="0" smtClean="0"/>
+              <a:t>753 components</a:t>
+            </a:r>
+            <a:endParaRPr lang="en-US" sz="1400" dirty="0"/>
           </a:p>
         </p:txBody>
       </p:sp>
       <p:sp>
         <p:nvSpPr>
-          <p:cNvPr id="4" name="Content Placeholder 3"/>
-          <p:cNvSpPr>
-            <a:spLocks noGrp="1"/>
-          </p:cNvSpPr>
-          <p:nvPr>
-            <p:ph idx="1"/>
-          </p:nvPr>
+          <p:cNvPr id="9" name="TextBox 8"/>
+          <p:cNvSpPr txBox="1"/>
+          <p:nvPr/>
         </p:nvSpPr>
-        <p:spPr/>
+        <p:spPr>
+          <a:xfrm>
+            <a:off x="9645201" y="5292436"/>
+            <a:ext cx="1830950" cy="738664"/>
+          </a:xfrm>
+          <a:prstGeom prst="rect">
+            <a:avLst/>
+          </a:prstGeom>
+          <a:noFill/>
+        </p:spPr>
         <p:txBody>
-          <a:bodyPr/>
+          <a:bodyPr wrap="none" rtlCol="0">
+            <a:spAutoFit/>
+          </a:bodyPr>
           <a:lstStyle/>
           <a:p>
-            <a:endParaRPr lang="en-US"/>
+            <a:pPr algn="ctr"/>
+            <a:r>
+              <a:rPr lang="en-US" sz="1400" dirty="0" smtClean="0"/>
+              <a:t>~1.2 million vertices</a:t>
+            </a:r>
+          </a:p>
+          <a:p>
+            <a:pPr algn="ctr"/>
+            <a:r>
+              <a:rPr lang="en-US" sz="1400" dirty="0" smtClean="0"/>
+              <a:t>~2.4 million edges</a:t>
+            </a:r>
+          </a:p>
+          <a:p>
+            <a:pPr algn="ctr"/>
+            <a:r>
+              <a:rPr lang="en-US" sz="1400" dirty="0" smtClean="0"/>
+              <a:t>6617 components</a:t>
+            </a:r>
+            <a:endParaRPr lang="en-US" sz="1400" dirty="0"/>
           </a:p>
         </p:txBody>
       </p:sp>
+      <p:graphicFrame>
+        <p:nvGraphicFramePr>
+          <p:cNvPr id="10" name="Diagramm 1"/>
+          <p:cNvGraphicFramePr>
+            <a:graphicFrameLocks/>
+          </p:cNvGraphicFramePr>
+          <p:nvPr>
+            <p:extLst>
+              <p:ext uri="{D42A27DB-BD31-4B8C-83A1-F6EECF244321}">
+                <p14:modId xmlns:p14="http://schemas.microsoft.com/office/powerpoint/2010/main" val="1513852897"/>
+              </p:ext>
+            </p:extLst>
+          </p:nvPr>
+        </p:nvGraphicFramePr>
+        <p:xfrm>
+          <a:off x="2781300" y="2171701"/>
+          <a:ext cx="6629400" cy="4495800"/>
+        </p:xfrm>
+        <a:graphic>
+          <a:graphicData uri="http://schemas.openxmlformats.org/drawingml/2006/chart">
+            <c:chart xmlns:c="http://schemas.openxmlformats.org/drawingml/2006/chart" xmlns:r="http://schemas.openxmlformats.org/officeDocument/2006/relationships" r:id="rId5"/>
+          </a:graphicData>
+        </a:graphic>
+      </p:graphicFrame>
     </p:spTree>
     <p:extLst>
       <p:ext uri="{BB962C8B-B14F-4D97-AF65-F5344CB8AC3E}">
@@ -35639,9 +43428,151 @@
           <a:p>
             <a:r>
               <a:rPr lang="en-US" dirty="0" smtClean="0"/>
-              <a:t>Lessons learned</a:t>
+              <a:t>Runtime on real world graphs</a:t>
             </a:r>
             <a:endParaRPr lang="en-US" dirty="0"/>
+          </a:p>
+        </p:txBody>
+      </p:sp>
+      <p:pic>
+        <p:nvPicPr>
+          <p:cNvPr id="10" name="Grafik 4" descr="graph21.gif"/>
+          <p:cNvPicPr>
+            <a:picLocks noChangeAspect="1"/>
+          </p:cNvPicPr>
+          <p:nvPr/>
+        </p:nvPicPr>
+        <p:blipFill>
+          <a:blip r:embed="rId3"/>
+          <a:stretch>
+            <a:fillRect/>
+          </a:stretch>
+        </p:blipFill>
+        <p:spPr>
+          <a:xfrm>
+            <a:off x="421361" y="3457733"/>
+            <a:ext cx="1765006" cy="1739792"/>
+          </a:xfrm>
+          <a:prstGeom prst="rect">
+            <a:avLst/>
+          </a:prstGeom>
+        </p:spPr>
+      </p:pic>
+      <p:pic>
+        <p:nvPicPr>
+          <p:cNvPr id="11" name="Grafik 8" descr="Image"/>
+          <p:cNvPicPr>
+            <a:picLocks noChangeAspect="1"/>
+          </p:cNvPicPr>
+          <p:nvPr/>
+        </p:nvPicPr>
+        <p:blipFill>
+          <a:blip r:embed="rId4"/>
+          <a:stretch>
+            <a:fillRect/>
+          </a:stretch>
+        </p:blipFill>
+        <p:spPr>
+          <a:xfrm>
+            <a:off x="9725463" y="3443105"/>
+            <a:ext cx="1750688" cy="1754420"/>
+          </a:xfrm>
+          <a:prstGeom prst="rect">
+            <a:avLst/>
+          </a:prstGeom>
+        </p:spPr>
+      </p:pic>
+      <p:sp>
+        <p:nvSpPr>
+          <p:cNvPr id="8" name="TextBox 7"/>
+          <p:cNvSpPr txBox="1"/>
+          <p:nvPr/>
+        </p:nvSpPr>
+        <p:spPr>
+          <a:xfrm>
+            <a:off x="690555" y="5292436"/>
+            <a:ext cx="1226618" cy="738664"/>
+          </a:xfrm>
+          <a:prstGeom prst="rect">
+            <a:avLst/>
+          </a:prstGeom>
+          <a:noFill/>
+        </p:spPr>
+        <p:txBody>
+          <a:bodyPr wrap="none" rtlCol="0">
+            <a:spAutoFit/>
+          </a:bodyPr>
+          <a:lstStyle/>
+          <a:p>
+            <a:pPr algn="ctr"/>
+            <a:r>
+              <a:rPr lang="en-US" sz="1400" dirty="0" smtClean="0"/>
+              <a:t>608 vertices</a:t>
+            </a:r>
+          </a:p>
+          <a:p>
+            <a:pPr algn="ctr"/>
+            <a:r>
+              <a:rPr lang="en-US" sz="1400" dirty="0" smtClean="0"/>
+              <a:t>1216 edges</a:t>
+            </a:r>
+          </a:p>
+          <a:p>
+            <a:pPr algn="ctr"/>
+            <a:r>
+              <a:rPr lang="en-US" sz="1400" dirty="0"/>
+              <a:t>1</a:t>
+            </a:r>
+            <a:r>
+              <a:rPr lang="en-US" sz="1400" dirty="0" smtClean="0"/>
+              <a:t> component</a:t>
+            </a:r>
+            <a:endParaRPr lang="en-US" sz="1400" dirty="0"/>
+          </a:p>
+        </p:txBody>
+      </p:sp>
+      <p:sp>
+        <p:nvSpPr>
+          <p:cNvPr id="9" name="TextBox 8"/>
+          <p:cNvSpPr txBox="1"/>
+          <p:nvPr/>
+        </p:nvSpPr>
+        <p:spPr>
+          <a:xfrm>
+            <a:off x="9590699" y="5292436"/>
+            <a:ext cx="1939955" cy="738664"/>
+          </a:xfrm>
+          <a:prstGeom prst="rect">
+            <a:avLst/>
+          </a:prstGeom>
+          <a:noFill/>
+        </p:spPr>
+        <p:txBody>
+          <a:bodyPr wrap="none" rtlCol="0">
+            <a:spAutoFit/>
+          </a:bodyPr>
+          <a:lstStyle/>
+          <a:p>
+            <a:pPr algn="ctr"/>
+            <a:r>
+              <a:rPr lang="en-US" sz="1400" dirty="0" smtClean="0"/>
+              <a:t>~10 thousand vertices</a:t>
+            </a:r>
+          </a:p>
+          <a:p>
+            <a:pPr algn="ctr"/>
+            <a:r>
+              <a:rPr lang="en-US" sz="1400" dirty="0" smtClean="0"/>
+              <a:t>~31 thousand edges</a:t>
+            </a:r>
+          </a:p>
+          <a:p>
+            <a:pPr algn="ctr"/>
+            <a:r>
+              <a:rPr lang="en-US" sz="1400" dirty="0" smtClean="0"/>
+              <a:t>135 components</a:t>
+            </a:r>
+            <a:endParaRPr lang="en-US" sz="1400" dirty="0"/>
           </a:p>
         </p:txBody>
       </p:sp>
@@ -35664,10 +43595,34 @@
           </a:p>
         </p:txBody>
       </p:sp>
+      <p:graphicFrame>
+        <p:nvGraphicFramePr>
+          <p:cNvPr id="13" name="Diagramm 18"/>
+          <p:cNvGraphicFramePr>
+            <a:graphicFrameLocks/>
+          </p:cNvGraphicFramePr>
+          <p:nvPr>
+            <p:extLst>
+              <p:ext uri="{D42A27DB-BD31-4B8C-83A1-F6EECF244321}">
+                <p14:modId xmlns:p14="http://schemas.microsoft.com/office/powerpoint/2010/main" val="3510805479"/>
+              </p:ext>
+            </p:extLst>
+          </p:nvPr>
+        </p:nvGraphicFramePr>
+        <p:xfrm>
+          <a:off x="2781300" y="2171701"/>
+          <a:ext cx="6629400" cy="4495800"/>
+        </p:xfrm>
+        <a:graphic>
+          <a:graphicData uri="http://schemas.openxmlformats.org/drawingml/2006/chart">
+            <c:chart xmlns:c="http://schemas.openxmlformats.org/drawingml/2006/chart" xmlns:r="http://schemas.openxmlformats.org/officeDocument/2006/relationships" r:id="rId5"/>
+          </a:graphicData>
+        </a:graphic>
+      </p:graphicFrame>
     </p:spTree>
     <p:extLst>
       <p:ext uri="{BB962C8B-B14F-4D97-AF65-F5344CB8AC3E}">
-        <p14:creationId xmlns:p14="http://schemas.microsoft.com/office/powerpoint/2010/main" val="713095246"/>
+        <p14:creationId xmlns:p14="http://schemas.microsoft.com/office/powerpoint/2010/main" val="833028806"/>
       </p:ext>
     </p:extLst>
   </p:cSld>
@@ -35713,43 +43668,99 @@
         </p:nvSpPr>
         <p:spPr/>
         <p:txBody>
-          <a:bodyPr>
-            <a:noAutofit/>
-          </a:bodyPr>
+          <a:bodyPr/>
           <a:lstStyle/>
           <a:p>
-            <a:pPr algn="ctr"/>
             <a:r>
-              <a:rPr lang="en-US" sz="8800" dirty="0" smtClean="0"/>
-              <a:t>Thank you</a:t>
+              <a:rPr lang="en-US" dirty="0" smtClean="0"/>
+              <a:t>Conclusions and lessons learned</a:t>
             </a:r>
-            <a:endParaRPr lang="en-US" sz="8800" dirty="0"/>
+            <a:endParaRPr lang="en-US" dirty="0"/>
           </a:p>
         </p:txBody>
       </p:sp>
       <p:sp>
         <p:nvSpPr>
-          <p:cNvPr id="3" name="Text Placeholder 2"/>
+          <p:cNvPr id="4" name="Content Placeholder 3"/>
           <p:cNvSpPr>
             <a:spLocks noGrp="1"/>
           </p:cNvSpPr>
           <p:nvPr>
-            <p:ph type="body" idx="1"/>
+            <p:ph idx="1"/>
           </p:nvPr>
         </p:nvSpPr>
-        <p:spPr/>
+        <p:spPr>
+          <a:xfrm>
+            <a:off x="680321" y="2336872"/>
+            <a:ext cx="9613861" cy="4330627"/>
+          </a:xfrm>
+        </p:spPr>
         <p:txBody>
-          <a:bodyPr/>
+          <a:bodyPr>
+            <a:normAutofit/>
+          </a:bodyPr>
           <a:lstStyle/>
           <a:p>
-            <a:endParaRPr lang="en-US"/>
+            <a:r>
+              <a:rPr lang="en-US" dirty="0" smtClean="0"/>
+              <a:t>Different algorithms are right for different situations</a:t>
+            </a:r>
+          </a:p>
+          <a:p>
+            <a:pPr lvl="1"/>
+            <a:r>
+              <a:rPr lang="en-US" dirty="0" smtClean="0"/>
+              <a:t>Best for small graphs: union find</a:t>
+            </a:r>
+          </a:p>
+          <a:p>
+            <a:pPr lvl="1"/>
+            <a:r>
+              <a:rPr lang="en-US" dirty="0" smtClean="0"/>
+              <a:t>Best for large graphs: parallel transversal with atomics</a:t>
+            </a:r>
+          </a:p>
+          <a:p>
+            <a:r>
+              <a:rPr lang="en-US" dirty="0" smtClean="0"/>
+              <a:t>Should use algorithm that matches graph </a:t>
+            </a:r>
+            <a:r>
+              <a:rPr lang="en-US" dirty="0" err="1" smtClean="0"/>
+              <a:t>datastructure</a:t>
+            </a:r>
+            <a:r>
+              <a:rPr lang="en-US" dirty="0" smtClean="0"/>
+              <a:t> (not worth the time switching)</a:t>
+            </a:r>
+          </a:p>
+          <a:p>
+            <a:r>
+              <a:rPr lang="en-US" dirty="0" smtClean="0"/>
+              <a:t>Extra threads can help runtime up to a limit</a:t>
+            </a:r>
+          </a:p>
+          <a:p>
+            <a:r>
+              <a:rPr lang="en-US" dirty="0" smtClean="0"/>
+              <a:t>Boost is very bloated in terms of memory and not difficult to beat in runtime</a:t>
+            </a:r>
+          </a:p>
+          <a:p>
+            <a:r>
+              <a:rPr lang="en-US" dirty="0" smtClean="0"/>
+              <a:t>It is not a good idea to take measurements on a shared Xeon phi on the weekend before final presentation (5 hour queue)</a:t>
+            </a:r>
+          </a:p>
+          <a:p>
+            <a:endParaRPr lang="en-US" dirty="0"/>
           </a:p>
         </p:txBody>
       </p:sp>
     </p:spTree>
     <p:extLst>
       <p:ext uri="{BB962C8B-B14F-4D97-AF65-F5344CB8AC3E}">
-        <p14:creationId xmlns:p14="http://schemas.microsoft.com/office/powerpoint/2010/main" val="2181716006"/>
+        <p14:creationId xmlns:p14="http://schemas.microsoft.com/office/powerpoint/2010/main" val="713095246"/>
       </p:ext>
     </p:extLst>
   </p:cSld>
@@ -35785,7 +43796,7 @@
       </p:grpSpPr>
       <p:sp>
         <p:nvSpPr>
-          <p:cNvPr id="2" name="Titel 1"/>
+          <p:cNvPr id="2" name="Title 1"/>
           <p:cNvSpPr>
             <a:spLocks noGrp="1"/>
           </p:cNvSpPr>
@@ -35795,528 +43806,43 @@
         </p:nvSpPr>
         <p:spPr/>
         <p:txBody>
-          <a:bodyPr/>
+          <a:bodyPr>
+            <a:noAutofit/>
+          </a:bodyPr>
           <a:lstStyle/>
           <a:p>
+            <a:pPr algn="ctr"/>
             <a:r>
-              <a:rPr lang="de-CH" dirty="0" err="1" smtClean="0"/>
-              <a:t>Explain</a:t>
+              <a:rPr lang="en-US" sz="8800" dirty="0" smtClean="0"/>
+              <a:t>Thank you</a:t>
             </a:r>
-            <a:r>
-              <a:rPr lang="de-CH" dirty="0" smtClean="0"/>
-              <a:t> </a:t>
-            </a:r>
-            <a:r>
-              <a:rPr lang="de-CH" dirty="0" err="1" smtClean="0"/>
-              <a:t>the</a:t>
-            </a:r>
-            <a:r>
-              <a:rPr lang="de-CH" dirty="0" smtClean="0"/>
-              <a:t> </a:t>
-            </a:r>
-            <a:r>
-              <a:rPr lang="de-CH" dirty="0" err="1" smtClean="0"/>
-              <a:t>Algorithm</a:t>
-            </a:r>
-            <a:r>
-              <a:rPr lang="de-CH" dirty="0" err="1"/>
-              <a:t>s</a:t>
-            </a:r>
-            <a:endParaRPr lang="de-CH" dirty="0"/>
+            <a:endParaRPr lang="en-US" sz="8800" dirty="0"/>
           </a:p>
         </p:txBody>
       </p:sp>
       <p:sp>
         <p:nvSpPr>
-          <p:cNvPr id="3" name="Inhaltsplatzhalter 2"/>
+          <p:cNvPr id="3" name="Text Placeholder 2"/>
           <p:cNvSpPr>
             <a:spLocks noGrp="1"/>
           </p:cNvSpPr>
           <p:nvPr>
-            <p:ph idx="1"/>
+            <p:ph type="body" idx="1"/>
           </p:nvPr>
         </p:nvSpPr>
-        <p:spPr>
-          <a:xfrm>
-            <a:off x="680321" y="2336872"/>
-            <a:ext cx="10415769" cy="4207765"/>
-          </a:xfrm>
-        </p:spPr>
+        <p:spPr/>
         <p:txBody>
-          <a:bodyPr>
-            <a:normAutofit fontScale="62500" lnSpcReduction="20000"/>
-          </a:bodyPr>
+          <a:bodyPr/>
           <a:lstStyle/>
           <a:p>
-            <a:r>
-              <a:rPr lang="de-CH" dirty="0" smtClean="0"/>
-              <a:t>BFS</a:t>
-            </a:r>
-          </a:p>
-          <a:p>
-            <a:pPr lvl="1"/>
-            <a:r>
-              <a:rPr lang="de-CH" dirty="0" err="1" smtClean="0"/>
-              <a:t>Iterate</a:t>
-            </a:r>
-            <a:r>
-              <a:rPr lang="de-CH" dirty="0" smtClean="0"/>
-              <a:t> </a:t>
-            </a:r>
-            <a:r>
-              <a:rPr lang="de-CH" dirty="0" err="1" smtClean="0"/>
-              <a:t>over</a:t>
-            </a:r>
-            <a:r>
-              <a:rPr lang="de-CH" dirty="0" smtClean="0"/>
-              <a:t> all </a:t>
-            </a:r>
-            <a:r>
-              <a:rPr lang="de-CH" dirty="0" err="1" smtClean="0"/>
-              <a:t>nodes</a:t>
-            </a:r>
-            <a:endParaRPr lang="de-CH" dirty="0" smtClean="0"/>
-          </a:p>
-          <a:p>
-            <a:pPr lvl="1"/>
-            <a:r>
-              <a:rPr lang="de-CH" dirty="0" err="1" smtClean="0"/>
-              <a:t>if</a:t>
-            </a:r>
-            <a:r>
-              <a:rPr lang="de-CH" dirty="0" smtClean="0"/>
-              <a:t> not </a:t>
-            </a:r>
-            <a:r>
-              <a:rPr lang="de-CH" dirty="0" err="1" smtClean="0"/>
-              <a:t>visited</a:t>
-            </a:r>
-            <a:r>
-              <a:rPr lang="de-CH" dirty="0" smtClean="0"/>
-              <a:t> </a:t>
-            </a:r>
-            <a:r>
-              <a:rPr lang="de-CH" dirty="0" err="1" smtClean="0"/>
-              <a:t>yet</a:t>
-            </a:r>
-            <a:r>
-              <a:rPr lang="de-CH" dirty="0"/>
-              <a:t> </a:t>
-            </a:r>
-            <a:r>
-              <a:rPr lang="de-CH" dirty="0" err="1" smtClean="0"/>
-              <a:t>start</a:t>
-            </a:r>
-            <a:r>
-              <a:rPr lang="de-CH" dirty="0" smtClean="0"/>
-              <a:t> </a:t>
-            </a:r>
-            <a:r>
-              <a:rPr lang="de-CH" dirty="0" err="1" smtClean="0"/>
-              <a:t>bfs</a:t>
-            </a:r>
-            <a:r>
-              <a:rPr lang="de-CH" dirty="0"/>
-              <a:t> </a:t>
-            </a:r>
-            <a:endParaRPr lang="de-CH" dirty="0" smtClean="0"/>
-          </a:p>
-          <a:p>
-            <a:r>
-              <a:rPr lang="de-CH" dirty="0" err="1" smtClean="0"/>
-              <a:t>pBFS</a:t>
-            </a:r>
-            <a:endParaRPr lang="de-CH" dirty="0" smtClean="0"/>
-          </a:p>
-          <a:p>
-            <a:pPr lvl="1"/>
-            <a:r>
-              <a:rPr lang="de-CH" dirty="0" err="1" smtClean="0"/>
-              <a:t>Each</a:t>
-            </a:r>
-            <a:r>
-              <a:rPr lang="de-CH" dirty="0" smtClean="0"/>
-              <a:t> </a:t>
-            </a:r>
-            <a:r>
-              <a:rPr lang="de-CH" dirty="0" err="1" smtClean="0"/>
-              <a:t>thread</a:t>
-            </a:r>
-            <a:r>
-              <a:rPr lang="de-CH" dirty="0" smtClean="0"/>
-              <a:t> </a:t>
-            </a:r>
-            <a:r>
-              <a:rPr lang="de-CH" dirty="0" err="1" smtClean="0"/>
-              <a:t>starts</a:t>
-            </a:r>
-            <a:r>
-              <a:rPr lang="de-CH" dirty="0" smtClean="0"/>
-              <a:t> at a different </a:t>
-            </a:r>
-            <a:r>
-              <a:rPr lang="de-CH" dirty="0" err="1" smtClean="0"/>
-              <a:t>node</a:t>
-            </a:r>
-            <a:endParaRPr lang="de-CH" dirty="0"/>
-          </a:p>
-          <a:p>
-            <a:pPr lvl="1"/>
-            <a:r>
-              <a:rPr lang="de-CH" dirty="0" err="1" smtClean="0"/>
-              <a:t>If</a:t>
-            </a:r>
-            <a:r>
-              <a:rPr lang="de-CH" dirty="0" smtClean="0"/>
-              <a:t> not </a:t>
-            </a:r>
-            <a:r>
-              <a:rPr lang="de-CH" dirty="0" err="1" smtClean="0"/>
-              <a:t>visited</a:t>
-            </a:r>
-            <a:r>
-              <a:rPr lang="de-CH" dirty="0" smtClean="0"/>
-              <a:t> </a:t>
-            </a:r>
-            <a:r>
-              <a:rPr lang="de-CH" dirty="0" err="1" smtClean="0"/>
-              <a:t>yet</a:t>
-            </a:r>
-            <a:r>
-              <a:rPr lang="de-CH" dirty="0" smtClean="0"/>
-              <a:t> </a:t>
-            </a:r>
-            <a:r>
-              <a:rPr lang="de-CH" dirty="0" err="1" smtClean="0"/>
-              <a:t>start</a:t>
-            </a:r>
-            <a:r>
-              <a:rPr lang="de-CH" dirty="0" smtClean="0"/>
-              <a:t> </a:t>
-            </a:r>
-            <a:r>
-              <a:rPr lang="de-CH" dirty="0" err="1" smtClean="0"/>
-              <a:t>bfs</a:t>
-            </a:r>
-            <a:endParaRPr lang="de-CH" dirty="0" smtClean="0"/>
-          </a:p>
-          <a:p>
-            <a:pPr lvl="1"/>
-            <a:r>
-              <a:rPr lang="de-CH" dirty="0"/>
-              <a:t>Mark </a:t>
-            </a:r>
-            <a:r>
-              <a:rPr lang="de-CH" dirty="0" err="1"/>
-              <a:t>nodes</a:t>
-            </a:r>
-            <a:r>
-              <a:rPr lang="de-CH" dirty="0"/>
-              <a:t> </a:t>
-            </a:r>
-            <a:r>
-              <a:rPr lang="de-CH" dirty="0" err="1"/>
-              <a:t>traversed</a:t>
-            </a:r>
-            <a:r>
-              <a:rPr lang="de-CH" dirty="0"/>
-              <a:t> </a:t>
-            </a:r>
-            <a:r>
-              <a:rPr lang="de-CH" dirty="0" err="1"/>
-              <a:t>by</a:t>
-            </a:r>
-            <a:r>
-              <a:rPr lang="de-CH" dirty="0"/>
-              <a:t> </a:t>
-            </a:r>
-            <a:r>
-              <a:rPr lang="de-CH" dirty="0" err="1"/>
-              <a:t>bfs</a:t>
-            </a:r>
-            <a:r>
-              <a:rPr lang="de-CH" dirty="0"/>
-              <a:t> </a:t>
-            </a:r>
-            <a:r>
-              <a:rPr lang="de-CH" dirty="0" err="1"/>
-              <a:t>with</a:t>
-            </a:r>
-            <a:r>
-              <a:rPr lang="de-CH" dirty="0"/>
-              <a:t> </a:t>
-            </a:r>
-            <a:r>
-              <a:rPr lang="de-CH" dirty="0" err="1"/>
-              <a:t>the</a:t>
-            </a:r>
-            <a:r>
-              <a:rPr lang="de-CH" dirty="0"/>
-              <a:t> same </a:t>
-            </a:r>
-            <a:r>
-              <a:rPr lang="de-CH" dirty="0" err="1"/>
-              <a:t>component</a:t>
-            </a:r>
-            <a:r>
-              <a:rPr lang="de-CH" dirty="0"/>
-              <a:t> </a:t>
-            </a:r>
-            <a:r>
-              <a:rPr lang="de-CH" dirty="0" err="1"/>
-              <a:t>number</a:t>
-            </a:r>
-            <a:r>
-              <a:rPr lang="de-CH" dirty="0"/>
-              <a:t>.</a:t>
-            </a:r>
-          </a:p>
-          <a:p>
-            <a:pPr lvl="1"/>
-            <a:r>
-              <a:rPr lang="de-CH" dirty="0" err="1" smtClean="0"/>
-              <a:t>If</a:t>
-            </a:r>
-            <a:r>
-              <a:rPr lang="de-CH" dirty="0" smtClean="0"/>
-              <a:t> </a:t>
-            </a:r>
-            <a:r>
-              <a:rPr lang="de-CH" dirty="0" err="1" smtClean="0"/>
-              <a:t>encounter</a:t>
-            </a:r>
-            <a:r>
-              <a:rPr lang="de-CH" dirty="0" smtClean="0"/>
-              <a:t> </a:t>
-            </a:r>
-            <a:r>
-              <a:rPr lang="de-CH" dirty="0" err="1" smtClean="0"/>
-              <a:t>another</a:t>
-            </a:r>
-            <a:r>
-              <a:rPr lang="de-CH" dirty="0" smtClean="0"/>
-              <a:t> </a:t>
-            </a:r>
-            <a:r>
-              <a:rPr lang="de-CH" dirty="0" err="1" smtClean="0"/>
-              <a:t>number</a:t>
-            </a:r>
-            <a:r>
-              <a:rPr lang="de-CH" dirty="0" smtClean="0"/>
-              <a:t>/</a:t>
-            </a:r>
-            <a:r>
-              <a:rPr lang="de-CH" dirty="0" err="1" smtClean="0"/>
-              <a:t>thread</a:t>
-            </a:r>
-            <a:r>
-              <a:rPr lang="de-CH" dirty="0" smtClean="0"/>
-              <a:t> </a:t>
-            </a:r>
-            <a:r>
-              <a:rPr lang="de-CH" dirty="0" err="1" smtClean="0"/>
-              <a:t>put</a:t>
-            </a:r>
-            <a:r>
-              <a:rPr lang="de-CH" dirty="0" smtClean="0"/>
-              <a:t> </a:t>
-            </a:r>
-            <a:r>
-              <a:rPr lang="de-CH" dirty="0" err="1" smtClean="0"/>
-              <a:t>both</a:t>
-            </a:r>
-            <a:r>
-              <a:rPr lang="de-CH" dirty="0" smtClean="0"/>
-              <a:t> </a:t>
-            </a:r>
-            <a:r>
-              <a:rPr lang="de-CH" dirty="0" err="1" smtClean="0"/>
-              <a:t>number</a:t>
-            </a:r>
-            <a:r>
-              <a:rPr lang="de-CH" dirty="0" smtClean="0"/>
-              <a:t> </a:t>
-            </a:r>
-            <a:r>
-              <a:rPr lang="de-CH" dirty="0" err="1" smtClean="0"/>
-              <a:t>into</a:t>
-            </a:r>
-            <a:r>
-              <a:rPr lang="de-CH" dirty="0" smtClean="0"/>
-              <a:t> </a:t>
-            </a:r>
-            <a:r>
-              <a:rPr lang="de-CH" dirty="0" err="1" smtClean="0"/>
-              <a:t>merge</a:t>
-            </a:r>
-            <a:r>
-              <a:rPr lang="de-CH" dirty="0" smtClean="0"/>
-              <a:t> </a:t>
-            </a:r>
-            <a:r>
-              <a:rPr lang="de-CH" dirty="0" err="1" smtClean="0"/>
-              <a:t>list</a:t>
-            </a:r>
-            <a:r>
-              <a:rPr lang="de-CH" dirty="0" smtClean="0"/>
-              <a:t>. </a:t>
-            </a:r>
-            <a:r>
-              <a:rPr lang="de-CH" dirty="0" err="1" smtClean="0"/>
-              <a:t>Don’t</a:t>
-            </a:r>
-            <a:r>
-              <a:rPr lang="de-CH" dirty="0" smtClean="0"/>
-              <a:t> follow </a:t>
-            </a:r>
-            <a:r>
-              <a:rPr lang="de-CH" dirty="0" err="1" smtClean="0"/>
-              <a:t>nodes</a:t>
-            </a:r>
-            <a:r>
-              <a:rPr lang="de-CH" dirty="0" smtClean="0"/>
-              <a:t> </a:t>
-            </a:r>
-            <a:r>
-              <a:rPr lang="de-CH" dirty="0" err="1" smtClean="0"/>
-              <a:t>which</a:t>
-            </a:r>
-            <a:r>
-              <a:rPr lang="de-CH" dirty="0" smtClean="0"/>
-              <a:t> </a:t>
-            </a:r>
-            <a:r>
-              <a:rPr lang="de-CH" dirty="0" err="1" smtClean="0"/>
-              <a:t>are</a:t>
-            </a:r>
-            <a:r>
-              <a:rPr lang="de-CH" dirty="0" smtClean="0"/>
-              <a:t> </a:t>
-            </a:r>
-            <a:r>
-              <a:rPr lang="de-CH" dirty="0" err="1" smtClean="0"/>
-              <a:t>already</a:t>
-            </a:r>
-            <a:r>
-              <a:rPr lang="de-CH" dirty="0" smtClean="0"/>
-              <a:t> </a:t>
-            </a:r>
-            <a:r>
-              <a:rPr lang="de-CH" dirty="0" err="1" smtClean="0"/>
-              <a:t>marked</a:t>
-            </a:r>
-            <a:r>
-              <a:rPr lang="de-CH" dirty="0" smtClean="0"/>
-              <a:t>.</a:t>
-            </a:r>
-          </a:p>
-          <a:p>
-            <a:pPr lvl="1"/>
-            <a:r>
-              <a:rPr lang="en-US" dirty="0" smtClean="0"/>
-              <a:t>At the end do merging of </a:t>
-            </a:r>
-            <a:r>
-              <a:rPr lang="en-US" dirty="0" err="1" smtClean="0"/>
-              <a:t>componenets</a:t>
-            </a:r>
-            <a:endParaRPr lang="de-CH" dirty="0" smtClean="0"/>
-          </a:p>
-          <a:p>
-            <a:r>
-              <a:rPr lang="de-CH" dirty="0" err="1" smtClean="0"/>
-              <a:t>pBFSAtomic</a:t>
-            </a:r>
-            <a:endParaRPr lang="de-CH" dirty="0" smtClean="0"/>
-          </a:p>
-          <a:p>
-            <a:pPr lvl="1"/>
-            <a:r>
-              <a:rPr lang="en-US" dirty="0" smtClean="0"/>
-              <a:t>Same as </a:t>
-            </a:r>
-            <a:r>
-              <a:rPr lang="en-US" dirty="0" err="1" smtClean="0"/>
-              <a:t>pBFS</a:t>
-            </a:r>
-            <a:r>
-              <a:rPr lang="en-US" dirty="0" smtClean="0"/>
-              <a:t>, guarantees that a write is seen by all other threads.</a:t>
-            </a:r>
-            <a:endParaRPr lang="de-CH" dirty="0" smtClean="0"/>
-          </a:p>
-          <a:p>
-            <a:r>
-              <a:rPr lang="de-CH" dirty="0" err="1" smtClean="0"/>
-              <a:t>compareExchange</a:t>
-            </a:r>
-            <a:endParaRPr lang="de-CH" dirty="0" smtClean="0"/>
-          </a:p>
-          <a:p>
-            <a:pPr lvl="1"/>
-            <a:r>
-              <a:rPr lang="en-US" dirty="0" smtClean="0"/>
-              <a:t>Similar to </a:t>
-            </a:r>
-            <a:r>
-              <a:rPr lang="en-US" dirty="0" err="1" smtClean="0"/>
-              <a:t>pBFS</a:t>
-            </a:r>
-            <a:r>
-              <a:rPr lang="en-US" dirty="0" smtClean="0"/>
-              <a:t> but no merging.</a:t>
-            </a:r>
-          </a:p>
-          <a:p>
-            <a:pPr lvl="1"/>
-            <a:r>
-              <a:rPr lang="en-US" dirty="0" smtClean="0"/>
-              <a:t>If two threads on the same component the one with lower priority drops its work and starts somewhere else.</a:t>
-            </a:r>
-            <a:endParaRPr lang="de-CH" dirty="0" smtClean="0"/>
-          </a:p>
-          <a:p>
-            <a:r>
-              <a:rPr lang="de-CH" dirty="0" smtClean="0"/>
-              <a:t>Union find</a:t>
-            </a:r>
-          </a:p>
-          <a:p>
-            <a:r>
-              <a:rPr lang="de-CH" dirty="0" err="1" smtClean="0"/>
-              <a:t>Randomized</a:t>
-            </a:r>
-            <a:r>
-              <a:rPr lang="de-CH" dirty="0" smtClean="0"/>
-              <a:t> </a:t>
-            </a:r>
-            <a:r>
-              <a:rPr lang="de-CH" dirty="0" err="1" smtClean="0"/>
-              <a:t>contraction</a:t>
-            </a:r>
-            <a:endParaRPr lang="de-CH" dirty="0" smtClean="0"/>
-          </a:p>
-          <a:p>
-            <a:r>
-              <a:rPr lang="de-CH" dirty="0" err="1" smtClean="0"/>
-              <a:t>Spanning</a:t>
-            </a:r>
-            <a:r>
-              <a:rPr lang="de-CH" dirty="0" smtClean="0"/>
-              <a:t> </a:t>
-            </a:r>
-            <a:r>
-              <a:rPr lang="de-CH" dirty="0" err="1" smtClean="0"/>
-              <a:t>tree</a:t>
-            </a:r>
-            <a:endParaRPr lang="de-CH" dirty="0"/>
+            <a:endParaRPr lang="en-US"/>
           </a:p>
         </p:txBody>
       </p:sp>
     </p:spTree>
     <p:extLst>
       <p:ext uri="{BB962C8B-B14F-4D97-AF65-F5344CB8AC3E}">
-        <p14:creationId xmlns:p14="http://schemas.microsoft.com/office/powerpoint/2010/main" val="1062216547"/>
+        <p14:creationId xmlns:p14="http://schemas.microsoft.com/office/powerpoint/2010/main" val="2181716006"/>
       </p:ext>
     </p:extLst>
   </p:cSld>

--- a/FinalPresentation_Parallel Connected Components.pptx
+++ b/FinalPresentation_Parallel Connected Components.pptx
@@ -187,7 +187,7 @@
             <a:srgbClr val="A4A3A4"/>
           </p15:clr>
         </p15:guide>
-        <p15:guide id="6" orient="horz" pos="1608" userDrawn="1">
+        <p15:guide id="6" orient="horz" pos="2016" userDrawn="1">
           <p15:clr>
             <a:srgbClr val="A4A3A4"/>
           </p15:clr>
@@ -18241,30 +18241,17 @@
           <a:p>
             <a:r>
               <a:rPr lang="en-US" dirty="0" smtClean="0"/>
-              <a:t>Program developed to convert</a:t>
+              <a:t>Benefit kicks</a:t>
             </a:r>
             <a:r>
               <a:rPr lang="en-US" baseline="0" dirty="0" smtClean="0"/>
-              <a:t> .</a:t>
+              <a:t> in at about 100 thousand vertices</a:t>
             </a:r>
-            <a:r>
-              <a:rPr lang="en-US" baseline="0" dirty="0" err="1" smtClean="0"/>
-              <a:t>obj</a:t>
-            </a:r>
+          </a:p>
+          <a:p>
             <a:r>
               <a:rPr lang="en-US" baseline="0" dirty="0" smtClean="0"/>
-              <a:t> files</a:t>
-            </a:r>
-            <a:endParaRPr lang="en-US" dirty="0" smtClean="0"/>
-          </a:p>
-          <a:p>
-            <a:r>
-              <a:rPr lang="en-US" dirty="0" smtClean="0"/>
-              <a:t>Number</a:t>
-            </a:r>
-            <a:r>
-              <a:rPr lang="en-US" baseline="0" dirty="0" smtClean="0"/>
-              <a:t> components checked with program called trimesh2, programming used for processing meshes</a:t>
+              <a:t>About 10x speed up at 1 million</a:t>
             </a:r>
             <a:endParaRPr lang="en-US" dirty="0"/>
           </a:p>
@@ -18287,6 +18274,648 @@
           <a:p>
             <a:fld id="{E9CF5C0B-8884-41E5-88A3-9679438C4701}" type="slidenum">
               <a:rPr lang="en-US" smtClean="0"/>
+              <a:t>42</a:t>
+            </a:fld>
+            <a:endParaRPr lang="en-US"/>
+          </a:p>
+        </p:txBody>
+      </p:sp>
+    </p:spTree>
+    <p:extLst>
+      <p:ext uri="{BB962C8B-B14F-4D97-AF65-F5344CB8AC3E}">
+        <p14:creationId xmlns:p14="http://schemas.microsoft.com/office/powerpoint/2010/main" val="3729997324"/>
+      </p:ext>
+    </p:extLst>
+  </p:cSld>
+  <p:clrMapOvr>
+    <a:masterClrMapping/>
+  </p:clrMapOvr>
+</p:notes>
+</file>
+
+<file path=ppt/notesSlides/notesSlide11.xml><?xml version="1.0" encoding="utf-8"?>
+<p:notes xmlns:a="http://schemas.openxmlformats.org/drawingml/2006/main" xmlns:r="http://schemas.openxmlformats.org/officeDocument/2006/relationships" xmlns:p="http://schemas.openxmlformats.org/presentationml/2006/main">
+  <p:cSld>
+    <p:spTree>
+      <p:nvGrpSpPr>
+        <p:cNvPr id="1" name=""/>
+        <p:cNvGrpSpPr/>
+        <p:nvPr/>
+      </p:nvGrpSpPr>
+      <p:grpSpPr>
+        <a:xfrm>
+          <a:off x="0" y="0"/>
+          <a:ext cx="0" cy="0"/>
+          <a:chOff x="0" y="0"/>
+          <a:chExt cx="0" cy="0"/>
+        </a:xfrm>
+      </p:grpSpPr>
+      <p:sp>
+        <p:nvSpPr>
+          <p:cNvPr id="2" name="Slide Image Placeholder 1"/>
+          <p:cNvSpPr>
+            <a:spLocks noGrp="1" noRot="1" noChangeAspect="1"/>
+          </p:cNvSpPr>
+          <p:nvPr>
+            <p:ph type="sldImg"/>
+          </p:nvPr>
+        </p:nvSpPr>
+        <p:spPr/>
+      </p:sp>
+      <p:sp>
+        <p:nvSpPr>
+          <p:cNvPr id="3" name="Notes Placeholder 2"/>
+          <p:cNvSpPr>
+            <a:spLocks noGrp="1"/>
+          </p:cNvSpPr>
+          <p:nvPr>
+            <p:ph type="body" idx="1"/>
+          </p:nvPr>
+        </p:nvSpPr>
+        <p:spPr/>
+        <p:txBody>
+          <a:bodyPr/>
+          <a:lstStyle/>
+          <a:p>
+            <a:r>
+              <a:rPr lang="en-US" dirty="0" smtClean="0"/>
+              <a:t>Atomic performs</a:t>
+            </a:r>
+            <a:r>
+              <a:rPr lang="en-US" baseline="0" dirty="0" smtClean="0"/>
+              <a:t> a bit worse</a:t>
+            </a:r>
+            <a:endParaRPr lang="en-US" dirty="0"/>
+          </a:p>
+        </p:txBody>
+      </p:sp>
+      <p:sp>
+        <p:nvSpPr>
+          <p:cNvPr id="4" name="Slide Number Placeholder 3"/>
+          <p:cNvSpPr>
+            <a:spLocks noGrp="1"/>
+          </p:cNvSpPr>
+          <p:nvPr>
+            <p:ph type="sldNum" sz="quarter" idx="10"/>
+          </p:nvPr>
+        </p:nvSpPr>
+        <p:spPr/>
+        <p:txBody>
+          <a:bodyPr/>
+          <a:lstStyle/>
+          <a:p>
+            <a:fld id="{E9CF5C0B-8884-41E5-88A3-9679438C4701}" type="slidenum">
+              <a:rPr lang="en-US" smtClean="0"/>
+              <a:t>44</a:t>
+            </a:fld>
+            <a:endParaRPr lang="en-US"/>
+          </a:p>
+        </p:txBody>
+      </p:sp>
+    </p:spTree>
+    <p:extLst>
+      <p:ext uri="{BB962C8B-B14F-4D97-AF65-F5344CB8AC3E}">
+        <p14:creationId xmlns:p14="http://schemas.microsoft.com/office/powerpoint/2010/main" val="3300259124"/>
+      </p:ext>
+    </p:extLst>
+  </p:cSld>
+  <p:clrMapOvr>
+    <a:masterClrMapping/>
+  </p:clrMapOvr>
+</p:notes>
+</file>
+
+<file path=ppt/notesSlides/notesSlide12.xml><?xml version="1.0" encoding="utf-8"?>
+<p:notes xmlns:a="http://schemas.openxmlformats.org/drawingml/2006/main" xmlns:r="http://schemas.openxmlformats.org/officeDocument/2006/relationships" xmlns:p="http://schemas.openxmlformats.org/presentationml/2006/main">
+  <p:cSld>
+    <p:spTree>
+      <p:nvGrpSpPr>
+        <p:cNvPr id="1" name=""/>
+        <p:cNvGrpSpPr/>
+        <p:nvPr/>
+      </p:nvGrpSpPr>
+      <p:grpSpPr>
+        <a:xfrm>
+          <a:off x="0" y="0"/>
+          <a:ext cx="0" cy="0"/>
+          <a:chOff x="0" y="0"/>
+          <a:chExt cx="0" cy="0"/>
+        </a:xfrm>
+      </p:grpSpPr>
+      <p:sp>
+        <p:nvSpPr>
+          <p:cNvPr id="2" name="Slide Image Placeholder 1"/>
+          <p:cNvSpPr>
+            <a:spLocks noGrp="1" noRot="1" noChangeAspect="1"/>
+          </p:cNvSpPr>
+          <p:nvPr>
+            <p:ph type="sldImg"/>
+          </p:nvPr>
+        </p:nvSpPr>
+        <p:spPr/>
+      </p:sp>
+      <p:sp>
+        <p:nvSpPr>
+          <p:cNvPr id="3" name="Notes Placeholder 2"/>
+          <p:cNvSpPr>
+            <a:spLocks noGrp="1"/>
+          </p:cNvSpPr>
+          <p:nvPr>
+            <p:ph type="body" idx="1"/>
+          </p:nvPr>
+        </p:nvSpPr>
+        <p:spPr/>
+        <p:txBody>
+          <a:bodyPr/>
+          <a:lstStyle/>
+          <a:p>
+            <a:r>
+              <a:rPr lang="en-US" dirty="0" smtClean="0"/>
+              <a:t>Parallel </a:t>
+            </a:r>
+            <a:r>
+              <a:rPr lang="en-US" dirty="0" err="1" smtClean="0"/>
+              <a:t>bfs</a:t>
+            </a:r>
+            <a:r>
+              <a:rPr lang="en-US" dirty="0" smtClean="0"/>
+              <a:t> and atomic parallel</a:t>
+            </a:r>
+            <a:r>
+              <a:rPr lang="en-US" baseline="0" dirty="0" smtClean="0"/>
+              <a:t> </a:t>
+            </a:r>
+            <a:r>
+              <a:rPr lang="en-US" baseline="0" dirty="0" err="1" smtClean="0"/>
+              <a:t>bfs</a:t>
+            </a:r>
+            <a:r>
+              <a:rPr lang="en-US" baseline="0" dirty="0" smtClean="0"/>
+              <a:t> are winning, followed close behind by serial union find</a:t>
+            </a:r>
+            <a:endParaRPr lang="en-US" dirty="0"/>
+          </a:p>
+        </p:txBody>
+      </p:sp>
+      <p:sp>
+        <p:nvSpPr>
+          <p:cNvPr id="4" name="Slide Number Placeholder 3"/>
+          <p:cNvSpPr>
+            <a:spLocks noGrp="1"/>
+          </p:cNvSpPr>
+          <p:nvPr>
+            <p:ph type="sldNum" sz="quarter" idx="10"/>
+          </p:nvPr>
+        </p:nvSpPr>
+        <p:spPr/>
+        <p:txBody>
+          <a:bodyPr/>
+          <a:lstStyle/>
+          <a:p>
+            <a:fld id="{E9CF5C0B-8884-41E5-88A3-9679438C4701}" type="slidenum">
+              <a:rPr lang="en-US" smtClean="0"/>
+              <a:t>46</a:t>
+            </a:fld>
+            <a:endParaRPr lang="en-US"/>
+          </a:p>
+        </p:txBody>
+      </p:sp>
+    </p:spTree>
+    <p:extLst>
+      <p:ext uri="{BB962C8B-B14F-4D97-AF65-F5344CB8AC3E}">
+        <p14:creationId xmlns:p14="http://schemas.microsoft.com/office/powerpoint/2010/main" val="2413376534"/>
+      </p:ext>
+    </p:extLst>
+  </p:cSld>
+  <p:clrMapOvr>
+    <a:masterClrMapping/>
+  </p:clrMapOvr>
+</p:notes>
+</file>
+
+<file path=ppt/notesSlides/notesSlide13.xml><?xml version="1.0" encoding="utf-8"?>
+<p:notes xmlns:a="http://schemas.openxmlformats.org/drawingml/2006/main" xmlns:r="http://schemas.openxmlformats.org/officeDocument/2006/relationships" xmlns:p="http://schemas.openxmlformats.org/presentationml/2006/main">
+  <p:cSld>
+    <p:spTree>
+      <p:nvGrpSpPr>
+        <p:cNvPr id="1" name=""/>
+        <p:cNvGrpSpPr/>
+        <p:nvPr/>
+      </p:nvGrpSpPr>
+      <p:grpSpPr>
+        <a:xfrm>
+          <a:off x="0" y="0"/>
+          <a:ext cx="0" cy="0"/>
+          <a:chOff x="0" y="0"/>
+          <a:chExt cx="0" cy="0"/>
+        </a:xfrm>
+      </p:grpSpPr>
+      <p:sp>
+        <p:nvSpPr>
+          <p:cNvPr id="2" name="Slide Image Placeholder 1"/>
+          <p:cNvSpPr>
+            <a:spLocks noGrp="1" noRot="1" noChangeAspect="1"/>
+          </p:cNvSpPr>
+          <p:nvPr>
+            <p:ph type="sldImg"/>
+          </p:nvPr>
+        </p:nvSpPr>
+        <p:spPr/>
+      </p:sp>
+      <p:sp>
+        <p:nvSpPr>
+          <p:cNvPr id="3" name="Notes Placeholder 2"/>
+          <p:cNvSpPr>
+            <a:spLocks noGrp="1"/>
+          </p:cNvSpPr>
+          <p:nvPr>
+            <p:ph type="body" idx="1"/>
+          </p:nvPr>
+        </p:nvSpPr>
+        <p:spPr/>
+        <p:txBody>
+          <a:bodyPr/>
+          <a:lstStyle/>
+          <a:p>
+            <a:r>
+              <a:rPr lang="en-US" dirty="0" err="1" smtClean="0"/>
+              <a:t>Bfs</a:t>
+            </a:r>
+            <a:r>
+              <a:rPr lang="en-US" dirty="0" smtClean="0"/>
+              <a:t>/</a:t>
+            </a:r>
+            <a:r>
+              <a:rPr lang="en-US" dirty="0" err="1" smtClean="0"/>
+              <a:t>pbfs</a:t>
+            </a:r>
+            <a:r>
+              <a:rPr lang="en-US" dirty="0" smtClean="0"/>
+              <a:t>/</a:t>
+            </a:r>
+            <a:r>
+              <a:rPr lang="en-US" dirty="0" err="1" smtClean="0"/>
+              <a:t>atomicbfs</a:t>
+            </a:r>
+            <a:r>
+              <a:rPr lang="en-US" dirty="0" smtClean="0"/>
+              <a:t> create adjacency list</a:t>
+            </a:r>
+          </a:p>
+          <a:p>
+            <a:r>
+              <a:rPr lang="en-US" dirty="0" smtClean="0"/>
+              <a:t>Boost does too, but it is absurdly big</a:t>
+            </a:r>
+          </a:p>
+          <a:p>
+            <a:r>
+              <a:rPr lang="en-US" dirty="0" err="1" smtClean="0"/>
+              <a:t>Ufind</a:t>
+            </a:r>
+            <a:r>
+              <a:rPr lang="en-US" dirty="0" smtClean="0"/>
+              <a:t> works directly with input, so graph is a bit biased</a:t>
+            </a:r>
+            <a:endParaRPr lang="en-US" dirty="0"/>
+          </a:p>
+        </p:txBody>
+      </p:sp>
+      <p:sp>
+        <p:nvSpPr>
+          <p:cNvPr id="4" name="Slide Number Placeholder 3"/>
+          <p:cNvSpPr>
+            <a:spLocks noGrp="1"/>
+          </p:cNvSpPr>
+          <p:nvPr>
+            <p:ph type="sldNum" sz="quarter" idx="10"/>
+          </p:nvPr>
+        </p:nvSpPr>
+        <p:spPr/>
+        <p:txBody>
+          <a:bodyPr/>
+          <a:lstStyle/>
+          <a:p>
+            <a:fld id="{E9CF5C0B-8884-41E5-88A3-9679438C4701}" type="slidenum">
+              <a:rPr lang="en-US" smtClean="0"/>
+              <a:t>47</a:t>
+            </a:fld>
+            <a:endParaRPr lang="en-US"/>
+          </a:p>
+        </p:txBody>
+      </p:sp>
+    </p:spTree>
+    <p:extLst>
+      <p:ext uri="{BB962C8B-B14F-4D97-AF65-F5344CB8AC3E}">
+        <p14:creationId xmlns:p14="http://schemas.microsoft.com/office/powerpoint/2010/main" val="2654193119"/>
+      </p:ext>
+    </p:extLst>
+  </p:cSld>
+  <p:clrMapOvr>
+    <a:masterClrMapping/>
+  </p:clrMapOvr>
+</p:notes>
+</file>
+
+<file path=ppt/notesSlides/notesSlide14.xml><?xml version="1.0" encoding="utf-8"?>
+<p:notes xmlns:a="http://schemas.openxmlformats.org/drawingml/2006/main" xmlns:r="http://schemas.openxmlformats.org/officeDocument/2006/relationships" xmlns:p="http://schemas.openxmlformats.org/presentationml/2006/main">
+  <p:cSld>
+    <p:spTree>
+      <p:nvGrpSpPr>
+        <p:cNvPr id="1" name=""/>
+        <p:cNvGrpSpPr/>
+        <p:nvPr/>
+      </p:nvGrpSpPr>
+      <p:grpSpPr>
+        <a:xfrm>
+          <a:off x="0" y="0"/>
+          <a:ext cx="0" cy="0"/>
+          <a:chOff x="0" y="0"/>
+          <a:chExt cx="0" cy="0"/>
+        </a:xfrm>
+      </p:grpSpPr>
+      <p:sp>
+        <p:nvSpPr>
+          <p:cNvPr id="2" name="Slide Image Placeholder 1"/>
+          <p:cNvSpPr>
+            <a:spLocks noGrp="1" noRot="1" noChangeAspect="1"/>
+          </p:cNvSpPr>
+          <p:nvPr>
+            <p:ph type="sldImg"/>
+          </p:nvPr>
+        </p:nvSpPr>
+        <p:spPr/>
+      </p:sp>
+      <p:sp>
+        <p:nvSpPr>
+          <p:cNvPr id="3" name="Notes Placeholder 2"/>
+          <p:cNvSpPr>
+            <a:spLocks noGrp="1"/>
+          </p:cNvSpPr>
+          <p:nvPr>
+            <p:ph type="body" idx="1"/>
+          </p:nvPr>
+        </p:nvSpPr>
+        <p:spPr/>
+        <p:txBody>
+          <a:bodyPr/>
+          <a:lstStyle/>
+          <a:p>
+            <a:r>
+              <a:rPr lang="en-US" dirty="0" smtClean="0"/>
+              <a:t>Algorithms</a:t>
+            </a:r>
+            <a:r>
+              <a:rPr lang="en-US" baseline="0" dirty="0" smtClean="0"/>
+              <a:t> that depend more on the number of edges are favored like union find, randomized contraction and parallel randomized contraction.</a:t>
+            </a:r>
+          </a:p>
+          <a:p>
+            <a:r>
+              <a:rPr lang="en-US" baseline="0" dirty="0" smtClean="0"/>
+              <a:t>Other stay stable</a:t>
+            </a:r>
+            <a:endParaRPr lang="en-US" dirty="0"/>
+          </a:p>
+        </p:txBody>
+      </p:sp>
+      <p:sp>
+        <p:nvSpPr>
+          <p:cNvPr id="4" name="Slide Number Placeholder 3"/>
+          <p:cNvSpPr>
+            <a:spLocks noGrp="1"/>
+          </p:cNvSpPr>
+          <p:nvPr>
+            <p:ph type="sldNum" sz="quarter" idx="10"/>
+          </p:nvPr>
+        </p:nvSpPr>
+        <p:spPr/>
+        <p:txBody>
+          <a:bodyPr/>
+          <a:lstStyle/>
+          <a:p>
+            <a:fld id="{E9CF5C0B-8884-41E5-88A3-9679438C4701}" type="slidenum">
+              <a:rPr lang="en-US" smtClean="0"/>
+              <a:t>48</a:t>
+            </a:fld>
+            <a:endParaRPr lang="en-US"/>
+          </a:p>
+        </p:txBody>
+      </p:sp>
+    </p:spTree>
+    <p:extLst>
+      <p:ext uri="{BB962C8B-B14F-4D97-AF65-F5344CB8AC3E}">
+        <p14:creationId xmlns:p14="http://schemas.microsoft.com/office/powerpoint/2010/main" val="3842314471"/>
+      </p:ext>
+    </p:extLst>
+  </p:cSld>
+  <p:clrMapOvr>
+    <a:masterClrMapping/>
+  </p:clrMapOvr>
+</p:notes>
+</file>
+
+<file path=ppt/notesSlides/notesSlide15.xml><?xml version="1.0" encoding="utf-8"?>
+<p:notes xmlns:a="http://schemas.openxmlformats.org/drawingml/2006/main" xmlns:r="http://schemas.openxmlformats.org/officeDocument/2006/relationships" xmlns:p="http://schemas.openxmlformats.org/presentationml/2006/main">
+  <p:cSld>
+    <p:spTree>
+      <p:nvGrpSpPr>
+        <p:cNvPr id="1" name=""/>
+        <p:cNvGrpSpPr/>
+        <p:nvPr/>
+      </p:nvGrpSpPr>
+      <p:grpSpPr>
+        <a:xfrm>
+          <a:off x="0" y="0"/>
+          <a:ext cx="0" cy="0"/>
+          <a:chOff x="0" y="0"/>
+          <a:chExt cx="0" cy="0"/>
+        </a:xfrm>
+      </p:grpSpPr>
+      <p:sp>
+        <p:nvSpPr>
+          <p:cNvPr id="2" name="Slide Image Placeholder 1"/>
+          <p:cNvSpPr>
+            <a:spLocks noGrp="1" noRot="1" noChangeAspect="1"/>
+          </p:cNvSpPr>
+          <p:nvPr>
+            <p:ph type="sldImg"/>
+          </p:nvPr>
+        </p:nvSpPr>
+        <p:spPr/>
+      </p:sp>
+      <p:sp>
+        <p:nvSpPr>
+          <p:cNvPr id="3" name="Notes Placeholder 2"/>
+          <p:cNvSpPr>
+            <a:spLocks noGrp="1"/>
+          </p:cNvSpPr>
+          <p:nvPr>
+            <p:ph type="body" idx="1"/>
+          </p:nvPr>
+        </p:nvSpPr>
+        <p:spPr/>
+        <p:txBody>
+          <a:bodyPr/>
+          <a:lstStyle/>
+          <a:p>
+            <a:r>
+              <a:rPr lang="en-US" dirty="0" smtClean="0"/>
+              <a:t>Serial </a:t>
+            </a:r>
+            <a:r>
+              <a:rPr lang="en-US" dirty="0" err="1" smtClean="0"/>
+              <a:t>algos</a:t>
+            </a:r>
+            <a:r>
+              <a:rPr lang="en-US" dirty="0" smtClean="0"/>
+              <a:t> shown as straight lines</a:t>
+            </a:r>
+          </a:p>
+          <a:p>
+            <a:r>
+              <a:rPr lang="en-US" dirty="0" smtClean="0"/>
+              <a:t>Runtime</a:t>
+            </a:r>
+            <a:r>
+              <a:rPr lang="en-US" baseline="0" dirty="0" smtClean="0"/>
+              <a:t> is best at around 30-40 cores</a:t>
+            </a:r>
+            <a:endParaRPr lang="en-US" dirty="0" smtClean="0"/>
+          </a:p>
+          <a:p>
+            <a:endParaRPr lang="en-US" dirty="0"/>
+          </a:p>
+        </p:txBody>
+      </p:sp>
+      <p:sp>
+        <p:nvSpPr>
+          <p:cNvPr id="4" name="Slide Number Placeholder 3"/>
+          <p:cNvSpPr>
+            <a:spLocks noGrp="1"/>
+          </p:cNvSpPr>
+          <p:nvPr>
+            <p:ph type="sldNum" sz="quarter" idx="10"/>
+          </p:nvPr>
+        </p:nvSpPr>
+        <p:spPr/>
+        <p:txBody>
+          <a:bodyPr/>
+          <a:lstStyle/>
+          <a:p>
+            <a:fld id="{E9CF5C0B-8884-41E5-88A3-9679438C4701}" type="slidenum">
+              <a:rPr lang="en-US" smtClean="0"/>
+              <a:t>49</a:t>
+            </a:fld>
+            <a:endParaRPr lang="en-US"/>
+          </a:p>
+        </p:txBody>
+      </p:sp>
+    </p:spTree>
+    <p:extLst>
+      <p:ext uri="{BB962C8B-B14F-4D97-AF65-F5344CB8AC3E}">
+        <p14:creationId xmlns:p14="http://schemas.microsoft.com/office/powerpoint/2010/main" val="1869037759"/>
+      </p:ext>
+    </p:extLst>
+  </p:cSld>
+  <p:clrMapOvr>
+    <a:masterClrMapping/>
+  </p:clrMapOvr>
+</p:notes>
+</file>
+
+<file path=ppt/notesSlides/notesSlide16.xml><?xml version="1.0" encoding="utf-8"?>
+<p:notes xmlns:a="http://schemas.openxmlformats.org/drawingml/2006/main" xmlns:r="http://schemas.openxmlformats.org/officeDocument/2006/relationships" xmlns:p="http://schemas.openxmlformats.org/presentationml/2006/main">
+  <p:cSld>
+    <p:spTree>
+      <p:nvGrpSpPr>
+        <p:cNvPr id="1" name=""/>
+        <p:cNvGrpSpPr/>
+        <p:nvPr/>
+      </p:nvGrpSpPr>
+      <p:grpSpPr>
+        <a:xfrm>
+          <a:off x="0" y="0"/>
+          <a:ext cx="0" cy="0"/>
+          <a:chOff x="0" y="0"/>
+          <a:chExt cx="0" cy="0"/>
+        </a:xfrm>
+      </p:grpSpPr>
+      <p:sp>
+        <p:nvSpPr>
+          <p:cNvPr id="2" name="Slide Image Placeholder 1"/>
+          <p:cNvSpPr>
+            <a:spLocks noGrp="1" noRot="1" noChangeAspect="1"/>
+          </p:cNvSpPr>
+          <p:nvPr>
+            <p:ph type="sldImg"/>
+          </p:nvPr>
+        </p:nvSpPr>
+        <p:spPr/>
+      </p:sp>
+      <p:sp>
+        <p:nvSpPr>
+          <p:cNvPr id="3" name="Notes Placeholder 2"/>
+          <p:cNvSpPr>
+            <a:spLocks noGrp="1"/>
+          </p:cNvSpPr>
+          <p:nvPr>
+            <p:ph type="body" idx="1"/>
+          </p:nvPr>
+        </p:nvSpPr>
+        <p:spPr/>
+        <p:txBody>
+          <a:bodyPr/>
+          <a:lstStyle/>
+          <a:p>
+            <a:r>
+              <a:rPr lang="en-US" dirty="0" smtClean="0"/>
+              <a:t>Program developed to convert</a:t>
+            </a:r>
+            <a:r>
+              <a:rPr lang="en-US" baseline="0" dirty="0" smtClean="0"/>
+              <a:t> .</a:t>
+            </a:r>
+            <a:r>
+              <a:rPr lang="en-US" baseline="0" dirty="0" err="1" smtClean="0"/>
+              <a:t>obj</a:t>
+            </a:r>
+            <a:r>
+              <a:rPr lang="en-US" baseline="0" dirty="0" smtClean="0"/>
+              <a:t> files</a:t>
+            </a:r>
+            <a:endParaRPr lang="en-US" dirty="0" smtClean="0"/>
+          </a:p>
+          <a:p>
+            <a:r>
+              <a:rPr lang="en-US" dirty="0" smtClean="0"/>
+              <a:t>Number</a:t>
+            </a:r>
+            <a:r>
+              <a:rPr lang="en-US" baseline="0" dirty="0" smtClean="0"/>
+              <a:t> components checked with program called trimesh2, programming used for processing meshes</a:t>
+            </a:r>
+            <a:endParaRPr lang="en-US" dirty="0"/>
+          </a:p>
+        </p:txBody>
+      </p:sp>
+      <p:sp>
+        <p:nvSpPr>
+          <p:cNvPr id="4" name="Slide Number Placeholder 3"/>
+          <p:cNvSpPr>
+            <a:spLocks noGrp="1"/>
+          </p:cNvSpPr>
+          <p:nvPr>
+            <p:ph type="sldNum" sz="quarter" idx="10"/>
+          </p:nvPr>
+        </p:nvSpPr>
+        <p:spPr/>
+        <p:txBody>
+          <a:bodyPr/>
+          <a:lstStyle/>
+          <a:p>
+            <a:fld id="{E9CF5C0B-8884-41E5-88A3-9679438C4701}" type="slidenum">
+              <a:rPr lang="en-US" smtClean="0"/>
               <a:t>50</a:t>
             </a:fld>
             <a:endParaRPr lang="en-US"/>
@@ -18306,7 +18935,7 @@
 </p:notes>
 </file>
 
-<file path=ppt/notesSlides/notesSlide11.xml><?xml version="1.0" encoding="utf-8"?>
+<file path=ppt/notesSlides/notesSlide17.xml><?xml version="1.0" encoding="utf-8"?>
 <p:notes xmlns:a="http://schemas.openxmlformats.org/drawingml/2006/main" xmlns:r="http://schemas.openxmlformats.org/officeDocument/2006/relationships" xmlns:p="http://schemas.openxmlformats.org/presentationml/2006/main">
   <p:cSld>
     <p:spTree>
@@ -18966,46 +19595,13 @@
           <a:lstStyle/>
           <a:p>
             <a:r>
-              <a:rPr lang="en-US" dirty="0" err="1" smtClean="0"/>
-              <a:t>Bfs</a:t>
+              <a:rPr lang="en-US" dirty="0" smtClean="0"/>
+              <a:t>Every</a:t>
             </a:r>
             <a:r>
-              <a:rPr lang="en-US" dirty="0" smtClean="0"/>
-              <a:t>/</a:t>
+              <a:rPr lang="en-US" baseline="0" dirty="0" smtClean="0"/>
+              <a:t> edge between blue to pink is contracted.</a:t>
             </a:r>
-            <a:r>
-              <a:rPr lang="en-US" dirty="0" err="1" smtClean="0"/>
-              <a:t>pbfs</a:t>
-            </a:r>
-            <a:r>
-              <a:rPr lang="en-US" dirty="0" smtClean="0"/>
-              <a:t>/</a:t>
-            </a:r>
-            <a:r>
-              <a:rPr lang="en-US" dirty="0" err="1" smtClean="0"/>
-              <a:t>atomicbfs</a:t>
-            </a:r>
-            <a:r>
-              <a:rPr lang="en-US" dirty="0" smtClean="0"/>
-              <a:t> create adjacency list</a:t>
-            </a:r>
-          </a:p>
-          <a:p>
-            <a:r>
-              <a:rPr lang="en-US" dirty="0" smtClean="0"/>
-              <a:t>Boost does too, but it is absurdly big</a:t>
-            </a:r>
-          </a:p>
-          <a:p>
-            <a:r>
-              <a:rPr lang="en-US" dirty="0" err="1" smtClean="0"/>
-              <a:t>Ufind</a:t>
-            </a:r>
-            <a:r>
-              <a:rPr lang="en-US" dirty="0" smtClean="0"/>
-              <a:t> works directly with input</a:t>
-            </a:r>
-            <a:endParaRPr lang="en-US" dirty="0"/>
           </a:p>
         </p:txBody>
       </p:sp>
@@ -19026,7 +19622,7 @@
           <a:p>
             <a:fld id="{E9CF5C0B-8884-41E5-88A3-9679438C4701}" type="slidenum">
               <a:rPr lang="en-US" smtClean="0"/>
-              <a:t>47</a:t>
+              <a:t>25</a:t>
             </a:fld>
             <a:endParaRPr lang="en-US"/>
           </a:p>
@@ -19035,7 +19631,7 @@
     </p:spTree>
     <p:extLst>
       <p:ext uri="{BB962C8B-B14F-4D97-AF65-F5344CB8AC3E}">
-        <p14:creationId xmlns:p14="http://schemas.microsoft.com/office/powerpoint/2010/main" val="2654193119"/>
+        <p14:creationId xmlns:p14="http://schemas.microsoft.com/office/powerpoint/2010/main" val="4189202505"/>
       </p:ext>
     </p:extLst>
   </p:cSld>
@@ -19091,18 +19687,18 @@
           <a:p>
             <a:r>
               <a:rPr lang="en-US" dirty="0" smtClean="0"/>
-              <a:t>Serial </a:t>
+              <a:t>Parallel</a:t>
             </a:r>
             <a:r>
-              <a:rPr lang="en-US" dirty="0" err="1" smtClean="0"/>
-              <a:t>algos</a:t>
+              <a:rPr lang="en-US" baseline="0" dirty="0" smtClean="0"/>
+              <a:t> version, simply splits edges and vertices to each thread</a:t>
             </a:r>
+          </a:p>
+          <a:p>
             <a:r>
-              <a:rPr lang="en-US" dirty="0" smtClean="0"/>
-              <a:t> shown as straight lines</a:t>
+              <a:rPr lang="en-US" baseline="0" dirty="0" smtClean="0"/>
+              <a:t>Does not perform well. Simply does more operations and is not linear time</a:t>
             </a:r>
-          </a:p>
-          <a:p>
             <a:endParaRPr lang="en-US" dirty="0"/>
           </a:p>
         </p:txBody>
@@ -19124,7 +19720,7 @@
           <a:p>
             <a:fld id="{E9CF5C0B-8884-41E5-88A3-9679438C4701}" type="slidenum">
               <a:rPr lang="en-US" smtClean="0"/>
-              <a:t>49</a:t>
+              <a:t>29</a:t>
             </a:fld>
             <a:endParaRPr lang="en-US"/>
           </a:p>
@@ -19133,7 +19729,7 @@
     </p:spTree>
     <p:extLst>
       <p:ext uri="{BB962C8B-B14F-4D97-AF65-F5344CB8AC3E}">
-        <p14:creationId xmlns:p14="http://schemas.microsoft.com/office/powerpoint/2010/main" val="1869037759"/>
+        <p14:creationId xmlns:p14="http://schemas.microsoft.com/office/powerpoint/2010/main" val="1778262230"/>
       </p:ext>
     </p:extLst>
   </p:cSld>
@@ -26948,8 +27544,13 @@
           <a:p>
             <a:r>
               <a:rPr lang="en-US" dirty="0"/>
-              <a:t>Serial transversal</a:t>
+              <a:t>Serial </a:t>
             </a:r>
+            <a:r>
+              <a:rPr lang="en-US" dirty="0" smtClean="0"/>
+              <a:t>traversal</a:t>
+            </a:r>
+            <a:endParaRPr lang="en-US" dirty="0"/>
           </a:p>
         </p:txBody>
       </p:sp>
@@ -28016,8 +28617,13 @@
           <a:p>
             <a:r>
               <a:rPr lang="en-US" dirty="0"/>
-              <a:t>Serial transversal</a:t>
+              <a:t>Serial </a:t>
             </a:r>
+            <a:r>
+              <a:rPr lang="en-US" dirty="0" smtClean="0"/>
+              <a:t>traversal</a:t>
+            </a:r>
+            <a:endParaRPr lang="en-US" dirty="0"/>
           </a:p>
         </p:txBody>
       </p:sp>
@@ -29087,7 +29693,7 @@
           <a:p>
             <a:r>
               <a:rPr lang="en-US" dirty="0" smtClean="0"/>
-              <a:t>Serial transversal</a:t>
+              <a:t>Serial traversal</a:t>
             </a:r>
             <a:endParaRPr lang="en-US" dirty="0"/>
           </a:p>
@@ -31256,7 +31862,11 @@
           <a:p>
             <a:r>
               <a:rPr lang="de-DE" dirty="0"/>
-              <a:t>Parallel spanning treeTree</a:t>
+              <a:t>Parallel spanning </a:t>
+            </a:r>
+            <a:r>
+              <a:rPr lang="de-DE" dirty="0" smtClean="0"/>
+              <a:t>tree</a:t>
             </a:r>
             <a:endParaRPr lang="de-DE" dirty="0"/>
           </a:p>
@@ -31695,7 +32305,7 @@
           <a:p>
             <a:r>
               <a:rPr lang="en-US" dirty="0" smtClean="0"/>
-              <a:t>Randomized Contraction</a:t>
+              <a:t>Randomized contraction</a:t>
             </a:r>
             <a:endParaRPr lang="en-US" dirty="0"/>
           </a:p>
@@ -31716,7 +32326,7 @@
           <a:bodyPr/>
           <a:lstStyle/>
           <a:p>
-            <a:endParaRPr lang="en-US"/>
+            <a:endParaRPr lang="en-US" dirty="0"/>
           </a:p>
         </p:txBody>
       </p:sp>
@@ -31736,7 +32346,7 @@
         </p:blipFill>
         <p:spPr>
           <a:xfrm>
-            <a:off x="2085975" y="2286000"/>
+            <a:off x="2085975" y="2907806"/>
             <a:ext cx="8020050" cy="1228725"/>
           </a:xfrm>
           <a:prstGeom prst="rect">
@@ -31744,6 +32354,49 @@
           </a:prstGeom>
         </p:spPr>
       </p:pic>
+      <p:sp>
+        <p:nvSpPr>
+          <p:cNvPr id="6" name="TextBox 5"/>
+          <p:cNvSpPr txBox="1"/>
+          <p:nvPr/>
+        </p:nvSpPr>
+        <p:spPr>
+          <a:xfrm>
+            <a:off x="6670964" y="6530037"/>
+            <a:ext cx="5586786" cy="246221"/>
+          </a:xfrm>
+          <a:prstGeom prst="rect">
+            <a:avLst/>
+          </a:prstGeom>
+          <a:noFill/>
+        </p:spPr>
+        <p:txBody>
+          <a:bodyPr wrap="none" rtlCol="0">
+            <a:spAutoFit/>
+          </a:bodyPr>
+          <a:lstStyle/>
+          <a:p>
+            <a:pPr marL="0" lvl="1"/>
+            <a:r>
+              <a:rPr lang="en-US" sz="1000" dirty="0"/>
+              <a:t>s</a:t>
+            </a:r>
+            <a:r>
+              <a:rPr lang="en-US" sz="1000" dirty="0" smtClean="0"/>
+              <a:t>ource: </a:t>
+            </a:r>
+            <a:r>
+              <a:rPr lang="en-US" sz="1000" dirty="0"/>
+              <a:t>http://www3.cs.stonybrook.edu/~</a:t>
+            </a:r>
+            <a:r>
+              <a:rPr lang="en-US" sz="1000" dirty="0" smtClean="0"/>
+              <a:t>rezaul/Spring-2012/CSE613/CSE613-lecture-11.pdf</a:t>
+            </a:r>
+            <a:endParaRPr lang="en-US" sz="1000" dirty="0"/>
+          </a:p>
+        </p:txBody>
+      </p:sp>
     </p:spTree>
     <p:extLst>
       <p:ext uri="{BB962C8B-B14F-4D97-AF65-F5344CB8AC3E}">
@@ -31798,7 +32451,7 @@
           <a:p>
             <a:r>
               <a:rPr lang="en-US" dirty="0" smtClean="0"/>
-              <a:t>Randomized Contraction</a:t>
+              <a:t>Randomized contraction</a:t>
             </a:r>
             <a:endParaRPr lang="en-US" dirty="0"/>
           </a:p>
@@ -31819,6 +32472,10 @@
           <a:bodyPr/>
           <a:lstStyle/>
           <a:p>
+            <a:r>
+              <a:rPr lang="en-US" dirty="0" smtClean="0"/>
+              <a:t>Each vertex is given a random color (pink / light blue)</a:t>
+            </a:r>
             <a:endParaRPr lang="en-US" dirty="0"/>
           </a:p>
         </p:txBody>
@@ -31832,14 +32489,14 @@
           <p:nvPr/>
         </p:nvPicPr>
         <p:blipFill>
-          <a:blip r:embed="rId2"/>
+          <a:blip r:embed="rId3"/>
           <a:stretch>
             <a:fillRect/>
           </a:stretch>
         </p:blipFill>
         <p:spPr>
           <a:xfrm>
-            <a:off x="2133409" y="2209228"/>
+            <a:off x="2133409" y="2832683"/>
             <a:ext cx="8010525" cy="1476375"/>
           </a:xfrm>
           <a:prstGeom prst="rect">
@@ -31847,6 +32504,49 @@
           </a:prstGeom>
         </p:spPr>
       </p:pic>
+      <p:sp>
+        <p:nvSpPr>
+          <p:cNvPr id="7" name="TextBox 6"/>
+          <p:cNvSpPr txBox="1"/>
+          <p:nvPr/>
+        </p:nvSpPr>
+        <p:spPr>
+          <a:xfrm>
+            <a:off x="6670964" y="6530037"/>
+            <a:ext cx="5586786" cy="246221"/>
+          </a:xfrm>
+          <a:prstGeom prst="rect">
+            <a:avLst/>
+          </a:prstGeom>
+          <a:noFill/>
+        </p:spPr>
+        <p:txBody>
+          <a:bodyPr wrap="none" rtlCol="0">
+            <a:spAutoFit/>
+          </a:bodyPr>
+          <a:lstStyle/>
+          <a:p>
+            <a:pPr marL="0" lvl="1"/>
+            <a:r>
+              <a:rPr lang="en-US" sz="1000" dirty="0"/>
+              <a:t>s</a:t>
+            </a:r>
+            <a:r>
+              <a:rPr lang="en-US" sz="1000" dirty="0" smtClean="0"/>
+              <a:t>ource: </a:t>
+            </a:r>
+            <a:r>
+              <a:rPr lang="en-US" sz="1000" dirty="0"/>
+              <a:t>http://www3.cs.stonybrook.edu/~</a:t>
+            </a:r>
+            <a:r>
+              <a:rPr lang="en-US" sz="1000" dirty="0" smtClean="0"/>
+              <a:t>rezaul/Spring-2012/CSE613/CSE613-lecture-11.pdf</a:t>
+            </a:r>
+            <a:endParaRPr lang="en-US" sz="1000" dirty="0"/>
+          </a:p>
+        </p:txBody>
+      </p:sp>
     </p:spTree>
     <p:extLst>
       <p:ext uri="{BB962C8B-B14F-4D97-AF65-F5344CB8AC3E}">
@@ -31901,7 +32601,7 @@
           <a:p>
             <a:r>
               <a:rPr lang="en-US" dirty="0" smtClean="0"/>
-              <a:t>Randomized Contraction</a:t>
+              <a:t>Randomized contraction</a:t>
             </a:r>
             <a:endParaRPr lang="en-US" dirty="0"/>
           </a:p>
@@ -31922,6 +32622,10 @@
           <a:bodyPr/>
           <a:lstStyle/>
           <a:p>
+            <a:r>
+              <a:rPr lang="en-US" dirty="0" smtClean="0"/>
+              <a:t>Each contraction leads to less edges</a:t>
+            </a:r>
             <a:endParaRPr lang="en-US" dirty="0"/>
           </a:p>
         </p:txBody>
@@ -31942,7 +32646,7 @@
         </p:blipFill>
         <p:spPr>
           <a:xfrm>
-            <a:off x="1849581" y="2189449"/>
+            <a:off x="1849581" y="2855418"/>
             <a:ext cx="8534400" cy="2562225"/>
           </a:xfrm>
           <a:prstGeom prst="rect">
@@ -31950,6 +32654,49 @@
           </a:prstGeom>
         </p:spPr>
       </p:pic>
+      <p:sp>
+        <p:nvSpPr>
+          <p:cNvPr id="6" name="TextBox 5"/>
+          <p:cNvSpPr txBox="1"/>
+          <p:nvPr/>
+        </p:nvSpPr>
+        <p:spPr>
+          <a:xfrm>
+            <a:off x="6670964" y="6530037"/>
+            <a:ext cx="5586786" cy="246221"/>
+          </a:xfrm>
+          <a:prstGeom prst="rect">
+            <a:avLst/>
+          </a:prstGeom>
+          <a:noFill/>
+        </p:spPr>
+        <p:txBody>
+          <a:bodyPr wrap="none" rtlCol="0">
+            <a:spAutoFit/>
+          </a:bodyPr>
+          <a:lstStyle/>
+          <a:p>
+            <a:pPr marL="0" lvl="1"/>
+            <a:r>
+              <a:rPr lang="en-US" sz="1000" dirty="0"/>
+              <a:t>s</a:t>
+            </a:r>
+            <a:r>
+              <a:rPr lang="en-US" sz="1000" dirty="0" smtClean="0"/>
+              <a:t>ource: </a:t>
+            </a:r>
+            <a:r>
+              <a:rPr lang="en-US" sz="1000" dirty="0"/>
+              <a:t>http://www3.cs.stonybrook.edu/~</a:t>
+            </a:r>
+            <a:r>
+              <a:rPr lang="en-US" sz="1000" dirty="0" smtClean="0"/>
+              <a:t>rezaul/Spring-2012/CSE613/CSE613-lecture-11.pdf</a:t>
+            </a:r>
+            <a:endParaRPr lang="en-US" sz="1000" dirty="0"/>
+          </a:p>
+        </p:txBody>
+      </p:sp>
     </p:spTree>
     <p:extLst>
       <p:ext uri="{BB962C8B-B14F-4D97-AF65-F5344CB8AC3E}">
@@ -32003,7 +32750,7 @@
         </p:blipFill>
         <p:spPr>
           <a:xfrm>
-            <a:off x="1782472" y="2189449"/>
+            <a:off x="1782472" y="2813858"/>
             <a:ext cx="8696325" cy="3962400"/>
           </a:xfrm>
           <a:prstGeom prst="rect">
@@ -32028,7 +32775,7 @@
           <a:p>
             <a:r>
               <a:rPr lang="en-US" dirty="0" smtClean="0"/>
-              <a:t>Randomized Contraction</a:t>
+              <a:t>Randomized contraction</a:t>
             </a:r>
             <a:endParaRPr lang="en-US" dirty="0"/>
           </a:p>
@@ -32049,7 +32796,54 @@
           <a:bodyPr/>
           <a:lstStyle/>
           <a:p>
+            <a:r>
+              <a:rPr lang="en-US" dirty="0" smtClean="0"/>
+              <a:t>Contract until no edges are left</a:t>
+            </a:r>
             <a:endParaRPr lang="en-US" dirty="0"/>
+          </a:p>
+        </p:txBody>
+      </p:sp>
+      <p:sp>
+        <p:nvSpPr>
+          <p:cNvPr id="6" name="TextBox 5"/>
+          <p:cNvSpPr txBox="1"/>
+          <p:nvPr/>
+        </p:nvSpPr>
+        <p:spPr>
+          <a:xfrm>
+            <a:off x="6670964" y="6530037"/>
+            <a:ext cx="5586786" cy="246221"/>
+          </a:xfrm>
+          <a:prstGeom prst="rect">
+            <a:avLst/>
+          </a:prstGeom>
+          <a:noFill/>
+        </p:spPr>
+        <p:txBody>
+          <a:bodyPr wrap="none" rtlCol="0">
+            <a:spAutoFit/>
+          </a:bodyPr>
+          <a:lstStyle/>
+          <a:p>
+            <a:pPr marL="0" lvl="1"/>
+            <a:r>
+              <a:rPr lang="en-US" sz="1000" dirty="0"/>
+              <a:t>s</a:t>
+            </a:r>
+            <a:r>
+              <a:rPr lang="en-US" sz="1000" dirty="0" smtClean="0"/>
+              <a:t>ource: </a:t>
+            </a:r>
+            <a:r>
+              <a:rPr lang="en-US" sz="1000" dirty="0"/>
+              <a:t>http://www3.cs.stonybrook.edu/~</a:t>
+            </a:r>
+            <a:r>
+              <a:rPr lang="en-US" sz="1000" dirty="0" smtClean="0"/>
+              <a:t>rezaul/Spring-2012/CSE613/CSE613-lecture-11.pdf</a:t>
+            </a:r>
+            <a:endParaRPr lang="en-US" sz="1000" dirty="0"/>
           </a:p>
         </p:txBody>
       </p:sp>
@@ -32107,7 +32901,7 @@
           <a:p>
             <a:r>
               <a:rPr lang="en-US" dirty="0" smtClean="0"/>
-              <a:t>Randomized Contraction</a:t>
+              <a:t>Randomized contraction</a:t>
             </a:r>
             <a:endParaRPr lang="en-US" dirty="0"/>
           </a:p>
@@ -32128,6 +32922,10 @@
           <a:bodyPr/>
           <a:lstStyle/>
           <a:p>
+            <a:r>
+              <a:rPr lang="en-US" dirty="0" smtClean="0"/>
+              <a:t>Reverse the path to find the vertices component number</a:t>
+            </a:r>
             <a:endParaRPr lang="en-US" dirty="0"/>
           </a:p>
         </p:txBody>
@@ -32156,6 +32954,49 @@
           </a:prstGeom>
         </p:spPr>
       </p:pic>
+      <p:sp>
+        <p:nvSpPr>
+          <p:cNvPr id="6" name="TextBox 5"/>
+          <p:cNvSpPr txBox="1"/>
+          <p:nvPr/>
+        </p:nvSpPr>
+        <p:spPr>
+          <a:xfrm>
+            <a:off x="6670964" y="6530037"/>
+            <a:ext cx="5586786" cy="246221"/>
+          </a:xfrm>
+          <a:prstGeom prst="rect">
+            <a:avLst/>
+          </a:prstGeom>
+          <a:noFill/>
+        </p:spPr>
+        <p:txBody>
+          <a:bodyPr wrap="none" rtlCol="0">
+            <a:spAutoFit/>
+          </a:bodyPr>
+          <a:lstStyle/>
+          <a:p>
+            <a:pPr marL="0" lvl="1"/>
+            <a:r>
+              <a:rPr lang="en-US" sz="1000" dirty="0"/>
+              <a:t>s</a:t>
+            </a:r>
+            <a:r>
+              <a:rPr lang="en-US" sz="1000" dirty="0" smtClean="0"/>
+              <a:t>ource: </a:t>
+            </a:r>
+            <a:r>
+              <a:rPr lang="en-US" sz="1000" dirty="0"/>
+              <a:t>http://www3.cs.stonybrook.edu/~</a:t>
+            </a:r>
+            <a:r>
+              <a:rPr lang="en-US" sz="1000" dirty="0" smtClean="0"/>
+              <a:t>rezaul/Spring-2012/CSE613/CSE613-lecture-11.pdf</a:t>
+            </a:r>
+            <a:endParaRPr lang="en-US" sz="1000" dirty="0"/>
+          </a:p>
+        </p:txBody>
+      </p:sp>
     </p:spTree>
     <p:extLst>
       <p:ext uri="{BB962C8B-B14F-4D97-AF65-F5344CB8AC3E}">
@@ -32210,7 +33051,7 @@
           <a:p>
             <a:r>
               <a:rPr lang="en-US" dirty="0" smtClean="0"/>
-              <a:t>Randomized Contraction</a:t>
+              <a:t>Randomized contraction</a:t>
             </a:r>
             <a:endParaRPr lang="en-US" dirty="0"/>
           </a:p>
@@ -32255,7 +33096,7 @@
         </p:xfrm>
         <a:graphic>
           <a:graphicData uri="http://schemas.openxmlformats.org/drawingml/2006/chart">
-            <c:chart xmlns:c="http://schemas.openxmlformats.org/drawingml/2006/chart" xmlns:r="http://schemas.openxmlformats.org/officeDocument/2006/relationships" r:id="rId2"/>
+            <c:chart xmlns:c="http://schemas.openxmlformats.org/drawingml/2006/chart" xmlns:r="http://schemas.openxmlformats.org/officeDocument/2006/relationships" r:id="rId3"/>
           </a:graphicData>
         </a:graphic>
       </p:graphicFrame>
@@ -33601,7 +34442,7 @@
           <a:p>
             <a:r>
               <a:rPr lang="en-US" dirty="0" smtClean="0"/>
-              <a:t>Parallel transversal</a:t>
+              <a:t>Parallel traversal</a:t>
             </a:r>
             <a:endParaRPr lang="en-US" dirty="0"/>
           </a:p>
@@ -33680,7 +34521,7 @@
           <a:p>
             <a:r>
               <a:rPr lang="en-US" dirty="0" smtClean="0"/>
-              <a:t>Parallel transversal</a:t>
+              <a:t>Parallel traversal</a:t>
             </a:r>
             <a:endParaRPr lang="en-US" dirty="0"/>
           </a:p>
@@ -34711,7 +35552,7 @@
           <a:p>
             <a:r>
               <a:rPr lang="en-US" dirty="0" smtClean="0"/>
-              <a:t>Parallel transversal</a:t>
+              <a:t>Parallel traversal</a:t>
             </a:r>
             <a:endParaRPr lang="en-US" dirty="0"/>
           </a:p>
@@ -35744,7 +36585,7 @@
           <a:p>
             <a:r>
               <a:rPr lang="en-US" dirty="0" smtClean="0"/>
-              <a:t>Parallel transversal</a:t>
+              <a:t>Parallel traversal</a:t>
             </a:r>
             <a:endParaRPr lang="en-US" dirty="0"/>
           </a:p>
@@ -36790,7 +37631,7 @@
           <a:p>
             <a:r>
               <a:rPr lang="en-US" dirty="0" smtClean="0"/>
-              <a:t>Parallel transversal</a:t>
+              <a:t>Parallel traversal</a:t>
             </a:r>
             <a:endParaRPr lang="en-US" dirty="0"/>
           </a:p>
@@ -37830,7 +38671,7 @@
           <a:p>
             <a:r>
               <a:rPr lang="en-US" dirty="0" smtClean="0"/>
-              <a:t>Parallel transversal</a:t>
+              <a:t>Parallel traversal</a:t>
             </a:r>
             <a:endParaRPr lang="en-US" dirty="0"/>
           </a:p>
@@ -38034,7 +38875,7 @@
           <a:p>
             <a:r>
               <a:rPr lang="en-US" dirty="0" smtClean="0"/>
-              <a:t>Parallel transversal</a:t>
+              <a:t>Parallel traversal</a:t>
             </a:r>
             <a:endParaRPr lang="en-US" dirty="0"/>
           </a:p>
@@ -38478,7 +39319,7 @@
           <a:p>
             <a:r>
               <a:rPr lang="en-US" dirty="0" smtClean="0"/>
-              <a:t>Parallel transversal</a:t>
+              <a:t>Parallel traversal</a:t>
             </a:r>
             <a:endParaRPr lang="en-US" dirty="0"/>
           </a:p>
@@ -38775,7 +39616,7 @@
             <a:avLst/>
           </a:prstGeom>
           <a:solidFill>
-            <a:srgbClr val="FFFF00"/>
+            <a:srgbClr val="00B050"/>
           </a:solidFill>
         </p:spPr>
         <p:style>
@@ -39074,7 +39915,7 @@
           <a:p>
             <a:r>
               <a:rPr lang="en-US" dirty="0" smtClean="0"/>
-              <a:t>Parallel transversal</a:t>
+              <a:t>Parallel traversal</a:t>
             </a:r>
             <a:endParaRPr lang="en-US" dirty="0"/>
           </a:p>
@@ -39401,7 +40242,7 @@
             <a:avLst/>
           </a:prstGeom>
           <a:solidFill>
-            <a:srgbClr val="FFFF00"/>
+            <a:srgbClr val="00B050"/>
           </a:solidFill>
         </p:spPr>
         <p:style>
@@ -39480,7 +40321,7 @@
             <a:avLst/>
           </a:prstGeom>
           <a:solidFill>
-            <a:srgbClr val="FFFF00"/>
+            <a:srgbClr val="00B050"/>
           </a:solidFill>
         </p:spPr>
         <p:style>
@@ -39523,7 +40364,7 @@
             <a:avLst/>
           </a:prstGeom>
           <a:solidFill>
-            <a:srgbClr val="FFFF00"/>
+            <a:srgbClr val="00B050"/>
           </a:solidFill>
         </p:spPr>
         <p:style>
@@ -39822,7 +40663,7 @@
           <a:p>
             <a:r>
               <a:rPr lang="en-US" dirty="0" smtClean="0"/>
-              <a:t>Parallel transversal</a:t>
+              <a:t>Parallel traversal</a:t>
             </a:r>
             <a:endParaRPr lang="en-US" dirty="0"/>
           </a:p>
@@ -40149,7 +40990,7 @@
             <a:avLst/>
           </a:prstGeom>
           <a:solidFill>
-            <a:srgbClr val="FFFF00"/>
+            <a:srgbClr val="00B050"/>
           </a:solidFill>
         </p:spPr>
         <p:style>
@@ -40228,7 +41069,7 @@
             <a:avLst/>
           </a:prstGeom>
           <a:solidFill>
-            <a:srgbClr val="FFFF00"/>
+            <a:srgbClr val="00B050"/>
           </a:solidFill>
         </p:spPr>
         <p:style>
@@ -40271,7 +41112,7 @@
             <a:avLst/>
           </a:prstGeom>
           <a:solidFill>
-            <a:srgbClr val="FFFF00"/>
+            <a:srgbClr val="00B050"/>
           </a:solidFill>
         </p:spPr>
         <p:style>
@@ -40591,7 +41432,7 @@
             <a:avLst/>
           </a:prstGeom>
           <a:solidFill>
-            <a:srgbClr val="00B050"/>
+            <a:srgbClr val="FFFF00"/>
           </a:solidFill>
         </p:spPr>
         <p:style>
@@ -40713,7 +41554,7 @@
             <a:avLst/>
           </a:prstGeom>
           <a:solidFill>
-            <a:srgbClr val="00B050"/>
+            <a:srgbClr val="FFFF00"/>
           </a:solidFill>
         </p:spPr>
         <p:style>
@@ -40756,7 +41597,7 @@
             <a:avLst/>
           </a:prstGeom>
           <a:solidFill>
-            <a:srgbClr val="00B050"/>
+            <a:srgbClr val="FFFF00"/>
           </a:solidFill>
         </p:spPr>
         <p:style>
@@ -40904,7 +41745,7 @@
             <a:pPr lvl="1"/>
             <a:r>
               <a:rPr lang="en-US" dirty="0" smtClean="0"/>
-              <a:t>Transversal (BFS/DFS) – O(n + m)</a:t>
+              <a:t>Traversal (BFS/DFS) – O(n + m)</a:t>
             </a:r>
           </a:p>
           <a:p>
@@ -41007,7 +41848,7 @@
           <a:p>
             <a:r>
               <a:rPr lang="en-US" dirty="0" smtClean="0"/>
-              <a:t>Parallel transversal</a:t>
+              <a:t>Parallel traversal</a:t>
             </a:r>
             <a:endParaRPr lang="en-US" dirty="0"/>
           </a:p>
@@ -42135,6 +42976,35 @@
           </a:fontRef>
         </p:style>
       </p:cxnSp>
+      <p:sp>
+        <p:nvSpPr>
+          <p:cNvPr id="41" name="TextBox 40"/>
+          <p:cNvSpPr txBox="1"/>
+          <p:nvPr/>
+        </p:nvSpPr>
+        <p:spPr>
+          <a:xfrm>
+            <a:off x="3364834" y="3449158"/>
+            <a:ext cx="1563248" cy="369332"/>
+          </a:xfrm>
+          <a:prstGeom prst="rect">
+            <a:avLst/>
+          </a:prstGeom>
+          <a:noFill/>
+        </p:spPr>
+        <p:txBody>
+          <a:bodyPr wrap="none" rtlCol="0">
+            <a:spAutoFit/>
+          </a:bodyPr>
+          <a:lstStyle/>
+          <a:p>
+            <a:r>
+              <a:rPr lang="en-US" dirty="0" smtClean="0"/>
+              <a:t>Green thread</a:t>
+            </a:r>
+          </a:p>
+        </p:txBody>
+      </p:sp>
     </p:spTree>
     <p:extLst>
       <p:ext uri="{BB962C8B-B14F-4D97-AF65-F5344CB8AC3E}">
@@ -42189,7 +43059,7 @@
           <a:p>
             <a:r>
               <a:rPr lang="en-US" dirty="0" smtClean="0"/>
-              <a:t>Parallel transversal</a:t>
+              <a:t>Parallel traversal</a:t>
             </a:r>
             <a:endParaRPr lang="en-US" dirty="0"/>
           </a:p>
@@ -42291,7 +43161,7 @@
           <a:p>
             <a:r>
               <a:rPr lang="en-US" dirty="0" smtClean="0"/>
-              <a:t>Parallel transversal</a:t>
+              <a:t>Parallel traversal</a:t>
             </a:r>
             <a:endParaRPr lang="en-US" dirty="0"/>
           </a:p>
@@ -42336,7 +43206,7 @@
         </p:xfrm>
         <a:graphic>
           <a:graphicData uri="http://schemas.openxmlformats.org/drawingml/2006/chart">
-            <c:chart xmlns:c="http://schemas.openxmlformats.org/drawingml/2006/chart" xmlns:r="http://schemas.openxmlformats.org/officeDocument/2006/relationships" r:id="rId2"/>
+            <c:chart xmlns:c="http://schemas.openxmlformats.org/drawingml/2006/chart" xmlns:r="http://schemas.openxmlformats.org/officeDocument/2006/relationships" r:id="rId3"/>
           </a:graphicData>
         </a:graphic>
       </p:graphicFrame>
@@ -42394,7 +43264,7 @@
           <a:p>
             <a:r>
               <a:rPr lang="en-US" dirty="0" smtClean="0"/>
-              <a:t>Parallel transversal with atomics</a:t>
+              <a:t>Parallel traversal with atomics</a:t>
             </a:r>
             <a:endParaRPr lang="en-US" dirty="0"/>
           </a:p>
@@ -42501,7 +43371,7 @@
           <a:p>
             <a:r>
               <a:rPr lang="en-US" dirty="0" smtClean="0"/>
-              <a:t>Parallel transversal with atomics</a:t>
+              <a:t>Parallel traversal with atomics</a:t>
             </a:r>
             <a:endParaRPr lang="en-US" dirty="0"/>
           </a:p>
@@ -42546,7 +43416,7 @@
         </p:xfrm>
         <a:graphic>
           <a:graphicData uri="http://schemas.openxmlformats.org/drawingml/2006/chart">
-            <c:chart xmlns:c="http://schemas.openxmlformats.org/drawingml/2006/chart" xmlns:r="http://schemas.openxmlformats.org/officeDocument/2006/relationships" r:id="rId2"/>
+            <c:chart xmlns:c="http://schemas.openxmlformats.org/drawingml/2006/chart" xmlns:r="http://schemas.openxmlformats.org/officeDocument/2006/relationships" r:id="rId3"/>
           </a:graphicData>
         </a:graphic>
       </p:graphicFrame>
@@ -42728,7 +43598,7 @@
         </p:xfrm>
         <a:graphic>
           <a:graphicData uri="http://schemas.openxmlformats.org/drawingml/2006/chart">
-            <c:chart xmlns:c="http://schemas.openxmlformats.org/drawingml/2006/chart" xmlns:r="http://schemas.openxmlformats.org/officeDocument/2006/relationships" r:id="rId2"/>
+            <c:chart xmlns:c="http://schemas.openxmlformats.org/drawingml/2006/chart" xmlns:r="http://schemas.openxmlformats.org/officeDocument/2006/relationships" r:id="rId3"/>
           </a:graphicData>
         </a:graphic>
       </p:graphicFrame>
@@ -42934,7 +43804,7 @@
         </p:xfrm>
         <a:graphic>
           <a:graphicData uri="http://schemas.openxmlformats.org/drawingml/2006/chart">
-            <c:chart xmlns:c="http://schemas.openxmlformats.org/drawingml/2006/chart" xmlns:r="http://schemas.openxmlformats.org/officeDocument/2006/relationships" r:id="rId2"/>
+            <c:chart xmlns:c="http://schemas.openxmlformats.org/drawingml/2006/chart" xmlns:r="http://schemas.openxmlformats.org/officeDocument/2006/relationships" r:id="rId3"/>
           </a:graphicData>
         </a:graphic>
       </p:graphicFrame>
@@ -43118,7 +43988,7 @@
           <a:p>
             <a:r>
               <a:rPr lang="en-US" dirty="0" smtClean="0"/>
-              <a:t>Lock free parallel transversal</a:t>
+              <a:t>Lock free parallel traversal</a:t>
             </a:r>
           </a:p>
           <a:p>
@@ -43710,14 +44580,14 @@
             <a:pPr lvl="1"/>
             <a:r>
               <a:rPr lang="en-US" dirty="0" smtClean="0"/>
-              <a:t>Best for small graphs: union find</a:t>
+              <a:t>Best overall: union find (even though traversal has better complexity)</a:t>
             </a:r>
           </a:p>
           <a:p>
             <a:pPr lvl="1"/>
             <a:r>
               <a:rPr lang="en-US" dirty="0" smtClean="0"/>
-              <a:t>Best for large graphs: parallel transversal with atomics</a:t>
+              <a:t>Best for very large graphs and plenty of cores: parallel traversal with atomics</a:t>
             </a:r>
           </a:p>
           <a:p>
@@ -43972,8 +44842,13 @@
           <a:p>
             <a:r>
               <a:rPr lang="en-US" dirty="0"/>
-              <a:t>Serial transversal</a:t>
+              <a:t>Serial </a:t>
             </a:r>
+            <a:r>
+              <a:rPr lang="en-US" dirty="0" smtClean="0"/>
+              <a:t>traversal</a:t>
+            </a:r>
+            <a:endParaRPr lang="en-US" dirty="0"/>
           </a:p>
         </p:txBody>
       </p:sp>
@@ -45053,8 +45928,13 @@
           <a:p>
             <a:r>
               <a:rPr lang="en-US" dirty="0"/>
-              <a:t>Serial transversal</a:t>
+              <a:t>Serial </a:t>
             </a:r>
+            <a:r>
+              <a:rPr lang="en-US" dirty="0" smtClean="0"/>
+              <a:t>traversal</a:t>
+            </a:r>
+            <a:endParaRPr lang="en-US" dirty="0"/>
           </a:p>
         </p:txBody>
       </p:sp>
@@ -46134,8 +47014,13 @@
           <a:p>
             <a:r>
               <a:rPr lang="en-US" dirty="0"/>
-              <a:t>Serial transversal</a:t>
+              <a:t>Serial </a:t>
             </a:r>
+            <a:r>
+              <a:rPr lang="en-US" dirty="0" smtClean="0"/>
+              <a:t>traversal</a:t>
+            </a:r>
+            <a:endParaRPr lang="en-US" dirty="0"/>
           </a:p>
         </p:txBody>
       </p:sp>
